--- a/notes/07-largec-io.pptx
+++ b/notes/07-largec-io.pptx
@@ -224,7 +224,7 @@
           <a:p>
             <a:fld id="{8CD237BB-56F8-764F-B027-D9A1F55907E9}" type="datetimeFigureOut">
               <a:rPr lang="en-US" smtClean="0"/>
-              <a:t>10/1/18</a:t>
+              <a:t>2/24/19</a:t>
             </a:fld>
             <a:endParaRPr lang="en-US"/>
           </a:p>
@@ -673,7 +673,7 @@
           <a:p>
             <a:fld id="{3F34AE04-16C2-ED46-8A46-92128D0FB2E2}" type="datetimeFigureOut">
               <a:rPr lang="en-US" smtClean="0"/>
-              <a:t>10/1/18</a:t>
+              <a:t>2/24/19</a:t>
             </a:fld>
             <a:endParaRPr lang="en-US"/>
           </a:p>
@@ -843,7 +843,7 @@
           <a:p>
             <a:fld id="{3F34AE04-16C2-ED46-8A46-92128D0FB2E2}" type="datetimeFigureOut">
               <a:rPr lang="en-US" smtClean="0"/>
-              <a:t>10/1/18</a:t>
+              <a:t>2/24/19</a:t>
             </a:fld>
             <a:endParaRPr lang="en-US"/>
           </a:p>
@@ -1023,7 +1023,7 @@
           <a:p>
             <a:fld id="{3F34AE04-16C2-ED46-8A46-92128D0FB2E2}" type="datetimeFigureOut">
               <a:rPr lang="en-US" smtClean="0"/>
-              <a:t>10/1/18</a:t>
+              <a:t>2/24/19</a:t>
             </a:fld>
             <a:endParaRPr lang="en-US"/>
           </a:p>
@@ -1193,7 +1193,7 @@
           <a:p>
             <a:fld id="{3F34AE04-16C2-ED46-8A46-92128D0FB2E2}" type="datetimeFigureOut">
               <a:rPr lang="en-US" smtClean="0"/>
-              <a:t>10/1/18</a:t>
+              <a:t>2/24/19</a:t>
             </a:fld>
             <a:endParaRPr lang="en-US"/>
           </a:p>
@@ -1439,7 +1439,7 @@
           <a:p>
             <a:fld id="{3F34AE04-16C2-ED46-8A46-92128D0FB2E2}" type="datetimeFigureOut">
               <a:rPr lang="en-US" smtClean="0"/>
-              <a:t>10/1/18</a:t>
+              <a:t>2/24/19</a:t>
             </a:fld>
             <a:endParaRPr lang="en-US"/>
           </a:p>
@@ -1727,7 +1727,7 @@
           <a:p>
             <a:fld id="{3F34AE04-16C2-ED46-8A46-92128D0FB2E2}" type="datetimeFigureOut">
               <a:rPr lang="en-US" smtClean="0"/>
-              <a:t>10/1/18</a:t>
+              <a:t>2/24/19</a:t>
             </a:fld>
             <a:endParaRPr lang="en-US"/>
           </a:p>
@@ -2149,7 +2149,7 @@
           <a:p>
             <a:fld id="{3F34AE04-16C2-ED46-8A46-92128D0FB2E2}" type="datetimeFigureOut">
               <a:rPr lang="en-US" smtClean="0"/>
-              <a:t>10/1/18</a:t>
+              <a:t>2/24/19</a:t>
             </a:fld>
             <a:endParaRPr lang="en-US"/>
           </a:p>
@@ -2267,7 +2267,7 @@
           <a:p>
             <a:fld id="{3F34AE04-16C2-ED46-8A46-92128D0FB2E2}" type="datetimeFigureOut">
               <a:rPr lang="en-US" smtClean="0"/>
-              <a:t>10/1/18</a:t>
+              <a:t>2/24/19</a:t>
             </a:fld>
             <a:endParaRPr lang="en-US"/>
           </a:p>
@@ -2362,7 +2362,7 @@
           <a:p>
             <a:fld id="{3F34AE04-16C2-ED46-8A46-92128D0FB2E2}" type="datetimeFigureOut">
               <a:rPr lang="en-US" smtClean="0"/>
-              <a:t>10/1/18</a:t>
+              <a:t>2/24/19</a:t>
             </a:fld>
             <a:endParaRPr lang="en-US"/>
           </a:p>
@@ -2639,7 +2639,7 @@
           <a:p>
             <a:fld id="{3F34AE04-16C2-ED46-8A46-92128D0FB2E2}" type="datetimeFigureOut">
               <a:rPr lang="en-US" smtClean="0"/>
-              <a:t>10/1/18</a:t>
+              <a:t>2/24/19</a:t>
             </a:fld>
             <a:endParaRPr lang="en-US"/>
           </a:p>
@@ -2892,7 +2892,7 @@
           <a:p>
             <a:fld id="{3F34AE04-16C2-ED46-8A46-92128D0FB2E2}" type="datetimeFigureOut">
               <a:rPr lang="en-US" smtClean="0"/>
-              <a:t>10/1/18</a:t>
+              <a:t>2/24/19</a:t>
             </a:fld>
             <a:endParaRPr lang="en-US"/>
           </a:p>
@@ -3105,7 +3105,7 @@
           <a:p>
             <a:fld id="{3F34AE04-16C2-ED46-8A46-92128D0FB2E2}" type="datetimeFigureOut">
               <a:rPr lang="en-US" smtClean="0"/>
-              <a:t>10/1/18</a:t>
+              <a:t>2/24/19</a:t>
             </a:fld>
             <a:endParaRPr lang="en-US"/>
           </a:p>
@@ -3506,15 +3506,7 @@
             </a:br>
             <a:r>
               <a:rPr lang="en-US" dirty="0" smtClean="0"/>
-              <a:t>Large </a:t>
-            </a:r>
-            <a:r>
-              <a:rPr lang="en-US" dirty="0" smtClean="0"/>
-              <a:t>C Program </a:t>
-            </a:r>
-            <a:r>
-              <a:rPr lang="en-US" dirty="0" smtClean="0"/>
-              <a:t>organization,</a:t>
+              <a:t>Large C Program organization,</a:t>
             </a:r>
             <a:br>
               <a:rPr lang="en-US" dirty="0" smtClean="0"/>
@@ -14063,7 +14055,7 @@
         <p:spPr>
           <a:xfrm>
             <a:off x="652756" y="900961"/>
-            <a:ext cx="7396911" cy="5078313"/>
+            <a:ext cx="7396911" cy="5386090"/>
           </a:xfrm>
           <a:prstGeom prst="rect">
             <a:avLst/>
@@ -14122,11 +14114,25 @@
               <a:t>     </a:t>
             </a:r>
             <a:r>
+              <a:rPr lang="en-US" altLang="zh-CN" sz="2000" dirty="0" smtClean="0">
+                <a:latin typeface="Consolas"/>
+                <a:cs typeface="Consolas"/>
+              </a:rPr>
+              <a:t>long </a:t>
+            </a:r>
+            <a:r>
+              <a:rPr lang="en-US" altLang="zh-CN" sz="2000" dirty="0" err="1" smtClean="0">
+                <a:latin typeface="Consolas"/>
+                <a:cs typeface="Consolas"/>
+              </a:rPr>
+              <a:t>val</a:t>
+            </a:r>
+            <a:r>
               <a:rPr lang="en-US" altLang="zh-CN" sz="2000" dirty="0">
                 <a:latin typeface="Consolas"/>
                 <a:cs typeface="Consolas"/>
               </a:rPr>
-              <a:t>int val;</a:t>
+              <a:t>;</a:t>
             </a:r>
           </a:p>
           <a:p>
@@ -14204,27 +14210,205 @@
                 <a:latin typeface="Consolas"/>
                 <a:cs typeface="Consolas"/>
               </a:rPr>
-              <a:t>node* insert(node *head, </a:t>
+              <a:t>void </a:t>
+            </a:r>
+            <a:r>
+              <a:rPr lang="en-US" altLang="zh-CN" sz="2000" dirty="0" smtClean="0">
+                <a:latin typeface="Consolas"/>
+                <a:cs typeface="Consolas"/>
+              </a:rPr>
+              <a:t>insert(node *</a:t>
             </a:r>
             <a:r>
               <a:rPr lang="en-US" altLang="zh-CN" sz="2000" dirty="0" err="1" smtClean="0">
                 <a:latin typeface="Consolas"/>
                 <a:cs typeface="Consolas"/>
               </a:rPr>
-              <a:t>int</a:t>
-            </a:r>
-            <a:r>
-              <a:rPr lang="en-US" altLang="zh-CN" sz="2000" dirty="0" smtClean="0">
+              <a:t>headp</a:t>
+            </a:r>
+            <a:r>
+              <a:rPr lang="en-US" altLang="zh-CN" sz="2000" dirty="0" smtClean="0">
+                <a:latin typeface="Consolas"/>
+                <a:cs typeface="Consolas"/>
+              </a:rPr>
+              <a:t>, long </a:t>
+            </a:r>
+            <a:r>
+              <a:rPr lang="en-US" altLang="zh-CN" sz="2000" dirty="0" err="1" smtClean="0">
+                <a:latin typeface="Consolas"/>
+                <a:cs typeface="Consolas"/>
+              </a:rPr>
+              <a:t>val</a:t>
+            </a:r>
+            <a:r>
+              <a:rPr lang="en-US" altLang="zh-CN" sz="2000" dirty="0" smtClean="0">
+                <a:latin typeface="Consolas"/>
+                <a:cs typeface="Consolas"/>
+              </a:rPr>
+              <a:t>) </a:t>
+            </a:r>
+            <a:r>
+              <a:rPr lang="en-US" altLang="zh-CN" sz="2000" dirty="0">
+                <a:latin typeface="Consolas"/>
+                <a:cs typeface="Consolas"/>
+              </a:rPr>
+              <a:t>{</a:t>
+            </a:r>
+          </a:p>
+          <a:p>
+            <a:r>
+              <a:rPr lang="en-US" altLang="zh-CN" sz="2000" b="1" dirty="0">
                 <a:latin typeface="Consolas"/>
                 <a:cs typeface="Consolas"/>
               </a:rPr>
               <a:t> </a:t>
             </a:r>
             <a:r>
+              <a:rPr lang="en-US" altLang="zh-CN" sz="2000" b="1" dirty="0" smtClean="0">
+                <a:latin typeface="Consolas"/>
+                <a:cs typeface="Consolas"/>
+              </a:rPr>
+              <a:t>   </a:t>
+            </a:r>
+            <a:r>
+              <a:rPr lang="en-US" altLang="zh-CN" sz="2000" dirty="0" smtClean="0">
+                <a:latin typeface="Consolas"/>
+                <a:cs typeface="Consolas"/>
+              </a:rPr>
+              <a:t>node </a:t>
+            </a:r>
+            <a:r>
+              <a:rPr lang="en-US" altLang="zh-CN" sz="2000" dirty="0" smtClean="0">
+                <a:latin typeface="Consolas"/>
+                <a:cs typeface="Consolas"/>
+              </a:rPr>
+              <a:t>*n = </a:t>
+            </a:r>
+            <a:r>
+              <a:rPr lang="en-US" altLang="zh-CN" sz="2000" dirty="0" smtClean="0">
+                <a:latin typeface="Consolas"/>
+                <a:cs typeface="Consolas"/>
+              </a:rPr>
+              <a:t>(node *)</a:t>
+            </a:r>
+            <a:r>
               <a:rPr lang="en-US" altLang="zh-CN" sz="2000" dirty="0" err="1" smtClean="0">
                 <a:latin typeface="Consolas"/>
                 <a:cs typeface="Consolas"/>
               </a:rPr>
+              <a:t>malloc</a:t>
+            </a:r>
+            <a:r>
+              <a:rPr lang="en-US" altLang="zh-CN" sz="2000" dirty="0" smtClean="0">
+                <a:latin typeface="Consolas"/>
+                <a:cs typeface="Consolas"/>
+              </a:rPr>
+              <a:t>(</a:t>
+            </a:r>
+            <a:r>
+              <a:rPr lang="en-US" altLang="zh-CN" sz="2000" dirty="0" err="1" smtClean="0">
+                <a:latin typeface="Consolas"/>
+                <a:cs typeface="Consolas"/>
+              </a:rPr>
+              <a:t>sizeof</a:t>
+            </a:r>
+            <a:r>
+              <a:rPr lang="en-US" altLang="zh-CN" sz="2000" dirty="0" smtClean="0">
+                <a:latin typeface="Consolas"/>
+                <a:cs typeface="Consolas"/>
+              </a:rPr>
+              <a:t>(node));</a:t>
+            </a:r>
+          </a:p>
+          <a:p>
+            <a:r>
+              <a:rPr lang="en-US" altLang="zh-CN" sz="2000" b="1" dirty="0">
+                <a:latin typeface="Consolas"/>
+                <a:cs typeface="Consolas"/>
+              </a:rPr>
+              <a:t> </a:t>
+            </a:r>
+            <a:r>
+              <a:rPr lang="en-US" altLang="zh-CN" sz="2000" b="1" dirty="0" smtClean="0">
+                <a:latin typeface="Consolas"/>
+                <a:cs typeface="Consolas"/>
+              </a:rPr>
+              <a:t>   </a:t>
+            </a:r>
+            <a:r>
+              <a:rPr lang="en-US" altLang="zh-CN" sz="2000" dirty="0" smtClean="0">
+                <a:latin typeface="Consolas"/>
+                <a:cs typeface="Consolas"/>
+              </a:rPr>
+              <a:t>n-</a:t>
+            </a:r>
+            <a:r>
+              <a:rPr lang="en-US" altLang="zh-CN" sz="2000" dirty="0" smtClean="0">
+                <a:latin typeface="Consolas"/>
+                <a:cs typeface="Consolas"/>
+              </a:rPr>
+              <a:t>&gt;next = </a:t>
+            </a:r>
+            <a:r>
+              <a:rPr lang="en-US" altLang="zh-CN" sz="2000" dirty="0">
+                <a:latin typeface="Consolas"/>
+                <a:cs typeface="Consolas"/>
+              </a:rPr>
+              <a:t>*</a:t>
+            </a:r>
+            <a:r>
+              <a:rPr lang="en-US" altLang="zh-CN" sz="2000" dirty="0" err="1" smtClean="0">
+                <a:latin typeface="Consolas"/>
+                <a:cs typeface="Consolas"/>
+              </a:rPr>
+              <a:t>headp</a:t>
+            </a:r>
+            <a:r>
+              <a:rPr lang="en-US" altLang="zh-CN" sz="2000" dirty="0" smtClean="0">
+                <a:latin typeface="Consolas"/>
+                <a:cs typeface="Consolas"/>
+              </a:rPr>
+              <a:t>;</a:t>
+            </a:r>
+            <a:endParaRPr lang="en-US" altLang="zh-CN" sz="2000" dirty="0" smtClean="0">
+              <a:latin typeface="Consolas"/>
+              <a:cs typeface="Consolas"/>
+            </a:endParaRPr>
+          </a:p>
+          <a:p>
+            <a:r>
+              <a:rPr lang="en-US" altLang="zh-CN" sz="2000" dirty="0">
+                <a:latin typeface="Consolas"/>
+                <a:cs typeface="Consolas"/>
+              </a:rPr>
+              <a:t> </a:t>
+            </a:r>
+            <a:r>
+              <a:rPr lang="en-US" altLang="zh-CN" sz="2000" dirty="0" smtClean="0">
+                <a:latin typeface="Consolas"/>
+                <a:cs typeface="Consolas"/>
+              </a:rPr>
+              <a:t>   </a:t>
+            </a:r>
+            <a:r>
+              <a:rPr lang="en-US" altLang="zh-CN" sz="2000" dirty="0" smtClean="0">
+                <a:latin typeface="Consolas"/>
+                <a:cs typeface="Consolas"/>
+              </a:rPr>
+              <a:t>n-</a:t>
+            </a:r>
+            <a:r>
+              <a:rPr lang="en-US" altLang="zh-CN" sz="2000" dirty="0" smtClean="0">
+                <a:latin typeface="Consolas"/>
+                <a:cs typeface="Consolas"/>
+              </a:rPr>
+              <a:t>&gt;</a:t>
+            </a:r>
+            <a:r>
+              <a:rPr lang="en-US" altLang="zh-CN" sz="2000" dirty="0" err="1" smtClean="0">
+                <a:latin typeface="Consolas"/>
+                <a:cs typeface="Consolas"/>
+              </a:rPr>
               <a:t>val</a:t>
             </a:r>
             <a:r>
@@ -14232,167 +14416,51 @@
                 <a:latin typeface="Consolas"/>
                 <a:cs typeface="Consolas"/>
               </a:rPr>
-              <a:t>) </a:t>
-            </a:r>
+              <a:t> = </a:t>
+            </a:r>
+            <a:r>
+              <a:rPr lang="en-US" altLang="zh-CN" sz="2000" dirty="0" err="1" smtClean="0">
+                <a:latin typeface="Consolas"/>
+                <a:cs typeface="Consolas"/>
+              </a:rPr>
+              <a:t>val</a:t>
+            </a:r>
+            <a:r>
+              <a:rPr lang="en-US" altLang="zh-CN" sz="2000" dirty="0" smtClean="0">
+                <a:latin typeface="Consolas"/>
+                <a:cs typeface="Consolas"/>
+              </a:rPr>
+              <a:t>;</a:t>
+            </a:r>
+          </a:p>
+          <a:p>
             <a:r>
               <a:rPr lang="en-US" altLang="zh-CN" sz="2000" dirty="0">
                 <a:latin typeface="Consolas"/>
                 <a:cs typeface="Consolas"/>
               </a:rPr>
-              <a:t>{</a:t>
-            </a:r>
-          </a:p>
-          <a:p>
-            <a:r>
-              <a:rPr lang="en-US" altLang="zh-CN" sz="2000" b="1" dirty="0">
-                <a:latin typeface="Consolas"/>
-                <a:cs typeface="Consolas"/>
-              </a:rPr>
               <a:t> </a:t>
             </a:r>
             <a:r>
-              <a:rPr lang="en-US" altLang="zh-CN" sz="2000" b="1" dirty="0" smtClean="0">
-                <a:latin typeface="Consolas"/>
-                <a:cs typeface="Consolas"/>
-              </a:rPr>
-              <a:t>   </a:t>
-            </a:r>
-            <a:r>
-              <a:rPr lang="en-US" altLang="zh-CN" sz="2000" dirty="0" smtClean="0">
-                <a:latin typeface="Consolas"/>
-                <a:cs typeface="Consolas"/>
-              </a:rPr>
-              <a:t>node *</a:t>
+              <a:rPr lang="en-US" altLang="zh-CN" sz="2000" dirty="0" smtClean="0">
+                <a:latin typeface="Consolas"/>
+                <a:cs typeface="Consolas"/>
+              </a:rPr>
+              <a:t>   *</a:t>
             </a:r>
             <a:r>
               <a:rPr lang="en-US" altLang="zh-CN" sz="2000" dirty="0" err="1" smtClean="0">
                 <a:latin typeface="Consolas"/>
                 <a:cs typeface="Consolas"/>
               </a:rPr>
-              <a:t>new_head</a:t>
-            </a:r>
-            <a:r>
-              <a:rPr lang="en-US" altLang="zh-CN" sz="2000" dirty="0" smtClean="0">
-                <a:latin typeface="Consolas"/>
-                <a:cs typeface="Consolas"/>
-              </a:rPr>
-              <a:t> = (node *)</a:t>
-            </a:r>
-            <a:r>
-              <a:rPr lang="en-US" altLang="zh-CN" sz="2000" dirty="0" err="1" smtClean="0">
-                <a:latin typeface="Consolas"/>
-                <a:cs typeface="Consolas"/>
-              </a:rPr>
-              <a:t>malloc</a:t>
-            </a:r>
-            <a:r>
-              <a:rPr lang="en-US" altLang="zh-CN" sz="2000" dirty="0" smtClean="0">
-                <a:latin typeface="Consolas"/>
-                <a:cs typeface="Consolas"/>
-              </a:rPr>
-              <a:t>(</a:t>
-            </a:r>
-            <a:r>
-              <a:rPr lang="en-US" altLang="zh-CN" sz="2000" dirty="0" err="1" smtClean="0">
-                <a:latin typeface="Consolas"/>
-                <a:cs typeface="Consolas"/>
-              </a:rPr>
-              <a:t>sizeof</a:t>
-            </a:r>
-            <a:r>
-              <a:rPr lang="en-US" altLang="zh-CN" sz="2000" dirty="0" smtClean="0">
-                <a:latin typeface="Consolas"/>
-                <a:cs typeface="Consolas"/>
-              </a:rPr>
-              <a:t>(node));</a:t>
-            </a:r>
-          </a:p>
-          <a:p>
-            <a:r>
-              <a:rPr lang="en-US" altLang="zh-CN" sz="2000" b="1" dirty="0">
-                <a:latin typeface="Consolas"/>
-                <a:cs typeface="Consolas"/>
-              </a:rPr>
-              <a:t> </a:t>
-            </a:r>
-            <a:r>
-              <a:rPr lang="en-US" altLang="zh-CN" sz="2000" b="1" dirty="0" smtClean="0">
-                <a:latin typeface="Consolas"/>
-                <a:cs typeface="Consolas"/>
-              </a:rPr>
-              <a:t>   </a:t>
-            </a:r>
-            <a:r>
-              <a:rPr lang="en-US" altLang="zh-CN" sz="2000" dirty="0" err="1" smtClean="0">
-                <a:latin typeface="Consolas"/>
-                <a:cs typeface="Consolas"/>
-              </a:rPr>
-              <a:t>new_head</a:t>
-            </a:r>
-            <a:r>
-              <a:rPr lang="en-US" altLang="zh-CN" sz="2000" dirty="0" smtClean="0">
-                <a:latin typeface="Consolas"/>
-                <a:cs typeface="Consolas"/>
-              </a:rPr>
-              <a:t>-&gt;next = head;</a:t>
-            </a:r>
-          </a:p>
-          <a:p>
-            <a:r>
-              <a:rPr lang="en-US" altLang="zh-CN" sz="2000" dirty="0">
-                <a:latin typeface="Consolas"/>
-                <a:cs typeface="Consolas"/>
-              </a:rPr>
-              <a:t> </a:t>
-            </a:r>
-            <a:r>
-              <a:rPr lang="en-US" altLang="zh-CN" sz="2000" dirty="0" smtClean="0">
-                <a:latin typeface="Consolas"/>
-                <a:cs typeface="Consolas"/>
-              </a:rPr>
-              <a:t>   </a:t>
-            </a:r>
-            <a:r>
-              <a:rPr lang="en-US" altLang="zh-CN" sz="2000" dirty="0" err="1" smtClean="0">
-                <a:latin typeface="Consolas"/>
-                <a:cs typeface="Consolas"/>
-              </a:rPr>
-              <a:t>new_head</a:t>
-            </a:r>
-            <a:r>
-              <a:rPr lang="en-US" altLang="zh-CN" sz="2000" dirty="0" smtClean="0">
-                <a:latin typeface="Consolas"/>
-                <a:cs typeface="Consolas"/>
-              </a:rPr>
-              <a:t>-&gt;</a:t>
-            </a:r>
-            <a:r>
-              <a:rPr lang="en-US" altLang="zh-CN" sz="2000" dirty="0" err="1" smtClean="0">
-                <a:latin typeface="Consolas"/>
-                <a:cs typeface="Consolas"/>
-              </a:rPr>
-              <a:t>val</a:t>
-            </a:r>
-            <a:r>
-              <a:rPr lang="en-US" altLang="zh-CN" sz="2000" dirty="0" smtClean="0">
-                <a:latin typeface="Consolas"/>
-                <a:cs typeface="Consolas"/>
-              </a:rPr>
-              <a:t> = </a:t>
-            </a:r>
-            <a:r>
-              <a:rPr lang="en-US" altLang="zh-CN" sz="2000" dirty="0" err="1" smtClean="0">
-                <a:latin typeface="Consolas"/>
-                <a:cs typeface="Consolas"/>
-              </a:rPr>
-              <a:t>val</a:t>
-            </a:r>
-            <a:r>
-              <a:rPr lang="en-US" altLang="zh-CN" sz="2000" dirty="0" smtClean="0">
-                <a:latin typeface="Consolas"/>
-                <a:cs typeface="Consolas"/>
-              </a:rPr>
-              <a:t>;</a:t>
+              <a:t>headp</a:t>
+            </a:r>
+            <a:r>
+              <a:rPr lang="en-US" altLang="zh-CN" sz="2000" smtClean="0">
+                <a:latin typeface="Consolas"/>
+                <a:cs typeface="Consolas"/>
+              </a:rPr>
+              <a:t> = n;</a:t>
             </a:r>
             <a:endParaRPr lang="en-US" altLang="zh-CN" sz="2000" dirty="0">
               <a:latin typeface="Consolas"/>
@@ -14453,14 +14521,21 @@
                 <a:latin typeface="Consolas"/>
                 <a:cs typeface="Consolas"/>
               </a:rPr>
-              <a:t> for (</a:t>
+              <a:t> for </a:t>
+            </a:r>
+            <a:r>
+              <a:rPr lang="en-US" altLang="zh-CN" sz="2000" dirty="0" smtClean="0">
+                <a:latin typeface="Consolas"/>
+                <a:cs typeface="Consolas"/>
+              </a:rPr>
+              <a:t>(long </a:t>
             </a:r>
             <a:r>
               <a:rPr lang="en-US" altLang="zh-CN" sz="2000" dirty="0" err="1" smtClean="0">
                 <a:latin typeface="Consolas"/>
                 <a:cs typeface="Consolas"/>
               </a:rPr>
-              <a:t>int</a:t>
+              <a:t>i</a:t>
             </a:r>
             <a:r>
               <a:rPr lang="en-US" altLang="zh-CN" sz="2000" dirty="0" smtClean="0">
@@ -14470,6 +14545,27 @@
               <a:t> </a:t>
             </a:r>
             <a:r>
+              <a:rPr lang="en-US" altLang="zh-CN" sz="2000" dirty="0" smtClean="0">
+                <a:latin typeface="Consolas"/>
+                <a:cs typeface="Consolas"/>
+              </a:rPr>
+              <a:t>= </a:t>
+            </a:r>
+            <a:r>
+              <a:rPr lang="en-US" altLang="zh-CN" sz="2000" dirty="0" smtClean="0">
+                <a:latin typeface="Consolas"/>
+                <a:cs typeface="Consolas"/>
+              </a:rPr>
+              <a:t>10</a:t>
+            </a:r>
+            <a:r>
+              <a:rPr lang="en-US" altLang="zh-CN" sz="2000" dirty="0" smtClean="0">
+                <a:latin typeface="Consolas"/>
+                <a:cs typeface="Consolas"/>
+              </a:rPr>
+              <a:t>; </a:t>
+            </a:r>
+            <a:r>
               <a:rPr lang="en-US" altLang="zh-CN" sz="2000" dirty="0" err="1" smtClean="0">
                 <a:latin typeface="Consolas"/>
                 <a:cs typeface="Consolas"/>
@@ -14481,7 +14577,21 @@
                 <a:latin typeface="Consolas"/>
                 <a:cs typeface="Consolas"/>
               </a:rPr>
-              <a:t> = 0; </a:t>
+              <a:t> &lt; </a:t>
+            </a:r>
+            <a:r>
+              <a:rPr lang="en-US" altLang="zh-CN" sz="2000" dirty="0" smtClean="0">
+                <a:latin typeface="Consolas"/>
+                <a:cs typeface="Consolas"/>
+              </a:rPr>
+              <a:t>13</a:t>
+            </a:r>
+            <a:r>
+              <a:rPr lang="en-US" altLang="zh-CN" sz="2000" dirty="0" smtClean="0">
+                <a:latin typeface="Consolas"/>
+                <a:cs typeface="Consolas"/>
+              </a:rPr>
+              <a:t>; </a:t>
             </a:r>
             <a:r>
               <a:rPr lang="en-US" altLang="zh-CN" sz="2000" dirty="0" err="1" smtClean="0">
@@ -14495,20 +14605,6 @@
                 <a:latin typeface="Consolas"/>
                 <a:cs typeface="Consolas"/>
               </a:rPr>
-              <a:t> &lt; 3; </a:t>
-            </a:r>
-            <a:r>
-              <a:rPr lang="en-US" altLang="zh-CN" sz="2000" dirty="0" err="1" smtClean="0">
-                <a:latin typeface="Consolas"/>
-                <a:cs typeface="Consolas"/>
-              </a:rPr>
-              <a:t>i</a:t>
-            </a:r>
-            <a:r>
-              <a:rPr lang="en-US" altLang="zh-CN" sz="2000" dirty="0" smtClean="0">
-                <a:latin typeface="Consolas"/>
-                <a:cs typeface="Consolas"/>
-              </a:rPr>
               <a:t>++) </a:t>
             </a:r>
           </a:p>
@@ -14526,7 +14622,21 @@
                 <a:latin typeface="Consolas"/>
                 <a:cs typeface="Consolas"/>
               </a:rPr>
-              <a:t>   head = insert(head, </a:t>
+              <a:t>   </a:t>
+            </a:r>
+            <a:r>
+              <a:rPr lang="en-US" altLang="zh-CN" sz="2000" dirty="0" smtClean="0">
+                <a:latin typeface="Consolas"/>
+                <a:cs typeface="Consolas"/>
+              </a:rPr>
+              <a:t>insert(&amp;head</a:t>
+            </a:r>
+            <a:r>
+              <a:rPr lang="en-US" altLang="zh-CN" sz="2000" dirty="0" smtClean="0">
+                <a:latin typeface="Consolas"/>
+                <a:cs typeface="Consolas"/>
+              </a:rPr>
+              <a:t>, </a:t>
             </a:r>
             <a:r>
               <a:rPr lang="en-US" altLang="zh-CN" sz="2000" dirty="0" err="1" smtClean="0">
@@ -17698,11 +17808,25 @@
                 <a:t>     </a:t>
               </a:r>
               <a:r>
+                <a:rPr lang="en-US" altLang="zh-CN" sz="2000" dirty="0" smtClean="0">
+                  <a:latin typeface="Consolas"/>
+                  <a:cs typeface="Consolas"/>
+                </a:rPr>
+                <a:t>long </a:t>
+              </a:r>
+              <a:r>
+                <a:rPr lang="en-US" altLang="zh-CN" sz="2000" dirty="0" err="1" smtClean="0">
+                  <a:latin typeface="Consolas"/>
+                  <a:cs typeface="Consolas"/>
+                </a:rPr>
+                <a:t>val</a:t>
+              </a:r>
+              <a:r>
                 <a:rPr lang="en-US" altLang="zh-CN" sz="2000" dirty="0">
                   <a:latin typeface="Consolas"/>
                   <a:cs typeface="Consolas"/>
                 </a:rPr>
-                <a:t>int val;</a:t>
+                <a:t>;</a:t>
               </a:r>
             </a:p>
             <a:p>
@@ -17757,21 +17881,42 @@
                   <a:latin typeface="Consolas"/>
                   <a:cs typeface="Consolas"/>
                 </a:rPr>
-                <a:t>node *insert(node *head, </a:t>
+                <a:t>void </a:t>
+              </a:r>
+              <a:r>
+                <a:rPr lang="en-US" altLang="zh-CN" sz="2000" dirty="0" smtClean="0">
+                  <a:latin typeface="Consolas"/>
+                  <a:cs typeface="Consolas"/>
+                </a:rPr>
+                <a:t>insert</a:t>
+              </a:r>
+              <a:r>
+                <a:rPr lang="en-US" altLang="zh-CN" sz="2000" dirty="0" smtClean="0">
+                  <a:latin typeface="Consolas"/>
+                  <a:cs typeface="Consolas"/>
+                </a:rPr>
+                <a:t>(node </a:t>
+              </a:r>
+              <a:r>
+                <a:rPr lang="en-US" altLang="zh-CN" sz="2000" dirty="0" smtClean="0">
+                  <a:latin typeface="Consolas"/>
+                  <a:cs typeface="Consolas"/>
+                </a:rPr>
+                <a:t>**</a:t>
               </a:r>
               <a:r>
                 <a:rPr lang="en-US" altLang="zh-CN" sz="2000" dirty="0" err="1" smtClean="0">
                   <a:latin typeface="Consolas"/>
                   <a:cs typeface="Consolas"/>
                 </a:rPr>
-                <a:t>int</a:t>
+                <a:t>headp</a:t>
               </a:r>
               <a:r>
                 <a:rPr lang="en-US" altLang="zh-CN" sz="2000" dirty="0" smtClean="0">
                   <a:latin typeface="Consolas"/>
                   <a:cs typeface="Consolas"/>
                 </a:rPr>
-                <a:t> </a:t>
+                <a:t>, long </a:t>
               </a:r>
               <a:r>
                 <a:rPr lang="en-US" altLang="zh-CN" sz="2000" dirty="0" err="1" smtClean="0">
@@ -17834,9 +17979,9 @@
         <p:grpSpPr>
           <a:xfrm>
             <a:off x="618158" y="2992353"/>
-            <a:ext cx="8214375" cy="2237606"/>
+            <a:ext cx="8214375" cy="2246769"/>
             <a:chOff x="618158" y="2992353"/>
-            <a:chExt cx="8214375" cy="2237606"/>
+            <a:chExt cx="8214375" cy="2246769"/>
           </a:xfrm>
         </p:grpSpPr>
         <p:sp>
@@ -17848,7 +17993,7 @@
           <p:spPr>
             <a:xfrm>
               <a:off x="618158" y="2992353"/>
-              <a:ext cx="7396911" cy="1938992"/>
+              <a:ext cx="7396911" cy="2246769"/>
             </a:xfrm>
             <a:prstGeom prst="rect">
               <a:avLst/>
@@ -17906,14 +18051,7 @@
                   <a:latin typeface="Consolas"/>
                   <a:cs typeface="Consolas"/>
                 </a:rPr>
-                <a:t>node* insert(node *head, </a:t>
-              </a:r>
-              <a:r>
-                <a:rPr lang="en-US" altLang="zh-CN" sz="2000" dirty="0" err="1" smtClean="0">
-                  <a:latin typeface="Consolas"/>
-                  <a:cs typeface="Consolas"/>
-                </a:rPr>
-                <a:t>int</a:t>
+                <a:t>void</a:t>
               </a:r>
               <a:r>
                 <a:rPr lang="en-US" altLang="zh-CN" sz="2000" dirty="0" smtClean="0">
@@ -17921,6 +18059,34 @@
                   <a:cs typeface="Consolas"/>
                 </a:rPr>
                 <a:t> </a:t>
+              </a:r>
+              <a:r>
+                <a:rPr lang="en-US" altLang="zh-CN" sz="2000" dirty="0" smtClean="0">
+                  <a:latin typeface="Consolas"/>
+                  <a:cs typeface="Consolas"/>
+                </a:rPr>
+                <a:t>insert(node </a:t>
+              </a:r>
+              <a:r>
+                <a:rPr lang="en-US" altLang="zh-CN" sz="2000" dirty="0" smtClean="0">
+                  <a:latin typeface="Consolas"/>
+                  <a:cs typeface="Consolas"/>
+                </a:rPr>
+                <a:t>**</a:t>
+              </a:r>
+              <a:r>
+                <a:rPr lang="en-US" altLang="zh-CN" sz="2000" dirty="0" err="1" smtClean="0">
+                  <a:latin typeface="Consolas"/>
+                  <a:cs typeface="Consolas"/>
+                </a:rPr>
+                <a:t>headp</a:t>
+              </a:r>
+              <a:r>
+                <a:rPr lang="en-US" altLang="zh-CN" sz="2000" dirty="0" smtClean="0">
+                  <a:latin typeface="Consolas"/>
+                  <a:cs typeface="Consolas"/>
+                </a:rPr>
+                <a:t>, long </a:t>
               </a:r>
               <a:r>
                 <a:rPr lang="en-US" altLang="zh-CN" sz="2000" dirty="0" err="1" smtClean="0">
@@ -17950,21 +18116,21 @@
                   <a:latin typeface="Consolas"/>
                   <a:cs typeface="Consolas"/>
                 </a:rPr>
-                <a:t>node *</a:t>
-              </a:r>
-              <a:r>
-                <a:rPr lang="en-US" altLang="zh-CN" sz="2000" dirty="0" err="1" smtClean="0">
-                  <a:latin typeface="Consolas"/>
-                  <a:cs typeface="Consolas"/>
-                </a:rPr>
-                <a:t>new_head</a:t>
+                <a:t>node </a:t>
               </a:r>
               <a:r>
                 <a:rPr lang="en-US" altLang="zh-CN" sz="2000" dirty="0" smtClean="0">
                   <a:latin typeface="Consolas"/>
                   <a:cs typeface="Consolas"/>
                 </a:rPr>
-                <a:t> = (node *)</a:t>
+                <a:t>*n = </a:t>
+              </a:r>
+              <a:r>
+                <a:rPr lang="en-US" altLang="zh-CN" sz="2000" dirty="0" smtClean="0">
+                  <a:latin typeface="Consolas"/>
+                  <a:cs typeface="Consolas"/>
+                </a:rPr>
+                <a:t>(node *)</a:t>
               </a:r>
               <a:r>
                 <a:rPr lang="en-US" altLang="zh-CN" sz="2000" dirty="0" err="1" smtClean="0">
@@ -18004,19 +18170,51 @@
                 <a:t>    </a:t>
               </a:r>
               <a:r>
-                <a:rPr lang="en-US" altLang="zh-CN" sz="2000" dirty="0" err="1" smtClean="0">
+                <a:rPr lang="en-US" altLang="zh-CN" sz="2000" dirty="0">
                   <a:latin typeface="Consolas"/>
                   <a:cs typeface="Consolas"/>
                 </a:rPr>
-                <a:t>new_head</a:t>
+                <a:t>n</a:t>
               </a:r>
               <a:r>
                 <a:rPr lang="en-US" altLang="zh-CN" sz="2000" dirty="0" smtClean="0">
                   <a:latin typeface="Consolas"/>
                   <a:cs typeface="Consolas"/>
                 </a:rPr>
-                <a:t>-&gt;next = head;</a:t>
+                <a:t>-</a:t>
               </a:r>
+              <a:r>
+                <a:rPr lang="en-US" altLang="zh-CN" sz="2000" dirty="0" smtClean="0">
+                  <a:latin typeface="Consolas"/>
+                  <a:cs typeface="Consolas"/>
+                </a:rPr>
+                <a:t>&gt;next = </a:t>
+              </a:r>
+              <a:r>
+                <a:rPr lang="en-US" altLang="zh-CN" sz="2000" dirty="0" smtClean="0">
+                  <a:latin typeface="Consolas"/>
+                  <a:cs typeface="Consolas"/>
+                </a:rPr>
+                <a:t>*</a:t>
+              </a:r>
+              <a:r>
+                <a:rPr lang="en-US" altLang="zh-CN" sz="2000" dirty="0" err="1" smtClean="0">
+                  <a:latin typeface="Consolas"/>
+                  <a:cs typeface="Consolas"/>
+                </a:rPr>
+                <a:t>headp</a:t>
+              </a:r>
+              <a:r>
+                <a:rPr lang="en-US" altLang="zh-CN" sz="2000" dirty="0" smtClean="0">
+                  <a:latin typeface="Consolas"/>
+                  <a:cs typeface="Consolas"/>
+                </a:rPr>
+                <a:t>;</a:t>
+              </a:r>
+              <a:endParaRPr lang="en-US" altLang="zh-CN" sz="2000" dirty="0" smtClean="0">
+                <a:latin typeface="Consolas"/>
+                <a:cs typeface="Consolas"/>
+              </a:endParaRPr>
             </a:p>
             <a:p>
               <a:r>
@@ -18027,18 +18225,25 @@
                 <a:t>    </a:t>
               </a:r>
               <a:r>
-                <a:rPr lang="en-US" altLang="zh-CN" sz="2000" dirty="0" err="1" smtClean="0">
+                <a:rPr lang="en-US" altLang="zh-CN" sz="2000" dirty="0">
                   <a:latin typeface="Consolas"/>
                   <a:cs typeface="Consolas"/>
                 </a:rPr>
-                <a:t>new_head</a:t>
+                <a:t>n</a:t>
               </a:r>
               <a:r>
                 <a:rPr lang="en-US" altLang="zh-CN" sz="2000" dirty="0" smtClean="0">
                   <a:latin typeface="Consolas"/>
                   <a:cs typeface="Consolas"/>
                 </a:rPr>
-                <a:t>-&gt;</a:t>
+                <a:t>-</a:t>
+              </a:r>
+              <a:r>
+                <a:rPr lang="en-US" altLang="zh-CN" sz="2000" dirty="0" smtClean="0">
+                  <a:latin typeface="Consolas"/>
+                  <a:cs typeface="Consolas"/>
+                </a:rPr>
+                <a:t>&gt;</a:t>
               </a:r>
               <a:r>
                 <a:rPr lang="en-US" altLang="zh-CN" sz="2000" dirty="0" err="1" smtClean="0">
@@ -18068,6 +18273,40 @@
                 </a:rPr>
                 <a:t>;</a:t>
               </a:r>
+            </a:p>
+            <a:p>
+              <a:r>
+                <a:rPr lang="en-US" altLang="zh-CN" sz="2000" dirty="0">
+                  <a:latin typeface="Consolas"/>
+                  <a:cs typeface="Consolas"/>
+                </a:rPr>
+                <a:t> </a:t>
+              </a:r>
+              <a:r>
+                <a:rPr lang="en-US" altLang="zh-CN" sz="2000" dirty="0" smtClean="0">
+                  <a:latin typeface="Consolas"/>
+                  <a:cs typeface="Consolas"/>
+                </a:rPr>
+                <a:t>   *</a:t>
+              </a:r>
+              <a:r>
+                <a:rPr lang="en-US" altLang="zh-CN" sz="2000" dirty="0" err="1" smtClean="0">
+                  <a:latin typeface="Consolas"/>
+                  <a:cs typeface="Consolas"/>
+                </a:rPr>
+                <a:t>headp</a:t>
+              </a:r>
+              <a:r>
+                <a:rPr lang="en-US" altLang="zh-CN" sz="2000" dirty="0" smtClean="0">
+                  <a:latin typeface="Consolas"/>
+                  <a:cs typeface="Consolas"/>
+                </a:rPr>
+                <a:t> = n;</a:t>
+              </a:r>
+              <a:endParaRPr lang="en-US" altLang="zh-CN" sz="2000" dirty="0" smtClean="0">
+                <a:latin typeface="Consolas"/>
+                <a:cs typeface="Consolas"/>
+              </a:endParaRPr>
             </a:p>
             <a:p>
               <a:r>
@@ -18438,7 +18677,7 @@
         </p:nvSpPr>
         <p:spPr>
           <a:xfrm>
-            <a:off x="3652531" y="1938645"/>
+            <a:off x="3309589" y="2286296"/>
             <a:ext cx="2356845" cy="1412113"/>
           </a:xfrm>
           <a:prstGeom prst="wedgeRoundRectCallout">
@@ -19099,7 +19338,21 @@
                   <a:latin typeface="Consolas"/>
                   <a:cs typeface="Consolas"/>
                 </a:rPr>
-                <a:t> = 0; </a:t>
+                <a:t> = </a:t>
+              </a:r>
+              <a:r>
+                <a:rPr lang="en-US" altLang="zh-CN" sz="2000" dirty="0" smtClean="0">
+                  <a:latin typeface="Consolas"/>
+                  <a:cs typeface="Consolas"/>
+                </a:rPr>
+                <a:t>10</a:t>
+              </a:r>
+              <a:r>
+                <a:rPr lang="en-US" altLang="zh-CN" sz="2000" dirty="0" smtClean="0">
+                  <a:latin typeface="Consolas"/>
+                  <a:cs typeface="Consolas"/>
+                </a:rPr>
+                <a:t>; </a:t>
               </a:r>
               <a:r>
                 <a:rPr lang="en-US" altLang="zh-CN" sz="2000" dirty="0" err="1" smtClean="0">
@@ -19113,7 +19366,21 @@
                   <a:latin typeface="Consolas"/>
                   <a:cs typeface="Consolas"/>
                 </a:rPr>
-                <a:t> &lt; 3; </a:t>
+                <a:t> &lt; </a:t>
+              </a:r>
+              <a:r>
+                <a:rPr lang="en-US" altLang="zh-CN" sz="2000" dirty="0" smtClean="0">
+                  <a:latin typeface="Consolas"/>
+                  <a:cs typeface="Consolas"/>
+                </a:rPr>
+                <a:t>13</a:t>
+              </a:r>
+              <a:r>
+                <a:rPr lang="en-US" altLang="zh-CN" sz="2000" dirty="0" smtClean="0">
+                  <a:latin typeface="Consolas"/>
+                  <a:cs typeface="Consolas"/>
+                </a:rPr>
+                <a:t>; </a:t>
               </a:r>
               <a:r>
                 <a:rPr lang="en-US" altLang="zh-CN" sz="2000" dirty="0" err="1" smtClean="0">
@@ -19144,7 +19411,21 @@
                   <a:latin typeface="Consolas"/>
                   <a:cs typeface="Consolas"/>
                 </a:rPr>
-                <a:t>  head = insert(head, </a:t>
+                <a:t>  </a:t>
+              </a:r>
+              <a:r>
+                <a:rPr lang="en-US" altLang="zh-CN" sz="2000" dirty="0" smtClean="0">
+                  <a:latin typeface="Consolas"/>
+                  <a:cs typeface="Consolas"/>
+                </a:rPr>
+                <a:t>insert(&amp;head</a:t>
+              </a:r>
+              <a:r>
+                <a:rPr lang="en-US" altLang="zh-CN" sz="2000" dirty="0" smtClean="0">
+                  <a:latin typeface="Consolas"/>
+                  <a:cs typeface="Consolas"/>
+                </a:rPr>
+                <a:t>, </a:t>
               </a:r>
               <a:r>
                 <a:rPr lang="en-US" altLang="zh-CN" sz="2000" dirty="0" err="1" smtClean="0">
@@ -19306,21 +19587,14 @@
                   <a:latin typeface="Consolas"/>
                   <a:cs typeface="Consolas"/>
                 </a:rPr>
-                <a:t>for (</a:t>
-              </a:r>
-              <a:r>
-                <a:rPr lang="en-US" altLang="zh-CN" sz="2000" dirty="0" err="1" smtClean="0">
-                  <a:latin typeface="Consolas"/>
-                  <a:cs typeface="Consolas"/>
-                </a:rPr>
-                <a:t>int</a:t>
+                <a:t>for </a:t>
               </a:r>
               <a:r>
                 <a:rPr lang="en-US" altLang="zh-CN" sz="2000" dirty="0" smtClean="0">
                   <a:latin typeface="Consolas"/>
                   <a:cs typeface="Consolas"/>
                 </a:rPr>
-                <a:t> </a:t>
+                <a:t>(long </a:t>
               </a:r>
               <a:r>
                 <a:rPr lang="en-US" altLang="zh-CN" sz="2000" dirty="0" err="1" smtClean="0">
@@ -19334,7 +19608,28 @@
                   <a:latin typeface="Consolas"/>
                   <a:cs typeface="Consolas"/>
                 </a:rPr>
-                <a:t> = 0; </a:t>
+                <a:t> </a:t>
+              </a:r>
+              <a:r>
+                <a:rPr lang="en-US" altLang="zh-CN" sz="2000" dirty="0" smtClean="0">
+                  <a:latin typeface="Consolas"/>
+                  <a:cs typeface="Consolas"/>
+                </a:rPr>
+                <a:t>= </a:t>
+              </a:r>
+              <a:r>
+                <a:rPr lang="en-US" altLang="zh-CN" sz="2000" dirty="0" smtClean="0">
+                  <a:latin typeface="Consolas"/>
+                  <a:cs typeface="Consolas"/>
+                </a:rPr>
+                <a:t>10</a:t>
+              </a:r>
+              <a:r>
+                <a:rPr lang="en-US" altLang="zh-CN" sz="2000" dirty="0" smtClean="0">
+                  <a:latin typeface="Consolas"/>
+                  <a:cs typeface="Consolas"/>
+                </a:rPr>
+                <a:t>; </a:t>
               </a:r>
               <a:r>
                 <a:rPr lang="en-US" altLang="zh-CN" sz="2000" dirty="0" err="1" smtClean="0">
@@ -19348,7 +19643,21 @@
                   <a:latin typeface="Consolas"/>
                   <a:cs typeface="Consolas"/>
                 </a:rPr>
-                <a:t> &lt; 3; </a:t>
+                <a:t> &lt; </a:t>
+              </a:r>
+              <a:r>
+                <a:rPr lang="en-US" altLang="zh-CN" sz="2000" dirty="0" smtClean="0">
+                  <a:latin typeface="Consolas"/>
+                  <a:cs typeface="Consolas"/>
+                </a:rPr>
+                <a:t>13</a:t>
+              </a:r>
+              <a:r>
+                <a:rPr lang="en-US" altLang="zh-CN" sz="2000" dirty="0" smtClean="0">
+                  <a:latin typeface="Consolas"/>
+                  <a:cs typeface="Consolas"/>
+                </a:rPr>
+                <a:t>; </a:t>
               </a:r>
               <a:r>
                 <a:rPr lang="en-US" altLang="zh-CN" sz="2000" dirty="0" err="1" smtClean="0">
@@ -19379,7 +19688,21 @@
                   <a:latin typeface="Consolas"/>
                   <a:cs typeface="Consolas"/>
                 </a:rPr>
-                <a:t>  head=insert(head, </a:t>
+                <a:t>  </a:t>
+              </a:r>
+              <a:r>
+                <a:rPr lang="en-US" altLang="zh-CN" sz="2000" dirty="0" smtClean="0">
+                  <a:latin typeface="Consolas"/>
+                  <a:cs typeface="Consolas"/>
+                </a:rPr>
+                <a:t>insert(&amp;head</a:t>
+              </a:r>
+              <a:r>
+                <a:rPr lang="en-US" altLang="zh-CN" sz="2000" dirty="0" smtClean="0">
+                  <a:latin typeface="Consolas"/>
+                  <a:cs typeface="Consolas"/>
+                </a:rPr>
+                <a:t>, </a:t>
               </a:r>
               <a:r>
                 <a:rPr lang="en-US" altLang="zh-CN" sz="2000" dirty="0" err="1" smtClean="0">
@@ -19496,22 +19819,12 @@
               <a:rPr lang="en-US" sz="2800" dirty="0" smtClean="0"/>
               <a:t> –o test1</a:t>
             </a:r>
-            <a:endParaRPr lang="en-US" sz="2800" dirty="0" smtClean="0"/>
           </a:p>
           <a:p>
             <a:r>
               <a:rPr lang="en-US" sz="2800" dirty="0" smtClean="0"/>
-              <a:t>$ .</a:t>
-            </a:r>
-            <a:r>
-              <a:rPr lang="en-US" sz="2800" dirty="0" smtClean="0"/>
-              <a:t>/</a:t>
-            </a:r>
-            <a:r>
-              <a:rPr lang="en-US" sz="2800" dirty="0" smtClean="0"/>
-              <a:t>test1</a:t>
-            </a:r>
-            <a:endParaRPr lang="en-US" sz="2800" dirty="0" smtClean="0"/>
+              <a:t>$ ./test1</a:t>
+            </a:r>
           </a:p>
         </p:txBody>
       </p:sp>
@@ -20243,13 +20556,6 @@
               </a:rPr>
               <a:t> debug;</a:t>
             </a:r>
-            <a:endParaRPr lang="en-US" altLang="zh-CN" sz="2000" dirty="0" smtClean="0">
-              <a:solidFill>
-                <a:srgbClr val="FF0000"/>
-              </a:solidFill>
-              <a:latin typeface="Consolas"/>
-              <a:cs typeface="Consolas"/>
-            </a:endParaRPr>
           </a:p>
           <a:p>
             <a:r>
@@ -20303,10 +20609,6 @@
               </a:rPr>
               <a:t>...</a:t>
             </a:r>
-            <a:endParaRPr lang="en-US" altLang="zh-CN" sz="2000" dirty="0" smtClean="0">
-              <a:latin typeface="Consolas"/>
-              <a:cs typeface="Consolas"/>
-            </a:endParaRPr>
           </a:p>
           <a:p>
             <a:r>
@@ -20376,10 +20678,6 @@
               </a:rPr>
               <a:t>}</a:t>
             </a:r>
-            <a:endParaRPr lang="en-US" altLang="zh-CN" sz="2000" dirty="0" smtClean="0">
-              <a:latin typeface="Consolas"/>
-              <a:cs typeface="Consolas"/>
-            </a:endParaRPr>
           </a:p>
         </p:txBody>
       </p:sp>
@@ -20504,14 +20802,7 @@
                 <a:latin typeface="Consolas"/>
                 <a:cs typeface="Consolas"/>
               </a:rPr>
-              <a:t>   ..</a:t>
-            </a:r>
-            <a:r>
-              <a:rPr lang="en-US" altLang="zh-CN" sz="2000" dirty="0" smtClean="0">
-                <a:latin typeface="Consolas"/>
-                <a:cs typeface="Consolas"/>
-              </a:rPr>
-              <a:t>.</a:t>
+              <a:t>   ...</a:t>
             </a:r>
           </a:p>
           <a:p>

--- a/notes/07-largec-io.pptx
+++ b/notes/07-largec-io.pptx
@@ -5,42 +5,44 @@
     <p:sldMasterId id="2147483648" r:id="rId1"/>
   </p:sldMasterIdLst>
   <p:notesMasterIdLst>
-    <p:notesMasterId r:id="rId35"/>
+    <p:notesMasterId r:id="rId37"/>
   </p:notesMasterIdLst>
   <p:sldIdLst>
     <p:sldId id="256" r:id="rId2"/>
     <p:sldId id="281" r:id="rId3"/>
-    <p:sldId id="283" r:id="rId4"/>
-    <p:sldId id="284" r:id="rId5"/>
-    <p:sldId id="285" r:id="rId6"/>
-    <p:sldId id="286" r:id="rId7"/>
-    <p:sldId id="287" r:id="rId8"/>
-    <p:sldId id="288" r:id="rId9"/>
-    <p:sldId id="289" r:id="rId10"/>
-    <p:sldId id="290" r:id="rId11"/>
-    <p:sldId id="291" r:id="rId12"/>
-    <p:sldId id="292" r:id="rId13"/>
-    <p:sldId id="293" r:id="rId14"/>
-    <p:sldId id="294" r:id="rId15"/>
-    <p:sldId id="297" r:id="rId16"/>
-    <p:sldId id="295" r:id="rId17"/>
-    <p:sldId id="296" r:id="rId18"/>
-    <p:sldId id="312" r:id="rId19"/>
-    <p:sldId id="299" r:id="rId20"/>
-    <p:sldId id="300" r:id="rId21"/>
-    <p:sldId id="301" r:id="rId22"/>
-    <p:sldId id="302" r:id="rId23"/>
-    <p:sldId id="303" r:id="rId24"/>
-    <p:sldId id="306" r:id="rId25"/>
-    <p:sldId id="304" r:id="rId26"/>
-    <p:sldId id="307" r:id="rId27"/>
-    <p:sldId id="308" r:id="rId28"/>
-    <p:sldId id="309" r:id="rId29"/>
-    <p:sldId id="310" r:id="rId30"/>
-    <p:sldId id="311" r:id="rId31"/>
-    <p:sldId id="314" r:id="rId32"/>
-    <p:sldId id="316" r:id="rId33"/>
-    <p:sldId id="317" r:id="rId34"/>
+    <p:sldId id="319" r:id="rId4"/>
+    <p:sldId id="320" r:id="rId5"/>
+    <p:sldId id="283" r:id="rId6"/>
+    <p:sldId id="284" r:id="rId7"/>
+    <p:sldId id="285" r:id="rId8"/>
+    <p:sldId id="286" r:id="rId9"/>
+    <p:sldId id="287" r:id="rId10"/>
+    <p:sldId id="288" r:id="rId11"/>
+    <p:sldId id="289" r:id="rId12"/>
+    <p:sldId id="290" r:id="rId13"/>
+    <p:sldId id="291" r:id="rId14"/>
+    <p:sldId id="292" r:id="rId15"/>
+    <p:sldId id="293" r:id="rId16"/>
+    <p:sldId id="294" r:id="rId17"/>
+    <p:sldId id="297" r:id="rId18"/>
+    <p:sldId id="295" r:id="rId19"/>
+    <p:sldId id="296" r:id="rId20"/>
+    <p:sldId id="312" r:id="rId21"/>
+    <p:sldId id="299" r:id="rId22"/>
+    <p:sldId id="300" r:id="rId23"/>
+    <p:sldId id="301" r:id="rId24"/>
+    <p:sldId id="302" r:id="rId25"/>
+    <p:sldId id="303" r:id="rId26"/>
+    <p:sldId id="306" r:id="rId27"/>
+    <p:sldId id="304" r:id="rId28"/>
+    <p:sldId id="307" r:id="rId29"/>
+    <p:sldId id="308" r:id="rId30"/>
+    <p:sldId id="309" r:id="rId31"/>
+    <p:sldId id="310" r:id="rId32"/>
+    <p:sldId id="311" r:id="rId33"/>
+    <p:sldId id="314" r:id="rId34"/>
+    <p:sldId id="316" r:id="rId35"/>
+    <p:sldId id="317" r:id="rId36"/>
   </p:sldIdLst>
   <p:sldSz cx="9144000" cy="6858000" type="screen4x3"/>
   <p:notesSz cx="6858000" cy="9144000"/>
@@ -3591,6 +3593,1324 @@
         </p:nvSpPr>
         <p:spPr/>
         <p:txBody>
+          <a:bodyPr>
+            <a:normAutofit fontScale="90000"/>
+          </a:bodyPr>
+          <a:lstStyle/>
+          <a:p>
+            <a:r>
+              <a:rPr lang="en-US" dirty="0" smtClean="0"/>
+              <a:t>C does not have explicit namespace</a:t>
+            </a:r>
+            <a:endParaRPr lang="en-US" dirty="0"/>
+          </a:p>
+        </p:txBody>
+      </p:sp>
+      <p:sp>
+        <p:nvSpPr>
+          <p:cNvPr id="3" name="Content Placeholder 2"/>
+          <p:cNvSpPr>
+            <a:spLocks noGrp="1"/>
+          </p:cNvSpPr>
+          <p:nvPr>
+            <p:ph idx="1"/>
+          </p:nvPr>
+        </p:nvSpPr>
+        <p:spPr>
+          <a:xfrm>
+            <a:off x="457200" y="1600200"/>
+            <a:ext cx="8229600" cy="2241727"/>
+          </a:xfrm>
+        </p:spPr>
+        <p:txBody>
+          <a:bodyPr>
+            <a:normAutofit fontScale="92500" lnSpcReduction="10000"/>
+          </a:bodyPr>
+          <a:lstStyle/>
+          <a:p>
+            <a:r>
+              <a:rPr lang="en-US" dirty="0" smtClean="0"/>
+              <a:t>Scope of a global variable / function by default is across all files (linked together)</a:t>
+            </a:r>
+          </a:p>
+          <a:p>
+            <a:r>
+              <a:rPr lang="en-US" dirty="0" smtClean="0"/>
+              <a:t>To restrict the scope of a global variable / function to this file only, prefix with “static” keyword</a:t>
+            </a:r>
+          </a:p>
+        </p:txBody>
+      </p:sp>
+      <p:grpSp>
+        <p:nvGrpSpPr>
+          <p:cNvPr id="7" name="Group 6"/>
+          <p:cNvGrpSpPr/>
+          <p:nvPr/>
+        </p:nvGrpSpPr>
+        <p:grpSpPr>
+          <a:xfrm>
+            <a:off x="583699" y="4054483"/>
+            <a:ext cx="7612611" cy="2246769"/>
+            <a:chOff x="583699" y="4054483"/>
+            <a:chExt cx="7612611" cy="2246769"/>
+          </a:xfrm>
+        </p:grpSpPr>
+        <p:sp>
+          <p:nvSpPr>
+            <p:cNvPr id="4" name="矩形 3"/>
+            <p:cNvSpPr/>
+            <p:nvPr/>
+          </p:nvSpPr>
+          <p:spPr>
+            <a:xfrm>
+              <a:off x="583699" y="4054483"/>
+              <a:ext cx="6855372" cy="2246769"/>
+            </a:xfrm>
+            <a:prstGeom prst="rect">
+              <a:avLst/>
+            </a:prstGeom>
+            <a:ln>
+              <a:solidFill>
+                <a:schemeClr val="tx1"/>
+              </a:solidFill>
+            </a:ln>
+          </p:spPr>
+          <p:txBody>
+            <a:bodyPr wrap="square">
+              <a:spAutoFit/>
+            </a:bodyPr>
+            <a:lstStyle/>
+            <a:p>
+              <a:r>
+                <a:rPr lang="en-US" altLang="zh-CN" sz="2000" dirty="0" smtClean="0">
+                  <a:solidFill>
+                    <a:srgbClr val="3366FF"/>
+                  </a:solidFill>
+                  <a:latin typeface="Consolas"/>
+                  <a:cs typeface="Consolas"/>
+                </a:rPr>
+                <a:t>#include “</a:t>
+              </a:r>
+              <a:r>
+                <a:rPr lang="en-US" altLang="zh-CN" sz="2000" dirty="0" err="1" smtClean="0">
+                  <a:solidFill>
+                    <a:srgbClr val="3366FF"/>
+                  </a:solidFill>
+                  <a:latin typeface="Consolas"/>
+                  <a:cs typeface="Consolas"/>
+                </a:rPr>
+                <a:t>list.h</a:t>
+              </a:r>
+              <a:r>
+                <a:rPr lang="en-US" altLang="zh-CN" sz="2000" dirty="0" smtClean="0">
+                  <a:solidFill>
+                    <a:srgbClr val="3366FF"/>
+                  </a:solidFill>
+                  <a:latin typeface="Consolas"/>
+                  <a:cs typeface="Consolas"/>
+                </a:rPr>
+                <a:t>”</a:t>
+              </a:r>
+            </a:p>
+            <a:p>
+              <a:r>
+                <a:rPr lang="en-US" altLang="zh-CN" sz="2000" dirty="0" smtClean="0">
+                  <a:solidFill>
+                    <a:srgbClr val="FF0000"/>
+                  </a:solidFill>
+                  <a:latin typeface="Consolas"/>
+                  <a:cs typeface="Consolas"/>
+                </a:rPr>
+                <a:t>static </a:t>
+              </a:r>
+              <a:r>
+                <a:rPr lang="en-US" altLang="zh-CN" sz="2000" dirty="0" err="1" smtClean="0">
+                  <a:solidFill>
+                    <a:srgbClr val="000000"/>
+                  </a:solidFill>
+                  <a:latin typeface="Consolas"/>
+                  <a:cs typeface="Consolas"/>
+                </a:rPr>
+                <a:t>int</a:t>
+              </a:r>
+              <a:r>
+                <a:rPr lang="en-US" altLang="zh-CN" sz="2000" dirty="0" smtClean="0">
+                  <a:solidFill>
+                    <a:srgbClr val="000000"/>
+                  </a:solidFill>
+                  <a:latin typeface="Consolas"/>
+                  <a:cs typeface="Consolas"/>
+                </a:rPr>
+                <a:t> debug;</a:t>
+              </a:r>
+            </a:p>
+            <a:p>
+              <a:r>
+                <a:rPr lang="en-US" altLang="zh-CN" sz="2000" dirty="0" smtClean="0">
+                  <a:solidFill>
+                    <a:srgbClr val="FF0000"/>
+                  </a:solidFill>
+                  <a:latin typeface="Consolas"/>
+                  <a:cs typeface="Consolas"/>
+                </a:rPr>
+                <a:t>static</a:t>
+              </a:r>
+              <a:r>
+                <a:rPr lang="en-US" altLang="zh-CN" sz="2000" dirty="0" smtClean="0">
+                  <a:latin typeface="Consolas"/>
+                  <a:cs typeface="Consolas"/>
+                </a:rPr>
+                <a:t> node* insert(node *head, </a:t>
+              </a:r>
+              <a:r>
+                <a:rPr lang="en-US" altLang="zh-CN" sz="2000" dirty="0" err="1" smtClean="0">
+                  <a:latin typeface="Consolas"/>
+                  <a:cs typeface="Consolas"/>
+                </a:rPr>
+                <a:t>int</a:t>
+              </a:r>
+              <a:r>
+                <a:rPr lang="en-US" altLang="zh-CN" sz="2000" dirty="0" smtClean="0">
+                  <a:latin typeface="Consolas"/>
+                  <a:cs typeface="Consolas"/>
+                </a:rPr>
+                <a:t> </a:t>
+              </a:r>
+              <a:r>
+                <a:rPr lang="en-US" altLang="zh-CN" sz="2000" dirty="0" err="1" smtClean="0">
+                  <a:latin typeface="Consolas"/>
+                  <a:cs typeface="Consolas"/>
+                </a:rPr>
+                <a:t>val</a:t>
+              </a:r>
+              <a:r>
+                <a:rPr lang="en-US" altLang="zh-CN" sz="2000" dirty="0" smtClean="0">
+                  <a:latin typeface="Consolas"/>
+                  <a:cs typeface="Consolas"/>
+                </a:rPr>
+                <a:t>) {</a:t>
+              </a:r>
+            </a:p>
+            <a:p>
+              <a:r>
+                <a:rPr lang="en-US" altLang="zh-CN" sz="2000" b="1" dirty="0" smtClean="0">
+                  <a:latin typeface="Consolas"/>
+                  <a:cs typeface="Consolas"/>
+                </a:rPr>
+                <a:t>    </a:t>
+              </a:r>
+              <a:r>
+                <a:rPr lang="en-US" altLang="zh-CN" sz="2000" dirty="0" smtClean="0">
+                  <a:latin typeface="Consolas"/>
+                  <a:cs typeface="Consolas"/>
+                </a:rPr>
+                <a:t>...</a:t>
+              </a:r>
+            </a:p>
+            <a:p>
+              <a:r>
+                <a:rPr lang="en-US" altLang="zh-CN" sz="2000" dirty="0">
+                  <a:latin typeface="Consolas"/>
+                  <a:cs typeface="Consolas"/>
+                </a:rPr>
+                <a:t> </a:t>
+              </a:r>
+              <a:r>
+                <a:rPr lang="en-US" altLang="zh-CN" sz="2000" dirty="0" smtClean="0">
+                  <a:latin typeface="Consolas"/>
+                  <a:cs typeface="Consolas"/>
+                </a:rPr>
+                <a:t>   if (debug &gt; 0) </a:t>
+              </a:r>
+            </a:p>
+            <a:p>
+              <a:r>
+                <a:rPr lang="en-US" altLang="zh-CN" sz="2000" dirty="0" smtClean="0">
+                  <a:latin typeface="Consolas"/>
+                  <a:cs typeface="Consolas"/>
+                </a:rPr>
+                <a:t>       </a:t>
+              </a:r>
+              <a:r>
+                <a:rPr lang="en-US" altLang="zh-CN" sz="2000" dirty="0" err="1" smtClean="0">
+                  <a:latin typeface="Consolas"/>
+                  <a:cs typeface="Consolas"/>
+                </a:rPr>
+                <a:t>printf</a:t>
+              </a:r>
+              <a:r>
+                <a:rPr lang="en-US" altLang="zh-CN" sz="2000" dirty="0" smtClean="0">
+                  <a:latin typeface="Consolas"/>
+                  <a:cs typeface="Consolas"/>
+                </a:rPr>
+                <a:t>(“inserted </a:t>
+              </a:r>
+              <a:r>
+                <a:rPr lang="en-US" altLang="zh-CN" sz="2000" dirty="0" err="1" smtClean="0">
+                  <a:latin typeface="Consolas"/>
+                  <a:cs typeface="Consolas"/>
+                </a:rPr>
+                <a:t>val</a:t>
+              </a:r>
+              <a:r>
+                <a:rPr lang="en-US" altLang="zh-CN" sz="2000" dirty="0" smtClean="0">
+                  <a:latin typeface="Consolas"/>
+                  <a:cs typeface="Consolas"/>
+                </a:rPr>
+                <a:t> %d\n”, </a:t>
+              </a:r>
+              <a:r>
+                <a:rPr lang="en-US" altLang="zh-CN" sz="2000" dirty="0" err="1" smtClean="0">
+                  <a:latin typeface="Consolas"/>
+                  <a:cs typeface="Consolas"/>
+                </a:rPr>
+                <a:t>val</a:t>
+              </a:r>
+              <a:r>
+                <a:rPr lang="en-US" altLang="zh-CN" sz="2000" dirty="0" smtClean="0">
+                  <a:latin typeface="Consolas"/>
+                  <a:cs typeface="Consolas"/>
+                </a:rPr>
+                <a:t>);</a:t>
+              </a:r>
+            </a:p>
+            <a:p>
+              <a:r>
+                <a:rPr lang="en-US" altLang="zh-CN" sz="2000" dirty="0" smtClean="0">
+                  <a:latin typeface="Consolas"/>
+                  <a:cs typeface="Consolas"/>
+                </a:rPr>
+                <a:t>}</a:t>
+              </a:r>
+            </a:p>
+          </p:txBody>
+        </p:sp>
+        <p:sp>
+          <p:nvSpPr>
+            <p:cNvPr id="5" name="TextBox 4"/>
+            <p:cNvSpPr txBox="1"/>
+            <p:nvPr/>
+          </p:nvSpPr>
+          <p:spPr>
+            <a:xfrm>
+              <a:off x="7439071" y="5832131"/>
+              <a:ext cx="757239" cy="461665"/>
+            </a:xfrm>
+            <a:prstGeom prst="rect">
+              <a:avLst/>
+            </a:prstGeom>
+            <a:noFill/>
+          </p:spPr>
+          <p:txBody>
+            <a:bodyPr wrap="none" rtlCol="0">
+              <a:spAutoFit/>
+            </a:bodyPr>
+            <a:lstStyle/>
+            <a:p>
+              <a:r>
+                <a:rPr lang="en-US" sz="2400" dirty="0" err="1" smtClean="0"/>
+                <a:t>list.c</a:t>
+              </a:r>
+              <a:endParaRPr lang="en-US" sz="2400" dirty="0"/>
+            </a:p>
+          </p:txBody>
+        </p:sp>
+      </p:grpSp>
+      <p:sp>
+        <p:nvSpPr>
+          <p:cNvPr id="6" name="Rounded Rectangular Callout 5"/>
+          <p:cNvSpPr/>
+          <p:nvPr/>
+        </p:nvSpPr>
+        <p:spPr>
+          <a:xfrm>
+            <a:off x="5763865" y="3584727"/>
+            <a:ext cx="3142994" cy="1070997"/>
+          </a:xfrm>
+          <a:prstGeom prst="wedgeRoundRectCallout">
+            <a:avLst>
+              <a:gd name="adj1" fmla="val -124885"/>
+              <a:gd name="adj2" fmla="val 44983"/>
+              <a:gd name="adj3" fmla="val 16667"/>
+            </a:avLst>
+          </a:prstGeom>
+          <a:solidFill>
+            <a:srgbClr val="B9CDE5"/>
+          </a:solidFill>
+        </p:spPr>
+        <p:style>
+          <a:lnRef idx="1">
+            <a:schemeClr val="accent1"/>
+          </a:lnRef>
+          <a:fillRef idx="3">
+            <a:schemeClr val="accent1"/>
+          </a:fillRef>
+          <a:effectRef idx="2">
+            <a:schemeClr val="accent1"/>
+          </a:effectRef>
+          <a:fontRef idx="minor">
+            <a:schemeClr val="lt1"/>
+          </a:fontRef>
+        </p:style>
+        <p:txBody>
+          <a:bodyPr rtlCol="0" anchor="ctr"/>
+          <a:lstStyle/>
+          <a:p>
+            <a:pPr algn="ctr"/>
+            <a:r>
+              <a:rPr lang="en-US" dirty="0" smtClean="0">
+                <a:solidFill>
+                  <a:schemeClr val="tx1"/>
+                </a:solidFill>
+              </a:rPr>
+              <a:t>No other files can use the debug variable and insert function</a:t>
+            </a:r>
+            <a:endParaRPr lang="en-US" dirty="0">
+              <a:solidFill>
+                <a:schemeClr val="tx1"/>
+              </a:solidFill>
+            </a:endParaRPr>
+          </a:p>
+        </p:txBody>
+      </p:sp>
+    </p:spTree>
+    <p:extLst>
+      <p:ext uri="{BB962C8B-B14F-4D97-AF65-F5344CB8AC3E}">
+        <p14:creationId xmlns:p14="http://schemas.microsoft.com/office/powerpoint/2010/main" val="642666171"/>
+      </p:ext>
+    </p:extLst>
+  </p:cSld>
+  <p:clrMapOvr>
+    <a:masterClrMapping/>
+  </p:clrMapOvr>
+  <p:timing>
+    <p:tnLst>
+      <p:par>
+        <p:cTn xmlns:p14="http://schemas.microsoft.com/office/powerpoint/2010/main" id="1" dur="indefinite" restart="never" nodeType="tmRoot">
+          <p:childTnLst>
+            <p:seq concurrent="1" nextAc="seek">
+              <p:cTn id="2" dur="indefinite" nodeType="mainSeq">
+                <p:childTnLst>
+                  <p:par>
+                    <p:cTn id="3" fill="hold">
+                      <p:stCondLst>
+                        <p:cond delay="indefinite"/>
+                      </p:stCondLst>
+                      <p:childTnLst>
+                        <p:par>
+                          <p:cTn id="4" fill="hold">
+                            <p:stCondLst>
+                              <p:cond delay="0"/>
+                            </p:stCondLst>
+                            <p:childTnLst>
+                              <p:par>
+                                <p:cTn id="5" presetID="1" presetClass="entr" presetSubtype="0" fill="hold" grpId="0" nodeType="clickEffect">
+                                  <p:stCondLst>
+                                    <p:cond delay="0"/>
+                                  </p:stCondLst>
+                                  <p:childTnLst>
+                                    <p:set>
+                                      <p:cBhvr>
+                                        <p:cTn id="6" dur="1" fill="hold">
+                                          <p:stCondLst>
+                                            <p:cond delay="0"/>
+                                          </p:stCondLst>
+                                        </p:cTn>
+                                        <p:tgtEl>
+                                          <p:spTgt spid="3">
+                                            <p:txEl>
+                                              <p:pRg st="0" end="0"/>
+                                            </p:txEl>
+                                          </p:spTgt>
+                                        </p:tgtEl>
+                                        <p:attrNameLst>
+                                          <p:attrName>style.visibility</p:attrName>
+                                        </p:attrNameLst>
+                                      </p:cBhvr>
+                                      <p:to>
+                                        <p:strVal val="visible"/>
+                                      </p:to>
+                                    </p:set>
+                                  </p:childTnLst>
+                                </p:cTn>
+                              </p:par>
+                            </p:childTnLst>
+                          </p:cTn>
+                        </p:par>
+                      </p:childTnLst>
+                    </p:cTn>
+                  </p:par>
+                  <p:par>
+                    <p:cTn id="7" fill="hold">
+                      <p:stCondLst>
+                        <p:cond delay="indefinite"/>
+                      </p:stCondLst>
+                      <p:childTnLst>
+                        <p:par>
+                          <p:cTn id="8" fill="hold">
+                            <p:stCondLst>
+                              <p:cond delay="0"/>
+                            </p:stCondLst>
+                            <p:childTnLst>
+                              <p:par>
+                                <p:cTn id="9" presetID="1" presetClass="entr" presetSubtype="0" fill="hold" grpId="0" nodeType="clickEffect">
+                                  <p:stCondLst>
+                                    <p:cond delay="0"/>
+                                  </p:stCondLst>
+                                  <p:childTnLst>
+                                    <p:set>
+                                      <p:cBhvr>
+                                        <p:cTn id="10" dur="1" fill="hold">
+                                          <p:stCondLst>
+                                            <p:cond delay="0"/>
+                                          </p:stCondLst>
+                                        </p:cTn>
+                                        <p:tgtEl>
+                                          <p:spTgt spid="3">
+                                            <p:txEl>
+                                              <p:pRg st="1" end="1"/>
+                                            </p:txEl>
+                                          </p:spTgt>
+                                        </p:tgtEl>
+                                        <p:attrNameLst>
+                                          <p:attrName>style.visibility</p:attrName>
+                                        </p:attrNameLst>
+                                      </p:cBhvr>
+                                      <p:to>
+                                        <p:strVal val="visible"/>
+                                      </p:to>
+                                    </p:set>
+                                  </p:childTnLst>
+                                </p:cTn>
+                              </p:par>
+                            </p:childTnLst>
+                          </p:cTn>
+                        </p:par>
+                      </p:childTnLst>
+                    </p:cTn>
+                  </p:par>
+                  <p:par>
+                    <p:cTn id="11" fill="hold">
+                      <p:stCondLst>
+                        <p:cond delay="indefinite"/>
+                      </p:stCondLst>
+                      <p:childTnLst>
+                        <p:par>
+                          <p:cTn id="12" fill="hold">
+                            <p:stCondLst>
+                              <p:cond delay="0"/>
+                            </p:stCondLst>
+                            <p:childTnLst>
+                              <p:par>
+                                <p:cTn id="13" presetID="1" presetClass="entr" presetSubtype="0" fill="hold" nodeType="clickEffect">
+                                  <p:stCondLst>
+                                    <p:cond delay="0"/>
+                                  </p:stCondLst>
+                                  <p:childTnLst>
+                                    <p:set>
+                                      <p:cBhvr>
+                                        <p:cTn id="14" dur="1" fill="hold">
+                                          <p:stCondLst>
+                                            <p:cond delay="0"/>
+                                          </p:stCondLst>
+                                        </p:cTn>
+                                        <p:tgtEl>
+                                          <p:spTgt spid="7"/>
+                                        </p:tgtEl>
+                                        <p:attrNameLst>
+                                          <p:attrName>style.visibility</p:attrName>
+                                        </p:attrNameLst>
+                                      </p:cBhvr>
+                                      <p:to>
+                                        <p:strVal val="visible"/>
+                                      </p:to>
+                                    </p:set>
+                                  </p:childTnLst>
+                                </p:cTn>
+                              </p:par>
+                            </p:childTnLst>
+                          </p:cTn>
+                        </p:par>
+                      </p:childTnLst>
+                    </p:cTn>
+                  </p:par>
+                  <p:par>
+                    <p:cTn id="15" fill="hold">
+                      <p:stCondLst>
+                        <p:cond delay="indefinite"/>
+                      </p:stCondLst>
+                      <p:childTnLst>
+                        <p:par>
+                          <p:cTn id="16" fill="hold">
+                            <p:stCondLst>
+                              <p:cond delay="0"/>
+                            </p:stCondLst>
+                            <p:childTnLst>
+                              <p:par>
+                                <p:cTn id="17" presetID="1" presetClass="entr" presetSubtype="0" fill="hold" grpId="0" nodeType="clickEffect">
+                                  <p:stCondLst>
+                                    <p:cond delay="0"/>
+                                  </p:stCondLst>
+                                  <p:childTnLst>
+                                    <p:set>
+                                      <p:cBhvr>
+                                        <p:cTn id="18" dur="1" fill="hold">
+                                          <p:stCondLst>
+                                            <p:cond delay="0"/>
+                                          </p:stCondLst>
+                                        </p:cTn>
+                                        <p:tgtEl>
+                                          <p:spTgt spid="6"/>
+                                        </p:tgtEl>
+                                        <p:attrNameLst>
+                                          <p:attrName>style.visibility</p:attrName>
+                                        </p:attrNameLst>
+                                      </p:cBhvr>
+                                      <p:to>
+                                        <p:strVal val="visible"/>
+                                      </p:to>
+                                    </p:set>
+                                  </p:childTnLst>
+                                </p:cTn>
+                              </p:par>
+                            </p:childTnLst>
+                          </p:cTn>
+                        </p:par>
+                      </p:childTnLst>
+                    </p:cTn>
+                  </p:par>
+                </p:childTnLst>
+              </p:cTn>
+              <p:prevCondLst>
+                <p:cond evt="onPrev" delay="0">
+                  <p:tgtEl>
+                    <p:sldTgt/>
+                  </p:tgtEl>
+                </p:cond>
+              </p:prevCondLst>
+              <p:nextCondLst>
+                <p:cond evt="onNext" delay="0">
+                  <p:tgtEl>
+                    <p:sldTgt/>
+                  </p:tgtEl>
+                </p:cond>
+              </p:nextCondLst>
+            </p:seq>
+          </p:childTnLst>
+        </p:cTn>
+      </p:par>
+    </p:tnLst>
+    <p:bldLst>
+      <p:bldP spid="3" grpId="0" build="p"/>
+      <p:bldP spid="6" grpId="0" animBg="1"/>
+    </p:bldLst>
+  </p:timing>
+</p:sld>
+</file>
+
+<file path=ppt/slides/slide11.xml><?xml version="1.0" encoding="utf-8"?>
+<p:sld xmlns:a="http://schemas.openxmlformats.org/drawingml/2006/main" xmlns:r="http://schemas.openxmlformats.org/officeDocument/2006/relationships" xmlns:p="http://schemas.openxmlformats.org/presentationml/2006/main">
+  <p:cSld>
+    <p:spTree>
+      <p:nvGrpSpPr>
+        <p:cNvPr id="1" name=""/>
+        <p:cNvGrpSpPr/>
+        <p:nvPr/>
+      </p:nvGrpSpPr>
+      <p:grpSpPr>
+        <a:xfrm>
+          <a:off x="0" y="0"/>
+          <a:ext cx="0" cy="0"/>
+          <a:chOff x="0" y="0"/>
+          <a:chExt cx="0" cy="0"/>
+        </a:xfrm>
+      </p:grpSpPr>
+      <p:sp>
+        <p:nvSpPr>
+          <p:cNvPr id="2" name="Title 1"/>
+          <p:cNvSpPr>
+            <a:spLocks noGrp="1"/>
+          </p:cNvSpPr>
+          <p:nvPr>
+            <p:ph type="title"/>
+          </p:nvPr>
+        </p:nvSpPr>
+        <p:spPr/>
+        <p:txBody>
+          <a:bodyPr>
+            <a:normAutofit fontScale="90000"/>
+          </a:bodyPr>
+          <a:lstStyle/>
+          <a:p>
+            <a:r>
+              <a:rPr lang="en-US" dirty="0" smtClean="0"/>
+              <a:t>static prefixing local variables means different things</a:t>
+            </a:r>
+            <a:endParaRPr lang="en-US" dirty="0"/>
+          </a:p>
+        </p:txBody>
+      </p:sp>
+      <p:sp>
+        <p:nvSpPr>
+          <p:cNvPr id="3" name="Content Placeholder 2"/>
+          <p:cNvSpPr>
+            <a:spLocks noGrp="1"/>
+          </p:cNvSpPr>
+          <p:nvPr>
+            <p:ph idx="1"/>
+          </p:nvPr>
+        </p:nvSpPr>
+        <p:spPr/>
+        <p:txBody>
+          <a:bodyPr/>
+          <a:lstStyle/>
+          <a:p>
+            <a:r>
+              <a:rPr lang="en-US" dirty="0" smtClean="0"/>
+              <a:t>Normal local variables are de-allocated upon function exit</a:t>
+            </a:r>
+          </a:p>
+          <a:p>
+            <a:r>
+              <a:rPr lang="en-US" dirty="0" smtClean="0"/>
+              <a:t>Static local variables are not de-allocated</a:t>
+            </a:r>
+          </a:p>
+          <a:p>
+            <a:pPr lvl="1"/>
+            <a:r>
+              <a:rPr lang="en-US" dirty="0" smtClean="0"/>
+              <a:t>offers private, persistent storage across function invocation</a:t>
+            </a:r>
+          </a:p>
+          <a:p>
+            <a:pPr lvl="1"/>
+            <a:endParaRPr lang="en-US" dirty="0"/>
+          </a:p>
+        </p:txBody>
+      </p:sp>
+      <p:sp>
+        <p:nvSpPr>
+          <p:cNvPr id="4" name="矩形 3"/>
+          <p:cNvSpPr/>
+          <p:nvPr/>
+        </p:nvSpPr>
+        <p:spPr>
+          <a:xfrm>
+            <a:off x="583699" y="4392058"/>
+            <a:ext cx="7663988" cy="1938992"/>
+          </a:xfrm>
+          <a:prstGeom prst="rect">
+            <a:avLst/>
+          </a:prstGeom>
+          <a:ln>
+            <a:solidFill>
+              <a:schemeClr val="tx1"/>
+            </a:solidFill>
+          </a:ln>
+        </p:spPr>
+        <p:txBody>
+          <a:bodyPr wrap="square">
+            <a:spAutoFit/>
+          </a:bodyPr>
+          <a:lstStyle/>
+          <a:p>
+            <a:r>
+              <a:rPr lang="en-US" altLang="zh-CN" sz="2000" dirty="0" smtClean="0">
+                <a:latin typeface="Consolas"/>
+                <a:cs typeface="Consolas"/>
+              </a:rPr>
+              <a:t>node* insert(node *head, </a:t>
+            </a:r>
+            <a:r>
+              <a:rPr lang="en-US" altLang="zh-CN" sz="2000" dirty="0" err="1" smtClean="0">
+                <a:latin typeface="Consolas"/>
+                <a:cs typeface="Consolas"/>
+              </a:rPr>
+              <a:t>int</a:t>
+            </a:r>
+            <a:r>
+              <a:rPr lang="en-US" altLang="zh-CN" sz="2000" dirty="0" smtClean="0">
+                <a:latin typeface="Consolas"/>
+                <a:cs typeface="Consolas"/>
+              </a:rPr>
+              <a:t> </a:t>
+            </a:r>
+            <a:r>
+              <a:rPr lang="en-US" altLang="zh-CN" sz="2000" dirty="0" err="1" smtClean="0">
+                <a:latin typeface="Consolas"/>
+                <a:cs typeface="Consolas"/>
+              </a:rPr>
+              <a:t>val</a:t>
+            </a:r>
+            <a:r>
+              <a:rPr lang="en-US" altLang="zh-CN" sz="2000" dirty="0" smtClean="0">
+                <a:latin typeface="Consolas"/>
+                <a:cs typeface="Consolas"/>
+              </a:rPr>
+              <a:t>) {</a:t>
+            </a:r>
+          </a:p>
+          <a:p>
+            <a:r>
+              <a:rPr lang="en-US" altLang="zh-CN" sz="2000" b="1" dirty="0" smtClean="0">
+                <a:solidFill>
+                  <a:srgbClr val="FF0000"/>
+                </a:solidFill>
+                <a:latin typeface="Consolas"/>
+                <a:cs typeface="Consolas"/>
+              </a:rPr>
+              <a:t>    </a:t>
+            </a:r>
+            <a:r>
+              <a:rPr lang="en-US" altLang="zh-CN" sz="2000" dirty="0" smtClean="0">
+                <a:solidFill>
+                  <a:srgbClr val="FF0000"/>
+                </a:solidFill>
+                <a:latin typeface="Consolas"/>
+                <a:cs typeface="Consolas"/>
+              </a:rPr>
+              <a:t>static </a:t>
+            </a:r>
+            <a:r>
+              <a:rPr lang="en-US" altLang="zh-CN" sz="2000" dirty="0" err="1" smtClean="0">
+                <a:solidFill>
+                  <a:srgbClr val="FF0000"/>
+                </a:solidFill>
+                <a:latin typeface="Consolas"/>
+                <a:cs typeface="Consolas"/>
+              </a:rPr>
+              <a:t>int</a:t>
+            </a:r>
+            <a:r>
+              <a:rPr lang="en-US" altLang="zh-CN" sz="2000" dirty="0" smtClean="0">
+                <a:solidFill>
+                  <a:srgbClr val="FF0000"/>
+                </a:solidFill>
+                <a:latin typeface="Consolas"/>
+                <a:cs typeface="Consolas"/>
+              </a:rPr>
+              <a:t> </a:t>
+            </a:r>
+            <a:r>
+              <a:rPr lang="en-US" altLang="zh-CN" sz="2000" dirty="0" err="1" smtClean="0">
+                <a:solidFill>
+                  <a:srgbClr val="FF0000"/>
+                </a:solidFill>
+                <a:latin typeface="Consolas"/>
+                <a:cs typeface="Consolas"/>
+              </a:rPr>
+              <a:t>n_inserts</a:t>
+            </a:r>
+            <a:r>
+              <a:rPr lang="en-US" altLang="zh-CN" sz="2000" dirty="0" smtClean="0">
+                <a:solidFill>
+                  <a:srgbClr val="FF0000"/>
+                </a:solidFill>
+                <a:latin typeface="Consolas"/>
+                <a:cs typeface="Consolas"/>
+              </a:rPr>
+              <a:t> = 0;</a:t>
+            </a:r>
+          </a:p>
+          <a:p>
+            <a:r>
+              <a:rPr lang="en-US" altLang="zh-CN" sz="2000" dirty="0" smtClean="0">
+                <a:latin typeface="Consolas"/>
+                <a:cs typeface="Consolas"/>
+              </a:rPr>
+              <a:t>    ...</a:t>
+            </a:r>
+          </a:p>
+          <a:p>
+            <a:r>
+              <a:rPr lang="en-US" altLang="zh-CN" sz="2000" dirty="0">
+                <a:latin typeface="Consolas"/>
+                <a:cs typeface="Consolas"/>
+              </a:rPr>
+              <a:t> </a:t>
+            </a:r>
+            <a:r>
+              <a:rPr lang="en-US" altLang="zh-CN" sz="2000" dirty="0" smtClean="0">
+                <a:latin typeface="Consolas"/>
+                <a:cs typeface="Consolas"/>
+              </a:rPr>
+              <a:t>   </a:t>
+            </a:r>
+            <a:r>
+              <a:rPr lang="en-US" altLang="zh-CN" sz="2000" dirty="0" err="1" smtClean="0">
+                <a:latin typeface="Consolas"/>
+                <a:cs typeface="Consolas"/>
+              </a:rPr>
+              <a:t>n_inserts</a:t>
+            </a:r>
+            <a:r>
+              <a:rPr lang="en-US" altLang="zh-CN" sz="2000" dirty="0" smtClean="0">
+                <a:latin typeface="Consolas"/>
+                <a:cs typeface="Consolas"/>
+              </a:rPr>
+              <a:t>++;</a:t>
+            </a:r>
+          </a:p>
+          <a:p>
+            <a:r>
+              <a:rPr lang="en-US" altLang="zh-CN" sz="2000" dirty="0">
+                <a:latin typeface="Consolas"/>
+                <a:cs typeface="Consolas"/>
+              </a:rPr>
+              <a:t> </a:t>
+            </a:r>
+            <a:r>
+              <a:rPr lang="en-US" altLang="zh-CN" sz="2000" dirty="0" smtClean="0">
+                <a:latin typeface="Consolas"/>
+                <a:cs typeface="Consolas"/>
+              </a:rPr>
+              <a:t>   </a:t>
+            </a:r>
+            <a:r>
+              <a:rPr lang="en-US" altLang="zh-CN" sz="2000" dirty="0" err="1" smtClean="0">
+                <a:latin typeface="Consolas"/>
+                <a:cs typeface="Consolas"/>
+              </a:rPr>
+              <a:t>printf</a:t>
+            </a:r>
+            <a:r>
+              <a:rPr lang="en-US" altLang="zh-CN" sz="2000" dirty="0" smtClean="0">
+                <a:latin typeface="Consolas"/>
+                <a:cs typeface="Consolas"/>
+              </a:rPr>
+              <a:t>(“number of inserts %d\n”, </a:t>
+            </a:r>
+            <a:r>
+              <a:rPr lang="en-US" altLang="zh-CN" sz="2000" dirty="0" err="1" smtClean="0">
+                <a:latin typeface="Consolas"/>
+                <a:cs typeface="Consolas"/>
+              </a:rPr>
+              <a:t>n_inserts</a:t>
+            </a:r>
+            <a:r>
+              <a:rPr lang="en-US" altLang="zh-CN" sz="2000" dirty="0" smtClean="0">
+                <a:latin typeface="Consolas"/>
+                <a:cs typeface="Consolas"/>
+              </a:rPr>
+              <a:t>);</a:t>
+            </a:r>
+          </a:p>
+          <a:p>
+            <a:r>
+              <a:rPr lang="en-US" altLang="zh-CN" sz="2000" dirty="0" smtClean="0">
+                <a:latin typeface="Consolas"/>
+                <a:cs typeface="Consolas"/>
+              </a:rPr>
+              <a:t>}</a:t>
+            </a:r>
+          </a:p>
+        </p:txBody>
+      </p:sp>
+      <p:sp>
+        <p:nvSpPr>
+          <p:cNvPr id="5" name="Rounded Rectangular Callout 4"/>
+          <p:cNvSpPr/>
+          <p:nvPr/>
+        </p:nvSpPr>
+        <p:spPr>
+          <a:xfrm>
+            <a:off x="6029011" y="3890153"/>
+            <a:ext cx="2218676" cy="1462824"/>
+          </a:xfrm>
+          <a:prstGeom prst="wedgeRoundRectCallout">
+            <a:avLst>
+              <a:gd name="adj1" fmla="val -101268"/>
+              <a:gd name="adj2" fmla="val 15944"/>
+              <a:gd name="adj3" fmla="val 16667"/>
+            </a:avLst>
+          </a:prstGeom>
+          <a:solidFill>
+            <a:schemeClr val="accent1">
+              <a:lumMod val="40000"/>
+              <a:lumOff val="60000"/>
+            </a:schemeClr>
+          </a:solidFill>
+        </p:spPr>
+        <p:style>
+          <a:lnRef idx="1">
+            <a:schemeClr val="accent1"/>
+          </a:lnRef>
+          <a:fillRef idx="3">
+            <a:schemeClr val="accent1"/>
+          </a:fillRef>
+          <a:effectRef idx="2">
+            <a:schemeClr val="accent1"/>
+          </a:effectRef>
+          <a:fontRef idx="minor">
+            <a:schemeClr val="lt1"/>
+          </a:fontRef>
+        </p:style>
+        <p:txBody>
+          <a:bodyPr rtlCol="0" anchor="ctr"/>
+          <a:lstStyle/>
+          <a:p>
+            <a:pPr algn="ctr"/>
+            <a:r>
+              <a:rPr lang="en-US" dirty="0" smtClean="0">
+                <a:solidFill>
+                  <a:srgbClr val="000000"/>
+                </a:solidFill>
+              </a:rPr>
+              <a:t>initialized once, never </a:t>
+            </a:r>
+            <a:r>
+              <a:rPr lang="en-US" dirty="0" err="1" smtClean="0">
+                <a:solidFill>
+                  <a:srgbClr val="000000"/>
+                </a:solidFill>
+              </a:rPr>
+              <a:t>deallocated</a:t>
+            </a:r>
+            <a:endParaRPr lang="en-US" dirty="0" smtClean="0">
+              <a:solidFill>
+                <a:srgbClr val="000000"/>
+              </a:solidFill>
+            </a:endParaRPr>
+          </a:p>
+          <a:p>
+            <a:pPr algn="ctr"/>
+            <a:r>
+              <a:rPr lang="en-US" dirty="0" smtClean="0">
+                <a:solidFill>
+                  <a:schemeClr val="tx1"/>
+                </a:solidFill>
+              </a:rPr>
+              <a:t>(like a global variable, except with </a:t>
+            </a:r>
+            <a:r>
+              <a:rPr lang="en-US" smtClean="0">
+                <a:solidFill>
+                  <a:schemeClr val="tx1"/>
+                </a:solidFill>
+              </a:rPr>
+              <a:t>local </a:t>
+            </a:r>
+            <a:r>
+              <a:rPr lang="en-US" smtClean="0">
+                <a:solidFill>
+                  <a:schemeClr val="tx1"/>
+                </a:solidFill>
+              </a:rPr>
+              <a:t>scope</a:t>
+            </a:r>
+            <a:r>
+              <a:rPr lang="en-US" dirty="0" smtClean="0">
+                <a:solidFill>
+                  <a:schemeClr val="tx1"/>
+                </a:solidFill>
+              </a:rPr>
+              <a:t>)</a:t>
+            </a:r>
+            <a:endParaRPr lang="en-US" dirty="0">
+              <a:solidFill>
+                <a:schemeClr val="tx1"/>
+              </a:solidFill>
+            </a:endParaRPr>
+          </a:p>
+        </p:txBody>
+      </p:sp>
+    </p:spTree>
+    <p:extLst>
+      <p:ext uri="{BB962C8B-B14F-4D97-AF65-F5344CB8AC3E}">
+        <p14:creationId xmlns:p14="http://schemas.microsoft.com/office/powerpoint/2010/main" val="3989608826"/>
+      </p:ext>
+    </p:extLst>
+  </p:cSld>
+  <p:clrMapOvr>
+    <a:masterClrMapping/>
+  </p:clrMapOvr>
+  <p:timing>
+    <p:tnLst>
+      <p:par>
+        <p:cTn xmlns:p14="http://schemas.microsoft.com/office/powerpoint/2010/main" id="1" dur="indefinite" restart="never" nodeType="tmRoot">
+          <p:childTnLst>
+            <p:seq concurrent="1" nextAc="seek">
+              <p:cTn id="2" dur="indefinite" nodeType="mainSeq">
+                <p:childTnLst>
+                  <p:par>
+                    <p:cTn id="3" fill="hold">
+                      <p:stCondLst>
+                        <p:cond delay="indefinite"/>
+                      </p:stCondLst>
+                      <p:childTnLst>
+                        <p:par>
+                          <p:cTn id="4" fill="hold">
+                            <p:stCondLst>
+                              <p:cond delay="0"/>
+                            </p:stCondLst>
+                            <p:childTnLst>
+                              <p:par>
+                                <p:cTn id="5" presetID="1" presetClass="entr" presetSubtype="0" fill="hold" grpId="0" nodeType="clickEffect">
+                                  <p:stCondLst>
+                                    <p:cond delay="0"/>
+                                  </p:stCondLst>
+                                  <p:childTnLst>
+                                    <p:set>
+                                      <p:cBhvr>
+                                        <p:cTn id="6" dur="1" fill="hold">
+                                          <p:stCondLst>
+                                            <p:cond delay="0"/>
+                                          </p:stCondLst>
+                                        </p:cTn>
+                                        <p:tgtEl>
+                                          <p:spTgt spid="3">
+                                            <p:txEl>
+                                              <p:pRg st="0" end="0"/>
+                                            </p:txEl>
+                                          </p:spTgt>
+                                        </p:tgtEl>
+                                        <p:attrNameLst>
+                                          <p:attrName>style.visibility</p:attrName>
+                                        </p:attrNameLst>
+                                      </p:cBhvr>
+                                      <p:to>
+                                        <p:strVal val="visible"/>
+                                      </p:to>
+                                    </p:set>
+                                  </p:childTnLst>
+                                </p:cTn>
+                              </p:par>
+                            </p:childTnLst>
+                          </p:cTn>
+                        </p:par>
+                      </p:childTnLst>
+                    </p:cTn>
+                  </p:par>
+                  <p:par>
+                    <p:cTn id="7" fill="hold">
+                      <p:stCondLst>
+                        <p:cond delay="indefinite"/>
+                      </p:stCondLst>
+                      <p:childTnLst>
+                        <p:par>
+                          <p:cTn id="8" fill="hold">
+                            <p:stCondLst>
+                              <p:cond delay="0"/>
+                            </p:stCondLst>
+                            <p:childTnLst>
+                              <p:par>
+                                <p:cTn id="9" presetID="1" presetClass="entr" presetSubtype="0" fill="hold" grpId="0" nodeType="clickEffect">
+                                  <p:stCondLst>
+                                    <p:cond delay="0"/>
+                                  </p:stCondLst>
+                                  <p:childTnLst>
+                                    <p:set>
+                                      <p:cBhvr>
+                                        <p:cTn id="10" dur="1" fill="hold">
+                                          <p:stCondLst>
+                                            <p:cond delay="0"/>
+                                          </p:stCondLst>
+                                        </p:cTn>
+                                        <p:tgtEl>
+                                          <p:spTgt spid="3">
+                                            <p:txEl>
+                                              <p:pRg st="1" end="1"/>
+                                            </p:txEl>
+                                          </p:spTgt>
+                                        </p:tgtEl>
+                                        <p:attrNameLst>
+                                          <p:attrName>style.visibility</p:attrName>
+                                        </p:attrNameLst>
+                                      </p:cBhvr>
+                                      <p:to>
+                                        <p:strVal val="visible"/>
+                                      </p:to>
+                                    </p:set>
+                                  </p:childTnLst>
+                                </p:cTn>
+                              </p:par>
+                              <p:par>
+                                <p:cTn id="11" presetID="1" presetClass="entr" presetSubtype="0" fill="hold" grpId="0" nodeType="withEffect">
+                                  <p:stCondLst>
+                                    <p:cond delay="0"/>
+                                  </p:stCondLst>
+                                  <p:childTnLst>
+                                    <p:set>
+                                      <p:cBhvr>
+                                        <p:cTn id="12" dur="1" fill="hold">
+                                          <p:stCondLst>
+                                            <p:cond delay="0"/>
+                                          </p:stCondLst>
+                                        </p:cTn>
+                                        <p:tgtEl>
+                                          <p:spTgt spid="3">
+                                            <p:txEl>
+                                              <p:pRg st="2" end="2"/>
+                                            </p:txEl>
+                                          </p:spTgt>
+                                        </p:tgtEl>
+                                        <p:attrNameLst>
+                                          <p:attrName>style.visibility</p:attrName>
+                                        </p:attrNameLst>
+                                      </p:cBhvr>
+                                      <p:to>
+                                        <p:strVal val="visible"/>
+                                      </p:to>
+                                    </p:set>
+                                  </p:childTnLst>
+                                </p:cTn>
+                              </p:par>
+                            </p:childTnLst>
+                          </p:cTn>
+                        </p:par>
+                      </p:childTnLst>
+                    </p:cTn>
+                  </p:par>
+                  <p:par>
+                    <p:cTn id="13" fill="hold">
+                      <p:stCondLst>
+                        <p:cond delay="indefinite"/>
+                      </p:stCondLst>
+                      <p:childTnLst>
+                        <p:par>
+                          <p:cTn id="14" fill="hold">
+                            <p:stCondLst>
+                              <p:cond delay="0"/>
+                            </p:stCondLst>
+                            <p:childTnLst>
+                              <p:par>
+                                <p:cTn id="15" presetID="1" presetClass="entr" presetSubtype="0" fill="hold" grpId="0" nodeType="clickEffect">
+                                  <p:stCondLst>
+                                    <p:cond delay="0"/>
+                                  </p:stCondLst>
+                                  <p:childTnLst>
+                                    <p:set>
+                                      <p:cBhvr>
+                                        <p:cTn id="16" dur="1" fill="hold">
+                                          <p:stCondLst>
+                                            <p:cond delay="0"/>
+                                          </p:stCondLst>
+                                        </p:cTn>
+                                        <p:tgtEl>
+                                          <p:spTgt spid="4"/>
+                                        </p:tgtEl>
+                                        <p:attrNameLst>
+                                          <p:attrName>style.visibility</p:attrName>
+                                        </p:attrNameLst>
+                                      </p:cBhvr>
+                                      <p:to>
+                                        <p:strVal val="visible"/>
+                                      </p:to>
+                                    </p:set>
+                                  </p:childTnLst>
+                                </p:cTn>
+                              </p:par>
+                            </p:childTnLst>
+                          </p:cTn>
+                        </p:par>
+                      </p:childTnLst>
+                    </p:cTn>
+                  </p:par>
+                  <p:par>
+                    <p:cTn id="17" fill="hold">
+                      <p:stCondLst>
+                        <p:cond delay="indefinite"/>
+                      </p:stCondLst>
+                      <p:childTnLst>
+                        <p:par>
+                          <p:cTn id="18" fill="hold">
+                            <p:stCondLst>
+                              <p:cond delay="0"/>
+                            </p:stCondLst>
+                            <p:childTnLst>
+                              <p:par>
+                                <p:cTn id="19" presetID="1" presetClass="entr" presetSubtype="0" fill="hold" grpId="0" nodeType="clickEffect">
+                                  <p:stCondLst>
+                                    <p:cond delay="0"/>
+                                  </p:stCondLst>
+                                  <p:childTnLst>
+                                    <p:set>
+                                      <p:cBhvr>
+                                        <p:cTn id="20" dur="1" fill="hold">
+                                          <p:stCondLst>
+                                            <p:cond delay="0"/>
+                                          </p:stCondLst>
+                                        </p:cTn>
+                                        <p:tgtEl>
+                                          <p:spTgt spid="5"/>
+                                        </p:tgtEl>
+                                        <p:attrNameLst>
+                                          <p:attrName>style.visibility</p:attrName>
+                                        </p:attrNameLst>
+                                      </p:cBhvr>
+                                      <p:to>
+                                        <p:strVal val="visible"/>
+                                      </p:to>
+                                    </p:set>
+                                  </p:childTnLst>
+                                </p:cTn>
+                              </p:par>
+                            </p:childTnLst>
+                          </p:cTn>
+                        </p:par>
+                      </p:childTnLst>
+                    </p:cTn>
+                  </p:par>
+                </p:childTnLst>
+              </p:cTn>
+              <p:prevCondLst>
+                <p:cond evt="onPrev" delay="0">
+                  <p:tgtEl>
+                    <p:sldTgt/>
+                  </p:tgtEl>
+                </p:cond>
+              </p:prevCondLst>
+              <p:nextCondLst>
+                <p:cond evt="onNext" delay="0">
+                  <p:tgtEl>
+                    <p:sldTgt/>
+                  </p:tgtEl>
+                </p:cond>
+              </p:nextCondLst>
+            </p:seq>
+          </p:childTnLst>
+        </p:cTn>
+      </p:par>
+    </p:tnLst>
+    <p:bldLst>
+      <p:bldP spid="3" grpId="0" build="p"/>
+      <p:bldP spid="4" grpId="0" animBg="1"/>
+      <p:bldP spid="5" grpId="0" animBg="1"/>
+    </p:bldLst>
+  </p:timing>
+</p:sld>
+</file>
+
+<file path=ppt/slides/slide12.xml><?xml version="1.0" encoding="utf-8"?>
+<p:sld xmlns:a="http://schemas.openxmlformats.org/drawingml/2006/main" xmlns:r="http://schemas.openxmlformats.org/officeDocument/2006/relationships" xmlns:p="http://schemas.openxmlformats.org/presentationml/2006/main">
+  <p:cSld>
+    <p:spTree>
+      <p:nvGrpSpPr>
+        <p:cNvPr id="1" name=""/>
+        <p:cNvGrpSpPr/>
+        <p:nvPr/>
+      </p:nvGrpSpPr>
+      <p:grpSpPr>
+        <a:xfrm>
+          <a:off x="0" y="0"/>
+          <a:ext cx="0" cy="0"/>
+          <a:chOff x="0" y="0"/>
+          <a:chExt cx="0" cy="0"/>
+        </a:xfrm>
+      </p:grpSpPr>
+      <p:sp>
+        <p:nvSpPr>
+          <p:cNvPr id="2" name="Title 1"/>
+          <p:cNvSpPr>
+            <a:spLocks noGrp="1"/>
+          </p:cNvSpPr>
+          <p:nvPr>
+            <p:ph type="title"/>
+          </p:nvPr>
+        </p:nvSpPr>
+        <p:spPr/>
+        <p:txBody>
           <a:bodyPr/>
           <a:lstStyle/>
           <a:p>
@@ -4330,7 +5650,7 @@
 </p:sld>
 </file>
 
-<file path=ppt/slides/slide11.xml><?xml version="1.0" encoding="utf-8"?>
+<file path=ppt/slides/slide13.xml><?xml version="1.0" encoding="utf-8"?>
 <p:sld xmlns:a="http://schemas.openxmlformats.org/drawingml/2006/main" xmlns:r="http://schemas.openxmlformats.org/officeDocument/2006/relationships" xmlns:p="http://schemas.openxmlformats.org/presentationml/2006/main">
   <p:cSld>
     <p:spTree>
@@ -4685,7 +6005,7 @@
 </p:sld>
 </file>
 
-<file path=ppt/slides/slide12.xml><?xml version="1.0" encoding="utf-8"?>
+<file path=ppt/slides/slide14.xml><?xml version="1.0" encoding="utf-8"?>
 <p:sld xmlns:a="http://schemas.openxmlformats.org/drawingml/2006/main" xmlns:r="http://schemas.openxmlformats.org/officeDocument/2006/relationships" xmlns:p="http://schemas.openxmlformats.org/presentationml/2006/main">
   <p:cSld>
     <p:spTree>
@@ -5168,7 +6488,7 @@
 </p:sld>
 </file>
 
-<file path=ppt/slides/slide13.xml><?xml version="1.0" encoding="utf-8"?>
+<file path=ppt/slides/slide15.xml><?xml version="1.0" encoding="utf-8"?>
 <p:sld xmlns:a="http://schemas.openxmlformats.org/drawingml/2006/main" xmlns:r="http://schemas.openxmlformats.org/officeDocument/2006/relationships" xmlns:p="http://schemas.openxmlformats.org/presentationml/2006/main">
   <p:cSld>
     <p:spTree>
@@ -5603,7 +6923,7 @@
 </p:sld>
 </file>
 
-<file path=ppt/slides/slide14.xml><?xml version="1.0" encoding="utf-8"?>
+<file path=ppt/slides/slide16.xml><?xml version="1.0" encoding="utf-8"?>
 <p:sld xmlns:a="http://schemas.openxmlformats.org/drawingml/2006/main" xmlns:r="http://schemas.openxmlformats.org/officeDocument/2006/relationships" xmlns:p="http://schemas.openxmlformats.org/presentationml/2006/main">
   <p:cSld>
     <p:spTree>
@@ -6261,7 +7581,7 @@
 </p:sld>
 </file>
 
-<file path=ppt/slides/slide15.xml><?xml version="1.0" encoding="utf-8"?>
+<file path=ppt/slides/slide17.xml><?xml version="1.0" encoding="utf-8"?>
 <p:sld xmlns:a="http://schemas.openxmlformats.org/drawingml/2006/main" xmlns:r="http://schemas.openxmlformats.org/officeDocument/2006/relationships" xmlns:p="http://schemas.openxmlformats.org/presentationml/2006/main">
   <p:cSld>
     <p:spTree>
@@ -6324,503 +7644,6 @@
     <p:extLst>
       <p:ext uri="{BB962C8B-B14F-4D97-AF65-F5344CB8AC3E}">
         <p14:creationId xmlns:p14="http://schemas.microsoft.com/office/powerpoint/2010/main" val="1865149314"/>
-      </p:ext>
-    </p:extLst>
-  </p:cSld>
-  <p:clrMapOvr>
-    <a:masterClrMapping/>
-  </p:clrMapOvr>
-  <p:timing>
-    <p:tnLst>
-      <p:par>
-        <p:cTn xmlns:p14="http://schemas.microsoft.com/office/powerpoint/2010/main" id="1" dur="indefinite" restart="never" nodeType="tmRoot"/>
-      </p:par>
-    </p:tnLst>
-  </p:timing>
-</p:sld>
-</file>
-
-<file path=ppt/slides/slide16.xml><?xml version="1.0" encoding="utf-8"?>
-<p:sld xmlns:a="http://schemas.openxmlformats.org/drawingml/2006/main" xmlns:r="http://schemas.openxmlformats.org/officeDocument/2006/relationships" xmlns:p="http://schemas.openxmlformats.org/presentationml/2006/main">
-  <p:cSld>
-    <p:spTree>
-      <p:nvGrpSpPr>
-        <p:cNvPr id="1" name=""/>
-        <p:cNvGrpSpPr/>
-        <p:nvPr/>
-      </p:nvGrpSpPr>
-      <p:grpSpPr>
-        <a:xfrm>
-          <a:off x="0" y="0"/>
-          <a:ext cx="0" cy="0"/>
-          <a:chOff x="0" y="0"/>
-          <a:chExt cx="0" cy="0"/>
-        </a:xfrm>
-      </p:grpSpPr>
-      <p:sp>
-        <p:nvSpPr>
-          <p:cNvPr id="2" name="Title 1"/>
-          <p:cNvSpPr>
-            <a:spLocks noGrp="1"/>
-          </p:cNvSpPr>
-          <p:nvPr>
-            <p:ph type="title"/>
-          </p:nvPr>
-        </p:nvSpPr>
-        <p:spPr/>
-        <p:txBody>
-          <a:bodyPr/>
-          <a:lstStyle/>
-          <a:p>
-            <a:r>
-              <a:rPr lang="en-US" dirty="0" smtClean="0"/>
-              <a:t>I/O in C</a:t>
-            </a:r>
-            <a:endParaRPr lang="en-US" dirty="0"/>
-          </a:p>
-        </p:txBody>
-      </p:sp>
-      <p:sp>
-        <p:nvSpPr>
-          <p:cNvPr id="3" name="Content Placeholder 2"/>
-          <p:cNvSpPr>
-            <a:spLocks noGrp="1"/>
-          </p:cNvSpPr>
-          <p:nvPr>
-            <p:ph idx="1"/>
-          </p:nvPr>
-        </p:nvSpPr>
-        <p:spPr/>
-        <p:txBody>
-          <a:bodyPr>
-            <a:normAutofit lnSpcReduction="10000"/>
-          </a:bodyPr>
-          <a:lstStyle/>
-          <a:p>
-            <a:r>
-              <a:rPr lang="en-US" dirty="0" smtClean="0"/>
-              <a:t>I/O facilities are not part of core C language</a:t>
-            </a:r>
-          </a:p>
-          <a:p>
-            <a:pPr lvl="1"/>
-            <a:r>
-              <a:rPr lang="en-US" dirty="0" smtClean="0"/>
-              <a:t>provided by library using OS facilities.</a:t>
-            </a:r>
-          </a:p>
-          <a:p>
-            <a:pPr lvl="1"/>
-            <a:endParaRPr lang="en-US" dirty="0"/>
-          </a:p>
-          <a:p>
-            <a:r>
-              <a:rPr lang="en-US" dirty="0" smtClean="0"/>
-              <a:t>Two interfaces</a:t>
-            </a:r>
-          </a:p>
-          <a:p>
-            <a:pPr lvl="1"/>
-            <a:r>
-              <a:rPr lang="en-US" dirty="0" smtClean="0"/>
-              <a:t>(high level) Buffered I/O: </a:t>
-            </a:r>
-          </a:p>
-          <a:p>
-            <a:pPr lvl="2"/>
-            <a:r>
-              <a:rPr lang="en-US" dirty="0" smtClean="0"/>
-              <a:t>implemented by </a:t>
-            </a:r>
-            <a:r>
-              <a:rPr lang="en-US" dirty="0" err="1" smtClean="0"/>
-              <a:t>stdio</a:t>
-            </a:r>
-            <a:r>
-              <a:rPr lang="en-US" dirty="0" smtClean="0"/>
-              <a:t> library</a:t>
-            </a:r>
-          </a:p>
-          <a:p>
-            <a:pPr lvl="2"/>
-            <a:r>
-              <a:rPr lang="en-US" dirty="0" smtClean="0"/>
-              <a:t>uses low level interface internally</a:t>
-            </a:r>
-          </a:p>
-          <a:p>
-            <a:pPr lvl="1"/>
-            <a:r>
-              <a:rPr lang="en-US" dirty="0" smtClean="0"/>
-              <a:t>(low level) UNIX(</a:t>
-            </a:r>
-            <a:r>
-              <a:rPr lang="en-US" dirty="0" err="1" smtClean="0"/>
-              <a:t>Unbuffered</a:t>
-            </a:r>
-            <a:r>
-              <a:rPr lang="en-US" dirty="0" smtClean="0"/>
-              <a:t>) I/O:</a:t>
-            </a:r>
-          </a:p>
-          <a:p>
-            <a:pPr lvl="2"/>
-            <a:r>
-              <a:rPr lang="en-US" dirty="0" smtClean="0"/>
-              <a:t>an API provided by OS to invoke its I/O functionalities.</a:t>
-            </a:r>
-          </a:p>
-          <a:p>
-            <a:pPr lvl="2"/>
-            <a:endParaRPr lang="en-US" dirty="0"/>
-          </a:p>
-        </p:txBody>
-      </p:sp>
-    </p:spTree>
-    <p:extLst>
-      <p:ext uri="{BB962C8B-B14F-4D97-AF65-F5344CB8AC3E}">
-        <p14:creationId xmlns:p14="http://schemas.microsoft.com/office/powerpoint/2010/main" val="1372927264"/>
-      </p:ext>
-    </p:extLst>
-  </p:cSld>
-  <p:clrMapOvr>
-    <a:masterClrMapping/>
-  </p:clrMapOvr>
-  <p:timing>
-    <p:tnLst>
-      <p:par>
-        <p:cTn xmlns:p14="http://schemas.microsoft.com/office/powerpoint/2010/main" id="1" dur="indefinite" restart="never" nodeType="tmRoot"/>
-      </p:par>
-    </p:tnLst>
-  </p:timing>
-</p:sld>
-</file>
-
-<file path=ppt/slides/slide17.xml><?xml version="1.0" encoding="utf-8"?>
-<p:sld xmlns:a="http://schemas.openxmlformats.org/drawingml/2006/main" xmlns:r="http://schemas.openxmlformats.org/officeDocument/2006/relationships" xmlns:p="http://schemas.openxmlformats.org/presentationml/2006/main">
-  <p:cSld>
-    <p:spTree>
-      <p:nvGrpSpPr>
-        <p:cNvPr id="1" name=""/>
-        <p:cNvGrpSpPr/>
-        <p:nvPr/>
-      </p:nvGrpSpPr>
-      <p:grpSpPr>
-        <a:xfrm>
-          <a:off x="0" y="0"/>
-          <a:ext cx="0" cy="0"/>
-          <a:chOff x="0" y="0"/>
-          <a:chExt cx="0" cy="0"/>
-        </a:xfrm>
-      </p:grpSpPr>
-      <p:sp>
-        <p:nvSpPr>
-          <p:cNvPr id="2" name="Title 1"/>
-          <p:cNvSpPr>
-            <a:spLocks noGrp="1"/>
-          </p:cNvSpPr>
-          <p:nvPr>
-            <p:ph type="title"/>
-          </p:nvPr>
-        </p:nvSpPr>
-        <p:spPr/>
-        <p:txBody>
-          <a:bodyPr/>
-          <a:lstStyle/>
-          <a:p>
-            <a:r>
-              <a:rPr lang="en-US" dirty="0" smtClean="0"/>
-              <a:t>Buffered I/O </a:t>
-            </a:r>
-            <a:endParaRPr lang="en-US" dirty="0"/>
-          </a:p>
-        </p:txBody>
-      </p:sp>
-      <p:sp>
-        <p:nvSpPr>
-          <p:cNvPr id="3" name="Content Placeholder 2"/>
-          <p:cNvSpPr>
-            <a:spLocks noGrp="1"/>
-          </p:cNvSpPr>
-          <p:nvPr>
-            <p:ph idx="1"/>
-          </p:nvPr>
-        </p:nvSpPr>
-        <p:spPr/>
-        <p:txBody>
-          <a:bodyPr/>
-          <a:lstStyle/>
-          <a:p>
-            <a:pPr marL="342900" lvl="2" indent="-342900"/>
-            <a:r>
-              <a:rPr lang="en-US" sz="3200" dirty="0"/>
-              <a:t>each I/O stream is represented </a:t>
-            </a:r>
-            <a:r>
-              <a:rPr lang="en-US" sz="3200" dirty="0" smtClean="0"/>
-              <a:t>by a file pointer of type </a:t>
-            </a:r>
-            <a:r>
-              <a:rPr lang="en-US" sz="3200" dirty="0">
-                <a:solidFill>
-                  <a:srgbClr val="FF0000"/>
-                </a:solidFill>
-              </a:rPr>
-              <a:t>FILE</a:t>
-            </a:r>
-            <a:r>
-              <a:rPr lang="en-US" sz="3200" dirty="0" smtClean="0">
-                <a:solidFill>
-                  <a:srgbClr val="FF0000"/>
-                </a:solidFill>
-              </a:rPr>
-              <a:t>* </a:t>
-            </a:r>
-          </a:p>
-          <a:p>
-            <a:pPr marL="342900" lvl="2" indent="-342900"/>
-            <a:endParaRPr lang="en-US" sz="3200" dirty="0" smtClean="0">
-              <a:solidFill>
-                <a:srgbClr val="FF0000"/>
-              </a:solidFill>
-            </a:endParaRPr>
-          </a:p>
-          <a:p>
-            <a:pPr marL="342900" lvl="2" indent="-342900"/>
-            <a:r>
-              <a:rPr lang="en-US" sz="3200" dirty="0" smtClean="0">
-                <a:solidFill>
-                  <a:srgbClr val="000000"/>
-                </a:solidFill>
-              </a:rPr>
-              <a:t>Obtain the file pointer using </a:t>
-            </a:r>
-            <a:r>
-              <a:rPr lang="en-US" sz="3200" dirty="0" err="1" smtClean="0">
-                <a:solidFill>
-                  <a:srgbClr val="FF0000"/>
-                </a:solidFill>
-              </a:rPr>
-              <a:t>fopen</a:t>
-            </a:r>
-            <a:r>
-              <a:rPr lang="en-US" sz="3200" dirty="0" smtClean="0">
-                <a:solidFill>
-                  <a:srgbClr val="FF0000"/>
-                </a:solidFill>
-              </a:rPr>
-              <a:t> </a:t>
-            </a:r>
-          </a:p>
-          <a:p>
-            <a:pPr marL="800100" lvl="3" indent="-342900"/>
-            <a:r>
-              <a:rPr lang="en-US" sz="2800" dirty="0" smtClean="0">
-                <a:solidFill>
-                  <a:srgbClr val="000000"/>
-                </a:solidFill>
-              </a:rPr>
-              <a:t>file should be closed upon finish</a:t>
-            </a:r>
-            <a:r>
-              <a:rPr lang="en-US" sz="2800" dirty="0" smtClean="0">
-                <a:solidFill>
-                  <a:srgbClr val="FF0000"/>
-                </a:solidFill>
-              </a:rPr>
-              <a:t>: </a:t>
-            </a:r>
-            <a:r>
-              <a:rPr lang="en-US" sz="2800" dirty="0" err="1" smtClean="0">
-                <a:solidFill>
-                  <a:srgbClr val="FF0000"/>
-                </a:solidFill>
-              </a:rPr>
-              <a:t>fclose</a:t>
-            </a:r>
-            <a:r>
-              <a:rPr lang="en-US" sz="2800" dirty="0" smtClean="0">
-                <a:solidFill>
-                  <a:srgbClr val="000000"/>
-                </a:solidFill>
-              </a:rPr>
-              <a:t> </a:t>
-            </a:r>
-          </a:p>
-          <a:p>
-            <a:pPr marL="457200" lvl="3" indent="0">
-              <a:buNone/>
-            </a:pPr>
-            <a:endParaRPr lang="en-US" sz="2800" dirty="0" smtClean="0">
-              <a:solidFill>
-                <a:srgbClr val="000000"/>
-              </a:solidFill>
-            </a:endParaRPr>
-          </a:p>
-          <a:p>
-            <a:pPr marL="342900" lvl="2" indent="-342900"/>
-            <a:r>
-              <a:rPr lang="en-US" sz="3200" dirty="0" smtClean="0">
-                <a:solidFill>
-                  <a:srgbClr val="000000"/>
-                </a:solidFill>
-              </a:rPr>
-              <a:t>Access the file using file pointer with functions</a:t>
-            </a:r>
-          </a:p>
-          <a:p>
-            <a:pPr marL="800100" lvl="3" indent="-342900"/>
-            <a:r>
-              <a:rPr lang="en-US" sz="2800" dirty="0" err="1" smtClean="0">
-                <a:solidFill>
-                  <a:srgbClr val="000000"/>
-                </a:solidFill>
-              </a:rPr>
-              <a:t>fread</a:t>
-            </a:r>
-            <a:r>
-              <a:rPr lang="en-US" sz="2800" dirty="0" smtClean="0">
-                <a:solidFill>
-                  <a:srgbClr val="000000"/>
-                </a:solidFill>
-              </a:rPr>
-              <a:t>, </a:t>
-            </a:r>
-            <a:r>
-              <a:rPr lang="en-US" sz="2800" dirty="0" err="1" smtClean="0">
-                <a:solidFill>
-                  <a:srgbClr val="000000"/>
-                </a:solidFill>
-              </a:rPr>
-              <a:t>fwrite</a:t>
-            </a:r>
-            <a:r>
-              <a:rPr lang="en-US" sz="2800" dirty="0" smtClean="0">
-                <a:solidFill>
-                  <a:srgbClr val="000000"/>
-                </a:solidFill>
-              </a:rPr>
-              <a:t>, </a:t>
-            </a:r>
-            <a:r>
-              <a:rPr lang="en-US" sz="2800" dirty="0" err="1" smtClean="0">
-                <a:solidFill>
-                  <a:srgbClr val="000000"/>
-                </a:solidFill>
-              </a:rPr>
-              <a:t>fgetc</a:t>
-            </a:r>
-            <a:r>
-              <a:rPr lang="en-US" sz="2800" dirty="0" smtClean="0">
-                <a:solidFill>
-                  <a:srgbClr val="000000"/>
-                </a:solidFill>
-              </a:rPr>
-              <a:t>, </a:t>
-            </a:r>
-            <a:r>
-              <a:rPr lang="en-US" sz="2800" dirty="0" err="1" smtClean="0">
-                <a:solidFill>
-                  <a:srgbClr val="000000"/>
-                </a:solidFill>
-              </a:rPr>
-              <a:t>fgets</a:t>
-            </a:r>
-            <a:endParaRPr lang="en-US" sz="2800" dirty="0" smtClean="0">
-              <a:solidFill>
-                <a:srgbClr val="000000"/>
-              </a:solidFill>
-            </a:endParaRPr>
-          </a:p>
-          <a:p>
-            <a:pPr marL="342900" lvl="2" indent="-342900"/>
-            <a:endParaRPr lang="en-US" sz="3200" dirty="0"/>
-          </a:p>
-          <a:p>
-            <a:endParaRPr lang="en-US" dirty="0"/>
-          </a:p>
-        </p:txBody>
-      </p:sp>
-      <p:sp>
-        <p:nvSpPr>
-          <p:cNvPr id="4" name="Rounded Rectangular Callout 3"/>
-          <p:cNvSpPr/>
-          <p:nvPr/>
-        </p:nvSpPr>
-        <p:spPr>
-          <a:xfrm>
-            <a:off x="6141398" y="5453267"/>
-            <a:ext cx="1245976" cy="800732"/>
-          </a:xfrm>
-          <a:prstGeom prst="wedgeRoundRectCallout">
-            <a:avLst>
-              <a:gd name="adj1" fmla="val -115009"/>
-              <a:gd name="adj2" fmla="val 2155"/>
-              <a:gd name="adj3" fmla="val 16667"/>
-            </a:avLst>
-          </a:prstGeom>
-          <a:ln>
-            <a:noFill/>
-          </a:ln>
-        </p:spPr>
-        <p:style>
-          <a:lnRef idx="1">
-            <a:schemeClr val="accent1"/>
-          </a:lnRef>
-          <a:fillRef idx="3">
-            <a:schemeClr val="accent1"/>
-          </a:fillRef>
-          <a:effectRef idx="2">
-            <a:schemeClr val="accent1"/>
-          </a:effectRef>
-          <a:fontRef idx="minor">
-            <a:schemeClr val="lt1"/>
-          </a:fontRef>
-        </p:style>
-        <p:txBody>
-          <a:bodyPr rtlCol="0" anchor="ctr"/>
-          <a:lstStyle/>
-          <a:p>
-            <a:pPr algn="ctr"/>
-            <a:r>
-              <a:rPr lang="en-US" dirty="0" smtClean="0">
-                <a:solidFill>
-                  <a:schemeClr val="tx1"/>
-                </a:solidFill>
-              </a:rPr>
-              <a:t>Type </a:t>
-            </a:r>
-          </a:p>
-          <a:p>
-            <a:pPr algn="ctr"/>
-            <a:r>
-              <a:rPr lang="en-US" dirty="0" smtClean="0">
-                <a:solidFill>
-                  <a:srgbClr val="660066"/>
-                </a:solidFill>
-              </a:rPr>
-              <a:t>man </a:t>
-            </a:r>
-            <a:r>
-              <a:rPr lang="en-US" dirty="0" err="1" smtClean="0">
-                <a:solidFill>
-                  <a:srgbClr val="660066"/>
-                </a:solidFill>
-              </a:rPr>
-              <a:t>stdio</a:t>
-            </a:r>
-            <a:endParaRPr lang="en-US" dirty="0">
-              <a:solidFill>
-                <a:srgbClr val="660066"/>
-              </a:solidFill>
-            </a:endParaRPr>
-          </a:p>
-        </p:txBody>
-      </p:sp>
-    </p:spTree>
-    <p:extLst>
-      <p:ext uri="{BB962C8B-B14F-4D97-AF65-F5344CB8AC3E}">
-        <p14:creationId xmlns:p14="http://schemas.microsoft.com/office/powerpoint/2010/main" val="1966842546"/>
       </p:ext>
     </p:extLst>
   </p:cSld>
@@ -6871,6 +7694,602 @@
           <a:p>
             <a:r>
               <a:rPr lang="en-US" dirty="0" smtClean="0"/>
+              <a:t>I/O in C</a:t>
+            </a:r>
+            <a:endParaRPr lang="en-US" dirty="0"/>
+          </a:p>
+        </p:txBody>
+      </p:sp>
+      <p:sp>
+        <p:nvSpPr>
+          <p:cNvPr id="3" name="Content Placeholder 2"/>
+          <p:cNvSpPr>
+            <a:spLocks noGrp="1"/>
+          </p:cNvSpPr>
+          <p:nvPr>
+            <p:ph idx="1"/>
+          </p:nvPr>
+        </p:nvSpPr>
+        <p:spPr/>
+        <p:txBody>
+          <a:bodyPr>
+            <a:normAutofit lnSpcReduction="10000"/>
+          </a:bodyPr>
+          <a:lstStyle/>
+          <a:p>
+            <a:r>
+              <a:rPr lang="en-US" dirty="0" smtClean="0"/>
+              <a:t>I/O facilities are not part of core C language</a:t>
+            </a:r>
+          </a:p>
+          <a:p>
+            <a:pPr lvl="1"/>
+            <a:r>
+              <a:rPr lang="en-US" dirty="0" smtClean="0"/>
+              <a:t>provided by library using OS facilities.</a:t>
+            </a:r>
+          </a:p>
+          <a:p>
+            <a:pPr lvl="1"/>
+            <a:endParaRPr lang="en-US" dirty="0"/>
+          </a:p>
+          <a:p>
+            <a:r>
+              <a:rPr lang="en-US" dirty="0" smtClean="0"/>
+              <a:t>Two interfaces</a:t>
+            </a:r>
+          </a:p>
+          <a:p>
+            <a:pPr lvl="1"/>
+            <a:r>
+              <a:rPr lang="en-US" dirty="0" smtClean="0"/>
+              <a:t>(high level) Buffered I/O: </a:t>
+            </a:r>
+          </a:p>
+          <a:p>
+            <a:pPr lvl="2"/>
+            <a:r>
+              <a:rPr lang="en-US" dirty="0" smtClean="0"/>
+              <a:t>implemented by </a:t>
+            </a:r>
+            <a:r>
+              <a:rPr lang="en-US" dirty="0" err="1" smtClean="0"/>
+              <a:t>stdio</a:t>
+            </a:r>
+            <a:r>
+              <a:rPr lang="en-US" dirty="0" smtClean="0"/>
+              <a:t> library</a:t>
+            </a:r>
+          </a:p>
+          <a:p>
+            <a:pPr lvl="2"/>
+            <a:r>
+              <a:rPr lang="en-US" dirty="0" smtClean="0"/>
+              <a:t>uses low level interface internally</a:t>
+            </a:r>
+          </a:p>
+          <a:p>
+            <a:pPr lvl="1"/>
+            <a:r>
+              <a:rPr lang="en-US" dirty="0" smtClean="0"/>
+              <a:t>(low level) UNIX(</a:t>
+            </a:r>
+            <a:r>
+              <a:rPr lang="en-US" dirty="0" err="1" smtClean="0"/>
+              <a:t>Unbuffered</a:t>
+            </a:r>
+            <a:r>
+              <a:rPr lang="en-US" dirty="0" smtClean="0"/>
+              <a:t>) I/O:</a:t>
+            </a:r>
+          </a:p>
+          <a:p>
+            <a:pPr lvl="2"/>
+            <a:r>
+              <a:rPr lang="en-US" dirty="0" smtClean="0"/>
+              <a:t>an API provided by OS to invoke its I/O functionalities.</a:t>
+            </a:r>
+          </a:p>
+          <a:p>
+            <a:pPr lvl="2"/>
+            <a:endParaRPr lang="en-US" dirty="0"/>
+          </a:p>
+        </p:txBody>
+      </p:sp>
+    </p:spTree>
+    <p:extLst>
+      <p:ext uri="{BB962C8B-B14F-4D97-AF65-F5344CB8AC3E}">
+        <p14:creationId xmlns:p14="http://schemas.microsoft.com/office/powerpoint/2010/main" val="1372927264"/>
+      </p:ext>
+    </p:extLst>
+  </p:cSld>
+  <p:clrMapOvr>
+    <a:masterClrMapping/>
+  </p:clrMapOvr>
+  <p:timing>
+    <p:tnLst>
+      <p:par>
+        <p:cTn xmlns:p14="http://schemas.microsoft.com/office/powerpoint/2010/main" id="1" dur="indefinite" restart="never" nodeType="tmRoot"/>
+      </p:par>
+    </p:tnLst>
+  </p:timing>
+</p:sld>
+</file>
+
+<file path=ppt/slides/slide19.xml><?xml version="1.0" encoding="utf-8"?>
+<p:sld xmlns:a="http://schemas.openxmlformats.org/drawingml/2006/main" xmlns:r="http://schemas.openxmlformats.org/officeDocument/2006/relationships" xmlns:p="http://schemas.openxmlformats.org/presentationml/2006/main">
+  <p:cSld>
+    <p:spTree>
+      <p:nvGrpSpPr>
+        <p:cNvPr id="1" name=""/>
+        <p:cNvGrpSpPr/>
+        <p:nvPr/>
+      </p:nvGrpSpPr>
+      <p:grpSpPr>
+        <a:xfrm>
+          <a:off x="0" y="0"/>
+          <a:ext cx="0" cy="0"/>
+          <a:chOff x="0" y="0"/>
+          <a:chExt cx="0" cy="0"/>
+        </a:xfrm>
+      </p:grpSpPr>
+      <p:sp>
+        <p:nvSpPr>
+          <p:cNvPr id="2" name="Title 1"/>
+          <p:cNvSpPr>
+            <a:spLocks noGrp="1"/>
+          </p:cNvSpPr>
+          <p:nvPr>
+            <p:ph type="title"/>
+          </p:nvPr>
+        </p:nvSpPr>
+        <p:spPr/>
+        <p:txBody>
+          <a:bodyPr/>
+          <a:lstStyle/>
+          <a:p>
+            <a:r>
+              <a:rPr lang="en-US" dirty="0" smtClean="0"/>
+              <a:t>Buffered I/O </a:t>
+            </a:r>
+            <a:endParaRPr lang="en-US" dirty="0"/>
+          </a:p>
+        </p:txBody>
+      </p:sp>
+      <p:sp>
+        <p:nvSpPr>
+          <p:cNvPr id="3" name="Content Placeholder 2"/>
+          <p:cNvSpPr>
+            <a:spLocks noGrp="1"/>
+          </p:cNvSpPr>
+          <p:nvPr>
+            <p:ph idx="1"/>
+          </p:nvPr>
+        </p:nvSpPr>
+        <p:spPr/>
+        <p:txBody>
+          <a:bodyPr/>
+          <a:lstStyle/>
+          <a:p>
+            <a:pPr marL="342900" lvl="2" indent="-342900"/>
+            <a:r>
+              <a:rPr lang="en-US" sz="3200" dirty="0"/>
+              <a:t>each I/O stream is represented </a:t>
+            </a:r>
+            <a:r>
+              <a:rPr lang="en-US" sz="3200" dirty="0" smtClean="0"/>
+              <a:t>by a file pointer of type </a:t>
+            </a:r>
+            <a:r>
+              <a:rPr lang="en-US" sz="3200" dirty="0">
+                <a:solidFill>
+                  <a:srgbClr val="FF0000"/>
+                </a:solidFill>
+              </a:rPr>
+              <a:t>FILE</a:t>
+            </a:r>
+            <a:r>
+              <a:rPr lang="en-US" sz="3200" dirty="0" smtClean="0">
+                <a:solidFill>
+                  <a:srgbClr val="FF0000"/>
+                </a:solidFill>
+              </a:rPr>
+              <a:t>* </a:t>
+            </a:r>
+          </a:p>
+          <a:p>
+            <a:pPr marL="342900" lvl="2" indent="-342900"/>
+            <a:endParaRPr lang="en-US" sz="3200" dirty="0" smtClean="0">
+              <a:solidFill>
+                <a:srgbClr val="FF0000"/>
+              </a:solidFill>
+            </a:endParaRPr>
+          </a:p>
+          <a:p>
+            <a:pPr marL="342900" lvl="2" indent="-342900"/>
+            <a:r>
+              <a:rPr lang="en-US" sz="3200" dirty="0" smtClean="0">
+                <a:solidFill>
+                  <a:srgbClr val="000000"/>
+                </a:solidFill>
+              </a:rPr>
+              <a:t>Obtain the file pointer using </a:t>
+            </a:r>
+            <a:r>
+              <a:rPr lang="en-US" sz="3200" dirty="0" err="1" smtClean="0">
+                <a:solidFill>
+                  <a:srgbClr val="FF0000"/>
+                </a:solidFill>
+              </a:rPr>
+              <a:t>fopen</a:t>
+            </a:r>
+            <a:r>
+              <a:rPr lang="en-US" sz="3200" dirty="0" smtClean="0">
+                <a:solidFill>
+                  <a:srgbClr val="FF0000"/>
+                </a:solidFill>
+              </a:rPr>
+              <a:t> </a:t>
+            </a:r>
+          </a:p>
+          <a:p>
+            <a:pPr marL="800100" lvl="3" indent="-342900"/>
+            <a:r>
+              <a:rPr lang="en-US" sz="2800" dirty="0" smtClean="0">
+                <a:solidFill>
+                  <a:srgbClr val="000000"/>
+                </a:solidFill>
+              </a:rPr>
+              <a:t>file should be closed upon finish</a:t>
+            </a:r>
+            <a:r>
+              <a:rPr lang="en-US" sz="2800" dirty="0" smtClean="0">
+                <a:solidFill>
+                  <a:srgbClr val="FF0000"/>
+                </a:solidFill>
+              </a:rPr>
+              <a:t>: </a:t>
+            </a:r>
+            <a:r>
+              <a:rPr lang="en-US" sz="2800" dirty="0" err="1" smtClean="0">
+                <a:solidFill>
+                  <a:srgbClr val="FF0000"/>
+                </a:solidFill>
+              </a:rPr>
+              <a:t>fclose</a:t>
+            </a:r>
+            <a:r>
+              <a:rPr lang="en-US" sz="2800" dirty="0" smtClean="0">
+                <a:solidFill>
+                  <a:srgbClr val="000000"/>
+                </a:solidFill>
+              </a:rPr>
+              <a:t> </a:t>
+            </a:r>
+          </a:p>
+          <a:p>
+            <a:pPr marL="457200" lvl="3" indent="0">
+              <a:buNone/>
+            </a:pPr>
+            <a:endParaRPr lang="en-US" sz="2800" dirty="0" smtClean="0">
+              <a:solidFill>
+                <a:srgbClr val="000000"/>
+              </a:solidFill>
+            </a:endParaRPr>
+          </a:p>
+          <a:p>
+            <a:pPr marL="342900" lvl="2" indent="-342900"/>
+            <a:r>
+              <a:rPr lang="en-US" sz="3200" dirty="0" smtClean="0">
+                <a:solidFill>
+                  <a:srgbClr val="000000"/>
+                </a:solidFill>
+              </a:rPr>
+              <a:t>Access the file using file pointer with functions</a:t>
+            </a:r>
+          </a:p>
+          <a:p>
+            <a:pPr marL="800100" lvl="3" indent="-342900"/>
+            <a:r>
+              <a:rPr lang="en-US" sz="2800" dirty="0" err="1" smtClean="0">
+                <a:solidFill>
+                  <a:srgbClr val="000000"/>
+                </a:solidFill>
+              </a:rPr>
+              <a:t>fread</a:t>
+            </a:r>
+            <a:r>
+              <a:rPr lang="en-US" sz="2800" dirty="0" smtClean="0">
+                <a:solidFill>
+                  <a:srgbClr val="000000"/>
+                </a:solidFill>
+              </a:rPr>
+              <a:t>, </a:t>
+            </a:r>
+            <a:r>
+              <a:rPr lang="en-US" sz="2800" dirty="0" err="1" smtClean="0">
+                <a:solidFill>
+                  <a:srgbClr val="000000"/>
+                </a:solidFill>
+              </a:rPr>
+              <a:t>fwrite</a:t>
+            </a:r>
+            <a:r>
+              <a:rPr lang="en-US" sz="2800" dirty="0" smtClean="0">
+                <a:solidFill>
+                  <a:srgbClr val="000000"/>
+                </a:solidFill>
+              </a:rPr>
+              <a:t>, </a:t>
+            </a:r>
+            <a:r>
+              <a:rPr lang="en-US" sz="2800" dirty="0" err="1" smtClean="0">
+                <a:solidFill>
+                  <a:srgbClr val="000000"/>
+                </a:solidFill>
+              </a:rPr>
+              <a:t>fgetc</a:t>
+            </a:r>
+            <a:r>
+              <a:rPr lang="en-US" sz="2800" dirty="0" smtClean="0">
+                <a:solidFill>
+                  <a:srgbClr val="000000"/>
+                </a:solidFill>
+              </a:rPr>
+              <a:t>, </a:t>
+            </a:r>
+            <a:r>
+              <a:rPr lang="en-US" sz="2800" dirty="0" err="1" smtClean="0">
+                <a:solidFill>
+                  <a:srgbClr val="000000"/>
+                </a:solidFill>
+              </a:rPr>
+              <a:t>fgets</a:t>
+            </a:r>
+            <a:endParaRPr lang="en-US" sz="2800" dirty="0" smtClean="0">
+              <a:solidFill>
+                <a:srgbClr val="000000"/>
+              </a:solidFill>
+            </a:endParaRPr>
+          </a:p>
+          <a:p>
+            <a:pPr marL="342900" lvl="2" indent="-342900"/>
+            <a:endParaRPr lang="en-US" sz="3200" dirty="0"/>
+          </a:p>
+          <a:p>
+            <a:endParaRPr lang="en-US" dirty="0"/>
+          </a:p>
+        </p:txBody>
+      </p:sp>
+      <p:sp>
+        <p:nvSpPr>
+          <p:cNvPr id="4" name="Rounded Rectangular Callout 3"/>
+          <p:cNvSpPr/>
+          <p:nvPr/>
+        </p:nvSpPr>
+        <p:spPr>
+          <a:xfrm>
+            <a:off x="6141398" y="5453267"/>
+            <a:ext cx="1245976" cy="800732"/>
+          </a:xfrm>
+          <a:prstGeom prst="wedgeRoundRectCallout">
+            <a:avLst>
+              <a:gd name="adj1" fmla="val -115009"/>
+              <a:gd name="adj2" fmla="val 2155"/>
+              <a:gd name="adj3" fmla="val 16667"/>
+            </a:avLst>
+          </a:prstGeom>
+          <a:ln>
+            <a:noFill/>
+          </a:ln>
+        </p:spPr>
+        <p:style>
+          <a:lnRef idx="1">
+            <a:schemeClr val="accent1"/>
+          </a:lnRef>
+          <a:fillRef idx="3">
+            <a:schemeClr val="accent1"/>
+          </a:fillRef>
+          <a:effectRef idx="2">
+            <a:schemeClr val="accent1"/>
+          </a:effectRef>
+          <a:fontRef idx="minor">
+            <a:schemeClr val="lt1"/>
+          </a:fontRef>
+        </p:style>
+        <p:txBody>
+          <a:bodyPr rtlCol="0" anchor="ctr"/>
+          <a:lstStyle/>
+          <a:p>
+            <a:pPr algn="ctr"/>
+            <a:r>
+              <a:rPr lang="en-US" dirty="0" smtClean="0">
+                <a:solidFill>
+                  <a:schemeClr val="tx1"/>
+                </a:solidFill>
+              </a:rPr>
+              <a:t>Type </a:t>
+            </a:r>
+          </a:p>
+          <a:p>
+            <a:pPr algn="ctr"/>
+            <a:r>
+              <a:rPr lang="en-US" dirty="0" smtClean="0">
+                <a:solidFill>
+                  <a:srgbClr val="660066"/>
+                </a:solidFill>
+              </a:rPr>
+              <a:t>man </a:t>
+            </a:r>
+            <a:r>
+              <a:rPr lang="en-US" dirty="0" err="1" smtClean="0">
+                <a:solidFill>
+                  <a:srgbClr val="660066"/>
+                </a:solidFill>
+              </a:rPr>
+              <a:t>stdio</a:t>
+            </a:r>
+            <a:endParaRPr lang="en-US" dirty="0">
+              <a:solidFill>
+                <a:srgbClr val="660066"/>
+              </a:solidFill>
+            </a:endParaRPr>
+          </a:p>
+        </p:txBody>
+      </p:sp>
+    </p:spTree>
+    <p:extLst>
+      <p:ext uri="{BB962C8B-B14F-4D97-AF65-F5344CB8AC3E}">
+        <p14:creationId xmlns:p14="http://schemas.microsoft.com/office/powerpoint/2010/main" val="1966842546"/>
+      </p:ext>
+    </p:extLst>
+  </p:cSld>
+  <p:clrMapOvr>
+    <a:masterClrMapping/>
+  </p:clrMapOvr>
+  <p:timing>
+    <p:tnLst>
+      <p:par>
+        <p:cTn xmlns:p14="http://schemas.microsoft.com/office/powerpoint/2010/main" id="1" dur="indefinite" restart="never" nodeType="tmRoot"/>
+      </p:par>
+    </p:tnLst>
+  </p:timing>
+</p:sld>
+</file>
+
+<file path=ppt/slides/slide2.xml><?xml version="1.0" encoding="utf-8"?>
+<p:sld xmlns:a="http://schemas.openxmlformats.org/drawingml/2006/main" xmlns:r="http://schemas.openxmlformats.org/officeDocument/2006/relationships" xmlns:p="http://schemas.openxmlformats.org/presentationml/2006/main">
+  <p:cSld>
+    <p:spTree>
+      <p:nvGrpSpPr>
+        <p:cNvPr id="1" name=""/>
+        <p:cNvGrpSpPr/>
+        <p:nvPr/>
+      </p:nvGrpSpPr>
+      <p:grpSpPr>
+        <a:xfrm>
+          <a:off x="0" y="0"/>
+          <a:ext cx="0" cy="0"/>
+          <a:chOff x="0" y="0"/>
+          <a:chExt cx="0" cy="0"/>
+        </a:xfrm>
+      </p:grpSpPr>
+      <p:sp>
+        <p:nvSpPr>
+          <p:cNvPr id="4" name="Title 3"/>
+          <p:cNvSpPr>
+            <a:spLocks noGrp="1"/>
+          </p:cNvSpPr>
+          <p:nvPr>
+            <p:ph type="title"/>
+          </p:nvPr>
+        </p:nvSpPr>
+        <p:spPr/>
+        <p:txBody>
+          <a:bodyPr/>
+          <a:lstStyle/>
+          <a:p>
+            <a:r>
+              <a:rPr lang="en-US" dirty="0" smtClean="0"/>
+              <a:t>Organization of large C programs</a:t>
+            </a:r>
+            <a:endParaRPr lang="en-US" dirty="0"/>
+          </a:p>
+        </p:txBody>
+      </p:sp>
+      <p:sp>
+        <p:nvSpPr>
+          <p:cNvPr id="2" name="Content Placeholder 1"/>
+          <p:cNvSpPr>
+            <a:spLocks noGrp="1"/>
+          </p:cNvSpPr>
+          <p:nvPr>
+            <p:ph idx="1"/>
+          </p:nvPr>
+        </p:nvSpPr>
+        <p:spPr/>
+        <p:txBody>
+          <a:bodyPr/>
+          <a:lstStyle/>
+          <a:p>
+            <a:r>
+              <a:rPr lang="en-US" dirty="0" smtClean="0"/>
+              <a:t>Breaking a large program into multiple files</a:t>
+            </a:r>
+          </a:p>
+          <a:p>
+            <a:pPr lvl="1"/>
+            <a:r>
+              <a:rPr lang="en-US" dirty="0" smtClean="0"/>
+              <a:t>*.h and *.c files</a:t>
+            </a:r>
+          </a:p>
+          <a:p>
+            <a:r>
+              <a:rPr lang="en-US" dirty="0" smtClean="0"/>
+              <a:t>C pre-processing</a:t>
+            </a:r>
+          </a:p>
+          <a:p>
+            <a:pPr lvl="1"/>
+            <a:endParaRPr lang="en-US" dirty="0"/>
+          </a:p>
+        </p:txBody>
+      </p:sp>
+    </p:spTree>
+    <p:extLst>
+      <p:ext uri="{BB962C8B-B14F-4D97-AF65-F5344CB8AC3E}">
+        <p14:creationId xmlns:p14="http://schemas.microsoft.com/office/powerpoint/2010/main" val="1070331909"/>
+      </p:ext>
+    </p:extLst>
+  </p:cSld>
+  <p:clrMapOvr>
+    <a:masterClrMapping/>
+  </p:clrMapOvr>
+  <p:timing>
+    <p:tnLst>
+      <p:par>
+        <p:cTn xmlns:p14="http://schemas.microsoft.com/office/powerpoint/2010/main" id="1" dur="indefinite" restart="never" nodeType="tmRoot"/>
+      </p:par>
+    </p:tnLst>
+  </p:timing>
+</p:sld>
+</file>
+
+<file path=ppt/slides/slide20.xml><?xml version="1.0" encoding="utf-8"?>
+<p:sld xmlns:a="http://schemas.openxmlformats.org/drawingml/2006/main" xmlns:r="http://schemas.openxmlformats.org/officeDocument/2006/relationships" xmlns:p="http://schemas.openxmlformats.org/presentationml/2006/main">
+  <p:cSld>
+    <p:spTree>
+      <p:nvGrpSpPr>
+        <p:cNvPr id="1" name=""/>
+        <p:cNvGrpSpPr/>
+        <p:nvPr/>
+      </p:nvGrpSpPr>
+      <p:grpSpPr>
+        <a:xfrm>
+          <a:off x="0" y="0"/>
+          <a:ext cx="0" cy="0"/>
+          <a:chOff x="0" y="0"/>
+          <a:chExt cx="0" cy="0"/>
+        </a:xfrm>
+      </p:grpSpPr>
+      <p:sp>
+        <p:nvSpPr>
+          <p:cNvPr id="2" name="Title 1"/>
+          <p:cNvSpPr>
+            <a:spLocks noGrp="1"/>
+          </p:cNvSpPr>
+          <p:nvPr>
+            <p:ph type="title"/>
+          </p:nvPr>
+        </p:nvSpPr>
+        <p:spPr/>
+        <p:txBody>
+          <a:bodyPr/>
+          <a:lstStyle/>
+          <a:p>
+            <a:r>
+              <a:rPr lang="en-US" dirty="0" smtClean="0"/>
               <a:t>Buffered I/O </a:t>
             </a:r>
             <a:endParaRPr lang="en-US" dirty="0"/>
@@ -7019,7 +8438,7 @@
 </p:sld>
 </file>
 
-<file path=ppt/slides/slide19.xml><?xml version="1.0" encoding="utf-8"?>
+<file path=ppt/slides/slide21.xml><?xml version="1.0" encoding="utf-8"?>
 <p:sld xmlns:a="http://schemas.openxmlformats.org/drawingml/2006/main" xmlns:r="http://schemas.openxmlformats.org/officeDocument/2006/relationships" xmlns:p="http://schemas.openxmlformats.org/presentationml/2006/main">
   <p:cSld>
     <p:spTree>
@@ -7335,106 +8754,7 @@
 </p:sld>
 </file>
 
-<file path=ppt/slides/slide2.xml><?xml version="1.0" encoding="utf-8"?>
-<p:sld xmlns:a="http://schemas.openxmlformats.org/drawingml/2006/main" xmlns:r="http://schemas.openxmlformats.org/officeDocument/2006/relationships" xmlns:p="http://schemas.openxmlformats.org/presentationml/2006/main">
-  <p:cSld>
-    <p:spTree>
-      <p:nvGrpSpPr>
-        <p:cNvPr id="1" name=""/>
-        <p:cNvGrpSpPr/>
-        <p:nvPr/>
-      </p:nvGrpSpPr>
-      <p:grpSpPr>
-        <a:xfrm>
-          <a:off x="0" y="0"/>
-          <a:ext cx="0" cy="0"/>
-          <a:chOff x="0" y="0"/>
-          <a:chExt cx="0" cy="0"/>
-        </a:xfrm>
-      </p:grpSpPr>
-      <p:sp>
-        <p:nvSpPr>
-          <p:cNvPr id="4" name="Title 3"/>
-          <p:cNvSpPr>
-            <a:spLocks noGrp="1"/>
-          </p:cNvSpPr>
-          <p:nvPr>
-            <p:ph type="title"/>
-          </p:nvPr>
-        </p:nvSpPr>
-        <p:spPr/>
-        <p:txBody>
-          <a:bodyPr/>
-          <a:lstStyle/>
-          <a:p>
-            <a:r>
-              <a:rPr lang="en-US" dirty="0" smtClean="0"/>
-              <a:t>Organization of large C programs</a:t>
-            </a:r>
-            <a:endParaRPr lang="en-US" dirty="0"/>
-          </a:p>
-        </p:txBody>
-      </p:sp>
-      <p:sp>
-        <p:nvSpPr>
-          <p:cNvPr id="2" name="Content Placeholder 1"/>
-          <p:cNvSpPr>
-            <a:spLocks noGrp="1"/>
-          </p:cNvSpPr>
-          <p:nvPr>
-            <p:ph idx="1"/>
-          </p:nvPr>
-        </p:nvSpPr>
-        <p:spPr/>
-        <p:txBody>
-          <a:bodyPr/>
-          <a:lstStyle/>
-          <a:p>
-            <a:r>
-              <a:rPr lang="en-US" dirty="0" smtClean="0"/>
-              <a:t>Breaking a large program into multiple files</a:t>
-            </a:r>
-          </a:p>
-          <a:p>
-            <a:pPr lvl="1"/>
-            <a:r>
-              <a:rPr lang="en-US" dirty="0" smtClean="0"/>
-              <a:t>*.h and *.c files</a:t>
-            </a:r>
-          </a:p>
-          <a:p>
-            <a:r>
-              <a:rPr lang="en-US" dirty="0" smtClean="0"/>
-              <a:t>C pre-processing</a:t>
-            </a:r>
-          </a:p>
-          <a:p>
-            <a:pPr lvl="1"/>
-            <a:endParaRPr lang="en-US" dirty="0"/>
-          </a:p>
-        </p:txBody>
-      </p:sp>
-    </p:spTree>
-    <p:extLst>
-      <p:ext uri="{BB962C8B-B14F-4D97-AF65-F5344CB8AC3E}">
-        <p14:creationId xmlns:p14="http://schemas.microsoft.com/office/powerpoint/2010/main" val="1070331909"/>
-      </p:ext>
-    </p:extLst>
-  </p:cSld>
-  <p:clrMapOvr>
-    <a:masterClrMapping/>
-  </p:clrMapOvr>
-  <p:timing>
-    <p:tnLst>
-      <p:par>
-        <p:cTn xmlns:p14="http://schemas.microsoft.com/office/powerpoint/2010/main" id="1" dur="indefinite" restart="never" nodeType="tmRoot"/>
-      </p:par>
-    </p:tnLst>
-  </p:timing>
-</p:sld>
-</file>
-
-<file path=ppt/slides/slide20.xml><?xml version="1.0" encoding="utf-8"?>
+<file path=ppt/slides/slide22.xml><?xml version="1.0" encoding="utf-8"?>
 <p:sld xmlns:a="http://schemas.openxmlformats.org/drawingml/2006/main" xmlns:r="http://schemas.openxmlformats.org/officeDocument/2006/relationships" xmlns:p="http://schemas.openxmlformats.org/presentationml/2006/main">
   <p:cSld>
     <p:spTree>
@@ -8411,7 +9731,7 @@
 </p:sld>
 </file>
 
-<file path=ppt/slides/slide21.xml><?xml version="1.0" encoding="utf-8"?>
+<file path=ppt/slides/slide23.xml><?xml version="1.0" encoding="utf-8"?>
 <p:sld xmlns:a="http://schemas.openxmlformats.org/drawingml/2006/main" xmlns:r="http://schemas.openxmlformats.org/officeDocument/2006/relationships" xmlns:p="http://schemas.openxmlformats.org/presentationml/2006/main">
   <p:cSld>
     <p:spTree>
@@ -8917,7 +10237,7 @@
 </p:sld>
 </file>
 
-<file path=ppt/slides/slide22.xml><?xml version="1.0" encoding="utf-8"?>
+<file path=ppt/slides/slide24.xml><?xml version="1.0" encoding="utf-8"?>
 <p:sld xmlns:a="http://schemas.openxmlformats.org/drawingml/2006/main" xmlns:r="http://schemas.openxmlformats.org/officeDocument/2006/relationships" xmlns:p="http://schemas.openxmlformats.org/presentationml/2006/main">
   <p:cSld>
     <p:spTree>
@@ -9652,7 +10972,7 @@
 </p:sld>
 </file>
 
-<file path=ppt/slides/slide23.xml><?xml version="1.0" encoding="utf-8"?>
+<file path=ppt/slides/slide25.xml><?xml version="1.0" encoding="utf-8"?>
 <p:sld xmlns:a="http://schemas.openxmlformats.org/drawingml/2006/main" xmlns:r="http://schemas.openxmlformats.org/officeDocument/2006/relationships" xmlns:p="http://schemas.openxmlformats.org/presentationml/2006/main">
   <p:cSld>
     <p:spTree>
@@ -10061,7 +11381,7 @@
 </p:sld>
 </file>
 
-<file path=ppt/slides/slide24.xml><?xml version="1.0" encoding="utf-8"?>
+<file path=ppt/slides/slide26.xml><?xml version="1.0" encoding="utf-8"?>
 <p:sld xmlns:a="http://schemas.openxmlformats.org/drawingml/2006/main" xmlns:r="http://schemas.openxmlformats.org/officeDocument/2006/relationships" xmlns:p="http://schemas.openxmlformats.org/presentationml/2006/main">
   <p:cSld>
     <p:spTree>
@@ -10496,7 +11816,7 @@
 </p:sld>
 </file>
 
-<file path=ppt/slides/slide25.xml><?xml version="1.0" encoding="utf-8"?>
+<file path=ppt/slides/slide27.xml><?xml version="1.0" encoding="utf-8"?>
 <p:sld xmlns:a="http://schemas.openxmlformats.org/drawingml/2006/main" xmlns:r="http://schemas.openxmlformats.org/officeDocument/2006/relationships" xmlns:p="http://schemas.openxmlformats.org/presentationml/2006/main">
   <p:cSld>
     <p:spTree>
@@ -11348,7 +12668,7 @@
 </p:sld>
 </file>
 
-<file path=ppt/slides/slide26.xml><?xml version="1.0" encoding="utf-8"?>
+<file path=ppt/slides/slide28.xml><?xml version="1.0" encoding="utf-8"?>
 <p:sld xmlns:a="http://schemas.openxmlformats.org/drawingml/2006/main" xmlns:r="http://schemas.openxmlformats.org/officeDocument/2006/relationships" xmlns:p="http://schemas.openxmlformats.org/presentationml/2006/main">
   <p:cSld>
     <p:spTree>
@@ -11755,7 +13075,7 @@
 </p:sld>
 </file>
 
-<file path=ppt/slides/slide27.xml><?xml version="1.0" encoding="utf-8"?>
+<file path=ppt/slides/slide29.xml><?xml version="1.0" encoding="utf-8"?>
 <p:sld xmlns:a="http://schemas.openxmlformats.org/drawingml/2006/main" xmlns:r="http://schemas.openxmlformats.org/officeDocument/2006/relationships" xmlns:p="http://schemas.openxmlformats.org/presentationml/2006/main">
   <p:cSld>
     <p:spTree>
@@ -12512,7 +13832,1206 @@
 </p:sld>
 </file>
 
-<file path=ppt/slides/slide28.xml><?xml version="1.0" encoding="utf-8"?>
+<file path=ppt/slides/slide3.xml><?xml version="1.0" encoding="utf-8"?>
+<p:sld xmlns:a="http://schemas.openxmlformats.org/drawingml/2006/main" xmlns:r="http://schemas.openxmlformats.org/officeDocument/2006/relationships" xmlns:p="http://schemas.openxmlformats.org/presentationml/2006/main">
+  <p:cSld>
+    <p:spTree>
+      <p:nvGrpSpPr>
+        <p:cNvPr id="1" name=""/>
+        <p:cNvGrpSpPr/>
+        <p:nvPr/>
+      </p:nvGrpSpPr>
+      <p:grpSpPr>
+        <a:xfrm>
+          <a:off x="0" y="0"/>
+          <a:ext cx="0" cy="0"/>
+          <a:chOff x="0" y="0"/>
+          <a:chExt cx="0" cy="0"/>
+        </a:xfrm>
+      </p:grpSpPr>
+      <p:sp>
+        <p:nvSpPr>
+          <p:cNvPr id="2" name="Title 1"/>
+          <p:cNvSpPr>
+            <a:spLocks noGrp="1"/>
+          </p:cNvSpPr>
+          <p:nvPr>
+            <p:ph type="title"/>
+          </p:nvPr>
+        </p:nvSpPr>
+        <p:spPr>
+          <a:xfrm>
+            <a:off x="457200" y="-41098"/>
+            <a:ext cx="8229600" cy="1143000"/>
+          </a:xfrm>
+        </p:spPr>
+        <p:txBody>
+          <a:bodyPr>
+            <a:normAutofit/>
+          </a:bodyPr>
+          <a:lstStyle/>
+          <a:p>
+            <a:r>
+              <a:rPr lang="en-US" dirty="0" smtClean="0"/>
+              <a:t>The compilation process</a:t>
+            </a:r>
+            <a:endParaRPr lang="en-US" dirty="0"/>
+          </a:p>
+        </p:txBody>
+      </p:sp>
+      <p:sp>
+        <p:nvSpPr>
+          <p:cNvPr id="4" name="矩形 3"/>
+          <p:cNvSpPr/>
+          <p:nvPr/>
+        </p:nvSpPr>
+        <p:spPr>
+          <a:xfrm>
+            <a:off x="169587" y="1101902"/>
+            <a:ext cx="5131484" cy="3785652"/>
+          </a:xfrm>
+          <a:prstGeom prst="rect">
+            <a:avLst/>
+          </a:prstGeom>
+          <a:ln>
+            <a:solidFill>
+              <a:schemeClr val="tx1"/>
+            </a:solidFill>
+          </a:ln>
+        </p:spPr>
+        <p:txBody>
+          <a:bodyPr wrap="square">
+            <a:spAutoFit/>
+          </a:bodyPr>
+          <a:lstStyle/>
+          <a:p>
+            <a:r>
+              <a:rPr lang="en-US" altLang="zh-CN" sz="1600" dirty="0" err="1" smtClean="0">
+                <a:latin typeface="Consolas"/>
+                <a:cs typeface="Consolas"/>
+              </a:rPr>
+              <a:t>typedef</a:t>
+            </a:r>
+            <a:r>
+              <a:rPr lang="en-US" altLang="zh-CN" sz="1600" dirty="0" smtClean="0">
+                <a:latin typeface="Consolas"/>
+                <a:cs typeface="Consolas"/>
+              </a:rPr>
+              <a:t> </a:t>
+            </a:r>
+            <a:r>
+              <a:rPr lang="en-US" altLang="zh-CN" sz="1600" dirty="0" err="1" smtClean="0">
+                <a:latin typeface="Consolas"/>
+                <a:cs typeface="Consolas"/>
+              </a:rPr>
+              <a:t>struct</a:t>
+            </a:r>
+            <a:r>
+              <a:rPr lang="en-US" altLang="zh-CN" sz="1600" dirty="0" smtClean="0">
+                <a:latin typeface="Consolas"/>
+                <a:cs typeface="Consolas"/>
+              </a:rPr>
+              <a:t> {</a:t>
+            </a:r>
+            <a:endParaRPr lang="en-US" altLang="zh-CN" sz="1600" dirty="0">
+              <a:latin typeface="Consolas"/>
+              <a:cs typeface="Consolas"/>
+            </a:endParaRPr>
+          </a:p>
+          <a:p>
+            <a:r>
+              <a:rPr lang="en-US" altLang="zh-CN" sz="1600" dirty="0" smtClean="0">
+                <a:latin typeface="Consolas"/>
+                <a:cs typeface="Consolas"/>
+              </a:rPr>
+              <a:t>     </a:t>
+            </a:r>
+            <a:r>
+              <a:rPr lang="en-US" altLang="zh-CN" sz="1600" dirty="0" smtClean="0">
+                <a:latin typeface="Consolas"/>
+                <a:cs typeface="Consolas"/>
+              </a:rPr>
+              <a:t>long </a:t>
+            </a:r>
+            <a:r>
+              <a:rPr lang="en-US" altLang="zh-CN" sz="1600" dirty="0" err="1" smtClean="0">
+                <a:latin typeface="Consolas"/>
+                <a:cs typeface="Consolas"/>
+              </a:rPr>
+              <a:t>val</a:t>
+            </a:r>
+            <a:r>
+              <a:rPr lang="en-US" altLang="zh-CN" sz="1600" dirty="0">
+                <a:latin typeface="Consolas"/>
+                <a:cs typeface="Consolas"/>
+              </a:rPr>
+              <a:t>;</a:t>
+            </a:r>
+          </a:p>
+          <a:p>
+            <a:r>
+              <a:rPr lang="en-US" altLang="zh-CN" sz="1600" dirty="0" smtClean="0">
+                <a:latin typeface="Consolas"/>
+                <a:cs typeface="Consolas"/>
+              </a:rPr>
+              <a:t>     </a:t>
+            </a:r>
+            <a:r>
+              <a:rPr lang="en-US" altLang="zh-CN" sz="1600" dirty="0">
+                <a:latin typeface="Consolas"/>
+                <a:cs typeface="Consolas"/>
+              </a:rPr>
+              <a:t>struct n</a:t>
+            </a:r>
+            <a:r>
+              <a:rPr lang="en-US" altLang="zh-CN" sz="1600" dirty="0" smtClean="0">
+                <a:latin typeface="Consolas"/>
+                <a:cs typeface="Consolas"/>
+              </a:rPr>
+              <a:t>ode </a:t>
+            </a:r>
+            <a:r>
+              <a:rPr lang="en-US" altLang="zh-CN" sz="1600" dirty="0">
+                <a:latin typeface="Consolas"/>
+                <a:cs typeface="Consolas"/>
+              </a:rPr>
+              <a:t>*next;</a:t>
+            </a:r>
+          </a:p>
+          <a:p>
+            <a:r>
+              <a:rPr lang="en-US" altLang="zh-CN" sz="1600" dirty="0">
+                <a:latin typeface="Consolas"/>
+                <a:cs typeface="Consolas"/>
+              </a:rPr>
+              <a:t> </a:t>
+            </a:r>
+            <a:r>
+              <a:rPr lang="en-US" altLang="zh-CN" sz="1600" dirty="0" smtClean="0">
+                <a:latin typeface="Consolas"/>
+                <a:cs typeface="Consolas"/>
+              </a:rPr>
+              <a:t>}node</a:t>
+            </a:r>
+            <a:r>
+              <a:rPr lang="en-US" altLang="zh-CN" sz="1600" dirty="0" smtClean="0">
+                <a:latin typeface="Consolas"/>
+                <a:cs typeface="Consolas"/>
+              </a:rPr>
+              <a:t>;</a:t>
+            </a:r>
+          </a:p>
+          <a:p>
+            <a:r>
+              <a:rPr lang="en-US" altLang="zh-CN" sz="1600" dirty="0" smtClean="0">
+                <a:latin typeface="Consolas"/>
+                <a:cs typeface="Consolas"/>
+              </a:rPr>
+              <a:t>void </a:t>
+            </a:r>
+            <a:r>
+              <a:rPr lang="en-US" altLang="zh-CN" sz="1600" dirty="0" smtClean="0">
+                <a:latin typeface="Consolas"/>
+                <a:cs typeface="Consolas"/>
+              </a:rPr>
+              <a:t>insert(node *</a:t>
+            </a:r>
+            <a:r>
+              <a:rPr lang="en-US" altLang="zh-CN" sz="1600" dirty="0" err="1" smtClean="0">
+                <a:latin typeface="Consolas"/>
+                <a:cs typeface="Consolas"/>
+              </a:rPr>
+              <a:t>headp</a:t>
+            </a:r>
+            <a:r>
+              <a:rPr lang="en-US" altLang="zh-CN" sz="1600" dirty="0" smtClean="0">
+                <a:latin typeface="Consolas"/>
+                <a:cs typeface="Consolas"/>
+              </a:rPr>
+              <a:t>, long </a:t>
+            </a:r>
+            <a:r>
+              <a:rPr lang="en-US" altLang="zh-CN" sz="1600" dirty="0" err="1" smtClean="0">
+                <a:latin typeface="Consolas"/>
+                <a:cs typeface="Consolas"/>
+              </a:rPr>
+              <a:t>val</a:t>
+            </a:r>
+            <a:r>
+              <a:rPr lang="en-US" altLang="zh-CN" sz="1600" dirty="0" smtClean="0">
+                <a:latin typeface="Consolas"/>
+                <a:cs typeface="Consolas"/>
+              </a:rPr>
+              <a:t>) </a:t>
+            </a:r>
+            <a:r>
+              <a:rPr lang="en-US" altLang="zh-CN" sz="1600" dirty="0">
+                <a:latin typeface="Consolas"/>
+                <a:cs typeface="Consolas"/>
+              </a:rPr>
+              <a:t>{</a:t>
+            </a:r>
+          </a:p>
+          <a:p>
+            <a:r>
+              <a:rPr lang="en-US" altLang="zh-CN" sz="1600" b="1" dirty="0">
+                <a:latin typeface="Consolas"/>
+                <a:cs typeface="Consolas"/>
+              </a:rPr>
+              <a:t> </a:t>
+            </a:r>
+            <a:r>
+              <a:rPr lang="en-US" altLang="zh-CN" sz="1600" b="1" dirty="0" smtClean="0">
+                <a:latin typeface="Consolas"/>
+                <a:cs typeface="Consolas"/>
+              </a:rPr>
+              <a:t>   </a:t>
+            </a:r>
+            <a:r>
+              <a:rPr lang="en-US" altLang="zh-CN" sz="1600" dirty="0" smtClean="0">
+                <a:latin typeface="Consolas"/>
+                <a:cs typeface="Consolas"/>
+              </a:rPr>
+              <a:t>node </a:t>
+            </a:r>
+            <a:r>
+              <a:rPr lang="en-US" altLang="zh-CN" sz="1600" dirty="0" smtClean="0">
+                <a:latin typeface="Consolas"/>
+                <a:cs typeface="Consolas"/>
+              </a:rPr>
+              <a:t>*n = </a:t>
+            </a:r>
+            <a:r>
+              <a:rPr lang="en-US" altLang="zh-CN" sz="1600" dirty="0" smtClean="0">
+                <a:latin typeface="Consolas"/>
+                <a:cs typeface="Consolas"/>
+              </a:rPr>
+              <a:t>(node *)</a:t>
+            </a:r>
+            <a:r>
+              <a:rPr lang="en-US" altLang="zh-CN" sz="1600" dirty="0" err="1" smtClean="0">
+                <a:latin typeface="Consolas"/>
+                <a:cs typeface="Consolas"/>
+              </a:rPr>
+              <a:t>malloc</a:t>
+            </a:r>
+            <a:r>
+              <a:rPr lang="en-US" altLang="zh-CN" sz="1600" dirty="0" smtClean="0">
+                <a:latin typeface="Consolas"/>
+                <a:cs typeface="Consolas"/>
+              </a:rPr>
+              <a:t>(</a:t>
+            </a:r>
+            <a:r>
+              <a:rPr lang="en-US" altLang="zh-CN" sz="1600" dirty="0" err="1" smtClean="0">
+                <a:latin typeface="Consolas"/>
+                <a:cs typeface="Consolas"/>
+              </a:rPr>
+              <a:t>sizeof</a:t>
+            </a:r>
+            <a:r>
+              <a:rPr lang="en-US" altLang="zh-CN" sz="1600" dirty="0" smtClean="0">
+                <a:latin typeface="Consolas"/>
+                <a:cs typeface="Consolas"/>
+              </a:rPr>
+              <a:t>(node));</a:t>
+            </a:r>
+          </a:p>
+          <a:p>
+            <a:r>
+              <a:rPr lang="en-US" altLang="zh-CN" sz="1600" b="1" dirty="0">
+                <a:latin typeface="Consolas"/>
+                <a:cs typeface="Consolas"/>
+              </a:rPr>
+              <a:t> </a:t>
+            </a:r>
+            <a:r>
+              <a:rPr lang="en-US" altLang="zh-CN" sz="1600" b="1" dirty="0" smtClean="0">
+                <a:latin typeface="Consolas"/>
+                <a:cs typeface="Consolas"/>
+              </a:rPr>
+              <a:t>   </a:t>
+            </a:r>
+            <a:r>
+              <a:rPr lang="en-US" altLang="zh-CN" sz="1600" dirty="0" smtClean="0">
+                <a:latin typeface="Consolas"/>
+                <a:cs typeface="Consolas"/>
+              </a:rPr>
+              <a:t>n-</a:t>
+            </a:r>
+            <a:r>
+              <a:rPr lang="en-US" altLang="zh-CN" sz="1600" dirty="0" smtClean="0">
+                <a:latin typeface="Consolas"/>
+                <a:cs typeface="Consolas"/>
+              </a:rPr>
+              <a:t>&gt;next = </a:t>
+            </a:r>
+            <a:r>
+              <a:rPr lang="en-US" altLang="zh-CN" sz="1600" dirty="0">
+                <a:latin typeface="Consolas"/>
+                <a:cs typeface="Consolas"/>
+              </a:rPr>
+              <a:t>*</a:t>
+            </a:r>
+            <a:r>
+              <a:rPr lang="en-US" altLang="zh-CN" sz="1600" dirty="0" err="1" smtClean="0">
+                <a:latin typeface="Consolas"/>
+                <a:cs typeface="Consolas"/>
+              </a:rPr>
+              <a:t>headp</a:t>
+            </a:r>
+            <a:r>
+              <a:rPr lang="en-US" altLang="zh-CN" sz="1600" dirty="0" smtClean="0">
+                <a:latin typeface="Consolas"/>
+                <a:cs typeface="Consolas"/>
+              </a:rPr>
+              <a:t>;</a:t>
+            </a:r>
+            <a:endParaRPr lang="en-US" altLang="zh-CN" sz="1600" dirty="0" smtClean="0">
+              <a:latin typeface="Consolas"/>
+              <a:cs typeface="Consolas"/>
+            </a:endParaRPr>
+          </a:p>
+          <a:p>
+            <a:r>
+              <a:rPr lang="en-US" altLang="zh-CN" sz="1600" dirty="0">
+                <a:latin typeface="Consolas"/>
+                <a:cs typeface="Consolas"/>
+              </a:rPr>
+              <a:t> </a:t>
+            </a:r>
+            <a:r>
+              <a:rPr lang="en-US" altLang="zh-CN" sz="1600" dirty="0" smtClean="0">
+                <a:latin typeface="Consolas"/>
+                <a:cs typeface="Consolas"/>
+              </a:rPr>
+              <a:t>   </a:t>
+            </a:r>
+            <a:r>
+              <a:rPr lang="en-US" altLang="zh-CN" sz="1600" dirty="0" smtClean="0">
+                <a:latin typeface="Consolas"/>
+                <a:cs typeface="Consolas"/>
+              </a:rPr>
+              <a:t>n-</a:t>
+            </a:r>
+            <a:r>
+              <a:rPr lang="en-US" altLang="zh-CN" sz="1600" dirty="0" smtClean="0">
+                <a:latin typeface="Consolas"/>
+                <a:cs typeface="Consolas"/>
+              </a:rPr>
+              <a:t>&gt;</a:t>
+            </a:r>
+            <a:r>
+              <a:rPr lang="en-US" altLang="zh-CN" sz="1600" dirty="0" err="1" smtClean="0">
+                <a:latin typeface="Consolas"/>
+                <a:cs typeface="Consolas"/>
+              </a:rPr>
+              <a:t>val</a:t>
+            </a:r>
+            <a:r>
+              <a:rPr lang="en-US" altLang="zh-CN" sz="1600" dirty="0" smtClean="0">
+                <a:latin typeface="Consolas"/>
+                <a:cs typeface="Consolas"/>
+              </a:rPr>
+              <a:t> = </a:t>
+            </a:r>
+            <a:r>
+              <a:rPr lang="en-US" altLang="zh-CN" sz="1600" dirty="0" err="1" smtClean="0">
+                <a:latin typeface="Consolas"/>
+                <a:cs typeface="Consolas"/>
+              </a:rPr>
+              <a:t>val</a:t>
+            </a:r>
+            <a:r>
+              <a:rPr lang="en-US" altLang="zh-CN" sz="1600" dirty="0" smtClean="0">
+                <a:latin typeface="Consolas"/>
+                <a:cs typeface="Consolas"/>
+              </a:rPr>
+              <a:t>;</a:t>
+            </a:r>
+          </a:p>
+          <a:p>
+            <a:r>
+              <a:rPr lang="en-US" altLang="zh-CN" sz="1600" dirty="0">
+                <a:latin typeface="Consolas"/>
+                <a:cs typeface="Consolas"/>
+              </a:rPr>
+              <a:t> </a:t>
+            </a:r>
+            <a:r>
+              <a:rPr lang="en-US" altLang="zh-CN" sz="1600" dirty="0" smtClean="0">
+                <a:latin typeface="Consolas"/>
+                <a:cs typeface="Consolas"/>
+              </a:rPr>
+              <a:t>   *</a:t>
+            </a:r>
+            <a:r>
+              <a:rPr lang="en-US" altLang="zh-CN" sz="1600" dirty="0" err="1" smtClean="0">
+                <a:latin typeface="Consolas"/>
+                <a:cs typeface="Consolas"/>
+              </a:rPr>
+              <a:t>headp</a:t>
+            </a:r>
+            <a:r>
+              <a:rPr lang="en-US" altLang="zh-CN" sz="1600" dirty="0" smtClean="0">
+                <a:latin typeface="Consolas"/>
+                <a:cs typeface="Consolas"/>
+              </a:rPr>
+              <a:t> = n;</a:t>
+            </a:r>
+            <a:endParaRPr lang="en-US" altLang="zh-CN" sz="1600" dirty="0">
+              <a:latin typeface="Consolas"/>
+              <a:cs typeface="Consolas"/>
+            </a:endParaRPr>
+          </a:p>
+          <a:p>
+            <a:r>
+              <a:rPr lang="en-US" altLang="zh-CN" sz="1600" dirty="0" smtClean="0">
+                <a:latin typeface="Consolas"/>
+                <a:cs typeface="Consolas"/>
+              </a:rPr>
+              <a:t>}</a:t>
+            </a:r>
+          </a:p>
+          <a:p>
+            <a:r>
+              <a:rPr lang="en-US" altLang="zh-CN" sz="1600" dirty="0" err="1" smtClean="0">
+                <a:latin typeface="Consolas"/>
+                <a:cs typeface="Consolas"/>
+              </a:rPr>
+              <a:t>int</a:t>
+            </a:r>
+            <a:r>
+              <a:rPr lang="en-US" altLang="zh-CN" sz="1600" dirty="0" smtClean="0">
+                <a:latin typeface="Consolas"/>
+                <a:cs typeface="Consolas"/>
+              </a:rPr>
+              <a:t> </a:t>
+            </a:r>
+            <a:r>
+              <a:rPr lang="en-US" altLang="zh-CN" sz="1600" dirty="0" smtClean="0">
+                <a:latin typeface="Consolas"/>
+                <a:cs typeface="Consolas"/>
+              </a:rPr>
+              <a:t>main() {</a:t>
+            </a:r>
+          </a:p>
+          <a:p>
+            <a:r>
+              <a:rPr lang="en-US" altLang="zh-CN" sz="1600" dirty="0">
+                <a:latin typeface="Consolas"/>
+                <a:cs typeface="Consolas"/>
+              </a:rPr>
+              <a:t> </a:t>
+            </a:r>
+            <a:r>
+              <a:rPr lang="en-US" altLang="zh-CN" sz="1600" dirty="0" smtClean="0">
+                <a:latin typeface="Consolas"/>
+                <a:cs typeface="Consolas"/>
+              </a:rPr>
+              <a:t>   node *head = NULL;</a:t>
+            </a:r>
+          </a:p>
+          <a:p>
+            <a:pPr lvl="1"/>
+            <a:r>
+              <a:rPr lang="en-US" altLang="zh-CN" sz="1600" dirty="0" smtClean="0">
+                <a:latin typeface="Consolas"/>
+                <a:cs typeface="Consolas"/>
+              </a:rPr>
+              <a:t> for </a:t>
+            </a:r>
+            <a:r>
+              <a:rPr lang="en-US" altLang="zh-CN" sz="1600" dirty="0" smtClean="0">
+                <a:latin typeface="Consolas"/>
+                <a:cs typeface="Consolas"/>
+              </a:rPr>
+              <a:t>(long </a:t>
+            </a:r>
+            <a:r>
+              <a:rPr lang="en-US" altLang="zh-CN" sz="1600" dirty="0" err="1" smtClean="0">
+                <a:latin typeface="Consolas"/>
+                <a:cs typeface="Consolas"/>
+              </a:rPr>
+              <a:t>i</a:t>
+            </a:r>
+            <a:r>
+              <a:rPr lang="en-US" altLang="zh-CN" sz="1600" dirty="0" smtClean="0">
+                <a:latin typeface="Consolas"/>
+                <a:cs typeface="Consolas"/>
+              </a:rPr>
+              <a:t> </a:t>
+            </a:r>
+            <a:r>
+              <a:rPr lang="en-US" altLang="zh-CN" sz="1600" dirty="0" smtClean="0">
+                <a:latin typeface="Consolas"/>
+                <a:cs typeface="Consolas"/>
+              </a:rPr>
+              <a:t>= </a:t>
+            </a:r>
+            <a:r>
+              <a:rPr lang="en-US" altLang="zh-CN" sz="1600" dirty="0" smtClean="0">
+                <a:latin typeface="Consolas"/>
+                <a:cs typeface="Consolas"/>
+              </a:rPr>
+              <a:t>10</a:t>
+            </a:r>
+            <a:r>
+              <a:rPr lang="en-US" altLang="zh-CN" sz="1600" dirty="0" smtClean="0">
+                <a:latin typeface="Consolas"/>
+                <a:cs typeface="Consolas"/>
+              </a:rPr>
+              <a:t>; </a:t>
+            </a:r>
+            <a:r>
+              <a:rPr lang="en-US" altLang="zh-CN" sz="1600" dirty="0" err="1" smtClean="0">
+                <a:latin typeface="Consolas"/>
+                <a:cs typeface="Consolas"/>
+              </a:rPr>
+              <a:t>i</a:t>
+            </a:r>
+            <a:r>
+              <a:rPr lang="en-US" altLang="zh-CN" sz="1600" dirty="0" smtClean="0">
+                <a:latin typeface="Consolas"/>
+                <a:cs typeface="Consolas"/>
+              </a:rPr>
+              <a:t> &lt; </a:t>
+            </a:r>
+            <a:r>
+              <a:rPr lang="en-US" altLang="zh-CN" sz="1600" dirty="0" smtClean="0">
+                <a:latin typeface="Consolas"/>
+                <a:cs typeface="Consolas"/>
+              </a:rPr>
+              <a:t>13</a:t>
+            </a:r>
+            <a:r>
+              <a:rPr lang="en-US" altLang="zh-CN" sz="1600" dirty="0" smtClean="0">
+                <a:latin typeface="Consolas"/>
+                <a:cs typeface="Consolas"/>
+              </a:rPr>
+              <a:t>; </a:t>
+            </a:r>
+            <a:r>
+              <a:rPr lang="en-US" altLang="zh-CN" sz="1600" dirty="0" err="1" smtClean="0">
+                <a:latin typeface="Consolas"/>
+                <a:cs typeface="Consolas"/>
+              </a:rPr>
+              <a:t>i</a:t>
+            </a:r>
+            <a:r>
+              <a:rPr lang="en-US" altLang="zh-CN" sz="1600" dirty="0" smtClean="0">
+                <a:latin typeface="Consolas"/>
+                <a:cs typeface="Consolas"/>
+              </a:rPr>
+              <a:t>++) </a:t>
+            </a:r>
+          </a:p>
+          <a:p>
+            <a:pPr lvl="1"/>
+            <a:r>
+              <a:rPr lang="en-US" altLang="zh-CN" sz="1600" dirty="0">
+                <a:latin typeface="Consolas"/>
+                <a:cs typeface="Consolas"/>
+              </a:rPr>
+              <a:t> </a:t>
+            </a:r>
+            <a:r>
+              <a:rPr lang="en-US" altLang="zh-CN" sz="1600" dirty="0" smtClean="0">
+                <a:latin typeface="Consolas"/>
+                <a:cs typeface="Consolas"/>
+              </a:rPr>
+              <a:t>   </a:t>
+            </a:r>
+            <a:r>
+              <a:rPr lang="en-US" altLang="zh-CN" sz="1600" dirty="0" smtClean="0">
+                <a:latin typeface="Consolas"/>
+                <a:cs typeface="Consolas"/>
+              </a:rPr>
+              <a:t>insert(&amp;head</a:t>
+            </a:r>
+            <a:r>
+              <a:rPr lang="en-US" altLang="zh-CN" sz="1600" dirty="0" smtClean="0">
+                <a:latin typeface="Consolas"/>
+                <a:cs typeface="Consolas"/>
+              </a:rPr>
+              <a:t>, </a:t>
+            </a:r>
+            <a:r>
+              <a:rPr lang="en-US" altLang="zh-CN" sz="1600" dirty="0" err="1" smtClean="0">
+                <a:latin typeface="Consolas"/>
+                <a:cs typeface="Consolas"/>
+              </a:rPr>
+              <a:t>i</a:t>
+            </a:r>
+            <a:r>
+              <a:rPr lang="en-US" altLang="zh-CN" sz="1600" dirty="0" smtClean="0">
+                <a:latin typeface="Consolas"/>
+                <a:cs typeface="Consolas"/>
+              </a:rPr>
+              <a:t>);</a:t>
+            </a:r>
+          </a:p>
+          <a:p>
+            <a:r>
+              <a:rPr lang="en-US" altLang="zh-CN" sz="1600" dirty="0" smtClean="0">
+                <a:latin typeface="Consolas"/>
+                <a:cs typeface="Consolas"/>
+              </a:rPr>
+              <a:t>}</a:t>
+            </a:r>
+          </a:p>
+        </p:txBody>
+      </p:sp>
+      <p:sp>
+        <p:nvSpPr>
+          <p:cNvPr id="6" name="TextBox 5"/>
+          <p:cNvSpPr txBox="1"/>
+          <p:nvPr/>
+        </p:nvSpPr>
+        <p:spPr>
+          <a:xfrm>
+            <a:off x="4448404" y="4761483"/>
+            <a:ext cx="852667" cy="523220"/>
+          </a:xfrm>
+          <a:prstGeom prst="rect">
+            <a:avLst/>
+          </a:prstGeom>
+          <a:noFill/>
+        </p:spPr>
+        <p:txBody>
+          <a:bodyPr wrap="none" rtlCol="0">
+            <a:spAutoFit/>
+          </a:bodyPr>
+          <a:lstStyle/>
+          <a:p>
+            <a:r>
+              <a:rPr lang="en-US" sz="2800" dirty="0" err="1" smtClean="0"/>
+              <a:t>list.c</a:t>
+            </a:r>
+            <a:endParaRPr lang="en-US" sz="2800" dirty="0"/>
+          </a:p>
+        </p:txBody>
+      </p:sp>
+      <p:sp>
+        <p:nvSpPr>
+          <p:cNvPr id="11" name="TextBox 10"/>
+          <p:cNvSpPr txBox="1"/>
+          <p:nvPr/>
+        </p:nvSpPr>
+        <p:spPr>
+          <a:xfrm>
+            <a:off x="5880874" y="4761483"/>
+            <a:ext cx="1669698" cy="523220"/>
+          </a:xfrm>
+          <a:prstGeom prst="rect">
+            <a:avLst/>
+          </a:prstGeom>
+          <a:solidFill>
+            <a:srgbClr val="DCE6F2"/>
+          </a:solidFill>
+        </p:spPr>
+        <p:txBody>
+          <a:bodyPr wrap="none" rtlCol="0">
+            <a:spAutoFit/>
+          </a:bodyPr>
+          <a:lstStyle/>
+          <a:p>
+            <a:r>
+              <a:rPr lang="en-US" sz="2800" dirty="0" smtClean="0"/>
+              <a:t>$ </a:t>
+            </a:r>
+            <a:r>
+              <a:rPr lang="en-US" sz="2800" dirty="0" err="1" smtClean="0"/>
+              <a:t>gcc</a:t>
+            </a:r>
+            <a:r>
+              <a:rPr lang="en-US" sz="2800" dirty="0" smtClean="0"/>
+              <a:t> </a:t>
+            </a:r>
+            <a:r>
+              <a:rPr lang="en-US" sz="2800" dirty="0" err="1" smtClean="0"/>
+              <a:t>list.c</a:t>
+            </a:r>
+            <a:endParaRPr lang="en-US" sz="2800" dirty="0" smtClean="0"/>
+          </a:p>
+        </p:txBody>
+      </p:sp>
+      <p:sp>
+        <p:nvSpPr>
+          <p:cNvPr id="17" name="Rounded Rectangular Callout 16"/>
+          <p:cNvSpPr/>
+          <p:nvPr/>
+        </p:nvSpPr>
+        <p:spPr>
+          <a:xfrm>
+            <a:off x="5880874" y="5377215"/>
+            <a:ext cx="2654364" cy="1231464"/>
+          </a:xfrm>
+          <a:prstGeom prst="wedgeRoundRectCallout">
+            <a:avLst>
+              <a:gd name="adj1" fmla="val 46048"/>
+              <a:gd name="adj2" fmla="val -134478"/>
+              <a:gd name="adj3" fmla="val 16667"/>
+            </a:avLst>
+          </a:prstGeom>
+        </p:spPr>
+        <p:style>
+          <a:lnRef idx="1">
+            <a:schemeClr val="accent1"/>
+          </a:lnRef>
+          <a:fillRef idx="3">
+            <a:schemeClr val="accent1"/>
+          </a:fillRef>
+          <a:effectRef idx="2">
+            <a:schemeClr val="accent1"/>
+          </a:effectRef>
+          <a:fontRef idx="minor">
+            <a:schemeClr val="lt1"/>
+          </a:fontRef>
+        </p:style>
+        <p:txBody>
+          <a:bodyPr rtlCol="0" anchor="ctr"/>
+          <a:lstStyle/>
+          <a:p>
+            <a:r>
+              <a:rPr lang="en-US" sz="2000" dirty="0" smtClean="0">
+                <a:solidFill>
+                  <a:schemeClr val="tx1"/>
+                </a:solidFill>
+              </a:rPr>
+              <a:t>a binary </a:t>
+            </a:r>
+            <a:r>
+              <a:rPr lang="en-US" sz="2000" dirty="0">
+                <a:solidFill>
+                  <a:schemeClr val="tx1"/>
+                </a:solidFill>
+              </a:rPr>
+              <a:t>file that can be </a:t>
+            </a:r>
+            <a:r>
+              <a:rPr lang="en-US" sz="2000" dirty="0" smtClean="0">
+                <a:solidFill>
+                  <a:schemeClr val="tx1"/>
+                </a:solidFill>
+              </a:rPr>
+              <a:t>executed </a:t>
+            </a:r>
+            <a:r>
+              <a:rPr lang="en-US" sz="2000" dirty="0">
+                <a:solidFill>
+                  <a:schemeClr val="tx1"/>
+                </a:solidFill>
+              </a:rPr>
+              <a:t>by </a:t>
+            </a:r>
+          </a:p>
+          <a:p>
+            <a:r>
+              <a:rPr lang="en-US" sz="2000" dirty="0">
+                <a:solidFill>
+                  <a:schemeClr val="tx1"/>
+                </a:solidFill>
+              </a:rPr>
+              <a:t>hardware directly</a:t>
+            </a:r>
+            <a:endParaRPr lang="en-US" sz="2000" dirty="0">
+              <a:solidFill>
+                <a:schemeClr val="tx1"/>
+              </a:solidFill>
+            </a:endParaRPr>
+          </a:p>
+        </p:txBody>
+      </p:sp>
+      <p:grpSp>
+        <p:nvGrpSpPr>
+          <p:cNvPr id="10" name="Group 9"/>
+          <p:cNvGrpSpPr/>
+          <p:nvPr/>
+        </p:nvGrpSpPr>
+        <p:grpSpPr>
+          <a:xfrm>
+            <a:off x="5301071" y="2077840"/>
+            <a:ext cx="3696541" cy="2159123"/>
+            <a:chOff x="5301071" y="2077840"/>
+            <a:chExt cx="3696541" cy="2159123"/>
+          </a:xfrm>
+        </p:grpSpPr>
+        <p:sp>
+          <p:nvSpPr>
+            <p:cNvPr id="12" name="TextBox 11"/>
+            <p:cNvSpPr txBox="1"/>
+            <p:nvPr/>
+          </p:nvSpPr>
+          <p:spPr>
+            <a:xfrm>
+              <a:off x="8052021" y="3713743"/>
+              <a:ext cx="945591" cy="523220"/>
+            </a:xfrm>
+            <a:prstGeom prst="rect">
+              <a:avLst/>
+            </a:prstGeom>
+            <a:noFill/>
+          </p:spPr>
+          <p:txBody>
+            <a:bodyPr wrap="none" rtlCol="0">
+              <a:spAutoFit/>
+            </a:bodyPr>
+            <a:lstStyle/>
+            <a:p>
+              <a:r>
+                <a:rPr lang="en-US" sz="2800" dirty="0" err="1" smtClean="0"/>
+                <a:t>a.out</a:t>
+              </a:r>
+              <a:endParaRPr lang="en-US" sz="2800" dirty="0"/>
+            </a:p>
+          </p:txBody>
+        </p:sp>
+        <p:grpSp>
+          <p:nvGrpSpPr>
+            <p:cNvPr id="7" name="Group 6"/>
+            <p:cNvGrpSpPr/>
+            <p:nvPr/>
+          </p:nvGrpSpPr>
+          <p:grpSpPr>
+            <a:xfrm>
+              <a:off x="5301071" y="2077840"/>
+              <a:ext cx="3696541" cy="1635903"/>
+              <a:chOff x="5301071" y="2077840"/>
+              <a:chExt cx="3696541" cy="1635903"/>
+            </a:xfrm>
+          </p:grpSpPr>
+          <p:cxnSp>
+            <p:nvCxnSpPr>
+              <p:cNvPr id="8" name="Straight Arrow Connector 7"/>
+              <p:cNvCxnSpPr/>
+              <p:nvPr/>
+            </p:nvCxnSpPr>
+            <p:spPr>
+              <a:xfrm flipV="1">
+                <a:off x="5301071" y="3202931"/>
+                <a:ext cx="579803" cy="13806"/>
+              </a:xfrm>
+              <a:prstGeom prst="straightConnector1">
+                <a:avLst/>
+              </a:prstGeom>
+              <a:ln>
+                <a:tailEnd type="arrow"/>
+              </a:ln>
+            </p:spPr>
+            <p:style>
+              <a:lnRef idx="2">
+                <a:schemeClr val="accent1"/>
+              </a:lnRef>
+              <a:fillRef idx="0">
+                <a:schemeClr val="accent1"/>
+              </a:fillRef>
+              <a:effectRef idx="1">
+                <a:schemeClr val="accent1"/>
+              </a:effectRef>
+              <a:fontRef idx="minor">
+                <a:schemeClr val="tx1"/>
+              </a:fontRef>
+            </p:style>
+          </p:cxnSp>
+          <p:cxnSp>
+            <p:nvCxnSpPr>
+              <p:cNvPr id="9" name="Straight Arrow Connector 8"/>
+              <p:cNvCxnSpPr/>
+              <p:nvPr/>
+            </p:nvCxnSpPr>
+            <p:spPr>
+              <a:xfrm flipV="1">
+                <a:off x="7295872" y="3217274"/>
+                <a:ext cx="579803" cy="13806"/>
+              </a:xfrm>
+              <a:prstGeom prst="straightConnector1">
+                <a:avLst/>
+              </a:prstGeom>
+              <a:ln>
+                <a:tailEnd type="arrow"/>
+              </a:ln>
+            </p:spPr>
+            <p:style>
+              <a:lnRef idx="2">
+                <a:schemeClr val="accent1"/>
+              </a:lnRef>
+              <a:fillRef idx="0">
+                <a:schemeClr val="accent1"/>
+              </a:fillRef>
+              <a:effectRef idx="1">
+                <a:schemeClr val="accent1"/>
+              </a:effectRef>
+              <a:fontRef idx="minor">
+                <a:schemeClr val="tx1"/>
+              </a:fontRef>
+            </p:style>
+          </p:cxnSp>
+          <p:pic>
+            <p:nvPicPr>
+              <p:cNvPr id="15" name="Picture 14" descr="Screen Shot 2019-02-27 at 10.37.43 AM.png"/>
+              <p:cNvPicPr>
+                <a:picLocks noChangeAspect="1"/>
+              </p:cNvPicPr>
+              <p:nvPr/>
+            </p:nvPicPr>
+            <p:blipFill>
+              <a:blip r:embed="rId2">
+                <a:extLst>
+                  <a:ext uri="{28A0092B-C50C-407E-A947-70E740481C1C}">
+                    <a14:useLocalDpi xmlns:a14="http://schemas.microsoft.com/office/drawing/2010/main" val="0"/>
+                  </a:ext>
+                </a:extLst>
+              </a:blip>
+              <a:stretch>
+                <a:fillRect/>
+              </a:stretch>
+            </p:blipFill>
+            <p:spPr>
+              <a:xfrm>
+                <a:off x="7960007" y="2077840"/>
+                <a:ext cx="1037605" cy="1635903"/>
+              </a:xfrm>
+              <a:prstGeom prst="rect">
+                <a:avLst/>
+              </a:prstGeom>
+            </p:spPr>
+          </p:pic>
+          <p:sp>
+            <p:nvSpPr>
+              <p:cNvPr id="5" name="Rectangle 4"/>
+              <p:cNvSpPr/>
+              <p:nvPr/>
+            </p:nvSpPr>
+            <p:spPr>
+              <a:xfrm>
+                <a:off x="6022268" y="2925129"/>
+                <a:ext cx="1141662" cy="788614"/>
+              </a:xfrm>
+              <a:prstGeom prst="rect">
+                <a:avLst/>
+              </a:prstGeom>
+            </p:spPr>
+            <p:style>
+              <a:lnRef idx="1">
+                <a:schemeClr val="accent2"/>
+              </a:lnRef>
+              <a:fillRef idx="3">
+                <a:schemeClr val="accent2"/>
+              </a:fillRef>
+              <a:effectRef idx="2">
+                <a:schemeClr val="accent2"/>
+              </a:effectRef>
+              <a:fontRef idx="minor">
+                <a:schemeClr val="lt1"/>
+              </a:fontRef>
+            </p:style>
+            <p:txBody>
+              <a:bodyPr rtlCol="0" anchor="ctr"/>
+              <a:lstStyle/>
+              <a:p>
+                <a:pPr algn="ctr"/>
+                <a:r>
+                  <a:rPr lang="en-US" sz="3200" dirty="0" err="1" smtClean="0"/>
+                  <a:t>gcc</a:t>
+                </a:r>
+                <a:endParaRPr lang="en-US" dirty="0"/>
+              </a:p>
+            </p:txBody>
+          </p:sp>
+        </p:grpSp>
+      </p:grpSp>
+    </p:spTree>
+    <p:extLst>
+      <p:ext uri="{BB962C8B-B14F-4D97-AF65-F5344CB8AC3E}">
+        <p14:creationId xmlns:p14="http://schemas.microsoft.com/office/powerpoint/2010/main" val="2416545074"/>
+      </p:ext>
+    </p:extLst>
+  </p:cSld>
+  <p:clrMapOvr>
+    <a:masterClrMapping/>
+  </p:clrMapOvr>
+  <p:timing>
+    <p:tnLst>
+      <p:par>
+        <p:cTn xmlns:p14="http://schemas.microsoft.com/office/powerpoint/2010/main" id="1" dur="indefinite" restart="never" nodeType="tmRoot">
+          <p:childTnLst>
+            <p:seq concurrent="1" nextAc="seek">
+              <p:cTn id="2" dur="indefinite" nodeType="mainSeq">
+                <p:childTnLst>
+                  <p:par>
+                    <p:cTn id="3" fill="hold">
+                      <p:stCondLst>
+                        <p:cond delay="indefinite"/>
+                      </p:stCondLst>
+                      <p:childTnLst>
+                        <p:par>
+                          <p:cTn id="4" fill="hold">
+                            <p:stCondLst>
+                              <p:cond delay="0"/>
+                            </p:stCondLst>
+                            <p:childTnLst>
+                              <p:par>
+                                <p:cTn id="5" presetID="1" presetClass="entr" presetSubtype="0" fill="hold" grpId="0" nodeType="clickEffect">
+                                  <p:stCondLst>
+                                    <p:cond delay="0"/>
+                                  </p:stCondLst>
+                                  <p:childTnLst>
+                                    <p:set>
+                                      <p:cBhvr>
+                                        <p:cTn id="6" dur="1" fill="hold">
+                                          <p:stCondLst>
+                                            <p:cond delay="0"/>
+                                          </p:stCondLst>
+                                        </p:cTn>
+                                        <p:tgtEl>
+                                          <p:spTgt spid="11"/>
+                                        </p:tgtEl>
+                                        <p:attrNameLst>
+                                          <p:attrName>style.visibility</p:attrName>
+                                        </p:attrNameLst>
+                                      </p:cBhvr>
+                                      <p:to>
+                                        <p:strVal val="visible"/>
+                                      </p:to>
+                                    </p:set>
+                                  </p:childTnLst>
+                                </p:cTn>
+                              </p:par>
+                            </p:childTnLst>
+                          </p:cTn>
+                        </p:par>
+                      </p:childTnLst>
+                    </p:cTn>
+                  </p:par>
+                  <p:par>
+                    <p:cTn id="7" fill="hold">
+                      <p:stCondLst>
+                        <p:cond delay="indefinite"/>
+                      </p:stCondLst>
+                      <p:childTnLst>
+                        <p:par>
+                          <p:cTn id="8" fill="hold">
+                            <p:stCondLst>
+                              <p:cond delay="0"/>
+                            </p:stCondLst>
+                            <p:childTnLst>
+                              <p:par>
+                                <p:cTn id="9" presetID="22" presetClass="entr" presetSubtype="8" fill="hold" nodeType="clickEffect">
+                                  <p:stCondLst>
+                                    <p:cond delay="0"/>
+                                  </p:stCondLst>
+                                  <p:childTnLst>
+                                    <p:set>
+                                      <p:cBhvr>
+                                        <p:cTn id="10" dur="1" fill="hold">
+                                          <p:stCondLst>
+                                            <p:cond delay="0"/>
+                                          </p:stCondLst>
+                                        </p:cTn>
+                                        <p:tgtEl>
+                                          <p:spTgt spid="10"/>
+                                        </p:tgtEl>
+                                        <p:attrNameLst>
+                                          <p:attrName>style.visibility</p:attrName>
+                                        </p:attrNameLst>
+                                      </p:cBhvr>
+                                      <p:to>
+                                        <p:strVal val="visible"/>
+                                      </p:to>
+                                    </p:set>
+                                    <p:animEffect transition="in" filter="wipe(left)">
+                                      <p:cBhvr>
+                                        <p:cTn id="11" dur="1000"/>
+                                        <p:tgtEl>
+                                          <p:spTgt spid="10"/>
+                                        </p:tgtEl>
+                                      </p:cBhvr>
+                                    </p:animEffect>
+                                  </p:childTnLst>
+                                </p:cTn>
+                              </p:par>
+                            </p:childTnLst>
+                          </p:cTn>
+                        </p:par>
+                      </p:childTnLst>
+                    </p:cTn>
+                  </p:par>
+                  <p:par>
+                    <p:cTn id="12" fill="hold">
+                      <p:stCondLst>
+                        <p:cond delay="indefinite"/>
+                      </p:stCondLst>
+                      <p:childTnLst>
+                        <p:par>
+                          <p:cTn id="13" fill="hold">
+                            <p:stCondLst>
+                              <p:cond delay="0"/>
+                            </p:stCondLst>
+                            <p:childTnLst>
+                              <p:par>
+                                <p:cTn id="14" presetID="1" presetClass="entr" presetSubtype="0" fill="hold" grpId="0" nodeType="clickEffect">
+                                  <p:stCondLst>
+                                    <p:cond delay="0"/>
+                                  </p:stCondLst>
+                                  <p:childTnLst>
+                                    <p:set>
+                                      <p:cBhvr>
+                                        <p:cTn id="15" dur="1" fill="hold">
+                                          <p:stCondLst>
+                                            <p:cond delay="0"/>
+                                          </p:stCondLst>
+                                        </p:cTn>
+                                        <p:tgtEl>
+                                          <p:spTgt spid="17"/>
+                                        </p:tgtEl>
+                                        <p:attrNameLst>
+                                          <p:attrName>style.visibility</p:attrName>
+                                        </p:attrNameLst>
+                                      </p:cBhvr>
+                                      <p:to>
+                                        <p:strVal val="visible"/>
+                                      </p:to>
+                                    </p:set>
+                                  </p:childTnLst>
+                                </p:cTn>
+                              </p:par>
+                            </p:childTnLst>
+                          </p:cTn>
+                        </p:par>
+                      </p:childTnLst>
+                    </p:cTn>
+                  </p:par>
+                </p:childTnLst>
+              </p:cTn>
+              <p:prevCondLst>
+                <p:cond evt="onPrev" delay="0">
+                  <p:tgtEl>
+                    <p:sldTgt/>
+                  </p:tgtEl>
+                </p:cond>
+              </p:prevCondLst>
+              <p:nextCondLst>
+                <p:cond evt="onNext" delay="0">
+                  <p:tgtEl>
+                    <p:sldTgt/>
+                  </p:tgtEl>
+                </p:cond>
+              </p:nextCondLst>
+            </p:seq>
+          </p:childTnLst>
+        </p:cTn>
+      </p:par>
+    </p:tnLst>
+    <p:bldLst>
+      <p:bldP spid="11" grpId="0" animBg="1"/>
+      <p:bldP spid="17" grpId="0" animBg="1"/>
+    </p:bldLst>
+  </p:timing>
+</p:sld>
+</file>
+
+<file path=ppt/slides/slide30.xml><?xml version="1.0" encoding="utf-8"?>
 <p:sld xmlns:a="http://schemas.openxmlformats.org/drawingml/2006/main" xmlns:r="http://schemas.openxmlformats.org/officeDocument/2006/relationships" xmlns:p="http://schemas.openxmlformats.org/presentationml/2006/main">
   <p:cSld>
     <p:spTree>
@@ -13027,7 +15546,7 @@
 </p:sld>
 </file>
 
-<file path=ppt/slides/slide29.xml><?xml version="1.0" encoding="utf-8"?>
+<file path=ppt/slides/slide31.xml><?xml version="1.0" encoding="utf-8"?>
 <p:sld xmlns:a="http://schemas.openxmlformats.org/drawingml/2006/main" xmlns:r="http://schemas.openxmlformats.org/officeDocument/2006/relationships" xmlns:p="http://schemas.openxmlformats.org/presentationml/2006/main">
   <p:cSld>
     <p:spTree>
@@ -14001,841 +16520,7 @@
 </p:sld>
 </file>
 
-<file path=ppt/slides/slide3.xml><?xml version="1.0" encoding="utf-8"?>
-<p:sld xmlns:a="http://schemas.openxmlformats.org/drawingml/2006/main" xmlns:r="http://schemas.openxmlformats.org/officeDocument/2006/relationships" xmlns:p="http://schemas.openxmlformats.org/presentationml/2006/main">
-  <p:cSld>
-    <p:spTree>
-      <p:nvGrpSpPr>
-        <p:cNvPr id="1" name=""/>
-        <p:cNvGrpSpPr/>
-        <p:nvPr/>
-      </p:nvGrpSpPr>
-      <p:grpSpPr>
-        <a:xfrm>
-          <a:off x="0" y="0"/>
-          <a:ext cx="0" cy="0"/>
-          <a:chOff x="0" y="0"/>
-          <a:chExt cx="0" cy="0"/>
-        </a:xfrm>
-      </p:grpSpPr>
-      <p:sp>
-        <p:nvSpPr>
-          <p:cNvPr id="2" name="Title 1"/>
-          <p:cNvSpPr>
-            <a:spLocks noGrp="1"/>
-          </p:cNvSpPr>
-          <p:nvPr>
-            <p:ph type="title"/>
-          </p:nvPr>
-        </p:nvSpPr>
-        <p:spPr>
-          <a:xfrm>
-            <a:off x="457200" y="-41098"/>
-            <a:ext cx="8229600" cy="1143000"/>
-          </a:xfrm>
-        </p:spPr>
-        <p:txBody>
-          <a:bodyPr/>
-          <a:lstStyle/>
-          <a:p>
-            <a:r>
-              <a:rPr lang="en-US" dirty="0" smtClean="0"/>
-              <a:t>Linked list: one big file</a:t>
-            </a:r>
-            <a:endParaRPr lang="en-US" dirty="0"/>
-          </a:p>
-        </p:txBody>
-      </p:sp>
-      <p:sp>
-        <p:nvSpPr>
-          <p:cNvPr id="4" name="矩形 3"/>
-          <p:cNvSpPr/>
-          <p:nvPr/>
-        </p:nvSpPr>
-        <p:spPr>
-          <a:xfrm>
-            <a:off x="652756" y="900961"/>
-            <a:ext cx="7396911" cy="5386090"/>
-          </a:xfrm>
-          <a:prstGeom prst="rect">
-            <a:avLst/>
-          </a:prstGeom>
-          <a:ln>
-            <a:solidFill>
-              <a:schemeClr val="tx1"/>
-            </a:solidFill>
-          </a:ln>
-        </p:spPr>
-        <p:txBody>
-          <a:bodyPr wrap="square">
-            <a:spAutoFit/>
-          </a:bodyPr>
-          <a:lstStyle/>
-          <a:p>
-            <a:r>
-              <a:rPr lang="en-US" altLang="zh-CN" sz="2000" dirty="0" err="1" smtClean="0">
-                <a:latin typeface="Consolas"/>
-                <a:cs typeface="Consolas"/>
-              </a:rPr>
-              <a:t>typedef</a:t>
-            </a:r>
-            <a:r>
-              <a:rPr lang="en-US" altLang="zh-CN" sz="2000" dirty="0" smtClean="0">
-                <a:latin typeface="Consolas"/>
-                <a:cs typeface="Consolas"/>
-              </a:rPr>
-              <a:t> </a:t>
-            </a:r>
-            <a:r>
-              <a:rPr lang="en-US" altLang="zh-CN" sz="2000" dirty="0" err="1" smtClean="0">
-                <a:latin typeface="Consolas"/>
-                <a:cs typeface="Consolas"/>
-              </a:rPr>
-              <a:t>struct</a:t>
-            </a:r>
-            <a:r>
-              <a:rPr lang="en-US" altLang="zh-CN" sz="2000" dirty="0" smtClean="0">
-                <a:latin typeface="Consolas"/>
-                <a:cs typeface="Consolas"/>
-              </a:rPr>
-              <a:t> {</a:t>
-            </a:r>
-            <a:endParaRPr lang="en-US" altLang="zh-CN" sz="2000" dirty="0">
-              <a:latin typeface="Consolas"/>
-              <a:cs typeface="Consolas"/>
-            </a:endParaRPr>
-          </a:p>
-          <a:p>
-            <a:r>
-              <a:rPr lang="en-US" altLang="zh-CN" sz="2000" dirty="0" smtClean="0">
-                <a:latin typeface="Consolas"/>
-                <a:cs typeface="Consolas"/>
-              </a:rPr>
-              <a:t>     </a:t>
-            </a:r>
-            <a:r>
-              <a:rPr lang="en-US" altLang="zh-CN" sz="2000" dirty="0" smtClean="0">
-                <a:latin typeface="Consolas"/>
-                <a:cs typeface="Consolas"/>
-              </a:rPr>
-              <a:t>long </a:t>
-            </a:r>
-            <a:r>
-              <a:rPr lang="en-US" altLang="zh-CN" sz="2000" dirty="0" err="1" smtClean="0">
-                <a:latin typeface="Consolas"/>
-                <a:cs typeface="Consolas"/>
-              </a:rPr>
-              <a:t>val</a:t>
-            </a:r>
-            <a:r>
-              <a:rPr lang="en-US" altLang="zh-CN" sz="2000" dirty="0">
-                <a:latin typeface="Consolas"/>
-                <a:cs typeface="Consolas"/>
-              </a:rPr>
-              <a:t>;</a:t>
-            </a:r>
-          </a:p>
-          <a:p>
-            <a:r>
-              <a:rPr lang="en-US" altLang="zh-CN" sz="2000" dirty="0" smtClean="0">
-                <a:latin typeface="Consolas"/>
-                <a:cs typeface="Consolas"/>
-              </a:rPr>
-              <a:t>     </a:t>
-            </a:r>
-            <a:r>
-              <a:rPr lang="en-US" altLang="zh-CN" sz="2000" dirty="0">
-                <a:latin typeface="Consolas"/>
-                <a:cs typeface="Consolas"/>
-              </a:rPr>
-              <a:t>struct n</a:t>
-            </a:r>
-            <a:r>
-              <a:rPr lang="en-US" altLang="zh-CN" sz="2000" dirty="0" smtClean="0">
-                <a:latin typeface="Consolas"/>
-                <a:cs typeface="Consolas"/>
-              </a:rPr>
-              <a:t>ode </a:t>
-            </a:r>
-            <a:r>
-              <a:rPr lang="en-US" altLang="zh-CN" sz="2000" dirty="0">
-                <a:latin typeface="Consolas"/>
-                <a:cs typeface="Consolas"/>
-              </a:rPr>
-              <a:t>*next;</a:t>
-            </a:r>
-          </a:p>
-          <a:p>
-            <a:r>
-              <a:rPr lang="en-US" altLang="zh-CN" sz="2000" dirty="0">
-                <a:latin typeface="Consolas"/>
-                <a:cs typeface="Consolas"/>
-              </a:rPr>
-              <a:t> </a:t>
-            </a:r>
-            <a:r>
-              <a:rPr lang="en-US" altLang="zh-CN" sz="2000" dirty="0" smtClean="0">
-                <a:latin typeface="Consolas"/>
-                <a:cs typeface="Consolas"/>
-              </a:rPr>
-              <a:t>}node;</a:t>
-            </a:r>
-            <a:endParaRPr lang="en-US" altLang="zh-CN" sz="2000" dirty="0">
-              <a:latin typeface="Consolas"/>
-              <a:cs typeface="Consolas"/>
-            </a:endParaRPr>
-          </a:p>
-          <a:p>
-            <a:r>
-              <a:rPr lang="en-US" altLang="zh-CN" sz="2400" dirty="0">
-                <a:solidFill>
-                  <a:srgbClr val="0000FF"/>
-                </a:solidFill>
-                <a:latin typeface="Consolas"/>
-                <a:cs typeface="Consolas"/>
-              </a:rPr>
-              <a:t> </a:t>
-            </a:r>
-            <a:endParaRPr lang="en-US" altLang="zh-CN" sz="2400" dirty="0" smtClean="0">
-              <a:solidFill>
-                <a:srgbClr val="0000FF"/>
-              </a:solidFill>
-              <a:latin typeface="Consolas"/>
-              <a:cs typeface="Consolas"/>
-            </a:endParaRPr>
-          </a:p>
-          <a:p>
-            <a:r>
-              <a:rPr lang="en-US" altLang="zh-CN" sz="2000" dirty="0" smtClean="0">
-                <a:latin typeface="Consolas"/>
-                <a:cs typeface="Consolas"/>
-              </a:rPr>
-              <a:t>void </a:t>
-            </a:r>
-            <a:r>
-              <a:rPr lang="en-US" altLang="zh-CN" sz="2000" dirty="0" smtClean="0">
-                <a:latin typeface="Consolas"/>
-                <a:cs typeface="Consolas"/>
-              </a:rPr>
-              <a:t>insert(node *</a:t>
-            </a:r>
-            <a:r>
-              <a:rPr lang="en-US" altLang="zh-CN" sz="2000" dirty="0" err="1" smtClean="0">
-                <a:latin typeface="Consolas"/>
-                <a:cs typeface="Consolas"/>
-              </a:rPr>
-              <a:t>headp</a:t>
-            </a:r>
-            <a:r>
-              <a:rPr lang="en-US" altLang="zh-CN" sz="2000" dirty="0" smtClean="0">
-                <a:latin typeface="Consolas"/>
-                <a:cs typeface="Consolas"/>
-              </a:rPr>
-              <a:t>, long </a:t>
-            </a:r>
-            <a:r>
-              <a:rPr lang="en-US" altLang="zh-CN" sz="2000" dirty="0" err="1" smtClean="0">
-                <a:latin typeface="Consolas"/>
-                <a:cs typeface="Consolas"/>
-              </a:rPr>
-              <a:t>val</a:t>
-            </a:r>
-            <a:r>
-              <a:rPr lang="en-US" altLang="zh-CN" sz="2000" dirty="0" smtClean="0">
-                <a:latin typeface="Consolas"/>
-                <a:cs typeface="Consolas"/>
-              </a:rPr>
-              <a:t>) </a:t>
-            </a:r>
-            <a:r>
-              <a:rPr lang="en-US" altLang="zh-CN" sz="2000" dirty="0">
-                <a:latin typeface="Consolas"/>
-                <a:cs typeface="Consolas"/>
-              </a:rPr>
-              <a:t>{</a:t>
-            </a:r>
-          </a:p>
-          <a:p>
-            <a:r>
-              <a:rPr lang="en-US" altLang="zh-CN" sz="2000" b="1" dirty="0">
-                <a:latin typeface="Consolas"/>
-                <a:cs typeface="Consolas"/>
-              </a:rPr>
-              <a:t> </a:t>
-            </a:r>
-            <a:r>
-              <a:rPr lang="en-US" altLang="zh-CN" sz="2000" b="1" dirty="0" smtClean="0">
-                <a:latin typeface="Consolas"/>
-                <a:cs typeface="Consolas"/>
-              </a:rPr>
-              <a:t>   </a:t>
-            </a:r>
-            <a:r>
-              <a:rPr lang="en-US" altLang="zh-CN" sz="2000" dirty="0" smtClean="0">
-                <a:latin typeface="Consolas"/>
-                <a:cs typeface="Consolas"/>
-              </a:rPr>
-              <a:t>node </a:t>
-            </a:r>
-            <a:r>
-              <a:rPr lang="en-US" altLang="zh-CN" sz="2000" dirty="0" smtClean="0">
-                <a:latin typeface="Consolas"/>
-                <a:cs typeface="Consolas"/>
-              </a:rPr>
-              <a:t>*n = </a:t>
-            </a:r>
-            <a:r>
-              <a:rPr lang="en-US" altLang="zh-CN" sz="2000" dirty="0" smtClean="0">
-                <a:latin typeface="Consolas"/>
-                <a:cs typeface="Consolas"/>
-              </a:rPr>
-              <a:t>(node *)</a:t>
-            </a:r>
-            <a:r>
-              <a:rPr lang="en-US" altLang="zh-CN" sz="2000" dirty="0" err="1" smtClean="0">
-                <a:latin typeface="Consolas"/>
-                <a:cs typeface="Consolas"/>
-              </a:rPr>
-              <a:t>malloc</a:t>
-            </a:r>
-            <a:r>
-              <a:rPr lang="en-US" altLang="zh-CN" sz="2000" dirty="0" smtClean="0">
-                <a:latin typeface="Consolas"/>
-                <a:cs typeface="Consolas"/>
-              </a:rPr>
-              <a:t>(</a:t>
-            </a:r>
-            <a:r>
-              <a:rPr lang="en-US" altLang="zh-CN" sz="2000" dirty="0" err="1" smtClean="0">
-                <a:latin typeface="Consolas"/>
-                <a:cs typeface="Consolas"/>
-              </a:rPr>
-              <a:t>sizeof</a:t>
-            </a:r>
-            <a:r>
-              <a:rPr lang="en-US" altLang="zh-CN" sz="2000" dirty="0" smtClean="0">
-                <a:latin typeface="Consolas"/>
-                <a:cs typeface="Consolas"/>
-              </a:rPr>
-              <a:t>(node));</a:t>
-            </a:r>
-          </a:p>
-          <a:p>
-            <a:r>
-              <a:rPr lang="en-US" altLang="zh-CN" sz="2000" b="1" dirty="0">
-                <a:latin typeface="Consolas"/>
-                <a:cs typeface="Consolas"/>
-              </a:rPr>
-              <a:t> </a:t>
-            </a:r>
-            <a:r>
-              <a:rPr lang="en-US" altLang="zh-CN" sz="2000" b="1" dirty="0" smtClean="0">
-                <a:latin typeface="Consolas"/>
-                <a:cs typeface="Consolas"/>
-              </a:rPr>
-              <a:t>   </a:t>
-            </a:r>
-            <a:r>
-              <a:rPr lang="en-US" altLang="zh-CN" sz="2000" dirty="0" smtClean="0">
-                <a:latin typeface="Consolas"/>
-                <a:cs typeface="Consolas"/>
-              </a:rPr>
-              <a:t>n-</a:t>
-            </a:r>
-            <a:r>
-              <a:rPr lang="en-US" altLang="zh-CN" sz="2000" dirty="0" smtClean="0">
-                <a:latin typeface="Consolas"/>
-                <a:cs typeface="Consolas"/>
-              </a:rPr>
-              <a:t>&gt;next = </a:t>
-            </a:r>
-            <a:r>
-              <a:rPr lang="en-US" altLang="zh-CN" sz="2000" dirty="0">
-                <a:latin typeface="Consolas"/>
-                <a:cs typeface="Consolas"/>
-              </a:rPr>
-              <a:t>*</a:t>
-            </a:r>
-            <a:r>
-              <a:rPr lang="en-US" altLang="zh-CN" sz="2000" dirty="0" err="1" smtClean="0">
-                <a:latin typeface="Consolas"/>
-                <a:cs typeface="Consolas"/>
-              </a:rPr>
-              <a:t>headp</a:t>
-            </a:r>
-            <a:r>
-              <a:rPr lang="en-US" altLang="zh-CN" sz="2000" dirty="0" smtClean="0">
-                <a:latin typeface="Consolas"/>
-                <a:cs typeface="Consolas"/>
-              </a:rPr>
-              <a:t>;</a:t>
-            </a:r>
-            <a:endParaRPr lang="en-US" altLang="zh-CN" sz="2000" dirty="0" smtClean="0">
-              <a:latin typeface="Consolas"/>
-              <a:cs typeface="Consolas"/>
-            </a:endParaRPr>
-          </a:p>
-          <a:p>
-            <a:r>
-              <a:rPr lang="en-US" altLang="zh-CN" sz="2000" dirty="0">
-                <a:latin typeface="Consolas"/>
-                <a:cs typeface="Consolas"/>
-              </a:rPr>
-              <a:t> </a:t>
-            </a:r>
-            <a:r>
-              <a:rPr lang="en-US" altLang="zh-CN" sz="2000" dirty="0" smtClean="0">
-                <a:latin typeface="Consolas"/>
-                <a:cs typeface="Consolas"/>
-              </a:rPr>
-              <a:t>   </a:t>
-            </a:r>
-            <a:r>
-              <a:rPr lang="en-US" altLang="zh-CN" sz="2000" dirty="0" smtClean="0">
-                <a:latin typeface="Consolas"/>
-                <a:cs typeface="Consolas"/>
-              </a:rPr>
-              <a:t>n-</a:t>
-            </a:r>
-            <a:r>
-              <a:rPr lang="en-US" altLang="zh-CN" sz="2000" dirty="0" smtClean="0">
-                <a:latin typeface="Consolas"/>
-                <a:cs typeface="Consolas"/>
-              </a:rPr>
-              <a:t>&gt;</a:t>
-            </a:r>
-            <a:r>
-              <a:rPr lang="en-US" altLang="zh-CN" sz="2000" dirty="0" err="1" smtClean="0">
-                <a:latin typeface="Consolas"/>
-                <a:cs typeface="Consolas"/>
-              </a:rPr>
-              <a:t>val</a:t>
-            </a:r>
-            <a:r>
-              <a:rPr lang="en-US" altLang="zh-CN" sz="2000" dirty="0" smtClean="0">
-                <a:latin typeface="Consolas"/>
-                <a:cs typeface="Consolas"/>
-              </a:rPr>
-              <a:t> = </a:t>
-            </a:r>
-            <a:r>
-              <a:rPr lang="en-US" altLang="zh-CN" sz="2000" dirty="0" err="1" smtClean="0">
-                <a:latin typeface="Consolas"/>
-                <a:cs typeface="Consolas"/>
-              </a:rPr>
-              <a:t>val</a:t>
-            </a:r>
-            <a:r>
-              <a:rPr lang="en-US" altLang="zh-CN" sz="2000" dirty="0" smtClean="0">
-                <a:latin typeface="Consolas"/>
-                <a:cs typeface="Consolas"/>
-              </a:rPr>
-              <a:t>;</a:t>
-            </a:r>
-          </a:p>
-          <a:p>
-            <a:r>
-              <a:rPr lang="en-US" altLang="zh-CN" sz="2000" dirty="0">
-                <a:latin typeface="Consolas"/>
-                <a:cs typeface="Consolas"/>
-              </a:rPr>
-              <a:t> </a:t>
-            </a:r>
-            <a:r>
-              <a:rPr lang="en-US" altLang="zh-CN" sz="2000" dirty="0" smtClean="0">
-                <a:latin typeface="Consolas"/>
-                <a:cs typeface="Consolas"/>
-              </a:rPr>
-              <a:t>   *</a:t>
-            </a:r>
-            <a:r>
-              <a:rPr lang="en-US" altLang="zh-CN" sz="2000" dirty="0" err="1" smtClean="0">
-                <a:latin typeface="Consolas"/>
-                <a:cs typeface="Consolas"/>
-              </a:rPr>
-              <a:t>headp</a:t>
-            </a:r>
-            <a:r>
-              <a:rPr lang="en-US" altLang="zh-CN" sz="2000" smtClean="0">
-                <a:latin typeface="Consolas"/>
-                <a:cs typeface="Consolas"/>
-              </a:rPr>
-              <a:t> = n;</a:t>
-            </a:r>
-            <a:endParaRPr lang="en-US" altLang="zh-CN" sz="2000" dirty="0">
-              <a:latin typeface="Consolas"/>
-              <a:cs typeface="Consolas"/>
-            </a:endParaRPr>
-          </a:p>
-          <a:p>
-            <a:r>
-              <a:rPr lang="en-US" altLang="zh-CN" sz="2000" dirty="0" smtClean="0">
-                <a:latin typeface="Consolas"/>
-                <a:cs typeface="Consolas"/>
-              </a:rPr>
-              <a:t>}</a:t>
-            </a:r>
-          </a:p>
-          <a:p>
-            <a:endParaRPr lang="en-US" altLang="zh-CN" sz="2000" dirty="0">
-              <a:latin typeface="Consolas"/>
-              <a:cs typeface="Consolas"/>
-            </a:endParaRPr>
-          </a:p>
-          <a:p>
-            <a:r>
-              <a:rPr lang="en-US" altLang="zh-CN" sz="2000" dirty="0" err="1" smtClean="0">
-                <a:latin typeface="Consolas"/>
-                <a:cs typeface="Consolas"/>
-              </a:rPr>
-              <a:t>int</a:t>
-            </a:r>
-            <a:r>
-              <a:rPr lang="en-US" altLang="zh-CN" sz="2000" dirty="0" smtClean="0">
-                <a:latin typeface="Consolas"/>
-                <a:cs typeface="Consolas"/>
-              </a:rPr>
-              <a:t> main() {</a:t>
-            </a:r>
-          </a:p>
-          <a:p>
-            <a:r>
-              <a:rPr lang="en-US" altLang="zh-CN" sz="2000" dirty="0">
-                <a:latin typeface="Consolas"/>
-                <a:cs typeface="Consolas"/>
-              </a:rPr>
-              <a:t> </a:t>
-            </a:r>
-            <a:r>
-              <a:rPr lang="en-US" altLang="zh-CN" sz="2000" dirty="0" smtClean="0">
-                <a:latin typeface="Consolas"/>
-                <a:cs typeface="Consolas"/>
-              </a:rPr>
-              <a:t>   node *head = NULL;</a:t>
-            </a:r>
-          </a:p>
-          <a:p>
-            <a:pPr lvl="1"/>
-            <a:r>
-              <a:rPr lang="en-US" altLang="zh-CN" sz="2000" dirty="0" smtClean="0">
-                <a:latin typeface="Consolas"/>
-                <a:cs typeface="Consolas"/>
-              </a:rPr>
-              <a:t> for </a:t>
-            </a:r>
-            <a:r>
-              <a:rPr lang="en-US" altLang="zh-CN" sz="2000" dirty="0" smtClean="0">
-                <a:latin typeface="Consolas"/>
-                <a:cs typeface="Consolas"/>
-              </a:rPr>
-              <a:t>(long </a:t>
-            </a:r>
-            <a:r>
-              <a:rPr lang="en-US" altLang="zh-CN" sz="2000" dirty="0" err="1" smtClean="0">
-                <a:latin typeface="Consolas"/>
-                <a:cs typeface="Consolas"/>
-              </a:rPr>
-              <a:t>i</a:t>
-            </a:r>
-            <a:r>
-              <a:rPr lang="en-US" altLang="zh-CN" sz="2000" dirty="0" smtClean="0">
-                <a:latin typeface="Consolas"/>
-                <a:cs typeface="Consolas"/>
-              </a:rPr>
-              <a:t> </a:t>
-            </a:r>
-            <a:r>
-              <a:rPr lang="en-US" altLang="zh-CN" sz="2000" dirty="0" smtClean="0">
-                <a:latin typeface="Consolas"/>
-                <a:cs typeface="Consolas"/>
-              </a:rPr>
-              <a:t>= </a:t>
-            </a:r>
-            <a:r>
-              <a:rPr lang="en-US" altLang="zh-CN" sz="2000" dirty="0" smtClean="0">
-                <a:latin typeface="Consolas"/>
-                <a:cs typeface="Consolas"/>
-              </a:rPr>
-              <a:t>10</a:t>
-            </a:r>
-            <a:r>
-              <a:rPr lang="en-US" altLang="zh-CN" sz="2000" dirty="0" smtClean="0">
-                <a:latin typeface="Consolas"/>
-                <a:cs typeface="Consolas"/>
-              </a:rPr>
-              <a:t>; </a:t>
-            </a:r>
-            <a:r>
-              <a:rPr lang="en-US" altLang="zh-CN" sz="2000" dirty="0" err="1" smtClean="0">
-                <a:latin typeface="Consolas"/>
-                <a:cs typeface="Consolas"/>
-              </a:rPr>
-              <a:t>i</a:t>
-            </a:r>
-            <a:r>
-              <a:rPr lang="en-US" altLang="zh-CN" sz="2000" dirty="0" smtClean="0">
-                <a:latin typeface="Consolas"/>
-                <a:cs typeface="Consolas"/>
-              </a:rPr>
-              <a:t> &lt; </a:t>
-            </a:r>
-            <a:r>
-              <a:rPr lang="en-US" altLang="zh-CN" sz="2000" dirty="0" smtClean="0">
-                <a:latin typeface="Consolas"/>
-                <a:cs typeface="Consolas"/>
-              </a:rPr>
-              <a:t>13</a:t>
-            </a:r>
-            <a:r>
-              <a:rPr lang="en-US" altLang="zh-CN" sz="2000" dirty="0" smtClean="0">
-                <a:latin typeface="Consolas"/>
-                <a:cs typeface="Consolas"/>
-              </a:rPr>
-              <a:t>; </a:t>
-            </a:r>
-            <a:r>
-              <a:rPr lang="en-US" altLang="zh-CN" sz="2000" dirty="0" err="1" smtClean="0">
-                <a:latin typeface="Consolas"/>
-                <a:cs typeface="Consolas"/>
-              </a:rPr>
-              <a:t>i</a:t>
-            </a:r>
-            <a:r>
-              <a:rPr lang="en-US" altLang="zh-CN" sz="2000" dirty="0" smtClean="0">
-                <a:latin typeface="Consolas"/>
-                <a:cs typeface="Consolas"/>
-              </a:rPr>
-              <a:t>++) </a:t>
-            </a:r>
-          </a:p>
-          <a:p>
-            <a:pPr lvl="1"/>
-            <a:r>
-              <a:rPr lang="en-US" altLang="zh-CN" sz="2000" dirty="0">
-                <a:latin typeface="Consolas"/>
-                <a:cs typeface="Consolas"/>
-              </a:rPr>
-              <a:t> </a:t>
-            </a:r>
-            <a:r>
-              <a:rPr lang="en-US" altLang="zh-CN" sz="2000" dirty="0" smtClean="0">
-                <a:latin typeface="Consolas"/>
-                <a:cs typeface="Consolas"/>
-              </a:rPr>
-              <a:t>   </a:t>
-            </a:r>
-            <a:r>
-              <a:rPr lang="en-US" altLang="zh-CN" sz="2000" dirty="0" smtClean="0">
-                <a:latin typeface="Consolas"/>
-                <a:cs typeface="Consolas"/>
-              </a:rPr>
-              <a:t>insert(&amp;head</a:t>
-            </a:r>
-            <a:r>
-              <a:rPr lang="en-US" altLang="zh-CN" sz="2000" dirty="0" smtClean="0">
-                <a:latin typeface="Consolas"/>
-                <a:cs typeface="Consolas"/>
-              </a:rPr>
-              <a:t>, </a:t>
-            </a:r>
-            <a:r>
-              <a:rPr lang="en-US" altLang="zh-CN" sz="2000" dirty="0" err="1" smtClean="0">
-                <a:latin typeface="Consolas"/>
-                <a:cs typeface="Consolas"/>
-              </a:rPr>
-              <a:t>i</a:t>
-            </a:r>
-            <a:r>
-              <a:rPr lang="en-US" altLang="zh-CN" sz="2000" dirty="0" smtClean="0">
-                <a:latin typeface="Consolas"/>
-                <a:cs typeface="Consolas"/>
-              </a:rPr>
-              <a:t>);</a:t>
-            </a:r>
-          </a:p>
-          <a:p>
-            <a:r>
-              <a:rPr lang="en-US" altLang="zh-CN" sz="2000" dirty="0" smtClean="0">
-                <a:latin typeface="Consolas"/>
-                <a:cs typeface="Consolas"/>
-              </a:rPr>
-              <a:t>}</a:t>
-            </a:r>
-          </a:p>
-        </p:txBody>
-      </p:sp>
-      <p:sp>
-        <p:nvSpPr>
-          <p:cNvPr id="5" name="TextBox 4"/>
-          <p:cNvSpPr txBox="1"/>
-          <p:nvPr/>
-        </p:nvSpPr>
-        <p:spPr>
-          <a:xfrm>
-            <a:off x="652757" y="6047588"/>
-            <a:ext cx="7723550" cy="830997"/>
-          </a:xfrm>
-          <a:prstGeom prst="rect">
-            <a:avLst/>
-          </a:prstGeom>
-          <a:solidFill>
-            <a:srgbClr val="DCE6F2"/>
-          </a:solidFill>
-        </p:spPr>
-        <p:txBody>
-          <a:bodyPr wrap="square" rtlCol="0">
-            <a:spAutoFit/>
-          </a:bodyPr>
-          <a:lstStyle/>
-          <a:p>
-            <a:r>
-              <a:rPr lang="en-US" sz="2400" dirty="0" smtClean="0">
-                <a:solidFill>
-                  <a:srgbClr val="FF0000"/>
-                </a:solidFill>
-              </a:rPr>
-              <a:t>What if another program also wants to use this linked list</a:t>
-            </a:r>
-          </a:p>
-          <a:p>
-            <a:r>
-              <a:rPr lang="en-US" sz="2400" dirty="0" smtClean="0">
-                <a:solidFill>
-                  <a:srgbClr val="FF0000"/>
-                </a:solidFill>
-              </a:rPr>
-              <a:t>implementation?</a:t>
-            </a:r>
-            <a:endParaRPr lang="en-US" sz="2400" dirty="0">
-              <a:solidFill>
-                <a:srgbClr val="FF0000"/>
-              </a:solidFill>
-            </a:endParaRPr>
-          </a:p>
-        </p:txBody>
-      </p:sp>
-      <p:sp>
-        <p:nvSpPr>
-          <p:cNvPr id="6" name="TextBox 5"/>
-          <p:cNvSpPr txBox="1"/>
-          <p:nvPr/>
-        </p:nvSpPr>
-        <p:spPr>
-          <a:xfrm>
-            <a:off x="8049667" y="5455818"/>
-            <a:ext cx="852667" cy="523220"/>
-          </a:xfrm>
-          <a:prstGeom prst="rect">
-            <a:avLst/>
-          </a:prstGeom>
-          <a:noFill/>
-        </p:spPr>
-        <p:txBody>
-          <a:bodyPr wrap="none" rtlCol="0">
-            <a:spAutoFit/>
-          </a:bodyPr>
-          <a:lstStyle/>
-          <a:p>
-            <a:r>
-              <a:rPr lang="en-US" sz="2800" dirty="0" err="1" smtClean="0"/>
-              <a:t>list.c</a:t>
-            </a:r>
-            <a:endParaRPr lang="en-US" sz="2800" dirty="0"/>
-          </a:p>
-        </p:txBody>
-      </p:sp>
-    </p:spTree>
-    <p:extLst>
-      <p:ext uri="{BB962C8B-B14F-4D97-AF65-F5344CB8AC3E}">
-        <p14:creationId xmlns:p14="http://schemas.microsoft.com/office/powerpoint/2010/main" val="1454094200"/>
-      </p:ext>
-    </p:extLst>
-  </p:cSld>
-  <p:clrMapOvr>
-    <a:masterClrMapping/>
-  </p:clrMapOvr>
-  <p:timing>
-    <p:tnLst>
-      <p:par>
-        <p:cTn xmlns:p14="http://schemas.microsoft.com/office/powerpoint/2010/main" id="1" dur="indefinite" restart="never" nodeType="tmRoot">
-          <p:childTnLst>
-            <p:seq concurrent="1" nextAc="seek">
-              <p:cTn id="2" dur="indefinite" nodeType="mainSeq">
-                <p:childTnLst>
-                  <p:par>
-                    <p:cTn id="3" fill="hold">
-                      <p:stCondLst>
-                        <p:cond delay="indefinite"/>
-                      </p:stCondLst>
-                      <p:childTnLst>
-                        <p:par>
-                          <p:cTn id="4" fill="hold">
-                            <p:stCondLst>
-                              <p:cond delay="0"/>
-                            </p:stCondLst>
-                            <p:childTnLst>
-                              <p:par>
-                                <p:cTn id="5" presetID="1" presetClass="entr" presetSubtype="0" fill="hold" grpId="0" nodeType="clickEffect">
-                                  <p:stCondLst>
-                                    <p:cond delay="0"/>
-                                  </p:stCondLst>
-                                  <p:childTnLst>
-                                    <p:set>
-                                      <p:cBhvr>
-                                        <p:cTn id="6" dur="1" fill="hold">
-                                          <p:stCondLst>
-                                            <p:cond delay="0"/>
-                                          </p:stCondLst>
-                                        </p:cTn>
-                                        <p:tgtEl>
-                                          <p:spTgt spid="5"/>
-                                        </p:tgtEl>
-                                        <p:attrNameLst>
-                                          <p:attrName>style.visibility</p:attrName>
-                                        </p:attrNameLst>
-                                      </p:cBhvr>
-                                      <p:to>
-                                        <p:strVal val="visible"/>
-                                      </p:to>
-                                    </p:set>
-                                  </p:childTnLst>
-                                </p:cTn>
-                              </p:par>
-                            </p:childTnLst>
-                          </p:cTn>
-                        </p:par>
-                      </p:childTnLst>
-                    </p:cTn>
-                  </p:par>
-                </p:childTnLst>
-              </p:cTn>
-              <p:prevCondLst>
-                <p:cond evt="onPrev" delay="0">
-                  <p:tgtEl>
-                    <p:sldTgt/>
-                  </p:tgtEl>
-                </p:cond>
-              </p:prevCondLst>
-              <p:nextCondLst>
-                <p:cond evt="onNext" delay="0">
-                  <p:tgtEl>
-                    <p:sldTgt/>
-                  </p:tgtEl>
-                </p:cond>
-              </p:nextCondLst>
-            </p:seq>
-          </p:childTnLst>
-        </p:cTn>
-      </p:par>
-    </p:tnLst>
-    <p:bldLst>
-      <p:bldP spid="5" grpId="0" animBg="1"/>
-    </p:bldLst>
-  </p:timing>
-</p:sld>
-</file>
-
-<file path=ppt/slides/slide30.xml><?xml version="1.0" encoding="utf-8"?>
+<file path=ppt/slides/slide32.xml><?xml version="1.0" encoding="utf-8"?>
 <p:sld xmlns:a="http://schemas.openxmlformats.org/drawingml/2006/main" xmlns:r="http://schemas.openxmlformats.org/officeDocument/2006/relationships" xmlns:p="http://schemas.openxmlformats.org/presentationml/2006/main">
   <p:cSld>
     <p:spTree>
@@ -15127,7 +16812,7 @@
 </p:sld>
 </file>
 
-<file path=ppt/slides/slide31.xml><?xml version="1.0" encoding="utf-8"?>
+<file path=ppt/slides/slide33.xml><?xml version="1.0" encoding="utf-8"?>
 <p:sld xmlns:a="http://schemas.openxmlformats.org/drawingml/2006/main" xmlns:r="http://schemas.openxmlformats.org/officeDocument/2006/relationships" xmlns:p="http://schemas.openxmlformats.org/presentationml/2006/main">
   <p:cSld>
     <p:spTree>
@@ -15773,7 +17458,7 @@
 </p:sld>
 </file>
 
-<file path=ppt/slides/slide32.xml><?xml version="1.0" encoding="utf-8"?>
+<file path=ppt/slides/slide34.xml><?xml version="1.0" encoding="utf-8"?>
 <p:sld xmlns:a="http://schemas.openxmlformats.org/drawingml/2006/main" xmlns:r="http://schemas.openxmlformats.org/officeDocument/2006/relationships" xmlns:p="http://schemas.openxmlformats.org/presentationml/2006/main">
   <p:cSld>
     <p:spTree>
@@ -17064,7 +18749,7 @@
 </p:sld>
 </file>
 
-<file path=ppt/slides/slide33.xml><?xml version="1.0" encoding="utf-8"?>
+<file path=ppt/slides/slide35.xml><?xml version="1.0" encoding="utf-8"?>
 <p:sld xmlns:a="http://schemas.openxmlformats.org/drawingml/2006/main" xmlns:r="http://schemas.openxmlformats.org/officeDocument/2006/relationships" xmlns:p="http://schemas.openxmlformats.org/presentationml/2006/main">
   <p:cSld>
     <p:spTree>
@@ -17710,6 +19395,2271 @@
         </p:nvSpPr>
         <p:spPr>
           <a:xfrm>
+            <a:off x="457200" y="-41098"/>
+            <a:ext cx="8229600" cy="1143000"/>
+          </a:xfrm>
+        </p:spPr>
+        <p:txBody>
+          <a:bodyPr>
+            <a:normAutofit/>
+          </a:bodyPr>
+          <a:lstStyle/>
+          <a:p>
+            <a:r>
+              <a:rPr lang="en-US" dirty="0" smtClean="0"/>
+              <a:t>The compilation process</a:t>
+            </a:r>
+            <a:endParaRPr lang="en-US" dirty="0"/>
+          </a:p>
+        </p:txBody>
+      </p:sp>
+      <p:sp>
+        <p:nvSpPr>
+          <p:cNvPr id="4" name="矩形 3"/>
+          <p:cNvSpPr/>
+          <p:nvPr/>
+        </p:nvSpPr>
+        <p:spPr>
+          <a:xfrm>
+            <a:off x="79884" y="1101902"/>
+            <a:ext cx="4982163" cy="3785652"/>
+          </a:xfrm>
+          <a:prstGeom prst="rect">
+            <a:avLst/>
+          </a:prstGeom>
+          <a:ln>
+            <a:solidFill>
+              <a:schemeClr val="tx1"/>
+            </a:solidFill>
+          </a:ln>
+        </p:spPr>
+        <p:txBody>
+          <a:bodyPr wrap="square">
+            <a:spAutoFit/>
+          </a:bodyPr>
+          <a:lstStyle/>
+          <a:p>
+            <a:r>
+              <a:rPr lang="en-US" altLang="zh-CN" sz="1600" dirty="0" err="1" smtClean="0">
+                <a:latin typeface="Consolas"/>
+                <a:cs typeface="Consolas"/>
+              </a:rPr>
+              <a:t>typedef</a:t>
+            </a:r>
+            <a:r>
+              <a:rPr lang="en-US" altLang="zh-CN" sz="1600" dirty="0" smtClean="0">
+                <a:latin typeface="Consolas"/>
+                <a:cs typeface="Consolas"/>
+              </a:rPr>
+              <a:t> </a:t>
+            </a:r>
+            <a:r>
+              <a:rPr lang="en-US" altLang="zh-CN" sz="1600" dirty="0" err="1" smtClean="0">
+                <a:latin typeface="Consolas"/>
+                <a:cs typeface="Consolas"/>
+              </a:rPr>
+              <a:t>struct</a:t>
+            </a:r>
+            <a:r>
+              <a:rPr lang="en-US" altLang="zh-CN" sz="1600" dirty="0" smtClean="0">
+                <a:latin typeface="Consolas"/>
+                <a:cs typeface="Consolas"/>
+              </a:rPr>
+              <a:t> {</a:t>
+            </a:r>
+            <a:endParaRPr lang="en-US" altLang="zh-CN" sz="1600" dirty="0">
+              <a:latin typeface="Consolas"/>
+              <a:cs typeface="Consolas"/>
+            </a:endParaRPr>
+          </a:p>
+          <a:p>
+            <a:r>
+              <a:rPr lang="en-US" altLang="zh-CN" sz="1600" dirty="0" smtClean="0">
+                <a:latin typeface="Consolas"/>
+                <a:cs typeface="Consolas"/>
+              </a:rPr>
+              <a:t>     </a:t>
+            </a:r>
+            <a:r>
+              <a:rPr lang="en-US" altLang="zh-CN" sz="1600" dirty="0" smtClean="0">
+                <a:latin typeface="Consolas"/>
+                <a:cs typeface="Consolas"/>
+              </a:rPr>
+              <a:t>long </a:t>
+            </a:r>
+            <a:r>
+              <a:rPr lang="en-US" altLang="zh-CN" sz="1600" dirty="0" err="1" smtClean="0">
+                <a:latin typeface="Consolas"/>
+                <a:cs typeface="Consolas"/>
+              </a:rPr>
+              <a:t>val</a:t>
+            </a:r>
+            <a:r>
+              <a:rPr lang="en-US" altLang="zh-CN" sz="1600" dirty="0">
+                <a:latin typeface="Consolas"/>
+                <a:cs typeface="Consolas"/>
+              </a:rPr>
+              <a:t>;</a:t>
+            </a:r>
+          </a:p>
+          <a:p>
+            <a:r>
+              <a:rPr lang="en-US" altLang="zh-CN" sz="1600" dirty="0" smtClean="0">
+                <a:latin typeface="Consolas"/>
+                <a:cs typeface="Consolas"/>
+              </a:rPr>
+              <a:t>     </a:t>
+            </a:r>
+            <a:r>
+              <a:rPr lang="en-US" altLang="zh-CN" sz="1600" dirty="0">
+                <a:latin typeface="Consolas"/>
+                <a:cs typeface="Consolas"/>
+              </a:rPr>
+              <a:t>struct n</a:t>
+            </a:r>
+            <a:r>
+              <a:rPr lang="en-US" altLang="zh-CN" sz="1600" dirty="0" smtClean="0">
+                <a:latin typeface="Consolas"/>
+                <a:cs typeface="Consolas"/>
+              </a:rPr>
+              <a:t>ode </a:t>
+            </a:r>
+            <a:r>
+              <a:rPr lang="en-US" altLang="zh-CN" sz="1600" dirty="0">
+                <a:latin typeface="Consolas"/>
+                <a:cs typeface="Consolas"/>
+              </a:rPr>
+              <a:t>*next;</a:t>
+            </a:r>
+          </a:p>
+          <a:p>
+            <a:r>
+              <a:rPr lang="en-US" altLang="zh-CN" sz="1600" dirty="0">
+                <a:latin typeface="Consolas"/>
+                <a:cs typeface="Consolas"/>
+              </a:rPr>
+              <a:t> </a:t>
+            </a:r>
+            <a:r>
+              <a:rPr lang="en-US" altLang="zh-CN" sz="1600" dirty="0" smtClean="0">
+                <a:latin typeface="Consolas"/>
+                <a:cs typeface="Consolas"/>
+              </a:rPr>
+              <a:t>}node</a:t>
+            </a:r>
+            <a:r>
+              <a:rPr lang="en-US" altLang="zh-CN" sz="1600" dirty="0" smtClean="0">
+                <a:latin typeface="Consolas"/>
+                <a:cs typeface="Consolas"/>
+              </a:rPr>
+              <a:t>;</a:t>
+            </a:r>
+          </a:p>
+          <a:p>
+            <a:r>
+              <a:rPr lang="en-US" altLang="zh-CN" sz="1600" dirty="0" smtClean="0">
+                <a:latin typeface="Consolas"/>
+                <a:cs typeface="Consolas"/>
+              </a:rPr>
+              <a:t>void </a:t>
+            </a:r>
+            <a:r>
+              <a:rPr lang="en-US" altLang="zh-CN" sz="1600" dirty="0" smtClean="0">
+                <a:latin typeface="Consolas"/>
+                <a:cs typeface="Consolas"/>
+              </a:rPr>
+              <a:t>insert(node *</a:t>
+            </a:r>
+            <a:r>
+              <a:rPr lang="en-US" altLang="zh-CN" sz="1600" dirty="0" err="1" smtClean="0">
+                <a:latin typeface="Consolas"/>
+                <a:cs typeface="Consolas"/>
+              </a:rPr>
+              <a:t>headp</a:t>
+            </a:r>
+            <a:r>
+              <a:rPr lang="en-US" altLang="zh-CN" sz="1600" dirty="0" smtClean="0">
+                <a:latin typeface="Consolas"/>
+                <a:cs typeface="Consolas"/>
+              </a:rPr>
+              <a:t>, long </a:t>
+            </a:r>
+            <a:r>
+              <a:rPr lang="en-US" altLang="zh-CN" sz="1600" dirty="0" err="1" smtClean="0">
+                <a:latin typeface="Consolas"/>
+                <a:cs typeface="Consolas"/>
+              </a:rPr>
+              <a:t>val</a:t>
+            </a:r>
+            <a:r>
+              <a:rPr lang="en-US" altLang="zh-CN" sz="1600" dirty="0" smtClean="0">
+                <a:latin typeface="Consolas"/>
+                <a:cs typeface="Consolas"/>
+              </a:rPr>
+              <a:t>) </a:t>
+            </a:r>
+            <a:r>
+              <a:rPr lang="en-US" altLang="zh-CN" sz="1600" dirty="0">
+                <a:latin typeface="Consolas"/>
+                <a:cs typeface="Consolas"/>
+              </a:rPr>
+              <a:t>{</a:t>
+            </a:r>
+          </a:p>
+          <a:p>
+            <a:r>
+              <a:rPr lang="en-US" altLang="zh-CN" sz="1600" b="1" dirty="0">
+                <a:latin typeface="Consolas"/>
+                <a:cs typeface="Consolas"/>
+              </a:rPr>
+              <a:t> </a:t>
+            </a:r>
+            <a:r>
+              <a:rPr lang="en-US" altLang="zh-CN" sz="1600" b="1" dirty="0" smtClean="0">
+                <a:latin typeface="Consolas"/>
+                <a:cs typeface="Consolas"/>
+              </a:rPr>
+              <a:t>   </a:t>
+            </a:r>
+            <a:r>
+              <a:rPr lang="en-US" altLang="zh-CN" sz="1600" dirty="0" smtClean="0">
+                <a:latin typeface="Consolas"/>
+                <a:cs typeface="Consolas"/>
+              </a:rPr>
+              <a:t>node </a:t>
+            </a:r>
+            <a:r>
+              <a:rPr lang="en-US" altLang="zh-CN" sz="1600" dirty="0" smtClean="0">
+                <a:latin typeface="Consolas"/>
+                <a:cs typeface="Consolas"/>
+              </a:rPr>
+              <a:t>*n = </a:t>
+            </a:r>
+            <a:r>
+              <a:rPr lang="en-US" altLang="zh-CN" sz="1600" dirty="0" smtClean="0">
+                <a:latin typeface="Consolas"/>
+                <a:cs typeface="Consolas"/>
+              </a:rPr>
+              <a:t>(node *)</a:t>
+            </a:r>
+            <a:r>
+              <a:rPr lang="en-US" altLang="zh-CN" sz="1600" dirty="0" err="1" smtClean="0">
+                <a:latin typeface="Consolas"/>
+                <a:cs typeface="Consolas"/>
+              </a:rPr>
+              <a:t>malloc</a:t>
+            </a:r>
+            <a:r>
+              <a:rPr lang="en-US" altLang="zh-CN" sz="1600" dirty="0" smtClean="0">
+                <a:latin typeface="Consolas"/>
+                <a:cs typeface="Consolas"/>
+              </a:rPr>
+              <a:t>(</a:t>
+            </a:r>
+            <a:r>
+              <a:rPr lang="en-US" altLang="zh-CN" sz="1600" dirty="0" err="1" smtClean="0">
+                <a:latin typeface="Consolas"/>
+                <a:cs typeface="Consolas"/>
+              </a:rPr>
+              <a:t>sizeof</a:t>
+            </a:r>
+            <a:r>
+              <a:rPr lang="en-US" altLang="zh-CN" sz="1600" dirty="0" smtClean="0">
+                <a:latin typeface="Consolas"/>
+                <a:cs typeface="Consolas"/>
+              </a:rPr>
+              <a:t>(node));</a:t>
+            </a:r>
+          </a:p>
+          <a:p>
+            <a:r>
+              <a:rPr lang="en-US" altLang="zh-CN" sz="1600" b="1" dirty="0">
+                <a:latin typeface="Consolas"/>
+                <a:cs typeface="Consolas"/>
+              </a:rPr>
+              <a:t> </a:t>
+            </a:r>
+            <a:r>
+              <a:rPr lang="en-US" altLang="zh-CN" sz="1600" b="1" dirty="0" smtClean="0">
+                <a:latin typeface="Consolas"/>
+                <a:cs typeface="Consolas"/>
+              </a:rPr>
+              <a:t>   </a:t>
+            </a:r>
+            <a:r>
+              <a:rPr lang="en-US" altLang="zh-CN" sz="1600" dirty="0" smtClean="0">
+                <a:latin typeface="Consolas"/>
+                <a:cs typeface="Consolas"/>
+              </a:rPr>
+              <a:t>n-</a:t>
+            </a:r>
+            <a:r>
+              <a:rPr lang="en-US" altLang="zh-CN" sz="1600" dirty="0" smtClean="0">
+                <a:latin typeface="Consolas"/>
+                <a:cs typeface="Consolas"/>
+              </a:rPr>
+              <a:t>&gt;next = </a:t>
+            </a:r>
+            <a:r>
+              <a:rPr lang="en-US" altLang="zh-CN" sz="1600" dirty="0">
+                <a:latin typeface="Consolas"/>
+                <a:cs typeface="Consolas"/>
+              </a:rPr>
+              <a:t>*</a:t>
+            </a:r>
+            <a:r>
+              <a:rPr lang="en-US" altLang="zh-CN" sz="1600" dirty="0" err="1" smtClean="0">
+                <a:latin typeface="Consolas"/>
+                <a:cs typeface="Consolas"/>
+              </a:rPr>
+              <a:t>headp</a:t>
+            </a:r>
+            <a:r>
+              <a:rPr lang="en-US" altLang="zh-CN" sz="1600" dirty="0" smtClean="0">
+                <a:latin typeface="Consolas"/>
+                <a:cs typeface="Consolas"/>
+              </a:rPr>
+              <a:t>;</a:t>
+            </a:r>
+            <a:endParaRPr lang="en-US" altLang="zh-CN" sz="1600" dirty="0" smtClean="0">
+              <a:latin typeface="Consolas"/>
+              <a:cs typeface="Consolas"/>
+            </a:endParaRPr>
+          </a:p>
+          <a:p>
+            <a:r>
+              <a:rPr lang="en-US" altLang="zh-CN" sz="1600" dirty="0">
+                <a:latin typeface="Consolas"/>
+                <a:cs typeface="Consolas"/>
+              </a:rPr>
+              <a:t> </a:t>
+            </a:r>
+            <a:r>
+              <a:rPr lang="en-US" altLang="zh-CN" sz="1600" dirty="0" smtClean="0">
+                <a:latin typeface="Consolas"/>
+                <a:cs typeface="Consolas"/>
+              </a:rPr>
+              <a:t>   </a:t>
+            </a:r>
+            <a:r>
+              <a:rPr lang="en-US" altLang="zh-CN" sz="1600" dirty="0" smtClean="0">
+                <a:latin typeface="Consolas"/>
+                <a:cs typeface="Consolas"/>
+              </a:rPr>
+              <a:t>n-</a:t>
+            </a:r>
+            <a:r>
+              <a:rPr lang="en-US" altLang="zh-CN" sz="1600" dirty="0" smtClean="0">
+                <a:latin typeface="Consolas"/>
+                <a:cs typeface="Consolas"/>
+              </a:rPr>
+              <a:t>&gt;</a:t>
+            </a:r>
+            <a:r>
+              <a:rPr lang="en-US" altLang="zh-CN" sz="1600" dirty="0" err="1" smtClean="0">
+                <a:latin typeface="Consolas"/>
+                <a:cs typeface="Consolas"/>
+              </a:rPr>
+              <a:t>val</a:t>
+            </a:r>
+            <a:r>
+              <a:rPr lang="en-US" altLang="zh-CN" sz="1600" dirty="0" smtClean="0">
+                <a:latin typeface="Consolas"/>
+                <a:cs typeface="Consolas"/>
+              </a:rPr>
+              <a:t> = </a:t>
+            </a:r>
+            <a:r>
+              <a:rPr lang="en-US" altLang="zh-CN" sz="1600" dirty="0" err="1" smtClean="0">
+                <a:latin typeface="Consolas"/>
+                <a:cs typeface="Consolas"/>
+              </a:rPr>
+              <a:t>val</a:t>
+            </a:r>
+            <a:r>
+              <a:rPr lang="en-US" altLang="zh-CN" sz="1600" dirty="0" smtClean="0">
+                <a:latin typeface="Consolas"/>
+                <a:cs typeface="Consolas"/>
+              </a:rPr>
+              <a:t>;</a:t>
+            </a:r>
+          </a:p>
+          <a:p>
+            <a:r>
+              <a:rPr lang="en-US" altLang="zh-CN" sz="1600" dirty="0">
+                <a:latin typeface="Consolas"/>
+                <a:cs typeface="Consolas"/>
+              </a:rPr>
+              <a:t> </a:t>
+            </a:r>
+            <a:r>
+              <a:rPr lang="en-US" altLang="zh-CN" sz="1600" dirty="0" smtClean="0">
+                <a:latin typeface="Consolas"/>
+                <a:cs typeface="Consolas"/>
+              </a:rPr>
+              <a:t>   *</a:t>
+            </a:r>
+            <a:r>
+              <a:rPr lang="en-US" altLang="zh-CN" sz="1600" dirty="0" err="1" smtClean="0">
+                <a:latin typeface="Consolas"/>
+                <a:cs typeface="Consolas"/>
+              </a:rPr>
+              <a:t>headp</a:t>
+            </a:r>
+            <a:r>
+              <a:rPr lang="en-US" altLang="zh-CN" sz="1600" dirty="0" smtClean="0">
+                <a:latin typeface="Consolas"/>
+                <a:cs typeface="Consolas"/>
+              </a:rPr>
+              <a:t> = n;</a:t>
+            </a:r>
+            <a:endParaRPr lang="en-US" altLang="zh-CN" sz="1600" dirty="0">
+              <a:latin typeface="Consolas"/>
+              <a:cs typeface="Consolas"/>
+            </a:endParaRPr>
+          </a:p>
+          <a:p>
+            <a:r>
+              <a:rPr lang="en-US" altLang="zh-CN" sz="1600" dirty="0" smtClean="0">
+                <a:latin typeface="Consolas"/>
+                <a:cs typeface="Consolas"/>
+              </a:rPr>
+              <a:t>}</a:t>
+            </a:r>
+          </a:p>
+          <a:p>
+            <a:r>
+              <a:rPr lang="en-US" altLang="zh-CN" sz="1600" dirty="0" err="1" smtClean="0">
+                <a:latin typeface="Consolas"/>
+                <a:cs typeface="Consolas"/>
+              </a:rPr>
+              <a:t>int</a:t>
+            </a:r>
+            <a:r>
+              <a:rPr lang="en-US" altLang="zh-CN" sz="1600" dirty="0" smtClean="0">
+                <a:latin typeface="Consolas"/>
+                <a:cs typeface="Consolas"/>
+              </a:rPr>
+              <a:t> </a:t>
+            </a:r>
+            <a:r>
+              <a:rPr lang="en-US" altLang="zh-CN" sz="1600" dirty="0" smtClean="0">
+                <a:latin typeface="Consolas"/>
+                <a:cs typeface="Consolas"/>
+              </a:rPr>
+              <a:t>main() {</a:t>
+            </a:r>
+          </a:p>
+          <a:p>
+            <a:r>
+              <a:rPr lang="en-US" altLang="zh-CN" sz="1600" dirty="0">
+                <a:latin typeface="Consolas"/>
+                <a:cs typeface="Consolas"/>
+              </a:rPr>
+              <a:t> </a:t>
+            </a:r>
+            <a:r>
+              <a:rPr lang="en-US" altLang="zh-CN" sz="1600" dirty="0" smtClean="0">
+                <a:latin typeface="Consolas"/>
+                <a:cs typeface="Consolas"/>
+              </a:rPr>
+              <a:t>   node *head = NULL;</a:t>
+            </a:r>
+          </a:p>
+          <a:p>
+            <a:pPr lvl="1"/>
+            <a:r>
+              <a:rPr lang="en-US" altLang="zh-CN" sz="1600" dirty="0" smtClean="0">
+                <a:latin typeface="Consolas"/>
+                <a:cs typeface="Consolas"/>
+              </a:rPr>
+              <a:t> for </a:t>
+            </a:r>
+            <a:r>
+              <a:rPr lang="en-US" altLang="zh-CN" sz="1600" dirty="0" smtClean="0">
+                <a:latin typeface="Consolas"/>
+                <a:cs typeface="Consolas"/>
+              </a:rPr>
+              <a:t>(long </a:t>
+            </a:r>
+            <a:r>
+              <a:rPr lang="en-US" altLang="zh-CN" sz="1600" dirty="0" err="1" smtClean="0">
+                <a:latin typeface="Consolas"/>
+                <a:cs typeface="Consolas"/>
+              </a:rPr>
+              <a:t>i</a:t>
+            </a:r>
+            <a:r>
+              <a:rPr lang="en-US" altLang="zh-CN" sz="1600" dirty="0" smtClean="0">
+                <a:latin typeface="Consolas"/>
+                <a:cs typeface="Consolas"/>
+              </a:rPr>
+              <a:t> </a:t>
+            </a:r>
+            <a:r>
+              <a:rPr lang="en-US" altLang="zh-CN" sz="1600" dirty="0" smtClean="0">
+                <a:latin typeface="Consolas"/>
+                <a:cs typeface="Consolas"/>
+              </a:rPr>
+              <a:t>= </a:t>
+            </a:r>
+            <a:r>
+              <a:rPr lang="en-US" altLang="zh-CN" sz="1600" dirty="0" smtClean="0">
+                <a:latin typeface="Consolas"/>
+                <a:cs typeface="Consolas"/>
+              </a:rPr>
+              <a:t>10</a:t>
+            </a:r>
+            <a:r>
+              <a:rPr lang="en-US" altLang="zh-CN" sz="1600" dirty="0" smtClean="0">
+                <a:latin typeface="Consolas"/>
+                <a:cs typeface="Consolas"/>
+              </a:rPr>
+              <a:t>; </a:t>
+            </a:r>
+            <a:r>
+              <a:rPr lang="en-US" altLang="zh-CN" sz="1600" dirty="0" err="1" smtClean="0">
+                <a:latin typeface="Consolas"/>
+                <a:cs typeface="Consolas"/>
+              </a:rPr>
+              <a:t>i</a:t>
+            </a:r>
+            <a:r>
+              <a:rPr lang="en-US" altLang="zh-CN" sz="1600" dirty="0" smtClean="0">
+                <a:latin typeface="Consolas"/>
+                <a:cs typeface="Consolas"/>
+              </a:rPr>
+              <a:t> &lt; </a:t>
+            </a:r>
+            <a:r>
+              <a:rPr lang="en-US" altLang="zh-CN" sz="1600" dirty="0" smtClean="0">
+                <a:latin typeface="Consolas"/>
+                <a:cs typeface="Consolas"/>
+              </a:rPr>
+              <a:t>13</a:t>
+            </a:r>
+            <a:r>
+              <a:rPr lang="en-US" altLang="zh-CN" sz="1600" dirty="0" smtClean="0">
+                <a:latin typeface="Consolas"/>
+                <a:cs typeface="Consolas"/>
+              </a:rPr>
+              <a:t>; </a:t>
+            </a:r>
+            <a:r>
+              <a:rPr lang="en-US" altLang="zh-CN" sz="1600" dirty="0" err="1" smtClean="0">
+                <a:latin typeface="Consolas"/>
+                <a:cs typeface="Consolas"/>
+              </a:rPr>
+              <a:t>i</a:t>
+            </a:r>
+            <a:r>
+              <a:rPr lang="en-US" altLang="zh-CN" sz="1600" dirty="0" smtClean="0">
+                <a:latin typeface="Consolas"/>
+                <a:cs typeface="Consolas"/>
+              </a:rPr>
+              <a:t>++) </a:t>
+            </a:r>
+          </a:p>
+          <a:p>
+            <a:pPr lvl="1"/>
+            <a:r>
+              <a:rPr lang="en-US" altLang="zh-CN" sz="1600" dirty="0">
+                <a:latin typeface="Consolas"/>
+                <a:cs typeface="Consolas"/>
+              </a:rPr>
+              <a:t> </a:t>
+            </a:r>
+            <a:r>
+              <a:rPr lang="en-US" altLang="zh-CN" sz="1600" dirty="0" smtClean="0">
+                <a:latin typeface="Consolas"/>
+                <a:cs typeface="Consolas"/>
+              </a:rPr>
+              <a:t>   </a:t>
+            </a:r>
+            <a:r>
+              <a:rPr lang="en-US" altLang="zh-CN" sz="1600" dirty="0" smtClean="0">
+                <a:latin typeface="Consolas"/>
+                <a:cs typeface="Consolas"/>
+              </a:rPr>
+              <a:t>insert(&amp;head</a:t>
+            </a:r>
+            <a:r>
+              <a:rPr lang="en-US" altLang="zh-CN" sz="1600" dirty="0" smtClean="0">
+                <a:latin typeface="Consolas"/>
+                <a:cs typeface="Consolas"/>
+              </a:rPr>
+              <a:t>, </a:t>
+            </a:r>
+            <a:r>
+              <a:rPr lang="en-US" altLang="zh-CN" sz="1600" dirty="0" err="1" smtClean="0">
+                <a:latin typeface="Consolas"/>
+                <a:cs typeface="Consolas"/>
+              </a:rPr>
+              <a:t>i</a:t>
+            </a:r>
+            <a:r>
+              <a:rPr lang="en-US" altLang="zh-CN" sz="1600" dirty="0" smtClean="0">
+                <a:latin typeface="Consolas"/>
+                <a:cs typeface="Consolas"/>
+              </a:rPr>
+              <a:t>);</a:t>
+            </a:r>
+          </a:p>
+          <a:p>
+            <a:r>
+              <a:rPr lang="en-US" altLang="zh-CN" sz="1600" dirty="0" smtClean="0">
+                <a:latin typeface="Consolas"/>
+                <a:cs typeface="Consolas"/>
+              </a:rPr>
+              <a:t>}</a:t>
+            </a:r>
+          </a:p>
+        </p:txBody>
+      </p:sp>
+      <p:sp>
+        <p:nvSpPr>
+          <p:cNvPr id="6" name="TextBox 5"/>
+          <p:cNvSpPr txBox="1"/>
+          <p:nvPr/>
+        </p:nvSpPr>
+        <p:spPr>
+          <a:xfrm>
+            <a:off x="4448404" y="4761483"/>
+            <a:ext cx="852667" cy="523220"/>
+          </a:xfrm>
+          <a:prstGeom prst="rect">
+            <a:avLst/>
+          </a:prstGeom>
+          <a:noFill/>
+        </p:spPr>
+        <p:txBody>
+          <a:bodyPr wrap="none" rtlCol="0">
+            <a:spAutoFit/>
+          </a:bodyPr>
+          <a:lstStyle/>
+          <a:p>
+            <a:r>
+              <a:rPr lang="en-US" sz="2800" dirty="0" err="1" smtClean="0"/>
+              <a:t>list.c</a:t>
+            </a:r>
+            <a:endParaRPr lang="en-US" sz="2800" dirty="0"/>
+          </a:p>
+        </p:txBody>
+      </p:sp>
+      <p:cxnSp>
+        <p:nvCxnSpPr>
+          <p:cNvPr id="9" name="Straight Arrow Connector 8"/>
+          <p:cNvCxnSpPr/>
+          <p:nvPr/>
+        </p:nvCxnSpPr>
+        <p:spPr>
+          <a:xfrm flipV="1">
+            <a:off x="7713123" y="3217274"/>
+            <a:ext cx="325103" cy="13806"/>
+          </a:xfrm>
+          <a:prstGeom prst="straightConnector1">
+            <a:avLst/>
+          </a:prstGeom>
+          <a:ln>
+            <a:tailEnd type="arrow"/>
+          </a:ln>
+        </p:spPr>
+        <p:style>
+          <a:lnRef idx="2">
+            <a:schemeClr val="accent1"/>
+          </a:lnRef>
+          <a:fillRef idx="0">
+            <a:schemeClr val="accent1"/>
+          </a:fillRef>
+          <a:effectRef idx="1">
+            <a:schemeClr val="accent1"/>
+          </a:effectRef>
+          <a:fontRef idx="minor">
+            <a:schemeClr val="tx1"/>
+          </a:fontRef>
+        </p:style>
+      </p:cxnSp>
+      <p:sp>
+        <p:nvSpPr>
+          <p:cNvPr id="11" name="TextBox 10"/>
+          <p:cNvSpPr txBox="1"/>
+          <p:nvPr/>
+        </p:nvSpPr>
+        <p:spPr>
+          <a:xfrm>
+            <a:off x="5880874" y="4792657"/>
+            <a:ext cx="1669698" cy="523220"/>
+          </a:xfrm>
+          <a:prstGeom prst="rect">
+            <a:avLst/>
+          </a:prstGeom>
+          <a:solidFill>
+            <a:srgbClr val="DCE6F2"/>
+          </a:solidFill>
+        </p:spPr>
+        <p:txBody>
+          <a:bodyPr wrap="none" rtlCol="0">
+            <a:spAutoFit/>
+          </a:bodyPr>
+          <a:lstStyle/>
+          <a:p>
+            <a:r>
+              <a:rPr lang="en-US" sz="2800" dirty="0" smtClean="0"/>
+              <a:t>$ </a:t>
+            </a:r>
+            <a:r>
+              <a:rPr lang="en-US" sz="2800" dirty="0" err="1" smtClean="0"/>
+              <a:t>gcc</a:t>
+            </a:r>
+            <a:r>
+              <a:rPr lang="en-US" sz="2800" dirty="0" smtClean="0"/>
+              <a:t> </a:t>
+            </a:r>
+            <a:r>
+              <a:rPr lang="en-US" sz="2800" dirty="0" err="1" smtClean="0"/>
+              <a:t>list.c</a:t>
+            </a:r>
+            <a:endParaRPr lang="en-US" sz="2800" dirty="0" smtClean="0"/>
+          </a:p>
+        </p:txBody>
+      </p:sp>
+      <p:sp>
+        <p:nvSpPr>
+          <p:cNvPr id="12" name="TextBox 11"/>
+          <p:cNvSpPr txBox="1"/>
+          <p:nvPr/>
+        </p:nvSpPr>
+        <p:spPr>
+          <a:xfrm>
+            <a:off x="8052021" y="3713743"/>
+            <a:ext cx="945591" cy="523220"/>
+          </a:xfrm>
+          <a:prstGeom prst="rect">
+            <a:avLst/>
+          </a:prstGeom>
+          <a:noFill/>
+        </p:spPr>
+        <p:txBody>
+          <a:bodyPr wrap="none" rtlCol="0">
+            <a:spAutoFit/>
+          </a:bodyPr>
+          <a:lstStyle/>
+          <a:p>
+            <a:r>
+              <a:rPr lang="en-US" sz="2800" dirty="0" err="1" smtClean="0"/>
+              <a:t>a.out</a:t>
+            </a:r>
+            <a:endParaRPr lang="en-US" sz="2800" dirty="0"/>
+          </a:p>
+        </p:txBody>
+      </p:sp>
+      <p:pic>
+        <p:nvPicPr>
+          <p:cNvPr id="15" name="Picture 14" descr="Screen Shot 2019-02-27 at 10.37.43 AM.png"/>
+          <p:cNvPicPr>
+            <a:picLocks noChangeAspect="1"/>
+          </p:cNvPicPr>
+          <p:nvPr/>
+        </p:nvPicPr>
+        <p:blipFill>
+          <a:blip r:embed="rId2">
+            <a:extLst>
+              <a:ext uri="{28A0092B-C50C-407E-A947-70E740481C1C}">
+                <a14:useLocalDpi xmlns:a14="http://schemas.microsoft.com/office/drawing/2010/main" val="0"/>
+              </a:ext>
+            </a:extLst>
+          </a:blip>
+          <a:stretch>
+            <a:fillRect/>
+          </a:stretch>
+        </p:blipFill>
+        <p:spPr>
+          <a:xfrm>
+            <a:off x="8045633" y="2077840"/>
+            <a:ext cx="1037605" cy="1635903"/>
+          </a:xfrm>
+          <a:prstGeom prst="rect">
+            <a:avLst/>
+          </a:prstGeom>
+        </p:spPr>
+      </p:pic>
+      <p:sp>
+        <p:nvSpPr>
+          <p:cNvPr id="5" name="Rectangle 4"/>
+          <p:cNvSpPr/>
+          <p:nvPr/>
+        </p:nvSpPr>
+        <p:spPr>
+          <a:xfrm>
+            <a:off x="6022268" y="2886146"/>
+            <a:ext cx="1141662" cy="788614"/>
+          </a:xfrm>
+          <a:prstGeom prst="rect">
+            <a:avLst/>
+          </a:prstGeom>
+        </p:spPr>
+        <p:style>
+          <a:lnRef idx="1">
+            <a:schemeClr val="accent2"/>
+          </a:lnRef>
+          <a:fillRef idx="3">
+            <a:schemeClr val="accent2"/>
+          </a:fillRef>
+          <a:effectRef idx="2">
+            <a:schemeClr val="accent2"/>
+          </a:effectRef>
+          <a:fontRef idx="minor">
+            <a:schemeClr val="lt1"/>
+          </a:fontRef>
+        </p:style>
+        <p:txBody>
+          <a:bodyPr rtlCol="0" anchor="ctr"/>
+          <a:lstStyle/>
+          <a:p>
+            <a:pPr algn="ctr"/>
+            <a:r>
+              <a:rPr lang="en-US" sz="3200" dirty="0" err="1" smtClean="0"/>
+              <a:t>gcc</a:t>
+            </a:r>
+            <a:endParaRPr lang="en-US" dirty="0"/>
+          </a:p>
+        </p:txBody>
+      </p:sp>
+      <p:cxnSp>
+        <p:nvCxnSpPr>
+          <p:cNvPr id="19" name="Straight Arrow Connector 18"/>
+          <p:cNvCxnSpPr/>
+          <p:nvPr/>
+        </p:nvCxnSpPr>
+        <p:spPr>
+          <a:xfrm flipV="1">
+            <a:off x="4914429" y="3202931"/>
+            <a:ext cx="579803" cy="13806"/>
+          </a:xfrm>
+          <a:prstGeom prst="straightConnector1">
+            <a:avLst/>
+          </a:prstGeom>
+          <a:ln>
+            <a:tailEnd type="arrow"/>
+          </a:ln>
+        </p:spPr>
+        <p:style>
+          <a:lnRef idx="2">
+            <a:schemeClr val="accent1"/>
+          </a:lnRef>
+          <a:fillRef idx="0">
+            <a:schemeClr val="accent1"/>
+          </a:fillRef>
+          <a:effectRef idx="1">
+            <a:schemeClr val="accent1"/>
+          </a:effectRef>
+          <a:fontRef idx="minor">
+            <a:schemeClr val="tx1"/>
+          </a:fontRef>
+        </p:style>
+      </p:cxnSp>
+      <p:sp>
+        <p:nvSpPr>
+          <p:cNvPr id="20" name="TextBox 19"/>
+          <p:cNvSpPr txBox="1"/>
+          <p:nvPr/>
+        </p:nvSpPr>
+        <p:spPr>
+          <a:xfrm>
+            <a:off x="5301071" y="4012484"/>
+            <a:ext cx="1359792" cy="369332"/>
+          </a:xfrm>
+          <a:prstGeom prst="rect">
+            <a:avLst/>
+          </a:prstGeom>
+          <a:solidFill>
+            <a:schemeClr val="accent2">
+              <a:lumMod val="40000"/>
+              <a:lumOff val="60000"/>
+            </a:schemeClr>
+          </a:solidFill>
+        </p:spPr>
+        <p:txBody>
+          <a:bodyPr wrap="none" rtlCol="0">
+            <a:spAutoFit/>
+          </a:bodyPr>
+          <a:lstStyle/>
+          <a:p>
+            <a:r>
+              <a:rPr lang="en-US" dirty="0" smtClean="0"/>
+              <a:t>$ </a:t>
+            </a:r>
+            <a:r>
+              <a:rPr lang="en-US" dirty="0" err="1" smtClean="0"/>
+              <a:t>gcc</a:t>
+            </a:r>
+            <a:r>
+              <a:rPr lang="en-US" dirty="0" smtClean="0"/>
+              <a:t> -c </a:t>
+            </a:r>
+            <a:r>
+              <a:rPr lang="en-US" dirty="0" err="1" smtClean="0"/>
+              <a:t>list.c</a:t>
+            </a:r>
+            <a:endParaRPr lang="en-US" dirty="0" smtClean="0"/>
+          </a:p>
+        </p:txBody>
+      </p:sp>
+      <p:sp>
+        <p:nvSpPr>
+          <p:cNvPr id="21" name="TextBox 20"/>
+          <p:cNvSpPr txBox="1"/>
+          <p:nvPr/>
+        </p:nvSpPr>
+        <p:spPr>
+          <a:xfrm>
+            <a:off x="6874777" y="3979388"/>
+            <a:ext cx="1163449" cy="369332"/>
+          </a:xfrm>
+          <a:prstGeom prst="rect">
+            <a:avLst/>
+          </a:prstGeom>
+          <a:solidFill>
+            <a:schemeClr val="accent2">
+              <a:lumMod val="40000"/>
+              <a:lumOff val="60000"/>
+            </a:schemeClr>
+          </a:solidFill>
+        </p:spPr>
+        <p:txBody>
+          <a:bodyPr wrap="none" rtlCol="0">
+            <a:spAutoFit/>
+          </a:bodyPr>
+          <a:lstStyle/>
+          <a:p>
+            <a:r>
+              <a:rPr lang="en-US" dirty="0" smtClean="0"/>
+              <a:t>$ </a:t>
+            </a:r>
+            <a:r>
+              <a:rPr lang="en-US" dirty="0" err="1" smtClean="0"/>
+              <a:t>gcc</a:t>
+            </a:r>
+            <a:r>
+              <a:rPr lang="en-US" dirty="0" smtClean="0"/>
+              <a:t> </a:t>
+            </a:r>
+            <a:r>
+              <a:rPr lang="en-US" dirty="0" err="1" smtClean="0"/>
+              <a:t>list.o</a:t>
+            </a:r>
+            <a:endParaRPr lang="en-US" dirty="0" smtClean="0"/>
+          </a:p>
+        </p:txBody>
+      </p:sp>
+      <p:grpSp>
+        <p:nvGrpSpPr>
+          <p:cNvPr id="25" name="Group 24"/>
+          <p:cNvGrpSpPr/>
+          <p:nvPr/>
+        </p:nvGrpSpPr>
+        <p:grpSpPr>
+          <a:xfrm>
+            <a:off x="5367126" y="2886145"/>
+            <a:ext cx="2372014" cy="739242"/>
+            <a:chOff x="5367126" y="2886145"/>
+            <a:chExt cx="2372014" cy="739242"/>
+          </a:xfrm>
+        </p:grpSpPr>
+        <p:cxnSp>
+          <p:nvCxnSpPr>
+            <p:cNvPr id="16" name="Straight Arrow Connector 15"/>
+            <p:cNvCxnSpPr>
+              <a:endCxn id="14" idx="1"/>
+            </p:cNvCxnSpPr>
+            <p:nvPr/>
+          </p:nvCxnSpPr>
+          <p:spPr>
+            <a:xfrm>
+              <a:off x="6394621" y="3231080"/>
+              <a:ext cx="518988" cy="24686"/>
+            </a:xfrm>
+            <a:prstGeom prst="straightConnector1">
+              <a:avLst/>
+            </a:prstGeom>
+            <a:ln>
+              <a:tailEnd type="arrow"/>
+            </a:ln>
+          </p:spPr>
+          <p:style>
+            <a:lnRef idx="2">
+              <a:schemeClr val="accent1"/>
+            </a:lnRef>
+            <a:fillRef idx="0">
+              <a:schemeClr val="accent1"/>
+            </a:fillRef>
+            <a:effectRef idx="1">
+              <a:schemeClr val="accent1"/>
+            </a:effectRef>
+            <a:fontRef idx="minor">
+              <a:schemeClr val="tx1"/>
+            </a:fontRef>
+          </p:style>
+        </p:cxnSp>
+        <p:grpSp>
+          <p:nvGrpSpPr>
+            <p:cNvPr id="24" name="Group 23"/>
+            <p:cNvGrpSpPr/>
+            <p:nvPr/>
+          </p:nvGrpSpPr>
+          <p:grpSpPr>
+            <a:xfrm>
+              <a:off x="5367126" y="2886145"/>
+              <a:ext cx="2372014" cy="739242"/>
+              <a:chOff x="5367126" y="2886145"/>
+              <a:chExt cx="2372014" cy="739242"/>
+            </a:xfrm>
+          </p:grpSpPr>
+          <p:sp>
+            <p:nvSpPr>
+              <p:cNvPr id="13" name="Rectangle 12"/>
+              <p:cNvSpPr/>
+              <p:nvPr/>
+            </p:nvSpPr>
+            <p:spPr>
+              <a:xfrm>
+                <a:off x="5367126" y="2886146"/>
+                <a:ext cx="1027495" cy="739241"/>
+              </a:xfrm>
+              <a:prstGeom prst="rect">
+                <a:avLst/>
+              </a:prstGeom>
+            </p:spPr>
+            <p:style>
+              <a:lnRef idx="1">
+                <a:schemeClr val="accent2"/>
+              </a:lnRef>
+              <a:fillRef idx="3">
+                <a:schemeClr val="accent2"/>
+              </a:fillRef>
+              <a:effectRef idx="2">
+                <a:schemeClr val="accent2"/>
+              </a:effectRef>
+              <a:fontRef idx="minor">
+                <a:schemeClr val="lt1"/>
+              </a:fontRef>
+            </p:style>
+            <p:txBody>
+              <a:bodyPr rtlCol="0" anchor="ctr"/>
+              <a:lstStyle/>
+              <a:p>
+                <a:pPr algn="ctr"/>
+                <a:r>
+                  <a:rPr lang="en-US" dirty="0" err="1" smtClean="0">
+                    <a:solidFill>
+                      <a:srgbClr val="000000"/>
+                    </a:solidFill>
+                  </a:rPr>
+                  <a:t>gcc</a:t>
+                </a:r>
+                <a:endParaRPr lang="en-US" dirty="0" smtClean="0">
+                  <a:solidFill>
+                    <a:srgbClr val="000000"/>
+                  </a:solidFill>
+                </a:endParaRPr>
+              </a:p>
+              <a:p>
+                <a:pPr algn="ctr"/>
+                <a:r>
+                  <a:rPr lang="en-US" dirty="0" smtClean="0">
+                    <a:solidFill>
+                      <a:srgbClr val="000000"/>
+                    </a:solidFill>
+                  </a:rPr>
+                  <a:t>compiler</a:t>
+                </a:r>
+                <a:endParaRPr lang="en-US" sz="1100" dirty="0">
+                  <a:solidFill>
+                    <a:srgbClr val="000000"/>
+                  </a:solidFill>
+                </a:endParaRPr>
+              </a:p>
+            </p:txBody>
+          </p:sp>
+          <p:sp>
+            <p:nvSpPr>
+              <p:cNvPr id="14" name="Rectangle 13"/>
+              <p:cNvSpPr/>
+              <p:nvPr/>
+            </p:nvSpPr>
+            <p:spPr>
+              <a:xfrm>
+                <a:off x="6913609" y="2886145"/>
+                <a:ext cx="825531" cy="739241"/>
+              </a:xfrm>
+              <a:prstGeom prst="rect">
+                <a:avLst/>
+              </a:prstGeom>
+            </p:spPr>
+            <p:style>
+              <a:lnRef idx="1">
+                <a:schemeClr val="accent2"/>
+              </a:lnRef>
+              <a:fillRef idx="3">
+                <a:schemeClr val="accent2"/>
+              </a:fillRef>
+              <a:effectRef idx="2">
+                <a:schemeClr val="accent2"/>
+              </a:effectRef>
+              <a:fontRef idx="minor">
+                <a:schemeClr val="lt1"/>
+              </a:fontRef>
+            </p:style>
+            <p:txBody>
+              <a:bodyPr rtlCol="0" anchor="ctr"/>
+              <a:lstStyle/>
+              <a:p>
+                <a:pPr algn="ctr"/>
+                <a:r>
+                  <a:rPr lang="en-US" dirty="0" smtClean="0">
+                    <a:solidFill>
+                      <a:srgbClr val="000000"/>
+                    </a:solidFill>
+                  </a:rPr>
+                  <a:t>linker</a:t>
+                </a:r>
+                <a:endParaRPr lang="en-US" sz="1100" dirty="0">
+                  <a:solidFill>
+                    <a:srgbClr val="000000"/>
+                  </a:solidFill>
+                </a:endParaRPr>
+              </a:p>
+            </p:txBody>
+          </p:sp>
+          <p:sp>
+            <p:nvSpPr>
+              <p:cNvPr id="23" name="TextBox 22"/>
+              <p:cNvSpPr txBox="1"/>
+              <p:nvPr/>
+            </p:nvSpPr>
+            <p:spPr>
+              <a:xfrm>
+                <a:off x="6336527" y="2886145"/>
+                <a:ext cx="638216" cy="369332"/>
+              </a:xfrm>
+              <a:prstGeom prst="rect">
+                <a:avLst/>
+              </a:prstGeom>
+              <a:noFill/>
+            </p:spPr>
+            <p:txBody>
+              <a:bodyPr wrap="none" rtlCol="0">
+                <a:spAutoFit/>
+              </a:bodyPr>
+              <a:lstStyle/>
+              <a:p>
+                <a:r>
+                  <a:rPr lang="en-US" dirty="0" err="1" smtClean="0">
+                    <a:solidFill>
+                      <a:schemeClr val="accent1"/>
+                    </a:solidFill>
+                  </a:rPr>
+                  <a:t>list.o</a:t>
+                </a:r>
+                <a:endParaRPr lang="en-US" dirty="0">
+                  <a:solidFill>
+                    <a:schemeClr val="accent1"/>
+                  </a:solidFill>
+                </a:endParaRPr>
+              </a:p>
+            </p:txBody>
+          </p:sp>
+        </p:grpSp>
+      </p:grpSp>
+    </p:spTree>
+    <p:extLst>
+      <p:ext uri="{BB962C8B-B14F-4D97-AF65-F5344CB8AC3E}">
+        <p14:creationId xmlns:p14="http://schemas.microsoft.com/office/powerpoint/2010/main" val="1107766541"/>
+      </p:ext>
+    </p:extLst>
+  </p:cSld>
+  <p:clrMapOvr>
+    <a:masterClrMapping/>
+  </p:clrMapOvr>
+  <p:timing>
+    <p:tnLst>
+      <p:par>
+        <p:cTn xmlns:p14="http://schemas.microsoft.com/office/powerpoint/2010/main" id="1" dur="indefinite" restart="never" nodeType="tmRoot">
+          <p:childTnLst>
+            <p:seq concurrent="1" nextAc="seek">
+              <p:cTn id="2" dur="indefinite" nodeType="mainSeq">
+                <p:childTnLst>
+                  <p:par>
+                    <p:cTn id="3" fill="hold">
+                      <p:stCondLst>
+                        <p:cond delay="indefinite"/>
+                      </p:stCondLst>
+                      <p:childTnLst>
+                        <p:par>
+                          <p:cTn id="4" fill="hold">
+                            <p:stCondLst>
+                              <p:cond delay="0"/>
+                            </p:stCondLst>
+                            <p:childTnLst>
+                              <p:par>
+                                <p:cTn id="5" presetID="5" presetClass="exit" presetSubtype="10" fill="hold" grpId="0" nodeType="clickEffect">
+                                  <p:stCondLst>
+                                    <p:cond delay="0"/>
+                                  </p:stCondLst>
+                                  <p:childTnLst>
+                                    <p:animEffect transition="out" filter="checkerboard(across)">
+                                      <p:cBhvr>
+                                        <p:cTn id="6" dur="500"/>
+                                        <p:tgtEl>
+                                          <p:spTgt spid="5"/>
+                                        </p:tgtEl>
+                                      </p:cBhvr>
+                                    </p:animEffect>
+                                    <p:set>
+                                      <p:cBhvr>
+                                        <p:cTn id="7" dur="1" fill="hold">
+                                          <p:stCondLst>
+                                            <p:cond delay="499"/>
+                                          </p:stCondLst>
+                                        </p:cTn>
+                                        <p:tgtEl>
+                                          <p:spTgt spid="5"/>
+                                        </p:tgtEl>
+                                        <p:attrNameLst>
+                                          <p:attrName>style.visibility</p:attrName>
+                                        </p:attrNameLst>
+                                      </p:cBhvr>
+                                      <p:to>
+                                        <p:strVal val="hidden"/>
+                                      </p:to>
+                                    </p:set>
+                                  </p:childTnLst>
+                                </p:cTn>
+                              </p:par>
+                            </p:childTnLst>
+                          </p:cTn>
+                        </p:par>
+                      </p:childTnLst>
+                    </p:cTn>
+                  </p:par>
+                  <p:par>
+                    <p:cTn id="8" fill="hold">
+                      <p:stCondLst>
+                        <p:cond delay="indefinite"/>
+                      </p:stCondLst>
+                      <p:childTnLst>
+                        <p:par>
+                          <p:cTn id="9" fill="hold">
+                            <p:stCondLst>
+                              <p:cond delay="0"/>
+                            </p:stCondLst>
+                            <p:childTnLst>
+                              <p:par>
+                                <p:cTn id="10" presetID="5" presetClass="entr" presetSubtype="10" fill="hold" nodeType="clickEffect">
+                                  <p:stCondLst>
+                                    <p:cond delay="0"/>
+                                  </p:stCondLst>
+                                  <p:childTnLst>
+                                    <p:set>
+                                      <p:cBhvr>
+                                        <p:cTn id="11" dur="1" fill="hold">
+                                          <p:stCondLst>
+                                            <p:cond delay="0"/>
+                                          </p:stCondLst>
+                                        </p:cTn>
+                                        <p:tgtEl>
+                                          <p:spTgt spid="25"/>
+                                        </p:tgtEl>
+                                        <p:attrNameLst>
+                                          <p:attrName>style.visibility</p:attrName>
+                                        </p:attrNameLst>
+                                      </p:cBhvr>
+                                      <p:to>
+                                        <p:strVal val="visible"/>
+                                      </p:to>
+                                    </p:set>
+                                    <p:animEffect transition="in" filter="checkerboard(across)">
+                                      <p:cBhvr>
+                                        <p:cTn id="12" dur="500"/>
+                                        <p:tgtEl>
+                                          <p:spTgt spid="25"/>
+                                        </p:tgtEl>
+                                      </p:cBhvr>
+                                    </p:animEffect>
+                                  </p:childTnLst>
+                                </p:cTn>
+                              </p:par>
+                            </p:childTnLst>
+                          </p:cTn>
+                        </p:par>
+                      </p:childTnLst>
+                    </p:cTn>
+                  </p:par>
+                  <p:par>
+                    <p:cTn id="13" fill="hold">
+                      <p:stCondLst>
+                        <p:cond delay="indefinite"/>
+                      </p:stCondLst>
+                      <p:childTnLst>
+                        <p:par>
+                          <p:cTn id="14" fill="hold">
+                            <p:stCondLst>
+                              <p:cond delay="0"/>
+                            </p:stCondLst>
+                            <p:childTnLst>
+                              <p:par>
+                                <p:cTn id="15" presetID="1" presetClass="entr" presetSubtype="0" fill="hold" grpId="0" nodeType="clickEffect">
+                                  <p:stCondLst>
+                                    <p:cond delay="0"/>
+                                  </p:stCondLst>
+                                  <p:childTnLst>
+                                    <p:set>
+                                      <p:cBhvr>
+                                        <p:cTn id="16" dur="1" fill="hold">
+                                          <p:stCondLst>
+                                            <p:cond delay="0"/>
+                                          </p:stCondLst>
+                                        </p:cTn>
+                                        <p:tgtEl>
+                                          <p:spTgt spid="20"/>
+                                        </p:tgtEl>
+                                        <p:attrNameLst>
+                                          <p:attrName>style.visibility</p:attrName>
+                                        </p:attrNameLst>
+                                      </p:cBhvr>
+                                      <p:to>
+                                        <p:strVal val="visible"/>
+                                      </p:to>
+                                    </p:set>
+                                  </p:childTnLst>
+                                </p:cTn>
+                              </p:par>
+                            </p:childTnLst>
+                          </p:cTn>
+                        </p:par>
+                      </p:childTnLst>
+                    </p:cTn>
+                  </p:par>
+                  <p:par>
+                    <p:cTn id="17" fill="hold">
+                      <p:stCondLst>
+                        <p:cond delay="indefinite"/>
+                      </p:stCondLst>
+                      <p:childTnLst>
+                        <p:par>
+                          <p:cTn id="18" fill="hold">
+                            <p:stCondLst>
+                              <p:cond delay="0"/>
+                            </p:stCondLst>
+                            <p:childTnLst>
+                              <p:par>
+                                <p:cTn id="19" presetID="1" presetClass="entr" presetSubtype="0" fill="hold" grpId="0" nodeType="clickEffect">
+                                  <p:stCondLst>
+                                    <p:cond delay="0"/>
+                                  </p:stCondLst>
+                                  <p:childTnLst>
+                                    <p:set>
+                                      <p:cBhvr>
+                                        <p:cTn id="20" dur="1" fill="hold">
+                                          <p:stCondLst>
+                                            <p:cond delay="0"/>
+                                          </p:stCondLst>
+                                        </p:cTn>
+                                        <p:tgtEl>
+                                          <p:spTgt spid="21"/>
+                                        </p:tgtEl>
+                                        <p:attrNameLst>
+                                          <p:attrName>style.visibility</p:attrName>
+                                        </p:attrNameLst>
+                                      </p:cBhvr>
+                                      <p:to>
+                                        <p:strVal val="visible"/>
+                                      </p:to>
+                                    </p:set>
+                                  </p:childTnLst>
+                                </p:cTn>
+                              </p:par>
+                            </p:childTnLst>
+                          </p:cTn>
+                        </p:par>
+                      </p:childTnLst>
+                    </p:cTn>
+                  </p:par>
+                </p:childTnLst>
+              </p:cTn>
+              <p:prevCondLst>
+                <p:cond evt="onPrev" delay="0">
+                  <p:tgtEl>
+                    <p:sldTgt/>
+                  </p:tgtEl>
+                </p:cond>
+              </p:prevCondLst>
+              <p:nextCondLst>
+                <p:cond evt="onNext" delay="0">
+                  <p:tgtEl>
+                    <p:sldTgt/>
+                  </p:tgtEl>
+                </p:cond>
+              </p:nextCondLst>
+            </p:seq>
+          </p:childTnLst>
+        </p:cTn>
+      </p:par>
+    </p:tnLst>
+    <p:bldLst>
+      <p:bldP spid="5" grpId="0" animBg="1"/>
+      <p:bldP spid="20" grpId="0" animBg="1"/>
+      <p:bldP spid="21" grpId="0" animBg="1"/>
+    </p:bldLst>
+  </p:timing>
+</p:sld>
+</file>
+
+<file path=ppt/slides/slide5.xml><?xml version="1.0" encoding="utf-8"?>
+<p:sld xmlns:a="http://schemas.openxmlformats.org/drawingml/2006/main" xmlns:r="http://schemas.openxmlformats.org/officeDocument/2006/relationships" xmlns:p="http://schemas.openxmlformats.org/presentationml/2006/main">
+  <p:cSld>
+    <p:spTree>
+      <p:nvGrpSpPr>
+        <p:cNvPr id="1" name=""/>
+        <p:cNvGrpSpPr/>
+        <p:nvPr/>
+      </p:nvGrpSpPr>
+      <p:grpSpPr>
+        <a:xfrm>
+          <a:off x="0" y="0"/>
+          <a:ext cx="0" cy="0"/>
+          <a:chOff x="0" y="0"/>
+          <a:chExt cx="0" cy="0"/>
+        </a:xfrm>
+      </p:grpSpPr>
+      <p:sp>
+        <p:nvSpPr>
+          <p:cNvPr id="2" name="Title 1"/>
+          <p:cNvSpPr>
+            <a:spLocks noGrp="1"/>
+          </p:cNvSpPr>
+          <p:nvPr>
+            <p:ph type="title"/>
+          </p:nvPr>
+        </p:nvSpPr>
+        <p:spPr>
+          <a:xfrm>
+            <a:off x="457200" y="-41098"/>
+            <a:ext cx="8229600" cy="1143000"/>
+          </a:xfrm>
+        </p:spPr>
+        <p:txBody>
+          <a:bodyPr/>
+          <a:lstStyle/>
+          <a:p>
+            <a:r>
+              <a:rPr lang="en-US" dirty="0" smtClean="0"/>
+              <a:t>Linked list: one big file</a:t>
+            </a:r>
+            <a:endParaRPr lang="en-US" dirty="0"/>
+          </a:p>
+        </p:txBody>
+      </p:sp>
+      <p:sp>
+        <p:nvSpPr>
+          <p:cNvPr id="4" name="矩形 3"/>
+          <p:cNvSpPr/>
+          <p:nvPr/>
+        </p:nvSpPr>
+        <p:spPr>
+          <a:xfrm>
+            <a:off x="652756" y="900961"/>
+            <a:ext cx="7396911" cy="4708981"/>
+          </a:xfrm>
+          <a:prstGeom prst="rect">
+            <a:avLst/>
+          </a:prstGeom>
+          <a:ln>
+            <a:solidFill>
+              <a:schemeClr val="tx1"/>
+            </a:solidFill>
+          </a:ln>
+        </p:spPr>
+        <p:txBody>
+          <a:bodyPr wrap="square">
+            <a:spAutoFit/>
+          </a:bodyPr>
+          <a:lstStyle/>
+          <a:p>
+            <a:r>
+              <a:rPr lang="en-US" altLang="zh-CN" sz="2000" dirty="0" err="1" smtClean="0">
+                <a:latin typeface="Consolas"/>
+                <a:cs typeface="Consolas"/>
+              </a:rPr>
+              <a:t>typedef</a:t>
+            </a:r>
+            <a:r>
+              <a:rPr lang="en-US" altLang="zh-CN" sz="2000" dirty="0" smtClean="0">
+                <a:latin typeface="Consolas"/>
+                <a:cs typeface="Consolas"/>
+              </a:rPr>
+              <a:t> </a:t>
+            </a:r>
+            <a:r>
+              <a:rPr lang="en-US" altLang="zh-CN" sz="2000" dirty="0" err="1" smtClean="0">
+                <a:latin typeface="Consolas"/>
+                <a:cs typeface="Consolas"/>
+              </a:rPr>
+              <a:t>struct</a:t>
+            </a:r>
+            <a:r>
+              <a:rPr lang="en-US" altLang="zh-CN" sz="2000" dirty="0" smtClean="0">
+                <a:latin typeface="Consolas"/>
+                <a:cs typeface="Consolas"/>
+              </a:rPr>
+              <a:t> {</a:t>
+            </a:r>
+            <a:endParaRPr lang="en-US" altLang="zh-CN" sz="2000" dirty="0">
+              <a:latin typeface="Consolas"/>
+              <a:cs typeface="Consolas"/>
+            </a:endParaRPr>
+          </a:p>
+          <a:p>
+            <a:r>
+              <a:rPr lang="en-US" altLang="zh-CN" sz="2000" dirty="0" smtClean="0">
+                <a:latin typeface="Consolas"/>
+                <a:cs typeface="Consolas"/>
+              </a:rPr>
+              <a:t>     </a:t>
+            </a:r>
+            <a:r>
+              <a:rPr lang="en-US" altLang="zh-CN" sz="2000" dirty="0" smtClean="0">
+                <a:latin typeface="Consolas"/>
+                <a:cs typeface="Consolas"/>
+              </a:rPr>
+              <a:t>long </a:t>
+            </a:r>
+            <a:r>
+              <a:rPr lang="en-US" altLang="zh-CN" sz="2000" dirty="0" err="1" smtClean="0">
+                <a:latin typeface="Consolas"/>
+                <a:cs typeface="Consolas"/>
+              </a:rPr>
+              <a:t>val</a:t>
+            </a:r>
+            <a:r>
+              <a:rPr lang="en-US" altLang="zh-CN" sz="2000" dirty="0">
+                <a:latin typeface="Consolas"/>
+                <a:cs typeface="Consolas"/>
+              </a:rPr>
+              <a:t>;</a:t>
+            </a:r>
+          </a:p>
+          <a:p>
+            <a:r>
+              <a:rPr lang="en-US" altLang="zh-CN" sz="2000" dirty="0" smtClean="0">
+                <a:latin typeface="Consolas"/>
+                <a:cs typeface="Consolas"/>
+              </a:rPr>
+              <a:t>     </a:t>
+            </a:r>
+            <a:r>
+              <a:rPr lang="en-US" altLang="zh-CN" sz="2000" dirty="0">
+                <a:latin typeface="Consolas"/>
+                <a:cs typeface="Consolas"/>
+              </a:rPr>
+              <a:t>struct n</a:t>
+            </a:r>
+            <a:r>
+              <a:rPr lang="en-US" altLang="zh-CN" sz="2000" dirty="0" smtClean="0">
+                <a:latin typeface="Consolas"/>
+                <a:cs typeface="Consolas"/>
+              </a:rPr>
+              <a:t>ode </a:t>
+            </a:r>
+            <a:r>
+              <a:rPr lang="en-US" altLang="zh-CN" sz="2000" dirty="0">
+                <a:latin typeface="Consolas"/>
+                <a:cs typeface="Consolas"/>
+              </a:rPr>
+              <a:t>*next;</a:t>
+            </a:r>
+          </a:p>
+          <a:p>
+            <a:r>
+              <a:rPr lang="en-US" altLang="zh-CN" sz="2000" dirty="0">
+                <a:latin typeface="Consolas"/>
+                <a:cs typeface="Consolas"/>
+              </a:rPr>
+              <a:t> </a:t>
+            </a:r>
+            <a:r>
+              <a:rPr lang="en-US" altLang="zh-CN" sz="2000" dirty="0" smtClean="0">
+                <a:latin typeface="Consolas"/>
+                <a:cs typeface="Consolas"/>
+              </a:rPr>
+              <a:t>}node;</a:t>
+            </a:r>
+            <a:endParaRPr lang="en-US" altLang="zh-CN" sz="2000" dirty="0">
+              <a:latin typeface="Consolas"/>
+              <a:cs typeface="Consolas"/>
+            </a:endParaRPr>
+          </a:p>
+          <a:p>
+            <a:r>
+              <a:rPr lang="en-US" altLang="zh-CN" sz="2000" dirty="0" smtClean="0">
+                <a:latin typeface="Consolas"/>
+                <a:cs typeface="Consolas"/>
+              </a:rPr>
+              <a:t>void </a:t>
+            </a:r>
+            <a:r>
+              <a:rPr lang="en-US" altLang="zh-CN" sz="2000" dirty="0" smtClean="0">
+                <a:latin typeface="Consolas"/>
+                <a:cs typeface="Consolas"/>
+              </a:rPr>
+              <a:t>insert(node *</a:t>
+            </a:r>
+            <a:r>
+              <a:rPr lang="en-US" altLang="zh-CN" sz="2000" dirty="0" err="1" smtClean="0">
+                <a:latin typeface="Consolas"/>
+                <a:cs typeface="Consolas"/>
+              </a:rPr>
+              <a:t>headp</a:t>
+            </a:r>
+            <a:r>
+              <a:rPr lang="en-US" altLang="zh-CN" sz="2000" dirty="0" smtClean="0">
+                <a:latin typeface="Consolas"/>
+                <a:cs typeface="Consolas"/>
+              </a:rPr>
+              <a:t>, long </a:t>
+            </a:r>
+            <a:r>
+              <a:rPr lang="en-US" altLang="zh-CN" sz="2000" dirty="0" err="1" smtClean="0">
+                <a:latin typeface="Consolas"/>
+                <a:cs typeface="Consolas"/>
+              </a:rPr>
+              <a:t>val</a:t>
+            </a:r>
+            <a:r>
+              <a:rPr lang="en-US" altLang="zh-CN" sz="2000" dirty="0" smtClean="0">
+                <a:latin typeface="Consolas"/>
+                <a:cs typeface="Consolas"/>
+              </a:rPr>
+              <a:t>) </a:t>
+            </a:r>
+            <a:r>
+              <a:rPr lang="en-US" altLang="zh-CN" sz="2000" dirty="0">
+                <a:latin typeface="Consolas"/>
+                <a:cs typeface="Consolas"/>
+              </a:rPr>
+              <a:t>{</a:t>
+            </a:r>
+          </a:p>
+          <a:p>
+            <a:r>
+              <a:rPr lang="en-US" altLang="zh-CN" sz="2000" b="1" dirty="0">
+                <a:latin typeface="Consolas"/>
+                <a:cs typeface="Consolas"/>
+              </a:rPr>
+              <a:t> </a:t>
+            </a:r>
+            <a:r>
+              <a:rPr lang="en-US" altLang="zh-CN" sz="2000" b="1" dirty="0" smtClean="0">
+                <a:latin typeface="Consolas"/>
+                <a:cs typeface="Consolas"/>
+              </a:rPr>
+              <a:t>   </a:t>
+            </a:r>
+            <a:r>
+              <a:rPr lang="en-US" altLang="zh-CN" sz="2000" dirty="0" smtClean="0">
+                <a:latin typeface="Consolas"/>
+                <a:cs typeface="Consolas"/>
+              </a:rPr>
+              <a:t>node </a:t>
+            </a:r>
+            <a:r>
+              <a:rPr lang="en-US" altLang="zh-CN" sz="2000" dirty="0" smtClean="0">
+                <a:latin typeface="Consolas"/>
+                <a:cs typeface="Consolas"/>
+              </a:rPr>
+              <a:t>*n = </a:t>
+            </a:r>
+            <a:r>
+              <a:rPr lang="en-US" altLang="zh-CN" sz="2000" dirty="0" smtClean="0">
+                <a:latin typeface="Consolas"/>
+                <a:cs typeface="Consolas"/>
+              </a:rPr>
+              <a:t>(node *)</a:t>
+            </a:r>
+            <a:r>
+              <a:rPr lang="en-US" altLang="zh-CN" sz="2000" dirty="0" err="1" smtClean="0">
+                <a:latin typeface="Consolas"/>
+                <a:cs typeface="Consolas"/>
+              </a:rPr>
+              <a:t>malloc</a:t>
+            </a:r>
+            <a:r>
+              <a:rPr lang="en-US" altLang="zh-CN" sz="2000" dirty="0" smtClean="0">
+                <a:latin typeface="Consolas"/>
+                <a:cs typeface="Consolas"/>
+              </a:rPr>
+              <a:t>(</a:t>
+            </a:r>
+            <a:r>
+              <a:rPr lang="en-US" altLang="zh-CN" sz="2000" dirty="0" err="1" smtClean="0">
+                <a:latin typeface="Consolas"/>
+                <a:cs typeface="Consolas"/>
+              </a:rPr>
+              <a:t>sizeof</a:t>
+            </a:r>
+            <a:r>
+              <a:rPr lang="en-US" altLang="zh-CN" sz="2000" dirty="0" smtClean="0">
+                <a:latin typeface="Consolas"/>
+                <a:cs typeface="Consolas"/>
+              </a:rPr>
+              <a:t>(node));</a:t>
+            </a:r>
+          </a:p>
+          <a:p>
+            <a:r>
+              <a:rPr lang="en-US" altLang="zh-CN" sz="2000" b="1" dirty="0">
+                <a:latin typeface="Consolas"/>
+                <a:cs typeface="Consolas"/>
+              </a:rPr>
+              <a:t> </a:t>
+            </a:r>
+            <a:r>
+              <a:rPr lang="en-US" altLang="zh-CN" sz="2000" b="1" dirty="0" smtClean="0">
+                <a:latin typeface="Consolas"/>
+                <a:cs typeface="Consolas"/>
+              </a:rPr>
+              <a:t>   </a:t>
+            </a:r>
+            <a:r>
+              <a:rPr lang="en-US" altLang="zh-CN" sz="2000" dirty="0" smtClean="0">
+                <a:latin typeface="Consolas"/>
+                <a:cs typeface="Consolas"/>
+              </a:rPr>
+              <a:t>n-</a:t>
+            </a:r>
+            <a:r>
+              <a:rPr lang="en-US" altLang="zh-CN" sz="2000" dirty="0" smtClean="0">
+                <a:latin typeface="Consolas"/>
+                <a:cs typeface="Consolas"/>
+              </a:rPr>
+              <a:t>&gt;next = </a:t>
+            </a:r>
+            <a:r>
+              <a:rPr lang="en-US" altLang="zh-CN" sz="2000" dirty="0">
+                <a:latin typeface="Consolas"/>
+                <a:cs typeface="Consolas"/>
+              </a:rPr>
+              <a:t>*</a:t>
+            </a:r>
+            <a:r>
+              <a:rPr lang="en-US" altLang="zh-CN" sz="2000" dirty="0" err="1" smtClean="0">
+                <a:latin typeface="Consolas"/>
+                <a:cs typeface="Consolas"/>
+              </a:rPr>
+              <a:t>headp</a:t>
+            </a:r>
+            <a:r>
+              <a:rPr lang="en-US" altLang="zh-CN" sz="2000" dirty="0" smtClean="0">
+                <a:latin typeface="Consolas"/>
+                <a:cs typeface="Consolas"/>
+              </a:rPr>
+              <a:t>;</a:t>
+            </a:r>
+            <a:endParaRPr lang="en-US" altLang="zh-CN" sz="2000" dirty="0" smtClean="0">
+              <a:latin typeface="Consolas"/>
+              <a:cs typeface="Consolas"/>
+            </a:endParaRPr>
+          </a:p>
+          <a:p>
+            <a:r>
+              <a:rPr lang="en-US" altLang="zh-CN" sz="2000" dirty="0">
+                <a:latin typeface="Consolas"/>
+                <a:cs typeface="Consolas"/>
+              </a:rPr>
+              <a:t> </a:t>
+            </a:r>
+            <a:r>
+              <a:rPr lang="en-US" altLang="zh-CN" sz="2000" dirty="0" smtClean="0">
+                <a:latin typeface="Consolas"/>
+                <a:cs typeface="Consolas"/>
+              </a:rPr>
+              <a:t>   </a:t>
+            </a:r>
+            <a:r>
+              <a:rPr lang="en-US" altLang="zh-CN" sz="2000" dirty="0" smtClean="0">
+                <a:latin typeface="Consolas"/>
+                <a:cs typeface="Consolas"/>
+              </a:rPr>
+              <a:t>n-</a:t>
+            </a:r>
+            <a:r>
+              <a:rPr lang="en-US" altLang="zh-CN" sz="2000" dirty="0" smtClean="0">
+                <a:latin typeface="Consolas"/>
+                <a:cs typeface="Consolas"/>
+              </a:rPr>
+              <a:t>&gt;</a:t>
+            </a:r>
+            <a:r>
+              <a:rPr lang="en-US" altLang="zh-CN" sz="2000" dirty="0" err="1" smtClean="0">
+                <a:latin typeface="Consolas"/>
+                <a:cs typeface="Consolas"/>
+              </a:rPr>
+              <a:t>val</a:t>
+            </a:r>
+            <a:r>
+              <a:rPr lang="en-US" altLang="zh-CN" sz="2000" dirty="0" smtClean="0">
+                <a:latin typeface="Consolas"/>
+                <a:cs typeface="Consolas"/>
+              </a:rPr>
+              <a:t> = </a:t>
+            </a:r>
+            <a:r>
+              <a:rPr lang="en-US" altLang="zh-CN" sz="2000" dirty="0" err="1" smtClean="0">
+                <a:latin typeface="Consolas"/>
+                <a:cs typeface="Consolas"/>
+              </a:rPr>
+              <a:t>val</a:t>
+            </a:r>
+            <a:r>
+              <a:rPr lang="en-US" altLang="zh-CN" sz="2000" dirty="0" smtClean="0">
+                <a:latin typeface="Consolas"/>
+                <a:cs typeface="Consolas"/>
+              </a:rPr>
+              <a:t>;</a:t>
+            </a:r>
+          </a:p>
+          <a:p>
+            <a:r>
+              <a:rPr lang="en-US" altLang="zh-CN" sz="2000" dirty="0">
+                <a:latin typeface="Consolas"/>
+                <a:cs typeface="Consolas"/>
+              </a:rPr>
+              <a:t> </a:t>
+            </a:r>
+            <a:r>
+              <a:rPr lang="en-US" altLang="zh-CN" sz="2000" dirty="0" smtClean="0">
+                <a:latin typeface="Consolas"/>
+                <a:cs typeface="Consolas"/>
+              </a:rPr>
+              <a:t>   *</a:t>
+            </a:r>
+            <a:r>
+              <a:rPr lang="en-US" altLang="zh-CN" sz="2000" dirty="0" err="1" smtClean="0">
+                <a:latin typeface="Consolas"/>
+                <a:cs typeface="Consolas"/>
+              </a:rPr>
+              <a:t>headp</a:t>
+            </a:r>
+            <a:r>
+              <a:rPr lang="en-US" altLang="zh-CN" sz="2000" dirty="0" smtClean="0">
+                <a:latin typeface="Consolas"/>
+                <a:cs typeface="Consolas"/>
+              </a:rPr>
+              <a:t> = n;</a:t>
+            </a:r>
+            <a:endParaRPr lang="en-US" altLang="zh-CN" sz="2000" dirty="0">
+              <a:latin typeface="Consolas"/>
+              <a:cs typeface="Consolas"/>
+            </a:endParaRPr>
+          </a:p>
+          <a:p>
+            <a:r>
+              <a:rPr lang="en-US" altLang="zh-CN" sz="2000" dirty="0" smtClean="0">
+                <a:latin typeface="Consolas"/>
+                <a:cs typeface="Consolas"/>
+              </a:rPr>
+              <a:t>}</a:t>
+            </a:r>
+          </a:p>
+          <a:p>
+            <a:r>
+              <a:rPr lang="en-US" altLang="zh-CN" sz="2000" dirty="0" err="1" smtClean="0">
+                <a:latin typeface="Consolas"/>
+                <a:cs typeface="Consolas"/>
+              </a:rPr>
+              <a:t>int</a:t>
+            </a:r>
+            <a:r>
+              <a:rPr lang="en-US" altLang="zh-CN" sz="2000" dirty="0" smtClean="0">
+                <a:latin typeface="Consolas"/>
+                <a:cs typeface="Consolas"/>
+              </a:rPr>
+              <a:t> </a:t>
+            </a:r>
+            <a:r>
+              <a:rPr lang="en-US" altLang="zh-CN" sz="2000" dirty="0" smtClean="0">
+                <a:latin typeface="Consolas"/>
+                <a:cs typeface="Consolas"/>
+              </a:rPr>
+              <a:t>main() {</a:t>
+            </a:r>
+          </a:p>
+          <a:p>
+            <a:r>
+              <a:rPr lang="en-US" altLang="zh-CN" sz="2000" dirty="0">
+                <a:latin typeface="Consolas"/>
+                <a:cs typeface="Consolas"/>
+              </a:rPr>
+              <a:t> </a:t>
+            </a:r>
+            <a:r>
+              <a:rPr lang="en-US" altLang="zh-CN" sz="2000" dirty="0" smtClean="0">
+                <a:latin typeface="Consolas"/>
+                <a:cs typeface="Consolas"/>
+              </a:rPr>
+              <a:t>   node *head = NULL;</a:t>
+            </a:r>
+          </a:p>
+          <a:p>
+            <a:pPr lvl="1"/>
+            <a:r>
+              <a:rPr lang="en-US" altLang="zh-CN" sz="2000" dirty="0" smtClean="0">
+                <a:latin typeface="Consolas"/>
+                <a:cs typeface="Consolas"/>
+              </a:rPr>
+              <a:t> for </a:t>
+            </a:r>
+            <a:r>
+              <a:rPr lang="en-US" altLang="zh-CN" sz="2000" dirty="0" smtClean="0">
+                <a:latin typeface="Consolas"/>
+                <a:cs typeface="Consolas"/>
+              </a:rPr>
+              <a:t>(long </a:t>
+            </a:r>
+            <a:r>
+              <a:rPr lang="en-US" altLang="zh-CN" sz="2000" dirty="0" err="1" smtClean="0">
+                <a:latin typeface="Consolas"/>
+                <a:cs typeface="Consolas"/>
+              </a:rPr>
+              <a:t>i</a:t>
+            </a:r>
+            <a:r>
+              <a:rPr lang="en-US" altLang="zh-CN" sz="2000" dirty="0" smtClean="0">
+                <a:latin typeface="Consolas"/>
+                <a:cs typeface="Consolas"/>
+              </a:rPr>
+              <a:t> </a:t>
+            </a:r>
+            <a:r>
+              <a:rPr lang="en-US" altLang="zh-CN" sz="2000" dirty="0" smtClean="0">
+                <a:latin typeface="Consolas"/>
+                <a:cs typeface="Consolas"/>
+              </a:rPr>
+              <a:t>= </a:t>
+            </a:r>
+            <a:r>
+              <a:rPr lang="en-US" altLang="zh-CN" sz="2000" dirty="0" smtClean="0">
+                <a:latin typeface="Consolas"/>
+                <a:cs typeface="Consolas"/>
+              </a:rPr>
+              <a:t>10</a:t>
+            </a:r>
+            <a:r>
+              <a:rPr lang="en-US" altLang="zh-CN" sz="2000" dirty="0" smtClean="0">
+                <a:latin typeface="Consolas"/>
+                <a:cs typeface="Consolas"/>
+              </a:rPr>
+              <a:t>; </a:t>
+            </a:r>
+            <a:r>
+              <a:rPr lang="en-US" altLang="zh-CN" sz="2000" dirty="0" err="1" smtClean="0">
+                <a:latin typeface="Consolas"/>
+                <a:cs typeface="Consolas"/>
+              </a:rPr>
+              <a:t>i</a:t>
+            </a:r>
+            <a:r>
+              <a:rPr lang="en-US" altLang="zh-CN" sz="2000" dirty="0" smtClean="0">
+                <a:latin typeface="Consolas"/>
+                <a:cs typeface="Consolas"/>
+              </a:rPr>
+              <a:t> &lt; </a:t>
+            </a:r>
+            <a:r>
+              <a:rPr lang="en-US" altLang="zh-CN" sz="2000" dirty="0" smtClean="0">
+                <a:latin typeface="Consolas"/>
+                <a:cs typeface="Consolas"/>
+              </a:rPr>
+              <a:t>13</a:t>
+            </a:r>
+            <a:r>
+              <a:rPr lang="en-US" altLang="zh-CN" sz="2000" dirty="0" smtClean="0">
+                <a:latin typeface="Consolas"/>
+                <a:cs typeface="Consolas"/>
+              </a:rPr>
+              <a:t>; </a:t>
+            </a:r>
+            <a:r>
+              <a:rPr lang="en-US" altLang="zh-CN" sz="2000" dirty="0" err="1" smtClean="0">
+                <a:latin typeface="Consolas"/>
+                <a:cs typeface="Consolas"/>
+              </a:rPr>
+              <a:t>i</a:t>
+            </a:r>
+            <a:r>
+              <a:rPr lang="en-US" altLang="zh-CN" sz="2000" dirty="0" smtClean="0">
+                <a:latin typeface="Consolas"/>
+                <a:cs typeface="Consolas"/>
+              </a:rPr>
+              <a:t>++) </a:t>
+            </a:r>
+          </a:p>
+          <a:p>
+            <a:pPr lvl="1"/>
+            <a:r>
+              <a:rPr lang="en-US" altLang="zh-CN" sz="2000" dirty="0">
+                <a:latin typeface="Consolas"/>
+                <a:cs typeface="Consolas"/>
+              </a:rPr>
+              <a:t> </a:t>
+            </a:r>
+            <a:r>
+              <a:rPr lang="en-US" altLang="zh-CN" sz="2000" dirty="0" smtClean="0">
+                <a:latin typeface="Consolas"/>
+                <a:cs typeface="Consolas"/>
+              </a:rPr>
+              <a:t>   </a:t>
+            </a:r>
+            <a:r>
+              <a:rPr lang="en-US" altLang="zh-CN" sz="2000" dirty="0" smtClean="0">
+                <a:latin typeface="Consolas"/>
+                <a:cs typeface="Consolas"/>
+              </a:rPr>
+              <a:t>insert(&amp;head</a:t>
+            </a:r>
+            <a:r>
+              <a:rPr lang="en-US" altLang="zh-CN" sz="2000" dirty="0" smtClean="0">
+                <a:latin typeface="Consolas"/>
+                <a:cs typeface="Consolas"/>
+              </a:rPr>
+              <a:t>, </a:t>
+            </a:r>
+            <a:r>
+              <a:rPr lang="en-US" altLang="zh-CN" sz="2000" dirty="0" err="1" smtClean="0">
+                <a:latin typeface="Consolas"/>
+                <a:cs typeface="Consolas"/>
+              </a:rPr>
+              <a:t>i</a:t>
+            </a:r>
+            <a:r>
+              <a:rPr lang="en-US" altLang="zh-CN" sz="2000" dirty="0" smtClean="0">
+                <a:latin typeface="Consolas"/>
+                <a:cs typeface="Consolas"/>
+              </a:rPr>
+              <a:t>);</a:t>
+            </a:r>
+          </a:p>
+          <a:p>
+            <a:r>
+              <a:rPr lang="en-US" altLang="zh-CN" sz="2000" dirty="0" smtClean="0">
+                <a:latin typeface="Consolas"/>
+                <a:cs typeface="Consolas"/>
+              </a:rPr>
+              <a:t>}</a:t>
+            </a:r>
+          </a:p>
+        </p:txBody>
+      </p:sp>
+      <p:sp>
+        <p:nvSpPr>
+          <p:cNvPr id="5" name="TextBox 4"/>
+          <p:cNvSpPr txBox="1"/>
+          <p:nvPr/>
+        </p:nvSpPr>
+        <p:spPr>
+          <a:xfrm>
+            <a:off x="652757" y="6047588"/>
+            <a:ext cx="7723550" cy="830997"/>
+          </a:xfrm>
+          <a:prstGeom prst="rect">
+            <a:avLst/>
+          </a:prstGeom>
+          <a:solidFill>
+            <a:srgbClr val="DCE6F2"/>
+          </a:solidFill>
+        </p:spPr>
+        <p:txBody>
+          <a:bodyPr wrap="square" rtlCol="0">
+            <a:spAutoFit/>
+          </a:bodyPr>
+          <a:lstStyle/>
+          <a:p>
+            <a:r>
+              <a:rPr lang="en-US" sz="2400" dirty="0" smtClean="0">
+                <a:solidFill>
+                  <a:srgbClr val="FF0000"/>
+                </a:solidFill>
+              </a:rPr>
+              <a:t>What if another program also wants to use this linked list</a:t>
+            </a:r>
+          </a:p>
+          <a:p>
+            <a:r>
+              <a:rPr lang="en-US" sz="2400" dirty="0" smtClean="0">
+                <a:solidFill>
+                  <a:srgbClr val="FF0000"/>
+                </a:solidFill>
+              </a:rPr>
+              <a:t>implementation?</a:t>
+            </a:r>
+            <a:endParaRPr lang="en-US" sz="2400" dirty="0">
+              <a:solidFill>
+                <a:srgbClr val="FF0000"/>
+              </a:solidFill>
+            </a:endParaRPr>
+          </a:p>
+        </p:txBody>
+      </p:sp>
+      <p:sp>
+        <p:nvSpPr>
+          <p:cNvPr id="6" name="TextBox 5"/>
+          <p:cNvSpPr txBox="1"/>
+          <p:nvPr/>
+        </p:nvSpPr>
+        <p:spPr>
+          <a:xfrm>
+            <a:off x="8049667" y="5455818"/>
+            <a:ext cx="852667" cy="523220"/>
+          </a:xfrm>
+          <a:prstGeom prst="rect">
+            <a:avLst/>
+          </a:prstGeom>
+          <a:noFill/>
+        </p:spPr>
+        <p:txBody>
+          <a:bodyPr wrap="none" rtlCol="0">
+            <a:spAutoFit/>
+          </a:bodyPr>
+          <a:lstStyle/>
+          <a:p>
+            <a:r>
+              <a:rPr lang="en-US" sz="2800" dirty="0" err="1" smtClean="0"/>
+              <a:t>list.c</a:t>
+            </a:r>
+            <a:endParaRPr lang="en-US" sz="2800" dirty="0"/>
+          </a:p>
+        </p:txBody>
+      </p:sp>
+    </p:spTree>
+    <p:extLst>
+      <p:ext uri="{BB962C8B-B14F-4D97-AF65-F5344CB8AC3E}">
+        <p14:creationId xmlns:p14="http://schemas.microsoft.com/office/powerpoint/2010/main" val="1454094200"/>
+      </p:ext>
+    </p:extLst>
+  </p:cSld>
+  <p:clrMapOvr>
+    <a:masterClrMapping/>
+  </p:clrMapOvr>
+  <p:timing>
+    <p:tnLst>
+      <p:par>
+        <p:cTn xmlns:p14="http://schemas.microsoft.com/office/powerpoint/2010/main" id="1" dur="indefinite" restart="never" nodeType="tmRoot">
+          <p:childTnLst>
+            <p:seq concurrent="1" nextAc="seek">
+              <p:cTn id="2" dur="indefinite" nodeType="mainSeq">
+                <p:childTnLst>
+                  <p:par>
+                    <p:cTn id="3" fill="hold">
+                      <p:stCondLst>
+                        <p:cond delay="indefinite"/>
+                      </p:stCondLst>
+                      <p:childTnLst>
+                        <p:par>
+                          <p:cTn id="4" fill="hold">
+                            <p:stCondLst>
+                              <p:cond delay="0"/>
+                            </p:stCondLst>
+                            <p:childTnLst>
+                              <p:par>
+                                <p:cTn id="5" presetID="1" presetClass="entr" presetSubtype="0" fill="hold" grpId="0" nodeType="clickEffect">
+                                  <p:stCondLst>
+                                    <p:cond delay="0"/>
+                                  </p:stCondLst>
+                                  <p:childTnLst>
+                                    <p:set>
+                                      <p:cBhvr>
+                                        <p:cTn id="6" dur="1" fill="hold">
+                                          <p:stCondLst>
+                                            <p:cond delay="0"/>
+                                          </p:stCondLst>
+                                        </p:cTn>
+                                        <p:tgtEl>
+                                          <p:spTgt spid="5"/>
+                                        </p:tgtEl>
+                                        <p:attrNameLst>
+                                          <p:attrName>style.visibility</p:attrName>
+                                        </p:attrNameLst>
+                                      </p:cBhvr>
+                                      <p:to>
+                                        <p:strVal val="visible"/>
+                                      </p:to>
+                                    </p:set>
+                                  </p:childTnLst>
+                                </p:cTn>
+                              </p:par>
+                            </p:childTnLst>
+                          </p:cTn>
+                        </p:par>
+                      </p:childTnLst>
+                    </p:cTn>
+                  </p:par>
+                </p:childTnLst>
+              </p:cTn>
+              <p:prevCondLst>
+                <p:cond evt="onPrev" delay="0">
+                  <p:tgtEl>
+                    <p:sldTgt/>
+                  </p:tgtEl>
+                </p:cond>
+              </p:prevCondLst>
+              <p:nextCondLst>
+                <p:cond evt="onNext" delay="0">
+                  <p:tgtEl>
+                    <p:sldTgt/>
+                  </p:tgtEl>
+                </p:cond>
+              </p:nextCondLst>
+            </p:seq>
+          </p:childTnLst>
+        </p:cTn>
+      </p:par>
+    </p:tnLst>
+    <p:bldLst>
+      <p:bldP spid="5" grpId="0" animBg="1"/>
+    </p:bldLst>
+  </p:timing>
+</p:sld>
+</file>
+
+<file path=ppt/slides/slide6.xml><?xml version="1.0" encoding="utf-8"?>
+<p:sld xmlns:a="http://schemas.openxmlformats.org/drawingml/2006/main" xmlns:r="http://schemas.openxmlformats.org/officeDocument/2006/relationships" xmlns:p="http://schemas.openxmlformats.org/presentationml/2006/main">
+  <p:cSld>
+    <p:spTree>
+      <p:nvGrpSpPr>
+        <p:cNvPr id="1" name=""/>
+        <p:cNvGrpSpPr/>
+        <p:nvPr/>
+      </p:nvGrpSpPr>
+      <p:grpSpPr>
+        <a:xfrm>
+          <a:off x="0" y="0"/>
+          <a:ext cx="0" cy="0"/>
+          <a:chOff x="0" y="0"/>
+          <a:chExt cx="0" cy="0"/>
+        </a:xfrm>
+      </p:grpSpPr>
+      <p:sp>
+        <p:nvSpPr>
+          <p:cNvPr id="2" name="Title 1"/>
+          <p:cNvSpPr>
+            <a:spLocks noGrp="1"/>
+          </p:cNvSpPr>
+          <p:nvPr>
+            <p:ph type="title"/>
+          </p:nvPr>
+        </p:nvSpPr>
+        <p:spPr>
+          <a:xfrm>
             <a:off x="457200" y="-176825"/>
             <a:ext cx="8229600" cy="1143000"/>
           </a:xfrm>
@@ -17754,6 +21704,11 @@
             <a:prstGeom prst="rect">
               <a:avLst/>
             </a:prstGeom>
+            <a:solidFill>
+              <a:schemeClr val="bg2">
+                <a:lumMod val="90000"/>
+              </a:schemeClr>
+            </a:solidFill>
             <a:ln>
               <a:solidFill>
                 <a:schemeClr val="tx1"/>
@@ -18677,13 +22632,13 @@
         </p:nvSpPr>
         <p:spPr>
           <a:xfrm>
-            <a:off x="3309589" y="2286296"/>
-            <a:ext cx="2356845" cy="1412113"/>
+            <a:off x="3829382" y="2532177"/>
+            <a:ext cx="2736944" cy="822617"/>
           </a:xfrm>
           <a:prstGeom prst="wedgeRoundRectCallout">
             <a:avLst>
-              <a:gd name="adj1" fmla="val -63809"/>
-              <a:gd name="adj2" fmla="val 46069"/>
+              <a:gd name="adj1" fmla="val -76093"/>
+              <a:gd name="adj2" fmla="val 39583"/>
               <a:gd name="adj3" fmla="val 16667"/>
             </a:avLst>
           </a:prstGeom>
@@ -19162,7 +23117,7 @@
 </p:sld>
 </file>
 
-<file path=ppt/slides/slide5.xml><?xml version="1.0" encoding="utf-8"?>
+<file path=ppt/slides/slide7.xml><?xml version="1.0" encoding="utf-8"?>
 <p:sld xmlns:a="http://schemas.openxmlformats.org/drawingml/2006/main" xmlns:r="http://schemas.openxmlformats.org/officeDocument/2006/relationships" xmlns:p="http://schemas.openxmlformats.org/presentationml/2006/main">
   <p:cSld>
     <p:spTree>
@@ -19216,9 +23171,9 @@
         <p:grpSpPr>
           <a:xfrm>
             <a:off x="652757" y="919313"/>
-            <a:ext cx="8034043" cy="1938992"/>
+            <a:ext cx="8034043" cy="1827538"/>
             <a:chOff x="652757" y="919313"/>
-            <a:chExt cx="8034043" cy="1938992"/>
+            <a:chExt cx="8034043" cy="1827538"/>
           </a:xfrm>
         </p:grpSpPr>
         <p:sp>
@@ -19230,7 +23185,7 @@
           <p:spPr>
             <a:xfrm>
               <a:off x="652757" y="919313"/>
-              <a:ext cx="6855372" cy="1938992"/>
+              <a:ext cx="6855372" cy="1631216"/>
             </a:xfrm>
             <a:prstGeom prst="rect">
               <a:avLst/>
@@ -19310,137 +23265,12 @@
                   <a:latin typeface="Consolas"/>
                   <a:cs typeface="Consolas"/>
                 </a:rPr>
-                <a:t>for (</a:t>
+                <a:t>insert(&amp;head, 100);</a:t>
               </a:r>
-              <a:r>
-                <a:rPr lang="en-US" altLang="zh-CN" sz="2000" dirty="0" err="1" smtClean="0">
-                  <a:latin typeface="Consolas"/>
-                  <a:cs typeface="Consolas"/>
-                </a:rPr>
-                <a:t>int</a:t>
-              </a:r>
-              <a:r>
-                <a:rPr lang="en-US" altLang="zh-CN" sz="2000" dirty="0" smtClean="0">
-                  <a:latin typeface="Consolas"/>
-                  <a:cs typeface="Consolas"/>
-                </a:rPr>
-                <a:t> </a:t>
-              </a:r>
-              <a:r>
-                <a:rPr lang="en-US" altLang="zh-CN" sz="2000" dirty="0" err="1" smtClean="0">
-                  <a:latin typeface="Consolas"/>
-                  <a:cs typeface="Consolas"/>
-                </a:rPr>
-                <a:t>i</a:t>
-              </a:r>
-              <a:r>
-                <a:rPr lang="en-US" altLang="zh-CN" sz="2000" dirty="0" smtClean="0">
-                  <a:latin typeface="Consolas"/>
-                  <a:cs typeface="Consolas"/>
-                </a:rPr>
-                <a:t> = </a:t>
-              </a:r>
-              <a:r>
-                <a:rPr lang="en-US" altLang="zh-CN" sz="2000" dirty="0" smtClean="0">
-                  <a:latin typeface="Consolas"/>
-                  <a:cs typeface="Consolas"/>
-                </a:rPr>
-                <a:t>10</a:t>
-              </a:r>
-              <a:r>
-                <a:rPr lang="en-US" altLang="zh-CN" sz="2000" dirty="0" smtClean="0">
-                  <a:latin typeface="Consolas"/>
-                  <a:cs typeface="Consolas"/>
-                </a:rPr>
-                <a:t>; </a:t>
-              </a:r>
-              <a:r>
-                <a:rPr lang="en-US" altLang="zh-CN" sz="2000" dirty="0" err="1" smtClean="0">
-                  <a:latin typeface="Consolas"/>
-                  <a:cs typeface="Consolas"/>
-                </a:rPr>
-                <a:t>i</a:t>
-              </a:r>
-              <a:r>
-                <a:rPr lang="en-US" altLang="zh-CN" sz="2000" dirty="0" smtClean="0">
-                  <a:latin typeface="Consolas"/>
-                  <a:cs typeface="Consolas"/>
-                </a:rPr>
-                <a:t> &lt; </a:t>
-              </a:r>
-              <a:r>
-                <a:rPr lang="en-US" altLang="zh-CN" sz="2000" dirty="0" smtClean="0">
-                  <a:latin typeface="Consolas"/>
-                  <a:cs typeface="Consolas"/>
-                </a:rPr>
-                <a:t>13</a:t>
-              </a:r>
-              <a:r>
-                <a:rPr lang="en-US" altLang="zh-CN" sz="2000" dirty="0" smtClean="0">
-                  <a:latin typeface="Consolas"/>
-                  <a:cs typeface="Consolas"/>
-                </a:rPr>
-                <a:t>; </a:t>
-              </a:r>
-              <a:r>
-                <a:rPr lang="en-US" altLang="zh-CN" sz="2000" dirty="0" err="1" smtClean="0">
-                  <a:latin typeface="Consolas"/>
-                  <a:cs typeface="Consolas"/>
-                </a:rPr>
-                <a:t>i</a:t>
-              </a:r>
-              <a:r>
-                <a:rPr lang="en-US" altLang="zh-CN" sz="2000" dirty="0" smtClean="0">
-                  <a:latin typeface="Consolas"/>
-                  <a:cs typeface="Consolas"/>
-                </a:rPr>
-                <a:t>++) </a:t>
-              </a:r>
-            </a:p>
-            <a:p>
-              <a:pPr lvl="1"/>
-              <a:r>
-                <a:rPr lang="en-US" altLang="zh-CN" sz="2000" dirty="0">
-                  <a:latin typeface="Consolas"/>
-                  <a:cs typeface="Consolas"/>
-                </a:rPr>
-                <a:t> </a:t>
-              </a:r>
-              <a:r>
-                <a:rPr lang="en-US" altLang="zh-CN" sz="2000" dirty="0" smtClean="0">
-                  <a:latin typeface="Consolas"/>
-                  <a:cs typeface="Consolas"/>
-                </a:rPr>
-                <a:t>  </a:t>
-              </a:r>
-              <a:r>
-                <a:rPr lang="en-US" altLang="zh-CN" sz="2000" dirty="0" smtClean="0">
-                  <a:latin typeface="Consolas"/>
-                  <a:cs typeface="Consolas"/>
-                </a:rPr>
-                <a:t>insert(&amp;head</a:t>
-              </a:r>
-              <a:r>
-                <a:rPr lang="en-US" altLang="zh-CN" sz="2000" dirty="0" smtClean="0">
-                  <a:latin typeface="Consolas"/>
-                  <a:cs typeface="Consolas"/>
-                </a:rPr>
-                <a:t>, </a:t>
-              </a:r>
-              <a:r>
-                <a:rPr lang="en-US" altLang="zh-CN" sz="2000" dirty="0" err="1" smtClean="0">
-                  <a:latin typeface="Consolas"/>
-                  <a:cs typeface="Consolas"/>
-                </a:rPr>
-                <a:t>i</a:t>
-              </a:r>
-              <a:r>
-                <a:rPr lang="en-US" altLang="zh-CN" sz="2000" dirty="0" smtClean="0">
-                  <a:latin typeface="Consolas"/>
-                  <a:cs typeface="Consolas"/>
-                </a:rPr>
-                <a:t>);</a:t>
-              </a:r>
+              <a:endParaRPr lang="en-US" altLang="zh-CN" sz="2000" dirty="0" smtClean="0">
+                <a:latin typeface="Consolas"/>
+                <a:cs typeface="Consolas"/>
+              </a:endParaRPr>
             </a:p>
             <a:p>
               <a:r>
@@ -19492,7 +23322,7 @@
         </p:nvGrpSpPr>
         <p:grpSpPr>
           <a:xfrm>
-            <a:off x="652757" y="2936414"/>
+            <a:off x="652757" y="2632682"/>
             <a:ext cx="8034043" cy="1938992"/>
             <a:chOff x="652757" y="2936414"/>
             <a:chExt cx="8034043" cy="1938992"/>
@@ -19577,8 +23407,19 @@
                   <a:latin typeface="Consolas"/>
                   <a:cs typeface="Consolas"/>
                 </a:rPr>
-                <a:t>   node *head;</a:t>
+                <a:t>   node *</a:t>
               </a:r>
+              <a:r>
+                <a:rPr lang="en-US" altLang="zh-CN" sz="2000" dirty="0" smtClean="0">
+                  <a:latin typeface="Consolas"/>
+                  <a:cs typeface="Consolas"/>
+                </a:rPr>
+                <a:t>head = NULL;</a:t>
+              </a:r>
+              <a:endParaRPr lang="en-US" altLang="zh-CN" sz="2000" dirty="0" smtClean="0">
+                <a:latin typeface="Consolas"/>
+                <a:cs typeface="Consolas"/>
+              </a:endParaRPr>
             </a:p>
             <a:p>
               <a:pPr lvl="1"/>
@@ -19769,7 +23610,7 @@
         </p:nvSpPr>
         <p:spPr>
           <a:xfrm>
-            <a:off x="884255" y="5227222"/>
+            <a:off x="290640" y="5075356"/>
             <a:ext cx="4082217" cy="1384995"/>
           </a:xfrm>
           <a:prstGeom prst="rect">
@@ -19830,30 +23671,28 @@
       </p:sp>
       <p:grpSp>
         <p:nvGrpSpPr>
-          <p:cNvPr id="17" name="Group 16"/>
+          <p:cNvPr id="24" name="Group 23"/>
           <p:cNvGrpSpPr/>
           <p:nvPr/>
         </p:nvGrpSpPr>
         <p:grpSpPr>
           <a:xfrm>
-            <a:off x="3520942" y="5194093"/>
-            <a:ext cx="3611381" cy="400110"/>
-            <a:chOff x="3520942" y="5194093"/>
-            <a:chExt cx="3611381" cy="400110"/>
+            <a:off x="3538267" y="4570735"/>
+            <a:ext cx="3064436" cy="730668"/>
+            <a:chOff x="3538267" y="4570735"/>
+            <a:chExt cx="3064436" cy="730668"/>
           </a:xfrm>
         </p:grpSpPr>
         <p:cxnSp>
           <p:nvCxnSpPr>
             <p:cNvPr id="10" name="Straight Arrow Connector 9"/>
-            <p:cNvCxnSpPr>
-              <a:stCxn id="11" idx="1"/>
-            </p:cNvCxnSpPr>
+            <p:cNvCxnSpPr/>
             <p:nvPr/>
           </p:nvCxnSpPr>
           <p:spPr>
             <a:xfrm flipH="1">
-              <a:off x="3520942" y="5394148"/>
-              <a:ext cx="610940" cy="103505"/>
+              <a:off x="4067387" y="4860399"/>
+              <a:ext cx="610940" cy="441004"/>
             </a:xfrm>
             <a:prstGeom prst="straightConnector1">
               <a:avLst/>
@@ -19885,8 +23724,8 @@
           </p:nvSpPr>
           <p:spPr>
             <a:xfrm>
-              <a:off x="4131882" y="5194093"/>
-              <a:ext cx="3000441" cy="400110"/>
+              <a:off x="3538267" y="4570735"/>
+              <a:ext cx="3064436" cy="400110"/>
             </a:xfrm>
             <a:prstGeom prst="rect">
               <a:avLst/>
@@ -19901,7 +23740,11 @@
             <a:p>
               <a:r>
                 <a:rPr lang="en-US" sz="2000" dirty="0" smtClean="0"/>
-                <a:t>generate object file test1.o</a:t>
+                <a:t>generate object file test1.</a:t>
+              </a:r>
+              <a:r>
+                <a:rPr lang="en-US" sz="2000" dirty="0" smtClean="0"/>
+                <a:t>o,</a:t>
               </a:r>
               <a:endParaRPr lang="en-US" sz="2000" dirty="0"/>
             </a:p>
@@ -19910,28 +23753,30 @@
       </p:grpSp>
       <p:grpSp>
         <p:nvGrpSpPr>
-          <p:cNvPr id="18" name="Group 17"/>
+          <p:cNvPr id="25" name="Group 24"/>
           <p:cNvGrpSpPr/>
           <p:nvPr/>
         </p:nvGrpSpPr>
         <p:grpSpPr>
           <a:xfrm>
-            <a:off x="3694289" y="5650053"/>
-            <a:ext cx="5493259" cy="400110"/>
-            <a:chOff x="3694289" y="5650053"/>
-            <a:chExt cx="5493259" cy="400110"/>
+            <a:off x="1845024" y="5953614"/>
+            <a:ext cx="4983906" cy="858658"/>
+            <a:chOff x="1845024" y="5953614"/>
+            <a:chExt cx="4983906" cy="858658"/>
           </a:xfrm>
         </p:grpSpPr>
         <p:cxnSp>
           <p:nvCxnSpPr>
             <p:cNvPr id="13" name="Straight Arrow Connector 12"/>
-            <p:cNvCxnSpPr/>
+            <p:cNvCxnSpPr>
+              <a:stCxn id="14" idx="0"/>
+            </p:cNvCxnSpPr>
             <p:nvPr/>
           </p:nvCxnSpPr>
           <p:spPr>
-            <a:xfrm flipH="1">
-              <a:off x="3694289" y="5850108"/>
-              <a:ext cx="610940" cy="103505"/>
+            <a:xfrm flipH="1" flipV="1">
+              <a:off x="3694291" y="5953614"/>
+              <a:ext cx="642686" cy="458548"/>
             </a:xfrm>
             <a:prstGeom prst="straightConnector1">
               <a:avLst/>
@@ -19963,8 +23808,8 @@
           </p:nvSpPr>
           <p:spPr>
             <a:xfrm>
-              <a:off x="4131882" y="5650053"/>
-              <a:ext cx="5055666" cy="400110"/>
+              <a:off x="1845024" y="6412162"/>
+              <a:ext cx="4983906" cy="400110"/>
             </a:xfrm>
             <a:prstGeom prst="rect">
               <a:avLst/>
@@ -19987,17 +23832,103 @@
               </a:r>
               <a:r>
                 <a:rPr lang="en-US" sz="2000" dirty="0" smtClean="0"/>
-                <a:t> to form executable  </a:t>
+                <a:t> to form </a:t>
               </a:r>
               <a:r>
-                <a:rPr lang="en-US" sz="2000" dirty="0" err="1" smtClean="0"/>
-                <a:t>a.out</a:t>
+                <a:rPr lang="en-US" sz="2000" dirty="0" smtClean="0"/>
+                <a:t>executable test1</a:t>
               </a:r>
               <a:endParaRPr lang="en-US" sz="2000" dirty="0"/>
             </a:p>
           </p:txBody>
         </p:sp>
       </p:grpSp>
+      <p:sp>
+        <p:nvSpPr>
+          <p:cNvPr id="19" name="TextBox 18"/>
+          <p:cNvSpPr txBox="1"/>
+          <p:nvPr/>
+        </p:nvSpPr>
+        <p:spPr>
+          <a:xfrm>
+            <a:off x="4859581" y="5109249"/>
+            <a:ext cx="4082217" cy="1384995"/>
+          </a:xfrm>
+          <a:prstGeom prst="rect">
+            <a:avLst/>
+          </a:prstGeom>
+          <a:solidFill>
+            <a:srgbClr val="DCE6F2"/>
+          </a:solidFill>
+        </p:spPr>
+        <p:txBody>
+          <a:bodyPr wrap="none" rtlCol="0">
+            <a:spAutoFit/>
+          </a:bodyPr>
+          <a:lstStyle/>
+          <a:p>
+            <a:r>
+              <a:rPr lang="en-US" sz="2800" dirty="0" smtClean="0"/>
+              <a:t>$ </a:t>
+            </a:r>
+            <a:r>
+              <a:rPr lang="en-US" sz="2800" dirty="0" err="1" smtClean="0"/>
+              <a:t>gcc</a:t>
+            </a:r>
+            <a:r>
+              <a:rPr lang="en-US" sz="2800" dirty="0" smtClean="0"/>
+              <a:t> -c </a:t>
+            </a:r>
+            <a:r>
+              <a:rPr lang="en-US" sz="2800" dirty="0" smtClean="0"/>
+              <a:t>test2.c</a:t>
+            </a:r>
+            <a:endParaRPr lang="en-US" sz="2800" dirty="0" smtClean="0"/>
+          </a:p>
+          <a:p>
+            <a:r>
+              <a:rPr lang="en-US" sz="2800" dirty="0" smtClean="0"/>
+              <a:t>$ </a:t>
+            </a:r>
+            <a:r>
+              <a:rPr lang="en-US" sz="2800" dirty="0" err="1" smtClean="0"/>
+              <a:t>gcc</a:t>
+            </a:r>
+            <a:r>
+              <a:rPr lang="en-US" sz="2800" dirty="0" smtClean="0"/>
+              <a:t> </a:t>
+            </a:r>
+            <a:r>
+              <a:rPr lang="en-US" sz="2800" dirty="0" smtClean="0"/>
+              <a:t>test2.o </a:t>
+            </a:r>
+            <a:r>
+              <a:rPr lang="en-US" sz="2800" dirty="0" err="1" smtClean="0"/>
+              <a:t>list.o</a:t>
+            </a:r>
+            <a:r>
+              <a:rPr lang="en-US" sz="2800" dirty="0" smtClean="0"/>
+              <a:t> –o </a:t>
+            </a:r>
+            <a:r>
+              <a:rPr lang="en-US" sz="2800" dirty="0" smtClean="0"/>
+              <a:t>test2</a:t>
+            </a:r>
+            <a:endParaRPr lang="en-US" sz="2800" dirty="0" smtClean="0"/>
+          </a:p>
+          <a:p>
+            <a:r>
+              <a:rPr lang="en-US" sz="2800" dirty="0" smtClean="0"/>
+              <a:t>$ ./</a:t>
+            </a:r>
+            <a:r>
+              <a:rPr lang="en-US" sz="2800" dirty="0" smtClean="0"/>
+              <a:t>test2</a:t>
+            </a:r>
+            <a:endParaRPr lang="en-US" sz="2800" dirty="0" smtClean="0"/>
+          </a:p>
+        </p:txBody>
+      </p:sp>
     </p:spTree>
     <p:extLst>
       <p:ext uri="{BB962C8B-B14F-4D97-AF65-F5344CB8AC3E}">
@@ -20177,7 +24108,7 @@
                                           </p:stCondLst>
                                         </p:cTn>
                                         <p:tgtEl>
-                                          <p:spTgt spid="17"/>
+                                          <p:spTgt spid="24"/>
                                         </p:tgtEl>
                                         <p:attrNameLst>
                                           <p:attrName>style.visibility</p:attrName>
@@ -20222,7 +24153,52 @@
                                           </p:stCondLst>
                                         </p:cTn>
                                         <p:tgtEl>
-                                          <p:spTgt spid="18"/>
+                                          <p:spTgt spid="25"/>
+                                        </p:tgtEl>
+                                        <p:attrNameLst>
+                                          <p:attrName>style.visibility</p:attrName>
+                                        </p:attrNameLst>
+                                      </p:cBhvr>
+                                      <p:to>
+                                        <p:strVal val="visible"/>
+                                      </p:to>
+                                    </p:set>
+                                  </p:childTnLst>
+                                </p:cTn>
+                              </p:par>
+                            </p:childTnLst>
+                          </p:cTn>
+                        </p:par>
+                      </p:childTnLst>
+                    </p:cTn>
+                  </p:par>
+                  <p:par>
+                    <p:cTn id="23" fill="hold">
+                      <p:stCondLst>
+                        <p:cond delay="indefinite"/>
+                      </p:stCondLst>
+                      <p:childTnLst>
+                        <p:par>
+                          <p:cTn id="24" fill="hold">
+                            <p:stCondLst>
+                              <p:cond delay="0"/>
+                            </p:stCondLst>
+                            <p:childTnLst>
+                              <p:par>
+                                <p:cTn id="25" presetID="1" presetClass="entr" presetSubtype="0" fill="hold" grpId="0" nodeType="clickEffect">
+                                  <p:stCondLst>
+                                    <p:cond delay="0"/>
+                                  </p:stCondLst>
+                                  <p:childTnLst>
+                                    <p:set>
+                                      <p:cBhvr>
+                                        <p:cTn id="26" dur="1" fill="hold">
+                                          <p:stCondLst>
+                                            <p:cond delay="0"/>
+                                          </p:stCondLst>
+                                        </p:cTn>
+                                        <p:tgtEl>
+                                          <p:spTgt spid="19"/>
                                         </p:tgtEl>
                                         <p:attrNameLst>
                                           <p:attrName>style.visibility</p:attrName>
@@ -20264,12 +24240,13 @@
     </p:tnLst>
     <p:bldLst>
       <p:bldP spid="8" grpId="0" animBg="1"/>
+      <p:bldP spid="19" grpId="0" animBg="1"/>
     </p:bldLst>
   </p:timing>
 </p:sld>
 </file>
 
-<file path=ppt/slides/slide6.xml><?xml version="1.0" encoding="utf-8"?>
+<file path=ppt/slides/slide8.xml><?xml version="1.0" encoding="utf-8"?>
 <p:sld xmlns:a="http://schemas.openxmlformats.org/drawingml/2006/main" xmlns:r="http://schemas.openxmlformats.org/officeDocument/2006/relationships" xmlns:p="http://schemas.openxmlformats.org/presentationml/2006/main">
   <p:cSld>
     <p:spTree>
@@ -20328,6 +24305,9 @@
           <a:prstGeom prst="rect">
             <a:avLst/>
           </a:prstGeom>
+          <a:solidFill>
+            <a:srgbClr val="DDD9C3"/>
+          </a:solidFill>
           <a:ln>
             <a:solidFill>
               <a:schemeClr val="tx1"/>
@@ -20930,7 +24910,7 @@
 </p:sld>
 </file>
 
-<file path=ppt/slides/slide7.xml><?xml version="1.0" encoding="utf-8"?>
+<file path=ppt/slides/slide9.xml><?xml version="1.0" encoding="utf-8"?>
 <p:sld xmlns:a="http://schemas.openxmlformats.org/drawingml/2006/main" xmlns:r="http://schemas.openxmlformats.org/officeDocument/2006/relationships" xmlns:p="http://schemas.openxmlformats.org/presentationml/2006/main">
   <p:cSld>
     <p:spTree>
@@ -20989,6 +24969,9 @@
           <a:prstGeom prst="rect">
             <a:avLst/>
           </a:prstGeom>
+          <a:solidFill>
+            <a:srgbClr val="DDD9C3"/>
+          </a:solidFill>
           <a:ln>
             <a:solidFill>
               <a:schemeClr val="tx1"/>
@@ -21756,1286 +25739,6 @@
     </p:tnLst>
     <p:bldLst>
       <p:bldP spid="3" grpId="0" animBg="1"/>
-    </p:bldLst>
-  </p:timing>
-</p:sld>
-</file>
-
-<file path=ppt/slides/slide8.xml><?xml version="1.0" encoding="utf-8"?>
-<p:sld xmlns:a="http://schemas.openxmlformats.org/drawingml/2006/main" xmlns:r="http://schemas.openxmlformats.org/officeDocument/2006/relationships" xmlns:p="http://schemas.openxmlformats.org/presentationml/2006/main">
-  <p:cSld>
-    <p:spTree>
-      <p:nvGrpSpPr>
-        <p:cNvPr id="1" name=""/>
-        <p:cNvGrpSpPr/>
-        <p:nvPr/>
-      </p:nvGrpSpPr>
-      <p:grpSpPr>
-        <a:xfrm>
-          <a:off x="0" y="0"/>
-          <a:ext cx="0" cy="0"/>
-          <a:chOff x="0" y="0"/>
-          <a:chExt cx="0" cy="0"/>
-        </a:xfrm>
-      </p:grpSpPr>
-      <p:sp>
-        <p:nvSpPr>
-          <p:cNvPr id="2" name="Title 1"/>
-          <p:cNvSpPr>
-            <a:spLocks noGrp="1"/>
-          </p:cNvSpPr>
-          <p:nvPr>
-            <p:ph type="title"/>
-          </p:nvPr>
-        </p:nvSpPr>
-        <p:spPr/>
-        <p:txBody>
-          <a:bodyPr>
-            <a:normAutofit fontScale="90000"/>
-          </a:bodyPr>
-          <a:lstStyle/>
-          <a:p>
-            <a:r>
-              <a:rPr lang="en-US" dirty="0" smtClean="0"/>
-              <a:t>C does not have explicit namespace</a:t>
-            </a:r>
-            <a:endParaRPr lang="en-US" dirty="0"/>
-          </a:p>
-        </p:txBody>
-      </p:sp>
-      <p:sp>
-        <p:nvSpPr>
-          <p:cNvPr id="3" name="Content Placeholder 2"/>
-          <p:cNvSpPr>
-            <a:spLocks noGrp="1"/>
-          </p:cNvSpPr>
-          <p:nvPr>
-            <p:ph idx="1"/>
-          </p:nvPr>
-        </p:nvSpPr>
-        <p:spPr>
-          <a:xfrm>
-            <a:off x="457200" y="1600200"/>
-            <a:ext cx="8229600" cy="2241727"/>
-          </a:xfrm>
-        </p:spPr>
-        <p:txBody>
-          <a:bodyPr>
-            <a:normAutofit fontScale="92500" lnSpcReduction="10000"/>
-          </a:bodyPr>
-          <a:lstStyle/>
-          <a:p>
-            <a:r>
-              <a:rPr lang="en-US" dirty="0" smtClean="0"/>
-              <a:t>Scope of a global variable / function by default is across all files (linked together)</a:t>
-            </a:r>
-          </a:p>
-          <a:p>
-            <a:r>
-              <a:rPr lang="en-US" dirty="0" smtClean="0"/>
-              <a:t>To restrict the scope of a global variable / function to this file only, prefix with “static” keyword</a:t>
-            </a:r>
-          </a:p>
-        </p:txBody>
-      </p:sp>
-      <p:sp>
-        <p:nvSpPr>
-          <p:cNvPr id="4" name="矩形 3"/>
-          <p:cNvSpPr/>
-          <p:nvPr/>
-        </p:nvSpPr>
-        <p:spPr>
-          <a:xfrm>
-            <a:off x="583699" y="4054483"/>
-            <a:ext cx="6855372" cy="2246769"/>
-          </a:xfrm>
-          <a:prstGeom prst="rect">
-            <a:avLst/>
-          </a:prstGeom>
-          <a:ln>
-            <a:solidFill>
-              <a:schemeClr val="tx1"/>
-            </a:solidFill>
-          </a:ln>
-        </p:spPr>
-        <p:txBody>
-          <a:bodyPr wrap="square">
-            <a:spAutoFit/>
-          </a:bodyPr>
-          <a:lstStyle/>
-          <a:p>
-            <a:r>
-              <a:rPr lang="en-US" altLang="zh-CN" sz="2000" dirty="0" smtClean="0">
-                <a:solidFill>
-                  <a:srgbClr val="3366FF"/>
-                </a:solidFill>
-                <a:latin typeface="Consolas"/>
-                <a:cs typeface="Consolas"/>
-              </a:rPr>
-              <a:t>#include “</a:t>
-            </a:r>
-            <a:r>
-              <a:rPr lang="en-US" altLang="zh-CN" sz="2000" dirty="0" err="1" smtClean="0">
-                <a:solidFill>
-                  <a:srgbClr val="3366FF"/>
-                </a:solidFill>
-                <a:latin typeface="Consolas"/>
-                <a:cs typeface="Consolas"/>
-              </a:rPr>
-              <a:t>list.h</a:t>
-            </a:r>
-            <a:r>
-              <a:rPr lang="en-US" altLang="zh-CN" sz="2000" dirty="0" smtClean="0">
-                <a:solidFill>
-                  <a:srgbClr val="3366FF"/>
-                </a:solidFill>
-                <a:latin typeface="Consolas"/>
-                <a:cs typeface="Consolas"/>
-              </a:rPr>
-              <a:t>”</a:t>
-            </a:r>
-          </a:p>
-          <a:p>
-            <a:r>
-              <a:rPr lang="en-US" altLang="zh-CN" sz="2000" dirty="0" smtClean="0">
-                <a:solidFill>
-                  <a:srgbClr val="FF0000"/>
-                </a:solidFill>
-                <a:latin typeface="Consolas"/>
-                <a:cs typeface="Consolas"/>
-              </a:rPr>
-              <a:t>static </a:t>
-            </a:r>
-            <a:r>
-              <a:rPr lang="en-US" altLang="zh-CN" sz="2000" dirty="0" err="1" smtClean="0">
-                <a:solidFill>
-                  <a:srgbClr val="000000"/>
-                </a:solidFill>
-                <a:latin typeface="Consolas"/>
-                <a:cs typeface="Consolas"/>
-              </a:rPr>
-              <a:t>int</a:t>
-            </a:r>
-            <a:r>
-              <a:rPr lang="en-US" altLang="zh-CN" sz="2000" dirty="0" smtClean="0">
-                <a:solidFill>
-                  <a:srgbClr val="000000"/>
-                </a:solidFill>
-                <a:latin typeface="Consolas"/>
-                <a:cs typeface="Consolas"/>
-              </a:rPr>
-              <a:t> debug;</a:t>
-            </a:r>
-          </a:p>
-          <a:p>
-            <a:r>
-              <a:rPr lang="en-US" altLang="zh-CN" sz="2000" dirty="0" smtClean="0">
-                <a:solidFill>
-                  <a:srgbClr val="FF0000"/>
-                </a:solidFill>
-                <a:latin typeface="Consolas"/>
-                <a:cs typeface="Consolas"/>
-              </a:rPr>
-              <a:t>static</a:t>
-            </a:r>
-            <a:r>
-              <a:rPr lang="en-US" altLang="zh-CN" sz="2000" dirty="0" smtClean="0">
-                <a:latin typeface="Consolas"/>
-                <a:cs typeface="Consolas"/>
-              </a:rPr>
-              <a:t> node* insert(node *head, </a:t>
-            </a:r>
-            <a:r>
-              <a:rPr lang="en-US" altLang="zh-CN" sz="2000" dirty="0" err="1" smtClean="0">
-                <a:latin typeface="Consolas"/>
-                <a:cs typeface="Consolas"/>
-              </a:rPr>
-              <a:t>int</a:t>
-            </a:r>
-            <a:r>
-              <a:rPr lang="en-US" altLang="zh-CN" sz="2000" dirty="0" smtClean="0">
-                <a:latin typeface="Consolas"/>
-                <a:cs typeface="Consolas"/>
-              </a:rPr>
-              <a:t> </a:t>
-            </a:r>
-            <a:r>
-              <a:rPr lang="en-US" altLang="zh-CN" sz="2000" dirty="0" err="1" smtClean="0">
-                <a:latin typeface="Consolas"/>
-                <a:cs typeface="Consolas"/>
-              </a:rPr>
-              <a:t>val</a:t>
-            </a:r>
-            <a:r>
-              <a:rPr lang="en-US" altLang="zh-CN" sz="2000" dirty="0" smtClean="0">
-                <a:latin typeface="Consolas"/>
-                <a:cs typeface="Consolas"/>
-              </a:rPr>
-              <a:t>) {</a:t>
-            </a:r>
-          </a:p>
-          <a:p>
-            <a:r>
-              <a:rPr lang="en-US" altLang="zh-CN" sz="2000" b="1" dirty="0" smtClean="0">
-                <a:latin typeface="Consolas"/>
-                <a:cs typeface="Consolas"/>
-              </a:rPr>
-              <a:t>    </a:t>
-            </a:r>
-            <a:r>
-              <a:rPr lang="en-US" altLang="zh-CN" sz="2000" dirty="0" smtClean="0">
-                <a:latin typeface="Consolas"/>
-                <a:cs typeface="Consolas"/>
-              </a:rPr>
-              <a:t>...</a:t>
-            </a:r>
-          </a:p>
-          <a:p>
-            <a:r>
-              <a:rPr lang="en-US" altLang="zh-CN" sz="2000" dirty="0">
-                <a:latin typeface="Consolas"/>
-                <a:cs typeface="Consolas"/>
-              </a:rPr>
-              <a:t> </a:t>
-            </a:r>
-            <a:r>
-              <a:rPr lang="en-US" altLang="zh-CN" sz="2000" dirty="0" smtClean="0">
-                <a:latin typeface="Consolas"/>
-                <a:cs typeface="Consolas"/>
-              </a:rPr>
-              <a:t>   if (debug &gt; 0) </a:t>
-            </a:r>
-          </a:p>
-          <a:p>
-            <a:r>
-              <a:rPr lang="en-US" altLang="zh-CN" sz="2000" dirty="0" smtClean="0">
-                <a:latin typeface="Consolas"/>
-                <a:cs typeface="Consolas"/>
-              </a:rPr>
-              <a:t>       </a:t>
-            </a:r>
-            <a:r>
-              <a:rPr lang="en-US" altLang="zh-CN" sz="2000" dirty="0" err="1" smtClean="0">
-                <a:latin typeface="Consolas"/>
-                <a:cs typeface="Consolas"/>
-              </a:rPr>
-              <a:t>printf</a:t>
-            </a:r>
-            <a:r>
-              <a:rPr lang="en-US" altLang="zh-CN" sz="2000" dirty="0" smtClean="0">
-                <a:latin typeface="Consolas"/>
-                <a:cs typeface="Consolas"/>
-              </a:rPr>
-              <a:t>(“inserted </a:t>
-            </a:r>
-            <a:r>
-              <a:rPr lang="en-US" altLang="zh-CN" sz="2000" dirty="0" err="1" smtClean="0">
-                <a:latin typeface="Consolas"/>
-                <a:cs typeface="Consolas"/>
-              </a:rPr>
-              <a:t>val</a:t>
-            </a:r>
-            <a:r>
-              <a:rPr lang="en-US" altLang="zh-CN" sz="2000" dirty="0" smtClean="0">
-                <a:latin typeface="Consolas"/>
-                <a:cs typeface="Consolas"/>
-              </a:rPr>
-              <a:t> %d\n”, </a:t>
-            </a:r>
-            <a:r>
-              <a:rPr lang="en-US" altLang="zh-CN" sz="2000" dirty="0" err="1" smtClean="0">
-                <a:latin typeface="Consolas"/>
-                <a:cs typeface="Consolas"/>
-              </a:rPr>
-              <a:t>val</a:t>
-            </a:r>
-            <a:r>
-              <a:rPr lang="en-US" altLang="zh-CN" sz="2000" dirty="0" smtClean="0">
-                <a:latin typeface="Consolas"/>
-                <a:cs typeface="Consolas"/>
-              </a:rPr>
-              <a:t>);</a:t>
-            </a:r>
-          </a:p>
-          <a:p>
-            <a:r>
-              <a:rPr lang="en-US" altLang="zh-CN" sz="2000" dirty="0" smtClean="0">
-                <a:latin typeface="Consolas"/>
-                <a:cs typeface="Consolas"/>
-              </a:rPr>
-              <a:t>}</a:t>
-            </a:r>
-          </a:p>
-        </p:txBody>
-      </p:sp>
-      <p:sp>
-        <p:nvSpPr>
-          <p:cNvPr id="5" name="TextBox 4"/>
-          <p:cNvSpPr txBox="1"/>
-          <p:nvPr/>
-        </p:nvSpPr>
-        <p:spPr>
-          <a:xfrm>
-            <a:off x="7439071" y="5832131"/>
-            <a:ext cx="757239" cy="461665"/>
-          </a:xfrm>
-          <a:prstGeom prst="rect">
-            <a:avLst/>
-          </a:prstGeom>
-          <a:noFill/>
-        </p:spPr>
-        <p:txBody>
-          <a:bodyPr wrap="none" rtlCol="0">
-            <a:spAutoFit/>
-          </a:bodyPr>
-          <a:lstStyle/>
-          <a:p>
-            <a:r>
-              <a:rPr lang="en-US" sz="2400" dirty="0" err="1" smtClean="0"/>
-              <a:t>list.c</a:t>
-            </a:r>
-            <a:endParaRPr lang="en-US" sz="2400" dirty="0"/>
-          </a:p>
-        </p:txBody>
-      </p:sp>
-      <p:sp>
-        <p:nvSpPr>
-          <p:cNvPr id="6" name="Rounded Rectangular Callout 5"/>
-          <p:cNvSpPr/>
-          <p:nvPr/>
-        </p:nvSpPr>
-        <p:spPr>
-          <a:xfrm>
-            <a:off x="5763865" y="3584727"/>
-            <a:ext cx="3142994" cy="1070997"/>
-          </a:xfrm>
-          <a:prstGeom prst="wedgeRoundRectCallout">
-            <a:avLst>
-              <a:gd name="adj1" fmla="val -124885"/>
-              <a:gd name="adj2" fmla="val 44983"/>
-              <a:gd name="adj3" fmla="val 16667"/>
-            </a:avLst>
-          </a:prstGeom>
-          <a:solidFill>
-            <a:srgbClr val="B9CDE5"/>
-          </a:solidFill>
-        </p:spPr>
-        <p:style>
-          <a:lnRef idx="1">
-            <a:schemeClr val="accent1"/>
-          </a:lnRef>
-          <a:fillRef idx="3">
-            <a:schemeClr val="accent1"/>
-          </a:fillRef>
-          <a:effectRef idx="2">
-            <a:schemeClr val="accent1"/>
-          </a:effectRef>
-          <a:fontRef idx="minor">
-            <a:schemeClr val="lt1"/>
-          </a:fontRef>
-        </p:style>
-        <p:txBody>
-          <a:bodyPr rtlCol="0" anchor="ctr"/>
-          <a:lstStyle/>
-          <a:p>
-            <a:pPr algn="ctr"/>
-            <a:r>
-              <a:rPr lang="en-US" dirty="0" smtClean="0">
-                <a:solidFill>
-                  <a:schemeClr val="tx1"/>
-                </a:solidFill>
-              </a:rPr>
-              <a:t>No other files can use the debug variable and insert function</a:t>
-            </a:r>
-            <a:endParaRPr lang="en-US" dirty="0">
-              <a:solidFill>
-                <a:schemeClr val="tx1"/>
-              </a:solidFill>
-            </a:endParaRPr>
-          </a:p>
-        </p:txBody>
-      </p:sp>
-    </p:spTree>
-    <p:extLst>
-      <p:ext uri="{BB962C8B-B14F-4D97-AF65-F5344CB8AC3E}">
-        <p14:creationId xmlns:p14="http://schemas.microsoft.com/office/powerpoint/2010/main" val="642666171"/>
-      </p:ext>
-    </p:extLst>
-  </p:cSld>
-  <p:clrMapOvr>
-    <a:masterClrMapping/>
-  </p:clrMapOvr>
-  <p:timing>
-    <p:tnLst>
-      <p:par>
-        <p:cTn xmlns:p14="http://schemas.microsoft.com/office/powerpoint/2010/main" id="1" dur="indefinite" restart="never" nodeType="tmRoot">
-          <p:childTnLst>
-            <p:seq concurrent="1" nextAc="seek">
-              <p:cTn id="2" dur="indefinite" nodeType="mainSeq">
-                <p:childTnLst>
-                  <p:par>
-                    <p:cTn id="3" fill="hold">
-                      <p:stCondLst>
-                        <p:cond delay="indefinite"/>
-                      </p:stCondLst>
-                      <p:childTnLst>
-                        <p:par>
-                          <p:cTn id="4" fill="hold">
-                            <p:stCondLst>
-                              <p:cond delay="0"/>
-                            </p:stCondLst>
-                            <p:childTnLst>
-                              <p:par>
-                                <p:cTn id="5" presetID="1" presetClass="entr" presetSubtype="0" fill="hold" grpId="0" nodeType="clickEffect">
-                                  <p:stCondLst>
-                                    <p:cond delay="0"/>
-                                  </p:stCondLst>
-                                  <p:childTnLst>
-                                    <p:set>
-                                      <p:cBhvr>
-                                        <p:cTn id="6" dur="1" fill="hold">
-                                          <p:stCondLst>
-                                            <p:cond delay="0"/>
-                                          </p:stCondLst>
-                                        </p:cTn>
-                                        <p:tgtEl>
-                                          <p:spTgt spid="3">
-                                            <p:txEl>
-                                              <p:pRg st="0" end="0"/>
-                                            </p:txEl>
-                                          </p:spTgt>
-                                        </p:tgtEl>
-                                        <p:attrNameLst>
-                                          <p:attrName>style.visibility</p:attrName>
-                                        </p:attrNameLst>
-                                      </p:cBhvr>
-                                      <p:to>
-                                        <p:strVal val="visible"/>
-                                      </p:to>
-                                    </p:set>
-                                  </p:childTnLst>
-                                </p:cTn>
-                              </p:par>
-                            </p:childTnLst>
-                          </p:cTn>
-                        </p:par>
-                      </p:childTnLst>
-                    </p:cTn>
-                  </p:par>
-                  <p:par>
-                    <p:cTn id="7" fill="hold">
-                      <p:stCondLst>
-                        <p:cond delay="indefinite"/>
-                      </p:stCondLst>
-                      <p:childTnLst>
-                        <p:par>
-                          <p:cTn id="8" fill="hold">
-                            <p:stCondLst>
-                              <p:cond delay="0"/>
-                            </p:stCondLst>
-                            <p:childTnLst>
-                              <p:par>
-                                <p:cTn id="9" presetID="1" presetClass="entr" presetSubtype="0" fill="hold" grpId="0" nodeType="clickEffect">
-                                  <p:stCondLst>
-                                    <p:cond delay="0"/>
-                                  </p:stCondLst>
-                                  <p:childTnLst>
-                                    <p:set>
-                                      <p:cBhvr>
-                                        <p:cTn id="10" dur="1" fill="hold">
-                                          <p:stCondLst>
-                                            <p:cond delay="0"/>
-                                          </p:stCondLst>
-                                        </p:cTn>
-                                        <p:tgtEl>
-                                          <p:spTgt spid="3">
-                                            <p:txEl>
-                                              <p:pRg st="1" end="1"/>
-                                            </p:txEl>
-                                          </p:spTgt>
-                                        </p:tgtEl>
-                                        <p:attrNameLst>
-                                          <p:attrName>style.visibility</p:attrName>
-                                        </p:attrNameLst>
-                                      </p:cBhvr>
-                                      <p:to>
-                                        <p:strVal val="visible"/>
-                                      </p:to>
-                                    </p:set>
-                                  </p:childTnLst>
-                                </p:cTn>
-                              </p:par>
-                            </p:childTnLst>
-                          </p:cTn>
-                        </p:par>
-                      </p:childTnLst>
-                    </p:cTn>
-                  </p:par>
-                  <p:par>
-                    <p:cTn id="11" fill="hold">
-                      <p:stCondLst>
-                        <p:cond delay="indefinite"/>
-                      </p:stCondLst>
-                      <p:childTnLst>
-                        <p:par>
-                          <p:cTn id="12" fill="hold">
-                            <p:stCondLst>
-                              <p:cond delay="0"/>
-                            </p:stCondLst>
-                            <p:childTnLst>
-                              <p:par>
-                                <p:cTn id="13" presetID="1" presetClass="entr" presetSubtype="0" fill="hold" grpId="0" nodeType="clickEffect">
-                                  <p:stCondLst>
-                                    <p:cond delay="0"/>
-                                  </p:stCondLst>
-                                  <p:childTnLst>
-                                    <p:set>
-                                      <p:cBhvr>
-                                        <p:cTn id="14" dur="1" fill="hold">
-                                          <p:stCondLst>
-                                            <p:cond delay="0"/>
-                                          </p:stCondLst>
-                                        </p:cTn>
-                                        <p:tgtEl>
-                                          <p:spTgt spid="4"/>
-                                        </p:tgtEl>
-                                        <p:attrNameLst>
-                                          <p:attrName>style.visibility</p:attrName>
-                                        </p:attrNameLst>
-                                      </p:cBhvr>
-                                      <p:to>
-                                        <p:strVal val="visible"/>
-                                      </p:to>
-                                    </p:set>
-                                  </p:childTnLst>
-                                </p:cTn>
-                              </p:par>
-                            </p:childTnLst>
-                          </p:cTn>
-                        </p:par>
-                      </p:childTnLst>
-                    </p:cTn>
-                  </p:par>
-                  <p:par>
-                    <p:cTn id="15" fill="hold">
-                      <p:stCondLst>
-                        <p:cond delay="indefinite"/>
-                      </p:stCondLst>
-                      <p:childTnLst>
-                        <p:par>
-                          <p:cTn id="16" fill="hold">
-                            <p:stCondLst>
-                              <p:cond delay="0"/>
-                            </p:stCondLst>
-                            <p:childTnLst>
-                              <p:par>
-                                <p:cTn id="17" presetID="1" presetClass="entr" presetSubtype="0" fill="hold" grpId="0" nodeType="clickEffect">
-                                  <p:stCondLst>
-                                    <p:cond delay="0"/>
-                                  </p:stCondLst>
-                                  <p:childTnLst>
-                                    <p:set>
-                                      <p:cBhvr>
-                                        <p:cTn id="18" dur="1" fill="hold">
-                                          <p:stCondLst>
-                                            <p:cond delay="0"/>
-                                          </p:stCondLst>
-                                        </p:cTn>
-                                        <p:tgtEl>
-                                          <p:spTgt spid="6"/>
-                                        </p:tgtEl>
-                                        <p:attrNameLst>
-                                          <p:attrName>style.visibility</p:attrName>
-                                        </p:attrNameLst>
-                                      </p:cBhvr>
-                                      <p:to>
-                                        <p:strVal val="visible"/>
-                                      </p:to>
-                                    </p:set>
-                                  </p:childTnLst>
-                                </p:cTn>
-                              </p:par>
-                            </p:childTnLst>
-                          </p:cTn>
-                        </p:par>
-                      </p:childTnLst>
-                    </p:cTn>
-                  </p:par>
-                </p:childTnLst>
-              </p:cTn>
-              <p:prevCondLst>
-                <p:cond evt="onPrev" delay="0">
-                  <p:tgtEl>
-                    <p:sldTgt/>
-                  </p:tgtEl>
-                </p:cond>
-              </p:prevCondLst>
-              <p:nextCondLst>
-                <p:cond evt="onNext" delay="0">
-                  <p:tgtEl>
-                    <p:sldTgt/>
-                  </p:tgtEl>
-                </p:cond>
-              </p:nextCondLst>
-            </p:seq>
-          </p:childTnLst>
-        </p:cTn>
-      </p:par>
-    </p:tnLst>
-    <p:bldLst>
-      <p:bldP spid="3" grpId="0" build="p"/>
-      <p:bldP spid="4" grpId="0" animBg="1"/>
-      <p:bldP spid="6" grpId="0" animBg="1"/>
-    </p:bldLst>
-  </p:timing>
-</p:sld>
-</file>
-
-<file path=ppt/slides/slide9.xml><?xml version="1.0" encoding="utf-8"?>
-<p:sld xmlns:a="http://schemas.openxmlformats.org/drawingml/2006/main" xmlns:r="http://schemas.openxmlformats.org/officeDocument/2006/relationships" xmlns:p="http://schemas.openxmlformats.org/presentationml/2006/main">
-  <p:cSld>
-    <p:spTree>
-      <p:nvGrpSpPr>
-        <p:cNvPr id="1" name=""/>
-        <p:cNvGrpSpPr/>
-        <p:nvPr/>
-      </p:nvGrpSpPr>
-      <p:grpSpPr>
-        <a:xfrm>
-          <a:off x="0" y="0"/>
-          <a:ext cx="0" cy="0"/>
-          <a:chOff x="0" y="0"/>
-          <a:chExt cx="0" cy="0"/>
-        </a:xfrm>
-      </p:grpSpPr>
-      <p:sp>
-        <p:nvSpPr>
-          <p:cNvPr id="2" name="Title 1"/>
-          <p:cNvSpPr>
-            <a:spLocks noGrp="1"/>
-          </p:cNvSpPr>
-          <p:nvPr>
-            <p:ph type="title"/>
-          </p:nvPr>
-        </p:nvSpPr>
-        <p:spPr/>
-        <p:txBody>
-          <a:bodyPr>
-            <a:normAutofit fontScale="90000"/>
-          </a:bodyPr>
-          <a:lstStyle/>
-          <a:p>
-            <a:r>
-              <a:rPr lang="en-US" dirty="0" smtClean="0"/>
-              <a:t>static prefixing local variables means different things</a:t>
-            </a:r>
-            <a:endParaRPr lang="en-US" dirty="0"/>
-          </a:p>
-        </p:txBody>
-      </p:sp>
-      <p:sp>
-        <p:nvSpPr>
-          <p:cNvPr id="3" name="Content Placeholder 2"/>
-          <p:cNvSpPr>
-            <a:spLocks noGrp="1"/>
-          </p:cNvSpPr>
-          <p:nvPr>
-            <p:ph idx="1"/>
-          </p:nvPr>
-        </p:nvSpPr>
-        <p:spPr/>
-        <p:txBody>
-          <a:bodyPr/>
-          <a:lstStyle/>
-          <a:p>
-            <a:r>
-              <a:rPr lang="en-US" dirty="0" smtClean="0"/>
-              <a:t>Normal local variables are de-allocated upon function exit</a:t>
-            </a:r>
-          </a:p>
-          <a:p>
-            <a:r>
-              <a:rPr lang="en-US" dirty="0" smtClean="0"/>
-              <a:t>Static local variables are not de-allocated</a:t>
-            </a:r>
-          </a:p>
-          <a:p>
-            <a:pPr lvl="1"/>
-            <a:r>
-              <a:rPr lang="en-US" dirty="0" smtClean="0"/>
-              <a:t>offers private, persistent storage across function invocation</a:t>
-            </a:r>
-          </a:p>
-          <a:p>
-            <a:pPr lvl="1"/>
-            <a:endParaRPr lang="en-US" dirty="0"/>
-          </a:p>
-        </p:txBody>
-      </p:sp>
-      <p:sp>
-        <p:nvSpPr>
-          <p:cNvPr id="4" name="矩形 3"/>
-          <p:cNvSpPr/>
-          <p:nvPr/>
-        </p:nvSpPr>
-        <p:spPr>
-          <a:xfrm>
-            <a:off x="583699" y="4392058"/>
-            <a:ext cx="7663988" cy="1938992"/>
-          </a:xfrm>
-          <a:prstGeom prst="rect">
-            <a:avLst/>
-          </a:prstGeom>
-          <a:ln>
-            <a:solidFill>
-              <a:schemeClr val="tx1"/>
-            </a:solidFill>
-          </a:ln>
-        </p:spPr>
-        <p:txBody>
-          <a:bodyPr wrap="square">
-            <a:spAutoFit/>
-          </a:bodyPr>
-          <a:lstStyle/>
-          <a:p>
-            <a:r>
-              <a:rPr lang="en-US" altLang="zh-CN" sz="2000" dirty="0" smtClean="0">
-                <a:latin typeface="Consolas"/>
-                <a:cs typeface="Consolas"/>
-              </a:rPr>
-              <a:t>node* insert(node *head, </a:t>
-            </a:r>
-            <a:r>
-              <a:rPr lang="en-US" altLang="zh-CN" sz="2000" dirty="0" err="1" smtClean="0">
-                <a:latin typeface="Consolas"/>
-                <a:cs typeface="Consolas"/>
-              </a:rPr>
-              <a:t>int</a:t>
-            </a:r>
-            <a:r>
-              <a:rPr lang="en-US" altLang="zh-CN" sz="2000" dirty="0" smtClean="0">
-                <a:latin typeface="Consolas"/>
-                <a:cs typeface="Consolas"/>
-              </a:rPr>
-              <a:t> </a:t>
-            </a:r>
-            <a:r>
-              <a:rPr lang="en-US" altLang="zh-CN" sz="2000" dirty="0" err="1" smtClean="0">
-                <a:latin typeface="Consolas"/>
-                <a:cs typeface="Consolas"/>
-              </a:rPr>
-              <a:t>val</a:t>
-            </a:r>
-            <a:r>
-              <a:rPr lang="en-US" altLang="zh-CN" sz="2000" dirty="0" smtClean="0">
-                <a:latin typeface="Consolas"/>
-                <a:cs typeface="Consolas"/>
-              </a:rPr>
-              <a:t>) {</a:t>
-            </a:r>
-          </a:p>
-          <a:p>
-            <a:r>
-              <a:rPr lang="en-US" altLang="zh-CN" sz="2000" b="1" dirty="0" smtClean="0">
-                <a:solidFill>
-                  <a:srgbClr val="FF0000"/>
-                </a:solidFill>
-                <a:latin typeface="Consolas"/>
-                <a:cs typeface="Consolas"/>
-              </a:rPr>
-              <a:t>    </a:t>
-            </a:r>
-            <a:r>
-              <a:rPr lang="en-US" altLang="zh-CN" sz="2000" dirty="0" smtClean="0">
-                <a:solidFill>
-                  <a:srgbClr val="FF0000"/>
-                </a:solidFill>
-                <a:latin typeface="Consolas"/>
-                <a:cs typeface="Consolas"/>
-              </a:rPr>
-              <a:t>static </a:t>
-            </a:r>
-            <a:r>
-              <a:rPr lang="en-US" altLang="zh-CN" sz="2000" dirty="0" err="1" smtClean="0">
-                <a:solidFill>
-                  <a:srgbClr val="FF0000"/>
-                </a:solidFill>
-                <a:latin typeface="Consolas"/>
-                <a:cs typeface="Consolas"/>
-              </a:rPr>
-              <a:t>int</a:t>
-            </a:r>
-            <a:r>
-              <a:rPr lang="en-US" altLang="zh-CN" sz="2000" dirty="0" smtClean="0">
-                <a:solidFill>
-                  <a:srgbClr val="FF0000"/>
-                </a:solidFill>
-                <a:latin typeface="Consolas"/>
-                <a:cs typeface="Consolas"/>
-              </a:rPr>
-              <a:t> </a:t>
-            </a:r>
-            <a:r>
-              <a:rPr lang="en-US" altLang="zh-CN" sz="2000" dirty="0" err="1" smtClean="0">
-                <a:solidFill>
-                  <a:srgbClr val="FF0000"/>
-                </a:solidFill>
-                <a:latin typeface="Consolas"/>
-                <a:cs typeface="Consolas"/>
-              </a:rPr>
-              <a:t>n_inserts</a:t>
-            </a:r>
-            <a:r>
-              <a:rPr lang="en-US" altLang="zh-CN" sz="2000" dirty="0" smtClean="0">
-                <a:solidFill>
-                  <a:srgbClr val="FF0000"/>
-                </a:solidFill>
-                <a:latin typeface="Consolas"/>
-                <a:cs typeface="Consolas"/>
-              </a:rPr>
-              <a:t> = 0;</a:t>
-            </a:r>
-          </a:p>
-          <a:p>
-            <a:r>
-              <a:rPr lang="en-US" altLang="zh-CN" sz="2000" dirty="0" smtClean="0">
-                <a:latin typeface="Consolas"/>
-                <a:cs typeface="Consolas"/>
-              </a:rPr>
-              <a:t>    ...</a:t>
-            </a:r>
-          </a:p>
-          <a:p>
-            <a:r>
-              <a:rPr lang="en-US" altLang="zh-CN" sz="2000" dirty="0">
-                <a:latin typeface="Consolas"/>
-                <a:cs typeface="Consolas"/>
-              </a:rPr>
-              <a:t> </a:t>
-            </a:r>
-            <a:r>
-              <a:rPr lang="en-US" altLang="zh-CN" sz="2000" dirty="0" smtClean="0">
-                <a:latin typeface="Consolas"/>
-                <a:cs typeface="Consolas"/>
-              </a:rPr>
-              <a:t>   </a:t>
-            </a:r>
-            <a:r>
-              <a:rPr lang="en-US" altLang="zh-CN" sz="2000" dirty="0" err="1" smtClean="0">
-                <a:latin typeface="Consolas"/>
-                <a:cs typeface="Consolas"/>
-              </a:rPr>
-              <a:t>n_inserts</a:t>
-            </a:r>
-            <a:r>
-              <a:rPr lang="en-US" altLang="zh-CN" sz="2000" dirty="0" smtClean="0">
-                <a:latin typeface="Consolas"/>
-                <a:cs typeface="Consolas"/>
-              </a:rPr>
-              <a:t>++;</a:t>
-            </a:r>
-          </a:p>
-          <a:p>
-            <a:r>
-              <a:rPr lang="en-US" altLang="zh-CN" sz="2000" dirty="0">
-                <a:latin typeface="Consolas"/>
-                <a:cs typeface="Consolas"/>
-              </a:rPr>
-              <a:t> </a:t>
-            </a:r>
-            <a:r>
-              <a:rPr lang="en-US" altLang="zh-CN" sz="2000" dirty="0" smtClean="0">
-                <a:latin typeface="Consolas"/>
-                <a:cs typeface="Consolas"/>
-              </a:rPr>
-              <a:t>   </a:t>
-            </a:r>
-            <a:r>
-              <a:rPr lang="en-US" altLang="zh-CN" sz="2000" dirty="0" err="1" smtClean="0">
-                <a:latin typeface="Consolas"/>
-                <a:cs typeface="Consolas"/>
-              </a:rPr>
-              <a:t>printf</a:t>
-            </a:r>
-            <a:r>
-              <a:rPr lang="en-US" altLang="zh-CN" sz="2000" dirty="0" smtClean="0">
-                <a:latin typeface="Consolas"/>
-                <a:cs typeface="Consolas"/>
-              </a:rPr>
-              <a:t>(“number of inserts %d\n”, </a:t>
-            </a:r>
-            <a:r>
-              <a:rPr lang="en-US" altLang="zh-CN" sz="2000" dirty="0" err="1" smtClean="0">
-                <a:latin typeface="Consolas"/>
-                <a:cs typeface="Consolas"/>
-              </a:rPr>
-              <a:t>n_inserts</a:t>
-            </a:r>
-            <a:r>
-              <a:rPr lang="en-US" altLang="zh-CN" sz="2000" dirty="0" smtClean="0">
-                <a:latin typeface="Consolas"/>
-                <a:cs typeface="Consolas"/>
-              </a:rPr>
-              <a:t>);</a:t>
-            </a:r>
-          </a:p>
-          <a:p>
-            <a:r>
-              <a:rPr lang="en-US" altLang="zh-CN" sz="2000" dirty="0" smtClean="0">
-                <a:latin typeface="Consolas"/>
-                <a:cs typeface="Consolas"/>
-              </a:rPr>
-              <a:t>}</a:t>
-            </a:r>
-          </a:p>
-        </p:txBody>
-      </p:sp>
-      <p:sp>
-        <p:nvSpPr>
-          <p:cNvPr id="5" name="Rounded Rectangular Callout 4"/>
-          <p:cNvSpPr/>
-          <p:nvPr/>
-        </p:nvSpPr>
-        <p:spPr>
-          <a:xfrm>
-            <a:off x="6029011" y="3890153"/>
-            <a:ext cx="2218676" cy="1462824"/>
-          </a:xfrm>
-          <a:prstGeom prst="wedgeRoundRectCallout">
-            <a:avLst>
-              <a:gd name="adj1" fmla="val -101268"/>
-              <a:gd name="adj2" fmla="val 15944"/>
-              <a:gd name="adj3" fmla="val 16667"/>
-            </a:avLst>
-          </a:prstGeom>
-          <a:solidFill>
-            <a:schemeClr val="accent1">
-              <a:lumMod val="40000"/>
-              <a:lumOff val="60000"/>
-            </a:schemeClr>
-          </a:solidFill>
-        </p:spPr>
-        <p:style>
-          <a:lnRef idx="1">
-            <a:schemeClr val="accent1"/>
-          </a:lnRef>
-          <a:fillRef idx="3">
-            <a:schemeClr val="accent1"/>
-          </a:fillRef>
-          <a:effectRef idx="2">
-            <a:schemeClr val="accent1"/>
-          </a:effectRef>
-          <a:fontRef idx="minor">
-            <a:schemeClr val="lt1"/>
-          </a:fontRef>
-        </p:style>
-        <p:txBody>
-          <a:bodyPr rtlCol="0" anchor="ctr"/>
-          <a:lstStyle/>
-          <a:p>
-            <a:pPr algn="ctr"/>
-            <a:r>
-              <a:rPr lang="en-US" dirty="0" smtClean="0">
-                <a:solidFill>
-                  <a:srgbClr val="000000"/>
-                </a:solidFill>
-              </a:rPr>
-              <a:t>initialized once, never </a:t>
-            </a:r>
-            <a:r>
-              <a:rPr lang="en-US" dirty="0" err="1" smtClean="0">
-                <a:solidFill>
-                  <a:srgbClr val="000000"/>
-                </a:solidFill>
-              </a:rPr>
-              <a:t>deallocated</a:t>
-            </a:r>
-            <a:endParaRPr lang="en-US" dirty="0" smtClean="0">
-              <a:solidFill>
-                <a:srgbClr val="000000"/>
-              </a:solidFill>
-            </a:endParaRPr>
-          </a:p>
-          <a:p>
-            <a:pPr algn="ctr"/>
-            <a:r>
-              <a:rPr lang="en-US" dirty="0" smtClean="0">
-                <a:solidFill>
-                  <a:schemeClr val="tx1"/>
-                </a:solidFill>
-              </a:rPr>
-              <a:t>(like a global variable, except with local scape)</a:t>
-            </a:r>
-            <a:endParaRPr lang="en-US" dirty="0">
-              <a:solidFill>
-                <a:schemeClr val="tx1"/>
-              </a:solidFill>
-            </a:endParaRPr>
-          </a:p>
-        </p:txBody>
-      </p:sp>
-    </p:spTree>
-    <p:extLst>
-      <p:ext uri="{BB962C8B-B14F-4D97-AF65-F5344CB8AC3E}">
-        <p14:creationId xmlns:p14="http://schemas.microsoft.com/office/powerpoint/2010/main" val="3989608826"/>
-      </p:ext>
-    </p:extLst>
-  </p:cSld>
-  <p:clrMapOvr>
-    <a:masterClrMapping/>
-  </p:clrMapOvr>
-  <p:timing>
-    <p:tnLst>
-      <p:par>
-        <p:cTn xmlns:p14="http://schemas.microsoft.com/office/powerpoint/2010/main" id="1" dur="indefinite" restart="never" nodeType="tmRoot">
-          <p:childTnLst>
-            <p:seq concurrent="1" nextAc="seek">
-              <p:cTn id="2" dur="indefinite" nodeType="mainSeq">
-                <p:childTnLst>
-                  <p:par>
-                    <p:cTn id="3" fill="hold">
-                      <p:stCondLst>
-                        <p:cond delay="indefinite"/>
-                      </p:stCondLst>
-                      <p:childTnLst>
-                        <p:par>
-                          <p:cTn id="4" fill="hold">
-                            <p:stCondLst>
-                              <p:cond delay="0"/>
-                            </p:stCondLst>
-                            <p:childTnLst>
-                              <p:par>
-                                <p:cTn id="5" presetID="1" presetClass="entr" presetSubtype="0" fill="hold" grpId="0" nodeType="clickEffect">
-                                  <p:stCondLst>
-                                    <p:cond delay="0"/>
-                                  </p:stCondLst>
-                                  <p:childTnLst>
-                                    <p:set>
-                                      <p:cBhvr>
-                                        <p:cTn id="6" dur="1" fill="hold">
-                                          <p:stCondLst>
-                                            <p:cond delay="0"/>
-                                          </p:stCondLst>
-                                        </p:cTn>
-                                        <p:tgtEl>
-                                          <p:spTgt spid="3">
-                                            <p:txEl>
-                                              <p:pRg st="0" end="0"/>
-                                            </p:txEl>
-                                          </p:spTgt>
-                                        </p:tgtEl>
-                                        <p:attrNameLst>
-                                          <p:attrName>style.visibility</p:attrName>
-                                        </p:attrNameLst>
-                                      </p:cBhvr>
-                                      <p:to>
-                                        <p:strVal val="visible"/>
-                                      </p:to>
-                                    </p:set>
-                                  </p:childTnLst>
-                                </p:cTn>
-                              </p:par>
-                            </p:childTnLst>
-                          </p:cTn>
-                        </p:par>
-                      </p:childTnLst>
-                    </p:cTn>
-                  </p:par>
-                  <p:par>
-                    <p:cTn id="7" fill="hold">
-                      <p:stCondLst>
-                        <p:cond delay="indefinite"/>
-                      </p:stCondLst>
-                      <p:childTnLst>
-                        <p:par>
-                          <p:cTn id="8" fill="hold">
-                            <p:stCondLst>
-                              <p:cond delay="0"/>
-                            </p:stCondLst>
-                            <p:childTnLst>
-                              <p:par>
-                                <p:cTn id="9" presetID="1" presetClass="entr" presetSubtype="0" fill="hold" grpId="0" nodeType="clickEffect">
-                                  <p:stCondLst>
-                                    <p:cond delay="0"/>
-                                  </p:stCondLst>
-                                  <p:childTnLst>
-                                    <p:set>
-                                      <p:cBhvr>
-                                        <p:cTn id="10" dur="1" fill="hold">
-                                          <p:stCondLst>
-                                            <p:cond delay="0"/>
-                                          </p:stCondLst>
-                                        </p:cTn>
-                                        <p:tgtEl>
-                                          <p:spTgt spid="3">
-                                            <p:txEl>
-                                              <p:pRg st="1" end="1"/>
-                                            </p:txEl>
-                                          </p:spTgt>
-                                        </p:tgtEl>
-                                        <p:attrNameLst>
-                                          <p:attrName>style.visibility</p:attrName>
-                                        </p:attrNameLst>
-                                      </p:cBhvr>
-                                      <p:to>
-                                        <p:strVal val="visible"/>
-                                      </p:to>
-                                    </p:set>
-                                  </p:childTnLst>
-                                </p:cTn>
-                              </p:par>
-                              <p:par>
-                                <p:cTn id="11" presetID="1" presetClass="entr" presetSubtype="0" fill="hold" grpId="0" nodeType="withEffect">
-                                  <p:stCondLst>
-                                    <p:cond delay="0"/>
-                                  </p:stCondLst>
-                                  <p:childTnLst>
-                                    <p:set>
-                                      <p:cBhvr>
-                                        <p:cTn id="12" dur="1" fill="hold">
-                                          <p:stCondLst>
-                                            <p:cond delay="0"/>
-                                          </p:stCondLst>
-                                        </p:cTn>
-                                        <p:tgtEl>
-                                          <p:spTgt spid="3">
-                                            <p:txEl>
-                                              <p:pRg st="2" end="2"/>
-                                            </p:txEl>
-                                          </p:spTgt>
-                                        </p:tgtEl>
-                                        <p:attrNameLst>
-                                          <p:attrName>style.visibility</p:attrName>
-                                        </p:attrNameLst>
-                                      </p:cBhvr>
-                                      <p:to>
-                                        <p:strVal val="visible"/>
-                                      </p:to>
-                                    </p:set>
-                                  </p:childTnLst>
-                                </p:cTn>
-                              </p:par>
-                            </p:childTnLst>
-                          </p:cTn>
-                        </p:par>
-                      </p:childTnLst>
-                    </p:cTn>
-                  </p:par>
-                  <p:par>
-                    <p:cTn id="13" fill="hold">
-                      <p:stCondLst>
-                        <p:cond delay="indefinite"/>
-                      </p:stCondLst>
-                      <p:childTnLst>
-                        <p:par>
-                          <p:cTn id="14" fill="hold">
-                            <p:stCondLst>
-                              <p:cond delay="0"/>
-                            </p:stCondLst>
-                            <p:childTnLst>
-                              <p:par>
-                                <p:cTn id="15" presetID="1" presetClass="entr" presetSubtype="0" fill="hold" grpId="0" nodeType="clickEffect">
-                                  <p:stCondLst>
-                                    <p:cond delay="0"/>
-                                  </p:stCondLst>
-                                  <p:childTnLst>
-                                    <p:set>
-                                      <p:cBhvr>
-                                        <p:cTn id="16" dur="1" fill="hold">
-                                          <p:stCondLst>
-                                            <p:cond delay="0"/>
-                                          </p:stCondLst>
-                                        </p:cTn>
-                                        <p:tgtEl>
-                                          <p:spTgt spid="4"/>
-                                        </p:tgtEl>
-                                        <p:attrNameLst>
-                                          <p:attrName>style.visibility</p:attrName>
-                                        </p:attrNameLst>
-                                      </p:cBhvr>
-                                      <p:to>
-                                        <p:strVal val="visible"/>
-                                      </p:to>
-                                    </p:set>
-                                  </p:childTnLst>
-                                </p:cTn>
-                              </p:par>
-                            </p:childTnLst>
-                          </p:cTn>
-                        </p:par>
-                      </p:childTnLst>
-                    </p:cTn>
-                  </p:par>
-                  <p:par>
-                    <p:cTn id="17" fill="hold">
-                      <p:stCondLst>
-                        <p:cond delay="indefinite"/>
-                      </p:stCondLst>
-                      <p:childTnLst>
-                        <p:par>
-                          <p:cTn id="18" fill="hold">
-                            <p:stCondLst>
-                              <p:cond delay="0"/>
-                            </p:stCondLst>
-                            <p:childTnLst>
-                              <p:par>
-                                <p:cTn id="19" presetID="1" presetClass="entr" presetSubtype="0" fill="hold" grpId="0" nodeType="clickEffect">
-                                  <p:stCondLst>
-                                    <p:cond delay="0"/>
-                                  </p:stCondLst>
-                                  <p:childTnLst>
-                                    <p:set>
-                                      <p:cBhvr>
-                                        <p:cTn id="20" dur="1" fill="hold">
-                                          <p:stCondLst>
-                                            <p:cond delay="0"/>
-                                          </p:stCondLst>
-                                        </p:cTn>
-                                        <p:tgtEl>
-                                          <p:spTgt spid="5"/>
-                                        </p:tgtEl>
-                                        <p:attrNameLst>
-                                          <p:attrName>style.visibility</p:attrName>
-                                        </p:attrNameLst>
-                                      </p:cBhvr>
-                                      <p:to>
-                                        <p:strVal val="visible"/>
-                                      </p:to>
-                                    </p:set>
-                                  </p:childTnLst>
-                                </p:cTn>
-                              </p:par>
-                            </p:childTnLst>
-                          </p:cTn>
-                        </p:par>
-                      </p:childTnLst>
-                    </p:cTn>
-                  </p:par>
-                </p:childTnLst>
-              </p:cTn>
-              <p:prevCondLst>
-                <p:cond evt="onPrev" delay="0">
-                  <p:tgtEl>
-                    <p:sldTgt/>
-                  </p:tgtEl>
-                </p:cond>
-              </p:prevCondLst>
-              <p:nextCondLst>
-                <p:cond evt="onNext" delay="0">
-                  <p:tgtEl>
-                    <p:sldTgt/>
-                  </p:tgtEl>
-                </p:cond>
-              </p:nextCondLst>
-            </p:seq>
-          </p:childTnLst>
-        </p:cTn>
-      </p:par>
-    </p:tnLst>
-    <p:bldLst>
-      <p:bldP spid="3" grpId="0" build="p"/>
-      <p:bldP spid="4" grpId="0" animBg="1"/>
-      <p:bldP spid="5" grpId="0" animBg="1"/>
     </p:bldLst>
   </p:timing>
 </p:sld>

--- a/notes/07-largec-io.pptx
+++ b/notes/07-largec-io.pptx
@@ -4581,18 +4581,10 @@
                   <a:schemeClr val="tx1"/>
                 </a:solidFill>
               </a:rPr>
-              <a:t>(like a global variable, except with </a:t>
-            </a:r>
-            <a:r>
-              <a:rPr lang="en-US" smtClean="0">
-                <a:solidFill>
-                  <a:schemeClr val="tx1"/>
-                </a:solidFill>
-              </a:rPr>
-              <a:t>local </a:t>
-            </a:r>
-            <a:r>
-              <a:rPr lang="en-US" smtClean="0">
+              <a:t>(like a global variable, except with local </a:t>
+            </a:r>
+            <a:r>
+              <a:rPr lang="en-US" dirty="0" smtClean="0">
                 <a:solidFill>
                   <a:schemeClr val="tx1"/>
                 </a:solidFill>
@@ -12868,35 +12860,21 @@
                 <a:latin typeface="Consolas"/>
                 <a:cs typeface="Consolas"/>
               </a:rPr>
-              <a:t>    while (!</a:t>
-            </a:r>
-            <a:r>
-              <a:rPr lang="en-US" altLang="zh-CN" sz="2000" dirty="0" err="1" smtClean="0">
-                <a:latin typeface="Consolas"/>
-                <a:cs typeface="Consolas"/>
-              </a:rPr>
-              <a:t>feof</a:t>
-            </a:r>
-            <a:r>
-              <a:rPr lang="en-US" altLang="zh-CN" sz="2000" dirty="0" smtClean="0">
-                <a:latin typeface="Consolas"/>
-                <a:cs typeface="Consolas"/>
-              </a:rPr>
-              <a:t>(</a:t>
-            </a:r>
-            <a:r>
-              <a:rPr lang="en-US" altLang="zh-CN" sz="2000" dirty="0" err="1" smtClean="0">
-                <a:latin typeface="Consolas"/>
-                <a:cs typeface="Consolas"/>
-              </a:rPr>
-              <a:t>fp</a:t>
-            </a:r>
-            <a:r>
-              <a:rPr lang="en-US" altLang="zh-CN" sz="2000" dirty="0" smtClean="0">
-                <a:latin typeface="Consolas"/>
-                <a:cs typeface="Consolas"/>
-              </a:rPr>
-              <a:t>)) {</a:t>
+              <a:t>    while </a:t>
+            </a:r>
+            <a:r>
+              <a:rPr lang="en-US" altLang="zh-CN" sz="2000" dirty="0" smtClean="0">
+                <a:latin typeface="Consolas"/>
+                <a:cs typeface="Consolas"/>
+              </a:rPr>
+              <a:t>(true) </a:t>
+            </a:r>
+            <a:r>
+              <a:rPr lang="en-US" altLang="zh-CN" sz="2000" dirty="0" smtClean="0">
+                <a:latin typeface="Consolas"/>
+                <a:cs typeface="Consolas"/>
+              </a:rPr>
+              <a:t>{</a:t>
             </a:r>
           </a:p>
           <a:p>
@@ -15717,14 +15695,14 @@
               <a:t>buf</a:t>
             </a:r>
             <a:r>
-              <a:rPr lang="en-US" altLang="zh-CN" dirty="0">
+              <a:rPr lang="en-US" altLang="zh-CN" dirty="0" smtClean="0">
                 <a:solidFill>
                   <a:srgbClr val="3366FF"/>
                 </a:solidFill>
                 <a:latin typeface="Consolas"/>
                 <a:cs typeface="Consolas"/>
               </a:rPr>
-              <a:t>[1000]</a:t>
+              <a:t>[BUFSZ]</a:t>
             </a:r>
             <a:r>
               <a:rPr lang="en-US" altLang="zh-CN" dirty="0" smtClean="0">
@@ -15837,24 +15815,24 @@
               <a:t>buf</a:t>
             </a:r>
             <a:r>
-              <a:rPr lang="en-US" altLang="zh-CN" dirty="0">
+              <a:rPr lang="en-US" altLang="zh-CN">
                 <a:solidFill>
                   <a:srgbClr val="3366FF"/>
                 </a:solidFill>
                 <a:latin typeface="Consolas"/>
                 <a:cs typeface="Consolas"/>
               </a:rPr>
-              <a:t>, 1000</a:t>
-            </a:r>
-            <a:r>
-              <a:rPr lang="en-US" altLang="zh-CN" dirty="0" smtClean="0">
+              <a:t>, </a:t>
+            </a:r>
+            <a:r>
+              <a:rPr lang="en-US" altLang="zh-CN" smtClean="0">
                 <a:solidFill>
                   <a:srgbClr val="3366FF"/>
                 </a:solidFill>
                 <a:latin typeface="Consolas"/>
                 <a:cs typeface="Consolas"/>
               </a:rPr>
-              <a:t>, </a:t>
+              <a:t>BUFSZ, </a:t>
             </a:r>
             <a:r>
               <a:rPr lang="en-US" altLang="zh-CN" dirty="0" err="1" smtClean="0">
